--- a/docs/Python入门编程100例.pptx
+++ b/docs/Python入门编程100例.pptx
@@ -5,7 +5,7 @@
     <p:sldMasterId id="2147483648" r:id="rId1"/>
   </p:sldMasterIdLst>
   <p:notesMasterIdLst>
-    <p:notesMasterId r:id="rId8"/>
+    <p:notesMasterId r:id="rId11"/>
   </p:notesMasterIdLst>
   <p:sldIdLst>
     <p:sldId id="256" r:id="rId2"/>
@@ -13,7 +13,10 @@
     <p:sldId id="258" r:id="rId4"/>
     <p:sldId id="261" r:id="rId5"/>
     <p:sldId id="259" r:id="rId6"/>
-    <p:sldId id="260" r:id="rId7"/>
+    <p:sldId id="262" r:id="rId7"/>
+    <p:sldId id="260" r:id="rId8"/>
+    <p:sldId id="263" r:id="rId9"/>
+    <p:sldId id="264" r:id="rId10"/>
   </p:sldIdLst>
   <p:sldSz cx="12192000" cy="6858000"/>
   <p:notesSz cx="6858000" cy="9144000"/>
@@ -202,7 +205,7 @@
           <a:p>
             <a:fld id="{27B4EF14-D706-E540-9C85-6AD8A04B773D}" type="datetimeFigureOut">
               <a:rPr kumimoji="1" lang="zh-CN" altLang="en-US" smtClean="0"/>
-              <a:t>2021/3/16</a:t>
+              <a:t>2021/3/18</a:t>
             </a:fld>
             <a:endParaRPr kumimoji="1" lang="zh-CN" altLang="en-US"/>
           </a:p>
@@ -740,7 +743,7 @@
           <a:p>
             <a:fld id="{2B2F4EC2-494F-A64C-8801-750069A7A6FB}" type="slidenum">
               <a:rPr kumimoji="1" lang="zh-CN" altLang="en-US" smtClean="0"/>
-              <a:t>6</a:t>
+              <a:t>7</a:t>
             </a:fld>
             <a:endParaRPr kumimoji="1" lang="zh-CN" altLang="en-US"/>
           </a:p>
@@ -750,6 +753,102 @@
     <p:extLst>
       <p:ext uri="{BB962C8B-B14F-4D97-AF65-F5344CB8AC3E}">
         <p14:creationId xmlns:p14="http://schemas.microsoft.com/office/powerpoint/2010/main" val="302070980"/>
+      </p:ext>
+    </p:extLst>
+  </p:cSld>
+  <p:clrMapOvr>
+    <a:masterClrMapping/>
+  </p:clrMapOvr>
+</p:notes>
+</file>
+
+<file path=ppt/notesSlides/notesSlide4.xml><?xml version="1.0" encoding="utf-8"?>
+<p:notes xmlns:a="http://schemas.openxmlformats.org/drawingml/2006/main" xmlns:r="http://schemas.openxmlformats.org/officeDocument/2006/relationships" xmlns:p="http://schemas.openxmlformats.org/presentationml/2006/main">
+  <p:cSld>
+    <p:spTree>
+      <p:nvGrpSpPr>
+        <p:cNvPr id="1" name=""/>
+        <p:cNvGrpSpPr/>
+        <p:nvPr/>
+      </p:nvGrpSpPr>
+      <p:grpSpPr>
+        <a:xfrm>
+          <a:off x="0" y="0"/>
+          <a:ext cx="0" cy="0"/>
+          <a:chOff x="0" y="0"/>
+          <a:chExt cx="0" cy="0"/>
+        </a:xfrm>
+      </p:grpSpPr>
+      <p:sp>
+        <p:nvSpPr>
+          <p:cNvPr id="2" name="幻灯片图像占位符 1"/>
+          <p:cNvSpPr>
+            <a:spLocks noGrp="1" noRot="1" noChangeAspect="1"/>
+          </p:cNvSpPr>
+          <p:nvPr>
+            <p:ph type="sldImg"/>
+          </p:nvPr>
+        </p:nvSpPr>
+        <p:spPr/>
+      </p:sp>
+      <p:sp>
+        <p:nvSpPr>
+          <p:cNvPr id="3" name="备注占位符 2"/>
+          <p:cNvSpPr>
+            <a:spLocks noGrp="1"/>
+          </p:cNvSpPr>
+          <p:nvPr>
+            <p:ph type="body" idx="1"/>
+          </p:nvPr>
+        </p:nvSpPr>
+        <p:spPr/>
+        <p:txBody>
+          <a:bodyPr/>
+          <a:lstStyle/>
+          <a:p>
+            <a:r>
+              <a:rPr kumimoji="1" lang="en" altLang="zh-CN" dirty="0"/>
+              <a:t>https://</a:t>
+            </a:r>
+            <a:r>
+              <a:rPr kumimoji="1" lang="en" altLang="zh-CN" dirty="0" err="1"/>
+              <a:t>www.geeksforgeeks.org</a:t>
+            </a:r>
+            <a:r>
+              <a:rPr kumimoji="1" lang="en" altLang="zh-CN"/>
+              <a:t>/python-program-for-program-to-find-area-of-a-circle/</a:t>
+            </a:r>
+            <a:endParaRPr kumimoji="1" lang="zh-CN" altLang="en-US" dirty="0"/>
+          </a:p>
+        </p:txBody>
+      </p:sp>
+      <p:sp>
+        <p:nvSpPr>
+          <p:cNvPr id="4" name="灯片编号占位符 3"/>
+          <p:cNvSpPr>
+            <a:spLocks noGrp="1"/>
+          </p:cNvSpPr>
+          <p:nvPr>
+            <p:ph type="sldNum" sz="quarter" idx="5"/>
+          </p:nvPr>
+        </p:nvSpPr>
+        <p:spPr/>
+        <p:txBody>
+          <a:bodyPr/>
+          <a:lstStyle/>
+          <a:p>
+            <a:fld id="{2B2F4EC2-494F-A64C-8801-750069A7A6FB}" type="slidenum">
+              <a:rPr kumimoji="1" lang="zh-CN" altLang="en-US" smtClean="0"/>
+              <a:t>9</a:t>
+            </a:fld>
+            <a:endParaRPr kumimoji="1" lang="zh-CN" altLang="en-US"/>
+          </a:p>
+        </p:txBody>
+      </p:sp>
+    </p:spTree>
+    <p:extLst>
+      <p:ext uri="{BB962C8B-B14F-4D97-AF65-F5344CB8AC3E}">
+        <p14:creationId xmlns:p14="http://schemas.microsoft.com/office/powerpoint/2010/main" val="1442079288"/>
       </p:ext>
     </p:extLst>
   </p:cSld>
@@ -989,7 +1088,7 @@
             <a:fld id="{B61BEF0D-F0BB-DE4B-95CE-6DB70DBA9567}" type="datetimeFigureOut">
               <a:rPr lang="en-US" dirty="0"/>
               <a:pPr/>
-              <a:t>3/16/21</a:t>
+              <a:t>3/18/21</a:t>
             </a:fld>
             <a:endParaRPr lang="en-US" dirty="0"/>
           </a:p>
@@ -1320,7 +1419,7 @@
             <a:fld id="{B61BEF0D-F0BB-DE4B-95CE-6DB70DBA9567}" type="datetimeFigureOut">
               <a:rPr lang="en-US" dirty="0"/>
               <a:pPr/>
-              <a:t>3/16/21</a:t>
+              <a:t>3/18/21</a:t>
             </a:fld>
             <a:endParaRPr lang="en-US" dirty="0"/>
           </a:p>
@@ -1595,7 +1694,7 @@
             <a:fld id="{B61BEF0D-F0BB-DE4B-95CE-6DB70DBA9567}" type="datetimeFigureOut">
               <a:rPr lang="en-US" dirty="0"/>
               <a:pPr/>
-              <a:t>3/16/21</a:t>
+              <a:t>3/18/21</a:t>
             </a:fld>
             <a:endParaRPr lang="en-US" dirty="0"/>
           </a:p>
@@ -2160,7 +2259,7 @@
             <a:fld id="{B61BEF0D-F0BB-DE4B-95CE-6DB70DBA9567}" type="datetimeFigureOut">
               <a:rPr lang="en-US" dirty="0"/>
               <a:pPr/>
-              <a:t>3/16/21</a:t>
+              <a:t>3/18/21</a:t>
             </a:fld>
             <a:endParaRPr lang="en-US" dirty="0"/>
           </a:p>
@@ -2435,7 +2534,7 @@
             <a:fld id="{B61BEF0D-F0BB-DE4B-95CE-6DB70DBA9567}" type="datetimeFigureOut">
               <a:rPr lang="en-US" dirty="0"/>
               <a:pPr/>
-              <a:t>3/16/21</a:t>
+              <a:t>3/18/21</a:t>
             </a:fld>
             <a:endParaRPr lang="en-US" dirty="0"/>
           </a:p>
@@ -2994,7 +3093,7 @@
             <a:fld id="{B61BEF0D-F0BB-DE4B-95CE-6DB70DBA9567}" type="datetimeFigureOut">
               <a:rPr lang="en-US" dirty="0"/>
               <a:pPr/>
-              <a:t>3/16/21</a:t>
+              <a:t>3/18/21</a:t>
             </a:fld>
             <a:endParaRPr lang="en-US" dirty="0"/>
           </a:p>
@@ -3318,7 +3417,7 @@
             <a:fld id="{B61BEF0D-F0BB-DE4B-95CE-6DB70DBA9567}" type="datetimeFigureOut">
               <a:rPr lang="en-US" dirty="0"/>
               <a:pPr/>
-              <a:t>3/16/21</a:t>
+              <a:t>3/18/21</a:t>
             </a:fld>
             <a:endParaRPr lang="en-US" dirty="0"/>
           </a:p>
@@ -3492,7 +3591,7 @@
             <a:fld id="{B61BEF0D-F0BB-DE4B-95CE-6DB70DBA9567}" type="datetimeFigureOut">
               <a:rPr lang="en-US" dirty="0"/>
               <a:pPr/>
-              <a:t>3/16/21</a:t>
+              <a:t>3/18/21</a:t>
             </a:fld>
             <a:endParaRPr lang="en-US" dirty="0"/>
           </a:p>
@@ -3727,7 +3826,7 @@
             <a:fld id="{B61BEF0D-F0BB-DE4B-95CE-6DB70DBA9567}" type="datetimeFigureOut">
               <a:rPr lang="en-US" dirty="0"/>
               <a:pPr/>
-              <a:t>3/16/21</a:t>
+              <a:t>3/18/21</a:t>
             </a:fld>
             <a:endParaRPr lang="en-US" dirty="0"/>
           </a:p>
@@ -3924,7 +4023,7 @@
             <a:fld id="{B61BEF0D-F0BB-DE4B-95CE-6DB70DBA9567}" type="datetimeFigureOut">
               <a:rPr lang="en-US" dirty="0"/>
               <a:pPr/>
-              <a:t>3/16/21</a:t>
+              <a:t>3/18/21</a:t>
             </a:fld>
             <a:endParaRPr lang="en-US" dirty="0"/>
           </a:p>
@@ -4197,7 +4296,7 @@
             <a:fld id="{B61BEF0D-F0BB-DE4B-95CE-6DB70DBA9567}" type="datetimeFigureOut">
               <a:rPr lang="en-US" dirty="0"/>
               <a:pPr/>
-              <a:t>3/16/21</a:t>
+              <a:t>3/18/21</a:t>
             </a:fld>
             <a:endParaRPr lang="en-US" dirty="0"/>
           </a:p>
@@ -4460,7 +4559,7 @@
             <a:fld id="{B61BEF0D-F0BB-DE4B-95CE-6DB70DBA9567}" type="datetimeFigureOut">
               <a:rPr lang="en-US" dirty="0"/>
               <a:pPr/>
-              <a:t>3/16/21</a:t>
+              <a:t>3/18/21</a:t>
             </a:fld>
             <a:endParaRPr lang="en-US" dirty="0"/>
           </a:p>
@@ -4831,7 +4930,7 @@
             <a:fld id="{B61BEF0D-F0BB-DE4B-95CE-6DB70DBA9567}" type="datetimeFigureOut">
               <a:rPr lang="en-US" dirty="0"/>
               <a:pPr/>
-              <a:t>3/16/21</a:t>
+              <a:t>3/18/21</a:t>
             </a:fld>
             <a:endParaRPr lang="en-US" dirty="0"/>
           </a:p>
@@ -4976,7 +5075,7 @@
             <a:fld id="{B61BEF0D-F0BB-DE4B-95CE-6DB70DBA9567}" type="datetimeFigureOut">
               <a:rPr lang="en-US" dirty="0"/>
               <a:pPr/>
-              <a:t>3/16/21</a:t>
+              <a:t>3/18/21</a:t>
             </a:fld>
             <a:endParaRPr lang="en-US" dirty="0"/>
           </a:p>
@@ -5098,7 +5197,7 @@
             <a:fld id="{B61BEF0D-F0BB-DE4B-95CE-6DB70DBA9567}" type="datetimeFigureOut">
               <a:rPr lang="en-US" dirty="0"/>
               <a:pPr/>
-              <a:t>3/16/21</a:t>
+              <a:t>3/18/21</a:t>
             </a:fld>
             <a:endParaRPr lang="en-US" dirty="0"/>
           </a:p>
@@ -5380,7 +5479,7 @@
             <a:fld id="{B61BEF0D-F0BB-DE4B-95CE-6DB70DBA9567}" type="datetimeFigureOut">
               <a:rPr lang="en-US" dirty="0"/>
               <a:pPr/>
-              <a:t>3/16/21</a:t>
+              <a:t>3/18/21</a:t>
             </a:fld>
             <a:endParaRPr lang="en-US" dirty="0"/>
           </a:p>
@@ -5701,7 +5800,7 @@
             <a:fld id="{B61BEF0D-F0BB-DE4B-95CE-6DB70DBA9567}" type="datetimeFigureOut">
               <a:rPr lang="en-US" dirty="0"/>
               <a:pPr/>
-              <a:t>3/16/21</a:t>
+              <a:t>3/18/21</a:t>
             </a:fld>
             <a:endParaRPr lang="en-US" dirty="0"/>
           </a:p>
@@ -5912,7 +6011,7 @@
             <a:fld id="{B61BEF0D-F0BB-DE4B-95CE-6DB70DBA9567}" type="datetimeFigureOut">
               <a:rPr lang="en-US" dirty="0"/>
               <a:pPr/>
-              <a:t>3/16/21</a:t>
+              <a:t>3/18/21</a:t>
             </a:fld>
             <a:endParaRPr lang="en-US" dirty="0"/>
           </a:p>
@@ -7116,6 +7215,155 @@
       </p:grpSpPr>
       <p:sp>
         <p:nvSpPr>
+          <p:cNvPr id="6" name="矩形 5">
+            <a:extLst>
+              <a:ext uri="{FF2B5EF4-FFF2-40B4-BE49-F238E27FC236}">
+                <a16:creationId xmlns:a16="http://schemas.microsoft.com/office/drawing/2014/main" id="{8996D409-1D57-DE4F-8952-D961911C903C}"/>
+              </a:ext>
+            </a:extLst>
+          </p:cNvPr>
+          <p:cNvSpPr/>
+          <p:nvPr/>
+        </p:nvSpPr>
+        <p:spPr>
+          <a:xfrm>
+            <a:off x="2199240" y="1359340"/>
+            <a:ext cx="7117654" cy="2677656"/>
+          </a:xfrm>
+          <a:prstGeom prst="rect">
+            <a:avLst/>
+          </a:prstGeom>
+        </p:spPr>
+        <p:txBody>
+          <a:bodyPr wrap="none">
+            <a:spAutoFit/>
+          </a:bodyPr>
+          <a:lstStyle/>
+          <a:p>
+            <a:pPr algn="ctr"/>
+            <a:r>
+              <a:rPr kumimoji="1" lang="en-US" altLang="zh-CN" sz="8800" dirty="0">
+                <a:latin typeface="Microsoft YaHei" panose="020B0503020204020204" pitchFamily="34" charset="-122"/>
+                <a:ea typeface="Microsoft YaHei" panose="020B0503020204020204" pitchFamily="34" charset="-122"/>
+              </a:rPr>
+              <a:t>Python</a:t>
+            </a:r>
+            <a:endParaRPr kumimoji="1" lang="en-US" altLang="zh-CN" sz="8000" dirty="0">
+              <a:latin typeface="Microsoft YaHei" panose="020B0503020204020204" pitchFamily="34" charset="-122"/>
+              <a:ea typeface="Microsoft YaHei" panose="020B0503020204020204" pitchFamily="34" charset="-122"/>
+            </a:endParaRPr>
+          </a:p>
+          <a:p>
+            <a:pPr algn="ctr"/>
+            <a:r>
+              <a:rPr kumimoji="1" lang="zh-CN" altLang="en-US" sz="8000" dirty="0">
+                <a:latin typeface="Microsoft YaHei" panose="020B0503020204020204" pitchFamily="34" charset="-122"/>
+                <a:ea typeface="Microsoft YaHei" panose="020B0503020204020204" pitchFamily="34" charset="-122"/>
+              </a:rPr>
+              <a:t>入门编程</a:t>
+            </a:r>
+            <a:r>
+              <a:rPr kumimoji="1" lang="en-US" altLang="zh-CN" sz="8000" dirty="0">
+                <a:latin typeface="Microsoft YaHei" panose="020B0503020204020204" pitchFamily="34" charset="-122"/>
+                <a:ea typeface="Microsoft YaHei" panose="020B0503020204020204" pitchFamily="34" charset="-122"/>
+              </a:rPr>
+              <a:t>100</a:t>
+            </a:r>
+            <a:r>
+              <a:rPr kumimoji="1" lang="zh-CN" altLang="en-US" sz="8000" dirty="0">
+                <a:latin typeface="Microsoft YaHei" panose="020B0503020204020204" pitchFamily="34" charset="-122"/>
+                <a:ea typeface="Microsoft YaHei" panose="020B0503020204020204" pitchFamily="34" charset="-122"/>
+              </a:rPr>
+              <a:t>例</a:t>
+            </a:r>
+            <a:endParaRPr lang="zh-CN" altLang="en-US" sz="8000" dirty="0"/>
+          </a:p>
+        </p:txBody>
+      </p:sp>
+      <p:sp>
+        <p:nvSpPr>
+          <p:cNvPr id="3" name="矩形 2">
+            <a:extLst>
+              <a:ext uri="{FF2B5EF4-FFF2-40B4-BE49-F238E27FC236}">
+                <a16:creationId xmlns:a16="http://schemas.microsoft.com/office/drawing/2014/main" id="{B3D62883-CFB8-9442-A340-30E75FA3BCBA}"/>
+              </a:ext>
+            </a:extLst>
+          </p:cNvPr>
+          <p:cNvSpPr/>
+          <p:nvPr/>
+        </p:nvSpPr>
+        <p:spPr>
+          <a:xfrm>
+            <a:off x="2375570" y="4140376"/>
+            <a:ext cx="6941324" cy="923330"/>
+          </a:xfrm>
+          <a:prstGeom prst="rect">
+            <a:avLst/>
+          </a:prstGeom>
+        </p:spPr>
+        <p:txBody>
+          <a:bodyPr wrap="none">
+            <a:spAutoFit/>
+          </a:bodyPr>
+          <a:lstStyle/>
+          <a:p>
+            <a:r>
+              <a:rPr kumimoji="1" lang="zh-CN" altLang="en-US" sz="5400" dirty="0">
+                <a:latin typeface="Microsoft YaHei" panose="020B0503020204020204" pitchFamily="34" charset="-122"/>
+                <a:ea typeface="Microsoft YaHei" panose="020B0503020204020204" pitchFamily="34" charset="-122"/>
+              </a:rPr>
+              <a:t>第</a:t>
+            </a:r>
+            <a:r>
+              <a:rPr kumimoji="1" lang="en-US" altLang="zh-CN" sz="5400" dirty="0">
+                <a:latin typeface="Microsoft YaHei" panose="020B0503020204020204" pitchFamily="34" charset="-122"/>
+                <a:ea typeface="Microsoft YaHei" panose="020B0503020204020204" pitchFamily="34" charset="-122"/>
+              </a:rPr>
+              <a:t>003</a:t>
+            </a:r>
+            <a:r>
+              <a:rPr kumimoji="1" lang="zh-CN" altLang="en-US" sz="5400" dirty="0">
+                <a:latin typeface="Microsoft YaHei" panose="020B0503020204020204" pitchFamily="34" charset="-122"/>
+                <a:ea typeface="Microsoft YaHei" panose="020B0503020204020204" pitchFamily="34" charset="-122"/>
+              </a:rPr>
+              <a:t>集：求圆的面积</a:t>
+            </a:r>
+            <a:endParaRPr lang="zh-CN" altLang="en-US" sz="5400" dirty="0"/>
+          </a:p>
+        </p:txBody>
+      </p:sp>
+    </p:spTree>
+    <p:extLst>
+      <p:ext uri="{BB962C8B-B14F-4D97-AF65-F5344CB8AC3E}">
+        <p14:creationId xmlns:p14="http://schemas.microsoft.com/office/powerpoint/2010/main" val="1207319021"/>
+      </p:ext>
+    </p:extLst>
+  </p:cSld>
+  <p:clrMapOvr>
+    <a:masterClrMapping/>
+  </p:clrMapOvr>
+</p:sld>
+</file>
+
+<file path=ppt/slides/slide7.xml><?xml version="1.0" encoding="utf-8"?>
+<p:sld xmlns:a="http://schemas.openxmlformats.org/drawingml/2006/main" xmlns:r="http://schemas.openxmlformats.org/officeDocument/2006/relationships" xmlns:p="http://schemas.openxmlformats.org/presentationml/2006/main">
+  <p:cSld>
+    <p:spTree>
+      <p:nvGrpSpPr>
+        <p:cNvPr id="1" name=""/>
+        <p:cNvGrpSpPr/>
+        <p:nvPr/>
+      </p:nvGrpSpPr>
+      <p:grpSpPr>
+        <a:xfrm>
+          <a:off x="0" y="0"/>
+          <a:ext cx="0" cy="0"/>
+          <a:chOff x="0" y="0"/>
+          <a:chExt cx="0" cy="0"/>
+        </a:xfrm>
+      </p:grpSpPr>
+      <p:sp>
+        <p:nvSpPr>
           <p:cNvPr id="2" name="标题 1">
             <a:extLst>
               <a:ext uri="{FF2B5EF4-FFF2-40B4-BE49-F238E27FC236}">
@@ -7141,7 +7389,7 @@
             </a:r>
             <a:r>
               <a:rPr kumimoji="1" lang="en-US" altLang="zh-CN" dirty="0"/>
-              <a:t>03</a:t>
+              <a:t>003</a:t>
             </a:r>
             <a:r>
               <a:rPr kumimoji="1" lang="zh-CN" altLang="en-US" dirty="0"/>
@@ -7168,8 +7416,8 @@
         </p:nvSpPr>
         <p:spPr>
           <a:xfrm>
-            <a:off x="685801" y="2142067"/>
-            <a:ext cx="10131425" cy="2328333"/>
+            <a:off x="685801" y="2624756"/>
+            <a:ext cx="4392037" cy="2328333"/>
           </a:xfrm>
         </p:spPr>
         <p:txBody>
@@ -7179,16 +7427,411 @@
           <a:lstStyle/>
           <a:p>
             <a:r>
-              <a:rPr kumimoji="1" lang="zh-CN" altLang="en-US" sz="2400" dirty="0"/>
-              <a:t>输入两个数字，打印数字之和</a:t>
-            </a:r>
-          </a:p>
-        </p:txBody>
-      </p:sp>
+              <a:rPr kumimoji="1" lang="zh-CN" altLang="en-US" sz="2800" dirty="0"/>
+              <a:t>输入半径，返回圆的面积</a:t>
+            </a:r>
+          </a:p>
+        </p:txBody>
+      </p:sp>
+      <p:pic>
+        <p:nvPicPr>
+          <p:cNvPr id="1026" name="Picture 2" descr="Area of a Circle (examples, videos, worksheets, solutions, activities)">
+            <a:extLst>
+              <a:ext uri="{FF2B5EF4-FFF2-40B4-BE49-F238E27FC236}">
+                <a16:creationId xmlns:a16="http://schemas.microsoft.com/office/drawing/2014/main" id="{5979DFD8-335A-9342-96C4-FEB74902974F}"/>
+              </a:ext>
+            </a:extLst>
+          </p:cNvPr>
+          <p:cNvPicPr>
+            <a:picLocks noChangeAspect="1" noChangeArrowheads="1"/>
+          </p:cNvPicPr>
+          <p:nvPr/>
+        </p:nvPicPr>
+        <p:blipFill>
+          <a:blip r:embed="rId3">
+            <a:extLst>
+              <a:ext uri="{28A0092B-C50C-407E-A947-70E740481C1C}">
+                <a14:useLocalDpi xmlns:a14="http://schemas.microsoft.com/office/drawing/2010/main" val="0"/>
+              </a:ext>
+            </a:extLst>
+          </a:blip>
+          <a:srcRect/>
+          <a:stretch>
+            <a:fillRect/>
+          </a:stretch>
+        </p:blipFill>
+        <p:spPr bwMode="auto">
+          <a:xfrm>
+            <a:off x="6096000" y="2265913"/>
+            <a:ext cx="4472890" cy="3046018"/>
+          </a:xfrm>
+          <a:prstGeom prst="rect">
+            <a:avLst/>
+          </a:prstGeom>
+          <a:noFill/>
+          <a:extLst>
+            <a:ext uri="{909E8E84-426E-40DD-AFC4-6F175D3DCCD1}">
+              <a14:hiddenFill xmlns:a14="http://schemas.microsoft.com/office/drawing/2010/main">
+                <a:solidFill>
+                  <a:srgbClr val="FFFFFF"/>
+                </a:solidFill>
+              </a14:hiddenFill>
+            </a:ext>
+          </a:extLst>
+        </p:spPr>
+      </p:pic>
     </p:spTree>
     <p:extLst>
       <p:ext uri="{BB962C8B-B14F-4D97-AF65-F5344CB8AC3E}">
         <p14:creationId xmlns:p14="http://schemas.microsoft.com/office/powerpoint/2010/main" val="2984681513"/>
+      </p:ext>
+    </p:extLst>
+  </p:cSld>
+  <p:clrMapOvr>
+    <a:masterClrMapping/>
+  </p:clrMapOvr>
+</p:sld>
+</file>
+
+<file path=ppt/slides/slide8.xml><?xml version="1.0" encoding="utf-8"?>
+<p:sld xmlns:a="http://schemas.openxmlformats.org/drawingml/2006/main" xmlns:r="http://schemas.openxmlformats.org/officeDocument/2006/relationships" xmlns:p="http://schemas.openxmlformats.org/presentationml/2006/main">
+  <p:cSld>
+    <p:spTree>
+      <p:nvGrpSpPr>
+        <p:cNvPr id="1" name=""/>
+        <p:cNvGrpSpPr/>
+        <p:nvPr/>
+      </p:nvGrpSpPr>
+      <p:grpSpPr>
+        <a:xfrm>
+          <a:off x="0" y="0"/>
+          <a:ext cx="0" cy="0"/>
+          <a:chOff x="0" y="0"/>
+          <a:chExt cx="0" cy="0"/>
+        </a:xfrm>
+      </p:grpSpPr>
+      <p:sp>
+        <p:nvSpPr>
+          <p:cNvPr id="6" name="矩形 5">
+            <a:extLst>
+              <a:ext uri="{FF2B5EF4-FFF2-40B4-BE49-F238E27FC236}">
+                <a16:creationId xmlns:a16="http://schemas.microsoft.com/office/drawing/2014/main" id="{8996D409-1D57-DE4F-8952-D961911C903C}"/>
+              </a:ext>
+            </a:extLst>
+          </p:cNvPr>
+          <p:cNvSpPr/>
+          <p:nvPr/>
+        </p:nvSpPr>
+        <p:spPr>
+          <a:xfrm>
+            <a:off x="2199240" y="1359340"/>
+            <a:ext cx="7117654" cy="2677656"/>
+          </a:xfrm>
+          <a:prstGeom prst="rect">
+            <a:avLst/>
+          </a:prstGeom>
+        </p:spPr>
+        <p:txBody>
+          <a:bodyPr wrap="none">
+            <a:spAutoFit/>
+          </a:bodyPr>
+          <a:lstStyle/>
+          <a:p>
+            <a:pPr algn="ctr"/>
+            <a:r>
+              <a:rPr kumimoji="1" lang="en-US" altLang="zh-CN" sz="8800" dirty="0">
+                <a:latin typeface="Microsoft YaHei" panose="020B0503020204020204" pitchFamily="34" charset="-122"/>
+                <a:ea typeface="Microsoft YaHei" panose="020B0503020204020204" pitchFamily="34" charset="-122"/>
+              </a:rPr>
+              <a:t>Python</a:t>
+            </a:r>
+            <a:endParaRPr kumimoji="1" lang="en-US" altLang="zh-CN" sz="8000" dirty="0">
+              <a:latin typeface="Microsoft YaHei" panose="020B0503020204020204" pitchFamily="34" charset="-122"/>
+              <a:ea typeface="Microsoft YaHei" panose="020B0503020204020204" pitchFamily="34" charset="-122"/>
+            </a:endParaRPr>
+          </a:p>
+          <a:p>
+            <a:pPr algn="ctr"/>
+            <a:r>
+              <a:rPr kumimoji="1" lang="zh-CN" altLang="en-US" sz="8000" dirty="0">
+                <a:latin typeface="Microsoft YaHei" panose="020B0503020204020204" pitchFamily="34" charset="-122"/>
+                <a:ea typeface="Microsoft YaHei" panose="020B0503020204020204" pitchFamily="34" charset="-122"/>
+              </a:rPr>
+              <a:t>入门编程</a:t>
+            </a:r>
+            <a:r>
+              <a:rPr kumimoji="1" lang="en-US" altLang="zh-CN" sz="8000" dirty="0">
+                <a:latin typeface="Microsoft YaHei" panose="020B0503020204020204" pitchFamily="34" charset="-122"/>
+                <a:ea typeface="Microsoft YaHei" panose="020B0503020204020204" pitchFamily="34" charset="-122"/>
+              </a:rPr>
+              <a:t>100</a:t>
+            </a:r>
+            <a:r>
+              <a:rPr kumimoji="1" lang="zh-CN" altLang="en-US" sz="8000" dirty="0">
+                <a:latin typeface="Microsoft YaHei" panose="020B0503020204020204" pitchFamily="34" charset="-122"/>
+                <a:ea typeface="Microsoft YaHei" panose="020B0503020204020204" pitchFamily="34" charset="-122"/>
+              </a:rPr>
+              <a:t>例</a:t>
+            </a:r>
+            <a:endParaRPr lang="zh-CN" altLang="en-US" sz="8000" dirty="0"/>
+          </a:p>
+        </p:txBody>
+      </p:sp>
+      <p:sp>
+        <p:nvSpPr>
+          <p:cNvPr id="3" name="矩形 2">
+            <a:extLst>
+              <a:ext uri="{FF2B5EF4-FFF2-40B4-BE49-F238E27FC236}">
+                <a16:creationId xmlns:a16="http://schemas.microsoft.com/office/drawing/2014/main" id="{B3D62883-CFB8-9442-A340-30E75FA3BCBA}"/>
+              </a:ext>
+            </a:extLst>
+          </p:cNvPr>
+          <p:cNvSpPr/>
+          <p:nvPr/>
+        </p:nvSpPr>
+        <p:spPr>
+          <a:xfrm>
+            <a:off x="1918638" y="4036996"/>
+            <a:ext cx="8531503" cy="923330"/>
+          </a:xfrm>
+          <a:prstGeom prst="rect">
+            <a:avLst/>
+          </a:prstGeom>
+        </p:spPr>
+        <p:txBody>
+          <a:bodyPr wrap="none">
+            <a:spAutoFit/>
+          </a:bodyPr>
+          <a:lstStyle/>
+          <a:p>
+            <a:pPr algn="ctr"/>
+            <a:r>
+              <a:rPr kumimoji="1" lang="zh-CN" altLang="en-US" sz="5400" dirty="0">
+                <a:latin typeface="Microsoft YaHei" panose="020B0503020204020204" pitchFamily="34" charset="-122"/>
+                <a:ea typeface="Microsoft YaHei" panose="020B0503020204020204" pitchFamily="34" charset="-122"/>
+              </a:rPr>
+              <a:t>第</a:t>
+            </a:r>
+            <a:r>
+              <a:rPr kumimoji="1" lang="en-US" altLang="zh-CN" sz="5400" dirty="0">
+                <a:latin typeface="Microsoft YaHei" panose="020B0503020204020204" pitchFamily="34" charset="-122"/>
+                <a:ea typeface="Microsoft YaHei" panose="020B0503020204020204" pitchFamily="34" charset="-122"/>
+              </a:rPr>
+              <a:t>004</a:t>
+            </a:r>
+            <a:r>
+              <a:rPr kumimoji="1" lang="zh-CN" altLang="en-US" sz="5400" dirty="0">
+                <a:latin typeface="Microsoft YaHei" panose="020B0503020204020204" pitchFamily="34" charset="-122"/>
+                <a:ea typeface="Microsoft YaHei" panose="020B0503020204020204" pitchFamily="34" charset="-122"/>
+              </a:rPr>
+              <a:t>集 区间内的所有素数</a:t>
+            </a:r>
+            <a:endParaRPr lang="zh-CN" altLang="en-US" sz="5400" dirty="0"/>
+          </a:p>
+        </p:txBody>
+      </p:sp>
+    </p:spTree>
+    <p:extLst>
+      <p:ext uri="{BB962C8B-B14F-4D97-AF65-F5344CB8AC3E}">
+        <p14:creationId xmlns:p14="http://schemas.microsoft.com/office/powerpoint/2010/main" val="893201976"/>
+      </p:ext>
+    </p:extLst>
+  </p:cSld>
+  <p:clrMapOvr>
+    <a:masterClrMapping/>
+  </p:clrMapOvr>
+</p:sld>
+</file>
+
+<file path=ppt/slides/slide9.xml><?xml version="1.0" encoding="utf-8"?>
+<p:sld xmlns:a="http://schemas.openxmlformats.org/drawingml/2006/main" xmlns:r="http://schemas.openxmlformats.org/officeDocument/2006/relationships" xmlns:p="http://schemas.openxmlformats.org/presentationml/2006/main">
+  <p:cSld>
+    <p:spTree>
+      <p:nvGrpSpPr>
+        <p:cNvPr id="1" name=""/>
+        <p:cNvGrpSpPr/>
+        <p:nvPr/>
+      </p:nvGrpSpPr>
+      <p:grpSpPr>
+        <a:xfrm>
+          <a:off x="0" y="0"/>
+          <a:ext cx="0" cy="0"/>
+          <a:chOff x="0" y="0"/>
+          <a:chExt cx="0" cy="0"/>
+        </a:xfrm>
+      </p:grpSpPr>
+      <p:sp>
+        <p:nvSpPr>
+          <p:cNvPr id="3" name="内容占位符 2">
+            <a:extLst>
+              <a:ext uri="{FF2B5EF4-FFF2-40B4-BE49-F238E27FC236}">
+                <a16:creationId xmlns:a16="http://schemas.microsoft.com/office/drawing/2014/main" id="{4C1A25D0-8354-A84D-8611-0C1E55DFD595}"/>
+              </a:ext>
+            </a:extLst>
+          </p:cNvPr>
+          <p:cNvSpPr>
+            <a:spLocks noGrp="1"/>
+          </p:cNvSpPr>
+          <p:nvPr>
+            <p:ph idx="1"/>
+          </p:nvPr>
+        </p:nvSpPr>
+        <p:spPr>
+          <a:xfrm>
+            <a:off x="829734" y="2353733"/>
+            <a:ext cx="10532532" cy="3225889"/>
+          </a:xfrm>
+        </p:spPr>
+        <p:txBody>
+          <a:bodyPr>
+            <a:normAutofit/>
+          </a:bodyPr>
+          <a:lstStyle/>
+          <a:p>
+            <a:r>
+              <a:rPr kumimoji="1" lang="zh-CN" altLang="en-US" sz="2800" dirty="0"/>
+              <a:t>输入开始数字和结束数字，打印区间内所有的素数</a:t>
+            </a:r>
+            <a:endParaRPr kumimoji="1" lang="en-US" altLang="zh-CN" sz="2800" dirty="0"/>
+          </a:p>
+          <a:p>
+            <a:pPr lvl="1"/>
+            <a:r>
+              <a:rPr kumimoji="1" lang="zh-CN" altLang="en-US" sz="2600" dirty="0"/>
+              <a:t>比如：输入 </a:t>
+            </a:r>
+            <a:r>
+              <a:rPr kumimoji="1" lang="en-US" altLang="zh-CN" sz="2600" dirty="0"/>
+              <a:t>11</a:t>
+            </a:r>
+            <a:r>
+              <a:rPr kumimoji="1" lang="zh-CN" altLang="en-US" sz="2600" dirty="0"/>
+              <a:t>和</a:t>
+            </a:r>
+            <a:r>
+              <a:rPr kumimoji="1" lang="en-US" altLang="zh-CN" sz="2600" dirty="0"/>
+              <a:t>25</a:t>
+            </a:r>
+            <a:r>
+              <a:rPr kumimoji="1" lang="zh-CN" altLang="en-US" sz="2600" dirty="0"/>
+              <a:t>，打印</a:t>
+            </a:r>
+            <a:r>
+              <a:rPr kumimoji="1" lang="en-US" altLang="zh-CN" sz="2600" dirty="0"/>
+              <a:t>11~25</a:t>
+            </a:r>
+            <a:r>
+              <a:rPr kumimoji="1" lang="zh-CN" altLang="en-US" sz="2600" dirty="0"/>
+              <a:t>的所有素数，包括</a:t>
+            </a:r>
+            <a:r>
+              <a:rPr kumimoji="1" lang="en-US" altLang="zh-CN" sz="2600" dirty="0"/>
+              <a:t>25</a:t>
+            </a:r>
+          </a:p>
+          <a:p>
+            <a:pPr marL="457200" lvl="1" indent="0">
+              <a:buNone/>
+            </a:pPr>
+            <a:endParaRPr kumimoji="1" lang="en-US" altLang="zh-CN" sz="2600" dirty="0"/>
+          </a:p>
+          <a:p>
+            <a:r>
+              <a:rPr kumimoji="1" lang="zh-CN" altLang="en-US" sz="2800" dirty="0"/>
+              <a:t>素数：如果数字只能被</a:t>
+            </a:r>
+            <a:r>
+              <a:rPr kumimoji="1" lang="en-US" altLang="zh-CN" sz="2800" dirty="0"/>
+              <a:t>1</a:t>
+            </a:r>
+            <a:r>
+              <a:rPr kumimoji="1" lang="zh-CN" altLang="en-US" sz="2800" dirty="0"/>
+              <a:t>和自己整除就是素数，否则不是素数</a:t>
+            </a:r>
+            <a:endParaRPr kumimoji="1" lang="en-US" altLang="zh-CN" sz="2800" dirty="0"/>
+          </a:p>
+          <a:p>
+            <a:pPr lvl="1"/>
+            <a:r>
+              <a:rPr kumimoji="1" lang="zh-CN" altLang="en-US" sz="2600" dirty="0"/>
+              <a:t>比如</a:t>
+            </a:r>
+            <a:r>
+              <a:rPr kumimoji="1" lang="en-US" altLang="zh-CN" sz="2600" dirty="0"/>
+              <a:t>3</a:t>
+            </a:r>
+            <a:r>
+              <a:rPr kumimoji="1" lang="zh-CN" altLang="en-US" sz="2600" dirty="0"/>
+              <a:t>是素数、</a:t>
+            </a:r>
+            <a:r>
+              <a:rPr kumimoji="1" lang="en-US" altLang="zh-CN" sz="2600" dirty="0"/>
+              <a:t>4</a:t>
+            </a:r>
+            <a:r>
+              <a:rPr kumimoji="1" lang="zh-CN" altLang="en-US" sz="2600" dirty="0"/>
+              <a:t>不是素数</a:t>
+            </a:r>
+          </a:p>
+        </p:txBody>
+      </p:sp>
+      <p:sp>
+        <p:nvSpPr>
+          <p:cNvPr id="5" name="矩形 4">
+            <a:extLst>
+              <a:ext uri="{FF2B5EF4-FFF2-40B4-BE49-F238E27FC236}">
+                <a16:creationId xmlns:a16="http://schemas.microsoft.com/office/drawing/2014/main" id="{D00A7E70-2CBF-1B42-881F-582507DBEBC8}"/>
+              </a:ext>
+            </a:extLst>
+          </p:cNvPr>
+          <p:cNvSpPr/>
+          <p:nvPr/>
+        </p:nvSpPr>
+        <p:spPr>
+          <a:xfrm>
+            <a:off x="1647705" y="489463"/>
+            <a:ext cx="8531503" cy="923330"/>
+          </a:xfrm>
+          <a:prstGeom prst="rect">
+            <a:avLst/>
+          </a:prstGeom>
+        </p:spPr>
+        <p:txBody>
+          <a:bodyPr wrap="none">
+            <a:spAutoFit/>
+          </a:bodyPr>
+          <a:lstStyle/>
+          <a:p>
+            <a:pPr algn="ctr"/>
+            <a:r>
+              <a:rPr kumimoji="1" lang="zh-CN" altLang="en-US" sz="5400" dirty="0">
+                <a:latin typeface="Microsoft YaHei" panose="020B0503020204020204" pitchFamily="34" charset="-122"/>
+                <a:ea typeface="Microsoft YaHei" panose="020B0503020204020204" pitchFamily="34" charset="-122"/>
+              </a:rPr>
+              <a:t>第</a:t>
+            </a:r>
+            <a:r>
+              <a:rPr kumimoji="1" lang="en-US" altLang="zh-CN" sz="5400" dirty="0">
+                <a:latin typeface="Microsoft YaHei" panose="020B0503020204020204" pitchFamily="34" charset="-122"/>
+                <a:ea typeface="Microsoft YaHei" panose="020B0503020204020204" pitchFamily="34" charset="-122"/>
+              </a:rPr>
+              <a:t>004</a:t>
+            </a:r>
+            <a:r>
+              <a:rPr kumimoji="1" lang="zh-CN" altLang="en-US" sz="5400" dirty="0">
+                <a:latin typeface="Microsoft YaHei" panose="020B0503020204020204" pitchFamily="34" charset="-122"/>
+                <a:ea typeface="Microsoft YaHei" panose="020B0503020204020204" pitchFamily="34" charset="-122"/>
+              </a:rPr>
+              <a:t>集 区间内的所有素数</a:t>
+            </a:r>
+            <a:endParaRPr lang="zh-CN" altLang="en-US" sz="5400" dirty="0"/>
+          </a:p>
+        </p:txBody>
+      </p:sp>
+    </p:spTree>
+    <p:extLst>
+      <p:ext uri="{BB962C8B-B14F-4D97-AF65-F5344CB8AC3E}">
+        <p14:creationId xmlns:p14="http://schemas.microsoft.com/office/powerpoint/2010/main" val="2336768345"/>
       </p:ext>
     </p:extLst>
   </p:cSld>

--- a/docs/Python入门编程100例.pptx
+++ b/docs/Python入门编程100例.pptx
@@ -5,7 +5,7 @@
     <p:sldMasterId id="2147483648" r:id="rId1"/>
   </p:sldMasterIdLst>
   <p:notesMasterIdLst>
-    <p:notesMasterId r:id="rId11"/>
+    <p:notesMasterId r:id="rId15"/>
   </p:notesMasterIdLst>
   <p:sldIdLst>
     <p:sldId id="256" r:id="rId2"/>
@@ -17,6 +17,10 @@
     <p:sldId id="260" r:id="rId8"/>
     <p:sldId id="263" r:id="rId9"/>
     <p:sldId id="264" r:id="rId10"/>
+    <p:sldId id="265" r:id="rId11"/>
+    <p:sldId id="266" r:id="rId12"/>
+    <p:sldId id="267" r:id="rId13"/>
+    <p:sldId id="268" r:id="rId14"/>
   </p:sldIdLst>
   <p:sldSz cx="12192000" cy="6858000"/>
   <p:notesSz cx="6858000" cy="9144000"/>
@@ -205,7 +209,7 @@
           <a:p>
             <a:fld id="{27B4EF14-D706-E540-9C85-6AD8A04B773D}" type="datetimeFigureOut">
               <a:rPr kumimoji="1" lang="zh-CN" altLang="en-US" smtClean="0"/>
-              <a:t>2021/3/18</a:t>
+              <a:t>2021/3/22</a:t>
             </a:fld>
             <a:endParaRPr kumimoji="1" lang="zh-CN" altLang="en-US"/>
           </a:p>
@@ -858,6 +862,198 @@
 </p:notes>
 </file>
 
+<file path=ppt/notesSlides/notesSlide5.xml><?xml version="1.0" encoding="utf-8"?>
+<p:notes xmlns:a="http://schemas.openxmlformats.org/drawingml/2006/main" xmlns:r="http://schemas.openxmlformats.org/officeDocument/2006/relationships" xmlns:p="http://schemas.openxmlformats.org/presentationml/2006/main">
+  <p:cSld>
+    <p:spTree>
+      <p:nvGrpSpPr>
+        <p:cNvPr id="1" name=""/>
+        <p:cNvGrpSpPr/>
+        <p:nvPr/>
+      </p:nvGrpSpPr>
+      <p:grpSpPr>
+        <a:xfrm>
+          <a:off x="0" y="0"/>
+          <a:ext cx="0" cy="0"/>
+          <a:chOff x="0" y="0"/>
+          <a:chExt cx="0" cy="0"/>
+        </a:xfrm>
+      </p:grpSpPr>
+      <p:sp>
+        <p:nvSpPr>
+          <p:cNvPr id="2" name="幻灯片图像占位符 1"/>
+          <p:cNvSpPr>
+            <a:spLocks noGrp="1" noRot="1" noChangeAspect="1"/>
+          </p:cNvSpPr>
+          <p:nvPr>
+            <p:ph type="sldImg"/>
+          </p:nvPr>
+        </p:nvSpPr>
+        <p:spPr/>
+      </p:sp>
+      <p:sp>
+        <p:nvSpPr>
+          <p:cNvPr id="3" name="备注占位符 2"/>
+          <p:cNvSpPr>
+            <a:spLocks noGrp="1"/>
+          </p:cNvSpPr>
+          <p:nvPr>
+            <p:ph type="body" idx="1"/>
+          </p:nvPr>
+        </p:nvSpPr>
+        <p:spPr/>
+        <p:txBody>
+          <a:bodyPr/>
+          <a:lstStyle/>
+          <a:p>
+            <a:r>
+              <a:rPr kumimoji="1" lang="en" altLang="zh-CN" dirty="0"/>
+              <a:t>https://</a:t>
+            </a:r>
+            <a:r>
+              <a:rPr kumimoji="1" lang="en" altLang="zh-CN" dirty="0" err="1"/>
+              <a:t>www.geeksforgeeks.org</a:t>
+            </a:r>
+            <a:r>
+              <a:rPr kumimoji="1" lang="en" altLang="zh-CN"/>
+              <a:t>/python-program-for-program-to-find-area-of-a-circle/</a:t>
+            </a:r>
+            <a:endParaRPr kumimoji="1" lang="zh-CN" altLang="en-US" dirty="0"/>
+          </a:p>
+        </p:txBody>
+      </p:sp>
+      <p:sp>
+        <p:nvSpPr>
+          <p:cNvPr id="4" name="灯片编号占位符 3"/>
+          <p:cNvSpPr>
+            <a:spLocks noGrp="1"/>
+          </p:cNvSpPr>
+          <p:nvPr>
+            <p:ph type="sldNum" sz="quarter" idx="5"/>
+          </p:nvPr>
+        </p:nvSpPr>
+        <p:spPr/>
+        <p:txBody>
+          <a:bodyPr/>
+          <a:lstStyle/>
+          <a:p>
+            <a:fld id="{2B2F4EC2-494F-A64C-8801-750069A7A6FB}" type="slidenum">
+              <a:rPr kumimoji="1" lang="zh-CN" altLang="en-US" smtClean="0"/>
+              <a:t>11</a:t>
+            </a:fld>
+            <a:endParaRPr kumimoji="1" lang="zh-CN" altLang="en-US"/>
+          </a:p>
+        </p:txBody>
+      </p:sp>
+    </p:spTree>
+    <p:extLst>
+      <p:ext uri="{BB962C8B-B14F-4D97-AF65-F5344CB8AC3E}">
+        <p14:creationId xmlns:p14="http://schemas.microsoft.com/office/powerpoint/2010/main" val="127757527"/>
+      </p:ext>
+    </p:extLst>
+  </p:cSld>
+  <p:clrMapOvr>
+    <a:masterClrMapping/>
+  </p:clrMapOvr>
+</p:notes>
+</file>
+
+<file path=ppt/notesSlides/notesSlide6.xml><?xml version="1.0" encoding="utf-8"?>
+<p:notes xmlns:a="http://schemas.openxmlformats.org/drawingml/2006/main" xmlns:r="http://schemas.openxmlformats.org/officeDocument/2006/relationships" xmlns:p="http://schemas.openxmlformats.org/presentationml/2006/main">
+  <p:cSld>
+    <p:spTree>
+      <p:nvGrpSpPr>
+        <p:cNvPr id="1" name=""/>
+        <p:cNvGrpSpPr/>
+        <p:nvPr/>
+      </p:nvGrpSpPr>
+      <p:grpSpPr>
+        <a:xfrm>
+          <a:off x="0" y="0"/>
+          <a:ext cx="0" cy="0"/>
+          <a:chOff x="0" y="0"/>
+          <a:chExt cx="0" cy="0"/>
+        </a:xfrm>
+      </p:grpSpPr>
+      <p:sp>
+        <p:nvSpPr>
+          <p:cNvPr id="2" name="幻灯片图像占位符 1"/>
+          <p:cNvSpPr>
+            <a:spLocks noGrp="1" noRot="1" noChangeAspect="1"/>
+          </p:cNvSpPr>
+          <p:nvPr>
+            <p:ph type="sldImg"/>
+          </p:nvPr>
+        </p:nvSpPr>
+        <p:spPr/>
+      </p:sp>
+      <p:sp>
+        <p:nvSpPr>
+          <p:cNvPr id="3" name="备注占位符 2"/>
+          <p:cNvSpPr>
+            <a:spLocks noGrp="1"/>
+          </p:cNvSpPr>
+          <p:nvPr>
+            <p:ph type="body" idx="1"/>
+          </p:nvPr>
+        </p:nvSpPr>
+        <p:spPr/>
+        <p:txBody>
+          <a:bodyPr/>
+          <a:lstStyle/>
+          <a:p>
+            <a:r>
+              <a:rPr kumimoji="1" lang="en" altLang="zh-CN" dirty="0"/>
+              <a:t>https://</a:t>
+            </a:r>
+            <a:r>
+              <a:rPr kumimoji="1" lang="en" altLang="zh-CN" dirty="0" err="1"/>
+              <a:t>www.geeksforgeeks.org</a:t>
+            </a:r>
+            <a:r>
+              <a:rPr kumimoji="1" lang="en" altLang="zh-CN"/>
+              <a:t>/python-program-for-program-to-find-area-of-a-circle/</a:t>
+            </a:r>
+            <a:endParaRPr kumimoji="1" lang="zh-CN" altLang="en-US" dirty="0"/>
+          </a:p>
+        </p:txBody>
+      </p:sp>
+      <p:sp>
+        <p:nvSpPr>
+          <p:cNvPr id="4" name="灯片编号占位符 3"/>
+          <p:cNvSpPr>
+            <a:spLocks noGrp="1"/>
+          </p:cNvSpPr>
+          <p:nvPr>
+            <p:ph type="sldNum" sz="quarter" idx="5"/>
+          </p:nvPr>
+        </p:nvSpPr>
+        <p:spPr/>
+        <p:txBody>
+          <a:bodyPr/>
+          <a:lstStyle/>
+          <a:p>
+            <a:fld id="{2B2F4EC2-494F-A64C-8801-750069A7A6FB}" type="slidenum">
+              <a:rPr kumimoji="1" lang="zh-CN" altLang="en-US" smtClean="0"/>
+              <a:t>13</a:t>
+            </a:fld>
+            <a:endParaRPr kumimoji="1" lang="zh-CN" altLang="en-US"/>
+          </a:p>
+        </p:txBody>
+      </p:sp>
+    </p:spTree>
+    <p:extLst>
+      <p:ext uri="{BB962C8B-B14F-4D97-AF65-F5344CB8AC3E}">
+        <p14:creationId xmlns:p14="http://schemas.microsoft.com/office/powerpoint/2010/main" val="4029737945"/>
+      </p:ext>
+    </p:extLst>
+  </p:cSld>
+  <p:clrMapOvr>
+    <a:masterClrMapping/>
+  </p:clrMapOvr>
+</p:notes>
+</file>
+
 <file path=ppt/slideLayouts/slideLayout1.xml><?xml version="1.0" encoding="utf-8"?>
 <p:sldLayout xmlns:a="http://schemas.openxmlformats.org/drawingml/2006/main" xmlns:r="http://schemas.openxmlformats.org/officeDocument/2006/relationships" xmlns:p="http://schemas.openxmlformats.org/presentationml/2006/main" type="title" preserve="1">
   <p:cSld name="标题幻灯片">
@@ -1088,7 +1284,7 @@
             <a:fld id="{B61BEF0D-F0BB-DE4B-95CE-6DB70DBA9567}" type="datetimeFigureOut">
               <a:rPr lang="en-US" dirty="0"/>
               <a:pPr/>
-              <a:t>3/18/21</a:t>
+              <a:t>3/22/21</a:t>
             </a:fld>
             <a:endParaRPr lang="en-US" dirty="0"/>
           </a:p>
@@ -1419,7 +1615,7 @@
             <a:fld id="{B61BEF0D-F0BB-DE4B-95CE-6DB70DBA9567}" type="datetimeFigureOut">
               <a:rPr lang="en-US" dirty="0"/>
               <a:pPr/>
-              <a:t>3/18/21</a:t>
+              <a:t>3/22/21</a:t>
             </a:fld>
             <a:endParaRPr lang="en-US" dirty="0"/>
           </a:p>
@@ -1694,7 +1890,7 @@
             <a:fld id="{B61BEF0D-F0BB-DE4B-95CE-6DB70DBA9567}" type="datetimeFigureOut">
               <a:rPr lang="en-US" dirty="0"/>
               <a:pPr/>
-              <a:t>3/18/21</a:t>
+              <a:t>3/22/21</a:t>
             </a:fld>
             <a:endParaRPr lang="en-US" dirty="0"/>
           </a:p>
@@ -2259,7 +2455,7 @@
             <a:fld id="{B61BEF0D-F0BB-DE4B-95CE-6DB70DBA9567}" type="datetimeFigureOut">
               <a:rPr lang="en-US" dirty="0"/>
               <a:pPr/>
-              <a:t>3/18/21</a:t>
+              <a:t>3/22/21</a:t>
             </a:fld>
             <a:endParaRPr lang="en-US" dirty="0"/>
           </a:p>
@@ -2534,7 +2730,7 @@
             <a:fld id="{B61BEF0D-F0BB-DE4B-95CE-6DB70DBA9567}" type="datetimeFigureOut">
               <a:rPr lang="en-US" dirty="0"/>
               <a:pPr/>
-              <a:t>3/18/21</a:t>
+              <a:t>3/22/21</a:t>
             </a:fld>
             <a:endParaRPr lang="en-US" dirty="0"/>
           </a:p>
@@ -3093,7 +3289,7 @@
             <a:fld id="{B61BEF0D-F0BB-DE4B-95CE-6DB70DBA9567}" type="datetimeFigureOut">
               <a:rPr lang="en-US" dirty="0"/>
               <a:pPr/>
-              <a:t>3/18/21</a:t>
+              <a:t>3/22/21</a:t>
             </a:fld>
             <a:endParaRPr lang="en-US" dirty="0"/>
           </a:p>
@@ -3417,7 +3613,7 @@
             <a:fld id="{B61BEF0D-F0BB-DE4B-95CE-6DB70DBA9567}" type="datetimeFigureOut">
               <a:rPr lang="en-US" dirty="0"/>
               <a:pPr/>
-              <a:t>3/18/21</a:t>
+              <a:t>3/22/21</a:t>
             </a:fld>
             <a:endParaRPr lang="en-US" dirty="0"/>
           </a:p>
@@ -3591,7 +3787,7 @@
             <a:fld id="{B61BEF0D-F0BB-DE4B-95CE-6DB70DBA9567}" type="datetimeFigureOut">
               <a:rPr lang="en-US" dirty="0"/>
               <a:pPr/>
-              <a:t>3/18/21</a:t>
+              <a:t>3/22/21</a:t>
             </a:fld>
             <a:endParaRPr lang="en-US" dirty="0"/>
           </a:p>
@@ -3826,7 +4022,7 @@
             <a:fld id="{B61BEF0D-F0BB-DE4B-95CE-6DB70DBA9567}" type="datetimeFigureOut">
               <a:rPr lang="en-US" dirty="0"/>
               <a:pPr/>
-              <a:t>3/18/21</a:t>
+              <a:t>3/22/21</a:t>
             </a:fld>
             <a:endParaRPr lang="en-US" dirty="0"/>
           </a:p>
@@ -4023,7 +4219,7 @@
             <a:fld id="{B61BEF0D-F0BB-DE4B-95CE-6DB70DBA9567}" type="datetimeFigureOut">
               <a:rPr lang="en-US" dirty="0"/>
               <a:pPr/>
-              <a:t>3/18/21</a:t>
+              <a:t>3/22/21</a:t>
             </a:fld>
             <a:endParaRPr lang="en-US" dirty="0"/>
           </a:p>
@@ -4296,7 +4492,7 @@
             <a:fld id="{B61BEF0D-F0BB-DE4B-95CE-6DB70DBA9567}" type="datetimeFigureOut">
               <a:rPr lang="en-US" dirty="0"/>
               <a:pPr/>
-              <a:t>3/18/21</a:t>
+              <a:t>3/22/21</a:t>
             </a:fld>
             <a:endParaRPr lang="en-US" dirty="0"/>
           </a:p>
@@ -4559,7 +4755,7 @@
             <a:fld id="{B61BEF0D-F0BB-DE4B-95CE-6DB70DBA9567}" type="datetimeFigureOut">
               <a:rPr lang="en-US" dirty="0"/>
               <a:pPr/>
-              <a:t>3/18/21</a:t>
+              <a:t>3/22/21</a:t>
             </a:fld>
             <a:endParaRPr lang="en-US" dirty="0"/>
           </a:p>
@@ -4930,7 +5126,7 @@
             <a:fld id="{B61BEF0D-F0BB-DE4B-95CE-6DB70DBA9567}" type="datetimeFigureOut">
               <a:rPr lang="en-US" dirty="0"/>
               <a:pPr/>
-              <a:t>3/18/21</a:t>
+              <a:t>3/22/21</a:t>
             </a:fld>
             <a:endParaRPr lang="en-US" dirty="0"/>
           </a:p>
@@ -5075,7 +5271,7 @@
             <a:fld id="{B61BEF0D-F0BB-DE4B-95CE-6DB70DBA9567}" type="datetimeFigureOut">
               <a:rPr lang="en-US" dirty="0"/>
               <a:pPr/>
-              <a:t>3/18/21</a:t>
+              <a:t>3/22/21</a:t>
             </a:fld>
             <a:endParaRPr lang="en-US" dirty="0"/>
           </a:p>
@@ -5197,7 +5393,7 @@
             <a:fld id="{B61BEF0D-F0BB-DE4B-95CE-6DB70DBA9567}" type="datetimeFigureOut">
               <a:rPr lang="en-US" dirty="0"/>
               <a:pPr/>
-              <a:t>3/18/21</a:t>
+              <a:t>3/22/21</a:t>
             </a:fld>
             <a:endParaRPr lang="en-US" dirty="0"/>
           </a:p>
@@ -5479,7 +5675,7 @@
             <a:fld id="{B61BEF0D-F0BB-DE4B-95CE-6DB70DBA9567}" type="datetimeFigureOut">
               <a:rPr lang="en-US" dirty="0"/>
               <a:pPr/>
-              <a:t>3/18/21</a:t>
+              <a:t>3/22/21</a:t>
             </a:fld>
             <a:endParaRPr lang="en-US" dirty="0"/>
           </a:p>
@@ -5800,7 +5996,7 @@
             <a:fld id="{B61BEF0D-F0BB-DE4B-95CE-6DB70DBA9567}" type="datetimeFigureOut">
               <a:rPr lang="en-US" dirty="0"/>
               <a:pPr/>
-              <a:t>3/18/21</a:t>
+              <a:t>3/22/21</a:t>
             </a:fld>
             <a:endParaRPr lang="en-US" dirty="0"/>
           </a:p>
@@ -6011,7 +6207,7 @@
             <a:fld id="{B61BEF0D-F0BB-DE4B-95CE-6DB70DBA9567}" type="datetimeFigureOut">
               <a:rPr lang="en-US" dirty="0"/>
               <a:pPr/>
-              <a:t>3/18/21</a:t>
+              <a:t>3/22/21</a:t>
             </a:fld>
             <a:endParaRPr lang="en-US" dirty="0"/>
           </a:p>
@@ -6585,6 +6781,738 @@
     <p:extLst>
       <p:ext uri="{BB962C8B-B14F-4D97-AF65-F5344CB8AC3E}">
         <p14:creationId xmlns:p14="http://schemas.microsoft.com/office/powerpoint/2010/main" val="2709035465"/>
+      </p:ext>
+    </p:extLst>
+  </p:cSld>
+  <p:clrMapOvr>
+    <a:masterClrMapping/>
+  </p:clrMapOvr>
+</p:sld>
+</file>
+
+<file path=ppt/slides/slide10.xml><?xml version="1.0" encoding="utf-8"?>
+<p:sld xmlns:a="http://schemas.openxmlformats.org/drawingml/2006/main" xmlns:r="http://schemas.openxmlformats.org/officeDocument/2006/relationships" xmlns:p="http://schemas.openxmlformats.org/presentationml/2006/main">
+  <p:cSld>
+    <p:spTree>
+      <p:nvGrpSpPr>
+        <p:cNvPr id="1" name=""/>
+        <p:cNvGrpSpPr/>
+        <p:nvPr/>
+      </p:nvGrpSpPr>
+      <p:grpSpPr>
+        <a:xfrm>
+          <a:off x="0" y="0"/>
+          <a:ext cx="0" cy="0"/>
+          <a:chOff x="0" y="0"/>
+          <a:chExt cx="0" cy="0"/>
+        </a:xfrm>
+      </p:grpSpPr>
+      <p:sp>
+        <p:nvSpPr>
+          <p:cNvPr id="6" name="矩形 5">
+            <a:extLst>
+              <a:ext uri="{FF2B5EF4-FFF2-40B4-BE49-F238E27FC236}">
+                <a16:creationId xmlns:a16="http://schemas.microsoft.com/office/drawing/2014/main" id="{8996D409-1D57-DE4F-8952-D961911C903C}"/>
+              </a:ext>
+            </a:extLst>
+          </p:cNvPr>
+          <p:cNvSpPr/>
+          <p:nvPr/>
+        </p:nvSpPr>
+        <p:spPr>
+          <a:xfrm>
+            <a:off x="2199240" y="1359340"/>
+            <a:ext cx="7117654" cy="2677656"/>
+          </a:xfrm>
+          <a:prstGeom prst="rect">
+            <a:avLst/>
+          </a:prstGeom>
+        </p:spPr>
+        <p:txBody>
+          <a:bodyPr wrap="none">
+            <a:spAutoFit/>
+          </a:bodyPr>
+          <a:lstStyle/>
+          <a:p>
+            <a:pPr algn="ctr"/>
+            <a:r>
+              <a:rPr kumimoji="1" lang="en-US" altLang="zh-CN" sz="8800" dirty="0">
+                <a:latin typeface="Microsoft YaHei" panose="020B0503020204020204" pitchFamily="34" charset="-122"/>
+                <a:ea typeface="Microsoft YaHei" panose="020B0503020204020204" pitchFamily="34" charset="-122"/>
+              </a:rPr>
+              <a:t>Python</a:t>
+            </a:r>
+            <a:endParaRPr kumimoji="1" lang="en-US" altLang="zh-CN" sz="8000" dirty="0">
+              <a:latin typeface="Microsoft YaHei" panose="020B0503020204020204" pitchFamily="34" charset="-122"/>
+              <a:ea typeface="Microsoft YaHei" panose="020B0503020204020204" pitchFamily="34" charset="-122"/>
+            </a:endParaRPr>
+          </a:p>
+          <a:p>
+            <a:pPr algn="ctr"/>
+            <a:r>
+              <a:rPr kumimoji="1" lang="zh-CN" altLang="en-US" sz="8000" dirty="0">
+                <a:latin typeface="Microsoft YaHei" panose="020B0503020204020204" pitchFamily="34" charset="-122"/>
+                <a:ea typeface="Microsoft YaHei" panose="020B0503020204020204" pitchFamily="34" charset="-122"/>
+              </a:rPr>
+              <a:t>入门编程</a:t>
+            </a:r>
+            <a:r>
+              <a:rPr kumimoji="1" lang="en-US" altLang="zh-CN" sz="8000" dirty="0">
+                <a:latin typeface="Microsoft YaHei" panose="020B0503020204020204" pitchFamily="34" charset="-122"/>
+                <a:ea typeface="Microsoft YaHei" panose="020B0503020204020204" pitchFamily="34" charset="-122"/>
+              </a:rPr>
+              <a:t>100</a:t>
+            </a:r>
+            <a:r>
+              <a:rPr kumimoji="1" lang="zh-CN" altLang="en-US" sz="8000" dirty="0">
+                <a:latin typeface="Microsoft YaHei" panose="020B0503020204020204" pitchFamily="34" charset="-122"/>
+                <a:ea typeface="Microsoft YaHei" panose="020B0503020204020204" pitchFamily="34" charset="-122"/>
+              </a:rPr>
+              <a:t>例</a:t>
+            </a:r>
+            <a:endParaRPr lang="zh-CN" altLang="en-US" sz="8000" dirty="0"/>
+          </a:p>
+        </p:txBody>
+      </p:sp>
+      <p:sp>
+        <p:nvSpPr>
+          <p:cNvPr id="3" name="矩形 2">
+            <a:extLst>
+              <a:ext uri="{FF2B5EF4-FFF2-40B4-BE49-F238E27FC236}">
+                <a16:creationId xmlns:a16="http://schemas.microsoft.com/office/drawing/2014/main" id="{B3D62883-CFB8-9442-A340-30E75FA3BCBA}"/>
+              </a:ext>
+            </a:extLst>
+          </p:cNvPr>
+          <p:cNvSpPr/>
+          <p:nvPr/>
+        </p:nvSpPr>
+        <p:spPr>
+          <a:xfrm>
+            <a:off x="1291069" y="4036996"/>
+            <a:ext cx="9786653" cy="923330"/>
+          </a:xfrm>
+          <a:prstGeom prst="rect">
+            <a:avLst/>
+          </a:prstGeom>
+        </p:spPr>
+        <p:txBody>
+          <a:bodyPr wrap="none">
+            <a:spAutoFit/>
+          </a:bodyPr>
+          <a:lstStyle/>
+          <a:p>
+            <a:pPr algn="ctr"/>
+            <a:r>
+              <a:rPr kumimoji="1" lang="zh-CN" altLang="en-US" sz="5400" dirty="0">
+                <a:latin typeface="Microsoft YaHei" panose="020B0503020204020204" pitchFamily="34" charset="-122"/>
+                <a:ea typeface="Microsoft YaHei" panose="020B0503020204020204" pitchFamily="34" charset="-122"/>
+              </a:rPr>
+              <a:t>第</a:t>
+            </a:r>
+            <a:r>
+              <a:rPr kumimoji="1" lang="en-US" altLang="zh-CN" sz="5400" dirty="0">
+                <a:latin typeface="Microsoft YaHei" panose="020B0503020204020204" pitchFamily="34" charset="-122"/>
+                <a:ea typeface="Microsoft YaHei" panose="020B0503020204020204" pitchFamily="34" charset="-122"/>
+              </a:rPr>
+              <a:t>005</a:t>
+            </a:r>
+            <a:r>
+              <a:rPr kumimoji="1" lang="zh-CN" altLang="en-US" sz="5400" dirty="0">
+                <a:latin typeface="Microsoft YaHei" panose="020B0503020204020204" pitchFamily="34" charset="-122"/>
+                <a:ea typeface="Microsoft YaHei" panose="020B0503020204020204" pitchFamily="34" charset="-122"/>
+              </a:rPr>
+              <a:t>集 求前</a:t>
+            </a:r>
+            <a:r>
+              <a:rPr kumimoji="1" lang="en-US" altLang="zh-CN" sz="5400" dirty="0">
+                <a:latin typeface="Microsoft YaHei" panose="020B0503020204020204" pitchFamily="34" charset="-122"/>
+                <a:ea typeface="Microsoft YaHei" panose="020B0503020204020204" pitchFamily="34" charset="-122"/>
+              </a:rPr>
+              <a:t>N</a:t>
+            </a:r>
+            <a:r>
+              <a:rPr kumimoji="1" lang="zh-CN" altLang="en-US" sz="5400" dirty="0">
+                <a:latin typeface="Microsoft YaHei" panose="020B0503020204020204" pitchFamily="34" charset="-122"/>
+                <a:ea typeface="Microsoft YaHei" panose="020B0503020204020204" pitchFamily="34" charset="-122"/>
+              </a:rPr>
+              <a:t>个数字的平方和</a:t>
+            </a:r>
+            <a:endParaRPr lang="zh-CN" altLang="en-US" sz="5400" dirty="0"/>
+          </a:p>
+        </p:txBody>
+      </p:sp>
+    </p:spTree>
+    <p:extLst>
+      <p:ext uri="{BB962C8B-B14F-4D97-AF65-F5344CB8AC3E}">
+        <p14:creationId xmlns:p14="http://schemas.microsoft.com/office/powerpoint/2010/main" val="864966489"/>
+      </p:ext>
+    </p:extLst>
+  </p:cSld>
+  <p:clrMapOvr>
+    <a:masterClrMapping/>
+  </p:clrMapOvr>
+</p:sld>
+</file>
+
+<file path=ppt/slides/slide11.xml><?xml version="1.0" encoding="utf-8"?>
+<p:sld xmlns:a="http://schemas.openxmlformats.org/drawingml/2006/main" xmlns:r="http://schemas.openxmlformats.org/officeDocument/2006/relationships" xmlns:p="http://schemas.openxmlformats.org/presentationml/2006/main">
+  <p:cSld>
+    <p:spTree>
+      <p:nvGrpSpPr>
+        <p:cNvPr id="1" name=""/>
+        <p:cNvGrpSpPr/>
+        <p:nvPr/>
+      </p:nvGrpSpPr>
+      <p:grpSpPr>
+        <a:xfrm>
+          <a:off x="0" y="0"/>
+          <a:ext cx="0" cy="0"/>
+          <a:chOff x="0" y="0"/>
+          <a:chExt cx="0" cy="0"/>
+        </a:xfrm>
+      </p:grpSpPr>
+      <p:sp>
+        <p:nvSpPr>
+          <p:cNvPr id="3" name="内容占位符 2">
+            <a:extLst>
+              <a:ext uri="{FF2B5EF4-FFF2-40B4-BE49-F238E27FC236}">
+                <a16:creationId xmlns:a16="http://schemas.microsoft.com/office/drawing/2014/main" id="{4C1A25D0-8354-A84D-8611-0C1E55DFD595}"/>
+              </a:ext>
+            </a:extLst>
+          </p:cNvPr>
+          <p:cNvSpPr>
+            <a:spLocks noGrp="1"/>
+          </p:cNvSpPr>
+          <p:nvPr>
+            <p:ph idx="1"/>
+          </p:nvPr>
+        </p:nvSpPr>
+        <p:spPr>
+          <a:xfrm>
+            <a:off x="1324936" y="2252133"/>
+            <a:ext cx="10532532" cy="3225889"/>
+          </a:xfrm>
+        </p:spPr>
+        <p:txBody>
+          <a:bodyPr>
+            <a:normAutofit/>
+          </a:bodyPr>
+          <a:lstStyle/>
+          <a:p>
+            <a:r>
+              <a:rPr kumimoji="1" lang="zh-CN" altLang="en-US" sz="4000" dirty="0">
+                <a:latin typeface="Microsoft YaHei" panose="020B0503020204020204" pitchFamily="34" charset="-122"/>
+                <a:ea typeface="Microsoft YaHei" panose="020B0503020204020204" pitchFamily="34" charset="-122"/>
+              </a:rPr>
+              <a:t>输入：数字</a:t>
+            </a:r>
+            <a:r>
+              <a:rPr kumimoji="1" lang="en-US" altLang="zh-CN" sz="4000" dirty="0">
+                <a:latin typeface="Microsoft YaHei" panose="020B0503020204020204" pitchFamily="34" charset="-122"/>
+                <a:ea typeface="Microsoft YaHei" panose="020B0503020204020204" pitchFamily="34" charset="-122"/>
+              </a:rPr>
+              <a:t>N</a:t>
+            </a:r>
+          </a:p>
+          <a:p>
+            <a:r>
+              <a:rPr kumimoji="1" lang="zh-CN" altLang="en-US" sz="4000" dirty="0">
+                <a:latin typeface="Microsoft YaHei" panose="020B0503020204020204" pitchFamily="34" charset="-122"/>
+                <a:ea typeface="Microsoft YaHei" panose="020B0503020204020204" pitchFamily="34" charset="-122"/>
+              </a:rPr>
+              <a:t>计算：</a:t>
+            </a:r>
+            <a:r>
+              <a:rPr lang="en" altLang="zh-CN" sz="4000" dirty="0">
+                <a:latin typeface="Microsoft YaHei" panose="020B0503020204020204" pitchFamily="34" charset="-122"/>
+                <a:ea typeface="Microsoft YaHei" panose="020B0503020204020204" pitchFamily="34" charset="-122"/>
+              </a:rPr>
+              <a:t> 1</a:t>
+            </a:r>
+            <a:r>
+              <a:rPr lang="en" altLang="zh-CN" sz="4000" baseline="30000" dirty="0">
+                <a:latin typeface="Microsoft YaHei" panose="020B0503020204020204" pitchFamily="34" charset="-122"/>
+                <a:ea typeface="Microsoft YaHei" panose="020B0503020204020204" pitchFamily="34" charset="-122"/>
+              </a:rPr>
+              <a:t>2</a:t>
+            </a:r>
+            <a:r>
+              <a:rPr lang="en" altLang="zh-CN" sz="4000" dirty="0">
+                <a:latin typeface="Microsoft YaHei" panose="020B0503020204020204" pitchFamily="34" charset="-122"/>
+                <a:ea typeface="Microsoft YaHei" panose="020B0503020204020204" pitchFamily="34" charset="-122"/>
+              </a:rPr>
+              <a:t> + 2</a:t>
+            </a:r>
+            <a:r>
+              <a:rPr lang="en" altLang="zh-CN" sz="4000" baseline="30000" dirty="0">
+                <a:latin typeface="Microsoft YaHei" panose="020B0503020204020204" pitchFamily="34" charset="-122"/>
+                <a:ea typeface="Microsoft YaHei" panose="020B0503020204020204" pitchFamily="34" charset="-122"/>
+              </a:rPr>
+              <a:t>2</a:t>
+            </a:r>
+            <a:r>
+              <a:rPr lang="en" altLang="zh-CN" sz="4000" dirty="0">
+                <a:latin typeface="Microsoft YaHei" panose="020B0503020204020204" pitchFamily="34" charset="-122"/>
+                <a:ea typeface="Microsoft YaHei" panose="020B0503020204020204" pitchFamily="34" charset="-122"/>
+              </a:rPr>
+              <a:t> + 3</a:t>
+            </a:r>
+            <a:r>
+              <a:rPr lang="en" altLang="zh-CN" sz="4000" baseline="30000" dirty="0">
+                <a:latin typeface="Microsoft YaHei" panose="020B0503020204020204" pitchFamily="34" charset="-122"/>
+                <a:ea typeface="Microsoft YaHei" panose="020B0503020204020204" pitchFamily="34" charset="-122"/>
+              </a:rPr>
+              <a:t>2</a:t>
+            </a:r>
+            <a:r>
+              <a:rPr lang="en" altLang="zh-CN" sz="4000" dirty="0">
+                <a:latin typeface="Microsoft YaHei" panose="020B0503020204020204" pitchFamily="34" charset="-122"/>
+                <a:ea typeface="Microsoft YaHei" panose="020B0503020204020204" pitchFamily="34" charset="-122"/>
+              </a:rPr>
+              <a:t> + ….. + N</a:t>
+            </a:r>
+            <a:r>
+              <a:rPr lang="en" altLang="zh-CN" sz="4000" baseline="30000" dirty="0">
+                <a:latin typeface="Microsoft YaHei" panose="020B0503020204020204" pitchFamily="34" charset="-122"/>
+                <a:ea typeface="Microsoft YaHei" panose="020B0503020204020204" pitchFamily="34" charset="-122"/>
+              </a:rPr>
+              <a:t>2</a:t>
+            </a:r>
+            <a:endParaRPr kumimoji="1" lang="zh-CN" altLang="en-US" sz="4000" dirty="0">
+              <a:latin typeface="Microsoft YaHei" panose="020B0503020204020204" pitchFamily="34" charset="-122"/>
+              <a:ea typeface="Microsoft YaHei" panose="020B0503020204020204" pitchFamily="34" charset="-122"/>
+            </a:endParaRPr>
+          </a:p>
+        </p:txBody>
+      </p:sp>
+      <p:sp>
+        <p:nvSpPr>
+          <p:cNvPr id="4" name="矩形 3">
+            <a:extLst>
+              <a:ext uri="{FF2B5EF4-FFF2-40B4-BE49-F238E27FC236}">
+                <a16:creationId xmlns:a16="http://schemas.microsoft.com/office/drawing/2014/main" id="{37671FBC-FF2A-8E4D-A935-AAFAFFFE1EC7}"/>
+              </a:ext>
+            </a:extLst>
+          </p:cNvPr>
+          <p:cNvSpPr/>
+          <p:nvPr/>
+        </p:nvSpPr>
+        <p:spPr>
+          <a:xfrm>
+            <a:off x="1324936" y="582596"/>
+            <a:ext cx="9786653" cy="923330"/>
+          </a:xfrm>
+          <a:prstGeom prst="rect">
+            <a:avLst/>
+          </a:prstGeom>
+        </p:spPr>
+        <p:txBody>
+          <a:bodyPr wrap="none">
+            <a:spAutoFit/>
+          </a:bodyPr>
+          <a:lstStyle/>
+          <a:p>
+            <a:pPr algn="ctr"/>
+            <a:r>
+              <a:rPr kumimoji="1" lang="zh-CN" altLang="en-US" sz="5400" dirty="0">
+                <a:latin typeface="Microsoft YaHei" panose="020B0503020204020204" pitchFamily="34" charset="-122"/>
+                <a:ea typeface="Microsoft YaHei" panose="020B0503020204020204" pitchFamily="34" charset="-122"/>
+              </a:rPr>
+              <a:t>第</a:t>
+            </a:r>
+            <a:r>
+              <a:rPr kumimoji="1" lang="en-US" altLang="zh-CN" sz="5400" dirty="0">
+                <a:latin typeface="Microsoft YaHei" panose="020B0503020204020204" pitchFamily="34" charset="-122"/>
+                <a:ea typeface="Microsoft YaHei" panose="020B0503020204020204" pitchFamily="34" charset="-122"/>
+              </a:rPr>
+              <a:t>005</a:t>
+            </a:r>
+            <a:r>
+              <a:rPr kumimoji="1" lang="zh-CN" altLang="en-US" sz="5400" dirty="0">
+                <a:latin typeface="Microsoft YaHei" panose="020B0503020204020204" pitchFamily="34" charset="-122"/>
+                <a:ea typeface="Microsoft YaHei" panose="020B0503020204020204" pitchFamily="34" charset="-122"/>
+              </a:rPr>
+              <a:t>集 求前</a:t>
+            </a:r>
+            <a:r>
+              <a:rPr kumimoji="1" lang="en-US" altLang="zh-CN" sz="5400" dirty="0">
+                <a:latin typeface="Microsoft YaHei" panose="020B0503020204020204" pitchFamily="34" charset="-122"/>
+                <a:ea typeface="Microsoft YaHei" panose="020B0503020204020204" pitchFamily="34" charset="-122"/>
+              </a:rPr>
+              <a:t>N</a:t>
+            </a:r>
+            <a:r>
+              <a:rPr kumimoji="1" lang="zh-CN" altLang="en-US" sz="5400" dirty="0">
+                <a:latin typeface="Microsoft YaHei" panose="020B0503020204020204" pitchFamily="34" charset="-122"/>
+                <a:ea typeface="Microsoft YaHei" panose="020B0503020204020204" pitchFamily="34" charset="-122"/>
+              </a:rPr>
+              <a:t>个数字的平方和</a:t>
+            </a:r>
+            <a:endParaRPr lang="zh-CN" altLang="en-US" sz="5400" dirty="0"/>
+          </a:p>
+        </p:txBody>
+      </p:sp>
+    </p:spTree>
+    <p:extLst>
+      <p:ext uri="{BB962C8B-B14F-4D97-AF65-F5344CB8AC3E}">
+        <p14:creationId xmlns:p14="http://schemas.microsoft.com/office/powerpoint/2010/main" val="987616419"/>
+      </p:ext>
+    </p:extLst>
+  </p:cSld>
+  <p:clrMapOvr>
+    <a:masterClrMapping/>
+  </p:clrMapOvr>
+</p:sld>
+</file>
+
+<file path=ppt/slides/slide12.xml><?xml version="1.0" encoding="utf-8"?>
+<p:sld xmlns:a="http://schemas.openxmlformats.org/drawingml/2006/main" xmlns:r="http://schemas.openxmlformats.org/officeDocument/2006/relationships" xmlns:p="http://schemas.openxmlformats.org/presentationml/2006/main">
+  <p:cSld>
+    <p:spTree>
+      <p:nvGrpSpPr>
+        <p:cNvPr id="1" name=""/>
+        <p:cNvGrpSpPr/>
+        <p:nvPr/>
+      </p:nvGrpSpPr>
+      <p:grpSpPr>
+        <a:xfrm>
+          <a:off x="0" y="0"/>
+          <a:ext cx="0" cy="0"/>
+          <a:chOff x="0" y="0"/>
+          <a:chExt cx="0" cy="0"/>
+        </a:xfrm>
+      </p:grpSpPr>
+      <p:sp>
+        <p:nvSpPr>
+          <p:cNvPr id="6" name="矩形 5">
+            <a:extLst>
+              <a:ext uri="{FF2B5EF4-FFF2-40B4-BE49-F238E27FC236}">
+                <a16:creationId xmlns:a16="http://schemas.microsoft.com/office/drawing/2014/main" id="{8996D409-1D57-DE4F-8952-D961911C903C}"/>
+              </a:ext>
+            </a:extLst>
+          </p:cNvPr>
+          <p:cNvSpPr/>
+          <p:nvPr/>
+        </p:nvSpPr>
+        <p:spPr>
+          <a:xfrm>
+            <a:off x="2199240" y="1359340"/>
+            <a:ext cx="7117654" cy="2677656"/>
+          </a:xfrm>
+          <a:prstGeom prst="rect">
+            <a:avLst/>
+          </a:prstGeom>
+        </p:spPr>
+        <p:txBody>
+          <a:bodyPr wrap="none">
+            <a:spAutoFit/>
+          </a:bodyPr>
+          <a:lstStyle/>
+          <a:p>
+            <a:pPr algn="ctr"/>
+            <a:r>
+              <a:rPr kumimoji="1" lang="en-US" altLang="zh-CN" sz="8800" dirty="0">
+                <a:latin typeface="Microsoft YaHei" panose="020B0503020204020204" pitchFamily="34" charset="-122"/>
+                <a:ea typeface="Microsoft YaHei" panose="020B0503020204020204" pitchFamily="34" charset="-122"/>
+              </a:rPr>
+              <a:t>Python</a:t>
+            </a:r>
+            <a:endParaRPr kumimoji="1" lang="en-US" altLang="zh-CN" sz="8000" dirty="0">
+              <a:latin typeface="Microsoft YaHei" panose="020B0503020204020204" pitchFamily="34" charset="-122"/>
+              <a:ea typeface="Microsoft YaHei" panose="020B0503020204020204" pitchFamily="34" charset="-122"/>
+            </a:endParaRPr>
+          </a:p>
+          <a:p>
+            <a:pPr algn="ctr"/>
+            <a:r>
+              <a:rPr kumimoji="1" lang="zh-CN" altLang="en-US" sz="8000" dirty="0">
+                <a:latin typeface="Microsoft YaHei" panose="020B0503020204020204" pitchFamily="34" charset="-122"/>
+                <a:ea typeface="Microsoft YaHei" panose="020B0503020204020204" pitchFamily="34" charset="-122"/>
+              </a:rPr>
+              <a:t>入门编程</a:t>
+            </a:r>
+            <a:r>
+              <a:rPr kumimoji="1" lang="en-US" altLang="zh-CN" sz="8000" dirty="0">
+                <a:latin typeface="Microsoft YaHei" panose="020B0503020204020204" pitchFamily="34" charset="-122"/>
+                <a:ea typeface="Microsoft YaHei" panose="020B0503020204020204" pitchFamily="34" charset="-122"/>
+              </a:rPr>
+              <a:t>100</a:t>
+            </a:r>
+            <a:r>
+              <a:rPr kumimoji="1" lang="zh-CN" altLang="en-US" sz="8000" dirty="0">
+                <a:latin typeface="Microsoft YaHei" panose="020B0503020204020204" pitchFamily="34" charset="-122"/>
+                <a:ea typeface="Microsoft YaHei" panose="020B0503020204020204" pitchFamily="34" charset="-122"/>
+              </a:rPr>
+              <a:t>例</a:t>
+            </a:r>
+            <a:endParaRPr lang="zh-CN" altLang="en-US" sz="8000" dirty="0"/>
+          </a:p>
+        </p:txBody>
+      </p:sp>
+      <p:sp>
+        <p:nvSpPr>
+          <p:cNvPr id="3" name="矩形 2">
+            <a:extLst>
+              <a:ext uri="{FF2B5EF4-FFF2-40B4-BE49-F238E27FC236}">
+                <a16:creationId xmlns:a16="http://schemas.microsoft.com/office/drawing/2014/main" id="{B3D62883-CFB8-9442-A340-30E75FA3BCBA}"/>
+              </a:ext>
+            </a:extLst>
+          </p:cNvPr>
+          <p:cNvSpPr/>
+          <p:nvPr/>
+        </p:nvSpPr>
+        <p:spPr>
+          <a:xfrm>
+            <a:off x="1918644" y="4036996"/>
+            <a:ext cx="8531503" cy="923330"/>
+          </a:xfrm>
+          <a:prstGeom prst="rect">
+            <a:avLst/>
+          </a:prstGeom>
+        </p:spPr>
+        <p:txBody>
+          <a:bodyPr wrap="none">
+            <a:spAutoFit/>
+          </a:bodyPr>
+          <a:lstStyle/>
+          <a:p>
+            <a:pPr algn="ctr"/>
+            <a:r>
+              <a:rPr kumimoji="1" lang="zh-CN" altLang="en-US" sz="5400" dirty="0">
+                <a:latin typeface="Microsoft YaHei" panose="020B0503020204020204" pitchFamily="34" charset="-122"/>
+                <a:ea typeface="Microsoft YaHei" panose="020B0503020204020204" pitchFamily="34" charset="-122"/>
+              </a:rPr>
+              <a:t>第</a:t>
+            </a:r>
+            <a:r>
+              <a:rPr kumimoji="1" lang="en-US" altLang="zh-CN" sz="5400" dirty="0">
+                <a:latin typeface="Microsoft YaHei" panose="020B0503020204020204" pitchFamily="34" charset="-122"/>
+                <a:ea typeface="Microsoft YaHei" panose="020B0503020204020204" pitchFamily="34" charset="-122"/>
+              </a:rPr>
+              <a:t>006</a:t>
+            </a:r>
+            <a:r>
+              <a:rPr kumimoji="1" lang="zh-CN" altLang="en-US" sz="5400" dirty="0">
+                <a:latin typeface="Microsoft YaHei" panose="020B0503020204020204" pitchFamily="34" charset="-122"/>
+                <a:ea typeface="Microsoft YaHei" panose="020B0503020204020204" pitchFamily="34" charset="-122"/>
+              </a:rPr>
+              <a:t>集 </a:t>
+            </a:r>
+            <a:r>
+              <a:rPr lang="zh-CN" altLang="en-US" sz="5400" dirty="0">
+                <a:latin typeface="Microsoft YaHei" panose="020B0503020204020204" pitchFamily="34" charset="-122"/>
+                <a:ea typeface="Microsoft YaHei" panose="020B0503020204020204" pitchFamily="34" charset="-122"/>
+              </a:rPr>
+              <a:t>计算列表数字的和</a:t>
+            </a:r>
+          </a:p>
+        </p:txBody>
+      </p:sp>
+    </p:spTree>
+    <p:extLst>
+      <p:ext uri="{BB962C8B-B14F-4D97-AF65-F5344CB8AC3E}">
+        <p14:creationId xmlns:p14="http://schemas.microsoft.com/office/powerpoint/2010/main" val="25525411"/>
+      </p:ext>
+    </p:extLst>
+  </p:cSld>
+  <p:clrMapOvr>
+    <a:masterClrMapping/>
+  </p:clrMapOvr>
+</p:sld>
+</file>
+
+<file path=ppt/slides/slide13.xml><?xml version="1.0" encoding="utf-8"?>
+<p:sld xmlns:a="http://schemas.openxmlformats.org/drawingml/2006/main" xmlns:r="http://schemas.openxmlformats.org/officeDocument/2006/relationships" xmlns:p="http://schemas.openxmlformats.org/presentationml/2006/main">
+  <p:cSld>
+    <p:spTree>
+      <p:nvGrpSpPr>
+        <p:cNvPr id="1" name=""/>
+        <p:cNvGrpSpPr/>
+        <p:nvPr/>
+      </p:nvGrpSpPr>
+      <p:grpSpPr>
+        <a:xfrm>
+          <a:off x="0" y="0"/>
+          <a:ext cx="0" cy="0"/>
+          <a:chOff x="0" y="0"/>
+          <a:chExt cx="0" cy="0"/>
+        </a:xfrm>
+      </p:grpSpPr>
+      <p:sp>
+        <p:nvSpPr>
+          <p:cNvPr id="3" name="内容占位符 2">
+            <a:extLst>
+              <a:ext uri="{FF2B5EF4-FFF2-40B4-BE49-F238E27FC236}">
+                <a16:creationId xmlns:a16="http://schemas.microsoft.com/office/drawing/2014/main" id="{4C1A25D0-8354-A84D-8611-0C1E55DFD595}"/>
+              </a:ext>
+            </a:extLst>
+          </p:cNvPr>
+          <p:cNvSpPr>
+            <a:spLocks noGrp="1"/>
+          </p:cNvSpPr>
+          <p:nvPr>
+            <p:ph idx="1"/>
+          </p:nvPr>
+        </p:nvSpPr>
+        <p:spPr>
+          <a:xfrm>
+            <a:off x="1830248" y="2404533"/>
+            <a:ext cx="8284731" cy="3225889"/>
+          </a:xfrm>
+        </p:spPr>
+        <p:txBody>
+          <a:bodyPr>
+            <a:normAutofit/>
+          </a:bodyPr>
+          <a:lstStyle/>
+          <a:p>
+            <a:r>
+              <a:rPr lang="en" altLang="zh-CN" sz="4000" b="1" dirty="0"/>
+              <a:t>Input:</a:t>
+            </a:r>
+            <a:r>
+              <a:rPr lang="en" altLang="zh-CN" sz="4000" dirty="0"/>
+              <a:t> [</a:t>
+            </a:r>
+            <a:r>
+              <a:rPr lang="en-US" altLang="zh-CN" sz="4000" dirty="0"/>
+              <a:t>1</a:t>
+            </a:r>
+            <a:r>
+              <a:rPr lang="en" altLang="zh-CN" sz="4000" dirty="0"/>
+              <a:t>, </a:t>
+            </a:r>
+            <a:r>
+              <a:rPr lang="en-US" altLang="zh-CN" sz="4000" dirty="0"/>
+              <a:t>2</a:t>
+            </a:r>
+            <a:r>
+              <a:rPr lang="en" altLang="zh-CN" sz="4000" dirty="0"/>
+              <a:t>, </a:t>
+            </a:r>
+            <a:r>
+              <a:rPr lang="en-US" altLang="zh-CN" sz="4000" dirty="0"/>
+              <a:t>3</a:t>
+            </a:r>
+            <a:r>
+              <a:rPr lang="en" altLang="zh-CN" sz="4000" dirty="0"/>
+              <a:t>, </a:t>
+            </a:r>
+            <a:r>
+              <a:rPr lang="en-US" altLang="zh-CN" sz="4000" dirty="0"/>
+              <a:t>4</a:t>
+            </a:r>
+            <a:r>
+              <a:rPr lang="en" altLang="zh-CN" sz="4000" dirty="0"/>
+              <a:t>] </a:t>
+            </a:r>
+            <a:r>
+              <a:rPr lang="en" altLang="zh-CN" sz="4000" b="1" dirty="0"/>
+              <a:t>Output:</a:t>
+            </a:r>
+            <a:r>
+              <a:rPr lang="en" altLang="zh-CN" sz="4000" dirty="0"/>
+              <a:t> </a:t>
+            </a:r>
+            <a:r>
+              <a:rPr lang="en-US" altLang="zh-CN" sz="4000" dirty="0"/>
+              <a:t>10</a:t>
+            </a:r>
+            <a:endParaRPr lang="en" altLang="zh-CN" sz="4000" dirty="0"/>
+          </a:p>
+          <a:p>
+            <a:endParaRPr lang="en" altLang="zh-CN" sz="4000" b="1" dirty="0"/>
+          </a:p>
+          <a:p>
+            <a:r>
+              <a:rPr lang="en" altLang="zh-CN" sz="4000" b="1" dirty="0"/>
+              <a:t>Input:</a:t>
+            </a:r>
+            <a:r>
+              <a:rPr lang="en" altLang="zh-CN" sz="4000" dirty="0"/>
+              <a:t> [17, 5, 3, 5] </a:t>
+            </a:r>
+            <a:r>
+              <a:rPr lang="en" altLang="zh-CN" sz="4000" b="1" dirty="0"/>
+              <a:t>Output:</a:t>
+            </a:r>
+            <a:r>
+              <a:rPr lang="en" altLang="zh-CN" sz="4000" dirty="0"/>
+              <a:t> 30 </a:t>
+            </a:r>
+            <a:br>
+              <a:rPr lang="en" altLang="zh-CN" sz="4000" dirty="0"/>
+            </a:br>
+            <a:endParaRPr kumimoji="1" lang="zh-CN" altLang="en-US" sz="4000" dirty="0">
+              <a:latin typeface="Microsoft YaHei" panose="020B0503020204020204" pitchFamily="34" charset="-122"/>
+              <a:ea typeface="Microsoft YaHei" panose="020B0503020204020204" pitchFamily="34" charset="-122"/>
+            </a:endParaRPr>
+          </a:p>
+        </p:txBody>
+      </p:sp>
+      <p:sp>
+        <p:nvSpPr>
+          <p:cNvPr id="5" name="矩形 4">
+            <a:extLst>
+              <a:ext uri="{FF2B5EF4-FFF2-40B4-BE49-F238E27FC236}">
+                <a16:creationId xmlns:a16="http://schemas.microsoft.com/office/drawing/2014/main" id="{DB983F31-8326-C24A-A59B-068B7F1EE8D9}"/>
+              </a:ext>
+            </a:extLst>
+          </p:cNvPr>
+          <p:cNvSpPr/>
+          <p:nvPr/>
+        </p:nvSpPr>
+        <p:spPr>
+          <a:xfrm>
+            <a:off x="1830248" y="918313"/>
+            <a:ext cx="8531503" cy="923330"/>
+          </a:xfrm>
+          <a:prstGeom prst="rect">
+            <a:avLst/>
+          </a:prstGeom>
+        </p:spPr>
+        <p:txBody>
+          <a:bodyPr wrap="none">
+            <a:spAutoFit/>
+          </a:bodyPr>
+          <a:lstStyle/>
+          <a:p>
+            <a:pPr algn="ctr"/>
+            <a:r>
+              <a:rPr kumimoji="1" lang="zh-CN" altLang="en-US" sz="5400" dirty="0">
+                <a:latin typeface="Microsoft YaHei" panose="020B0503020204020204" pitchFamily="34" charset="-122"/>
+                <a:ea typeface="Microsoft YaHei" panose="020B0503020204020204" pitchFamily="34" charset="-122"/>
+              </a:rPr>
+              <a:t>第</a:t>
+            </a:r>
+            <a:r>
+              <a:rPr kumimoji="1" lang="en-US" altLang="zh-CN" sz="5400" dirty="0">
+                <a:latin typeface="Microsoft YaHei" panose="020B0503020204020204" pitchFamily="34" charset="-122"/>
+                <a:ea typeface="Microsoft YaHei" panose="020B0503020204020204" pitchFamily="34" charset="-122"/>
+              </a:rPr>
+              <a:t>006</a:t>
+            </a:r>
+            <a:r>
+              <a:rPr kumimoji="1" lang="zh-CN" altLang="en-US" sz="5400" dirty="0">
+                <a:latin typeface="Microsoft YaHei" panose="020B0503020204020204" pitchFamily="34" charset="-122"/>
+                <a:ea typeface="Microsoft YaHei" panose="020B0503020204020204" pitchFamily="34" charset="-122"/>
+              </a:rPr>
+              <a:t>集 </a:t>
+            </a:r>
+            <a:r>
+              <a:rPr lang="zh-CN" altLang="en-US" sz="5400" dirty="0">
+                <a:latin typeface="Microsoft YaHei" panose="020B0503020204020204" pitchFamily="34" charset="-122"/>
+                <a:ea typeface="Microsoft YaHei" panose="020B0503020204020204" pitchFamily="34" charset="-122"/>
+              </a:rPr>
+              <a:t>计算列表数字的和</a:t>
+            </a:r>
+          </a:p>
+        </p:txBody>
+      </p:sp>
+    </p:spTree>
+    <p:extLst>
+      <p:ext uri="{BB962C8B-B14F-4D97-AF65-F5344CB8AC3E}">
+        <p14:creationId xmlns:p14="http://schemas.microsoft.com/office/powerpoint/2010/main" val="1218467732"/>
       </p:ext>
     </p:extLst>
   </p:cSld>

--- a/docs/Python入门编程100例.pptx
+++ b/docs/Python入门编程100例.pptx
@@ -5,24 +5,30 @@
     <p:sldMasterId id="2147483648" r:id="rId1"/>
   </p:sldMasterIdLst>
   <p:notesMasterIdLst>
-    <p:notesMasterId r:id="rId15"/>
+    <p:notesMasterId r:id="rId6"/>
   </p:notesMasterIdLst>
   <p:sldIdLst>
-    <p:sldId id="256" r:id="rId2"/>
-    <p:sldId id="257" r:id="rId3"/>
-    <p:sldId id="258" r:id="rId4"/>
-    <p:sldId id="261" r:id="rId5"/>
-    <p:sldId id="259" r:id="rId6"/>
-    <p:sldId id="262" r:id="rId7"/>
-    <p:sldId id="260" r:id="rId8"/>
-    <p:sldId id="263" r:id="rId9"/>
-    <p:sldId id="264" r:id="rId10"/>
-    <p:sldId id="265" r:id="rId11"/>
-    <p:sldId id="266" r:id="rId12"/>
-    <p:sldId id="267" r:id="rId13"/>
-    <p:sldId id="268" r:id="rId14"/>
+    <p:sldId id="256" r:id="rId3"/>
+    <p:sldId id="257" r:id="rId4"/>
+    <p:sldId id="258" r:id="rId5"/>
+    <p:sldId id="261" r:id="rId7"/>
+    <p:sldId id="259" r:id="rId8"/>
+    <p:sldId id="262" r:id="rId9"/>
+    <p:sldId id="260" r:id="rId10"/>
+    <p:sldId id="263" r:id="rId11"/>
+    <p:sldId id="264" r:id="rId12"/>
+    <p:sldId id="265" r:id="rId13"/>
+    <p:sldId id="266" r:id="rId14"/>
+    <p:sldId id="267" r:id="rId15"/>
+    <p:sldId id="268" r:id="rId16"/>
+    <p:sldId id="271" r:id="rId17"/>
+    <p:sldId id="272" r:id="rId18"/>
+    <p:sldId id="273" r:id="rId19"/>
+    <p:sldId id="274" r:id="rId20"/>
+    <p:sldId id="275" r:id="rId21"/>
+    <p:sldId id="276" r:id="rId22"/>
   </p:sldIdLst>
-  <p:sldSz cx="12192000" cy="6858000"/>
+  <p:sldSz cx="9144000" cy="5720080" type="screen16x10"/>
   <p:notesSz cx="6858000" cy="9144000"/>
   <p:defaultTextStyle>
     <a:defPPr>
@@ -119,11 +125,6 @@
       </a:defRPr>
     </a:lvl9pPr>
   </p:defaultTextStyle>
-  <p:extLst>
-    <p:ext uri="{EFAFB233-063F-42B5-8137-9DF3F51BA10A}">
-      <p15:sldGuideLst xmlns:p15="http://schemas.microsoft.com/office/powerpoint/2012/main"/>
-    </p:ext>
-  </p:extLst>
 </p:presentation>
 </file>
 
@@ -209,7 +210,6 @@
           <a:p>
             <a:fld id="{27B4EF14-D706-E540-9C85-6AD8A04B773D}" type="datetimeFigureOut">
               <a:rPr kumimoji="1" lang="zh-CN" altLang="en-US" smtClean="0"/>
-              <a:t>2021/3/22</a:t>
             </a:fld>
             <a:endParaRPr kumimoji="1" lang="zh-CN" altLang="en-US"/>
           </a:p>
@@ -227,8 +227,8 @@
         </p:nvSpPr>
         <p:spPr>
           <a:xfrm>
-            <a:off x="685800" y="1143000"/>
-            <a:ext cx="5486400" cy="3086100"/>
+            <a:off x="962451" y="1143000"/>
+            <a:ext cx="4933098" cy="3086100"/>
           </a:xfrm>
           <a:prstGeom prst="rect">
             <a:avLst/>
@@ -276,6 +276,7 @@
               <a:rPr kumimoji="1" lang="zh-CN" altLang="en-US"/>
               <a:t>单击此处编辑母版文本样式</a:t>
             </a:r>
+            <a:endParaRPr kumimoji="1" lang="zh-CN" altLang="en-US"/>
           </a:p>
           <a:p>
             <a:pPr lvl="1"/>
@@ -283,6 +284,7 @@
               <a:rPr kumimoji="1" lang="zh-CN" altLang="en-US"/>
               <a:t>二级</a:t>
             </a:r>
+            <a:endParaRPr kumimoji="1" lang="zh-CN" altLang="en-US"/>
           </a:p>
           <a:p>
             <a:pPr lvl="2"/>
@@ -290,6 +292,7 @@
               <a:rPr kumimoji="1" lang="zh-CN" altLang="en-US"/>
               <a:t>三级</a:t>
             </a:r>
+            <a:endParaRPr kumimoji="1" lang="zh-CN" altLang="en-US"/>
           </a:p>
           <a:p>
             <a:pPr lvl="3"/>
@@ -297,6 +300,7 @@
               <a:rPr kumimoji="1" lang="zh-CN" altLang="en-US"/>
               <a:t>四级</a:t>
             </a:r>
+            <a:endParaRPr kumimoji="1" lang="zh-CN" altLang="en-US"/>
           </a:p>
           <a:p>
             <a:pPr lvl="4"/>
@@ -304,6 +308,7 @@
               <a:rPr kumimoji="1" lang="zh-CN" altLang="en-US"/>
               <a:t>五级</a:t>
             </a:r>
+            <a:endParaRPr kumimoji="1" lang="zh-CN" altLang="en-US"/>
           </a:p>
         </p:txBody>
       </p:sp>
@@ -367,18 +372,12 @@
           <a:p>
             <a:fld id="{2B2F4EC2-494F-A64C-8801-750069A7A6FB}" type="slidenum">
               <a:rPr kumimoji="1" lang="zh-CN" altLang="en-US" smtClean="0"/>
-              <a:t>‹#›</a:t>
             </a:fld>
             <a:endParaRPr kumimoji="1" lang="zh-CN" altLang="en-US"/>
           </a:p>
         </p:txBody>
       </p:sp>
     </p:spTree>
-    <p:extLst>
-      <p:ext uri="{BB962C8B-B14F-4D97-AF65-F5344CB8AC3E}">
-        <p14:creationId xmlns:p14="http://schemas.microsoft.com/office/powerpoint/2010/main" val="4049818192"/>
-      </p:ext>
-    </p:extLst>
   </p:cSld>
   <p:clrMap bg1="lt1" tx1="dk1" bg2="lt2" tx2="dk2" accent1="accent1" accent2="accent2" accent3="accent3" accent4="accent4" accent5="accent5" accent6="accent6" hlink="hlink" folHlink="folHlink"/>
   <p:notesStyle>
@@ -521,17 +520,18 @@
           <a:lstStyle/>
           <a:p>
             <a:r>
-              <a:rPr kumimoji="1" lang="en" altLang="zh-CN" dirty="0"/>
+              <a:rPr kumimoji="1" lang="en-GB" altLang="zh-CN" dirty="0"/>
               <a:t>https://</a:t>
             </a:r>
             <a:r>
-              <a:rPr kumimoji="1" lang="en" altLang="zh-CN" dirty="0" err="1"/>
+              <a:rPr kumimoji="1" lang="en-GB" altLang="zh-CN" dirty="0" err="1"/>
               <a:t>www.geeksforgeeks.org</a:t>
             </a:r>
             <a:r>
-              <a:rPr kumimoji="1" lang="en" altLang="zh-CN" dirty="0"/>
+              <a:rPr kumimoji="1" lang="en-GB" altLang="zh-CN" dirty="0"/>
               <a:t>/python-program-to-add-two-numbers/</a:t>
             </a:r>
+            <a:endParaRPr kumimoji="1" lang="en-GB" altLang="zh-CN" dirty="0"/>
           </a:p>
           <a:p>
             <a:endParaRPr kumimoji="1" lang="zh-CN" altLang="en-US" dirty="0"/>
@@ -555,18 +555,12 @@
           <a:p>
             <a:fld id="{2B2F4EC2-494F-A64C-8801-750069A7A6FB}" type="slidenum">
               <a:rPr kumimoji="1" lang="zh-CN" altLang="en-US" smtClean="0"/>
-              <a:t>3</a:t>
             </a:fld>
             <a:endParaRPr kumimoji="1" lang="zh-CN" altLang="en-US"/>
           </a:p>
         </p:txBody>
       </p:sp>
     </p:spTree>
-    <p:extLst>
-      <p:ext uri="{BB962C8B-B14F-4D97-AF65-F5344CB8AC3E}">
-        <p14:creationId xmlns:p14="http://schemas.microsoft.com/office/powerpoint/2010/main" val="2094107234"/>
-      </p:ext>
-    </p:extLst>
   </p:cSld>
   <p:clrMapOvr>
     <a:masterClrMapping/>
@@ -619,15 +613,15 @@
           <a:lstStyle/>
           <a:p>
             <a:r>
-              <a:rPr kumimoji="1" lang="en" altLang="zh-CN" dirty="0"/>
+              <a:rPr kumimoji="1" lang="en-GB" altLang="zh-CN" dirty="0"/>
               <a:t>https://</a:t>
             </a:r>
             <a:r>
-              <a:rPr kumimoji="1" lang="en" altLang="zh-CN" dirty="0" err="1"/>
+              <a:rPr kumimoji="1" lang="en-GB" altLang="zh-CN" dirty="0" err="1"/>
               <a:t>www.geeksforgeeks.org</a:t>
             </a:r>
             <a:r>
-              <a:rPr kumimoji="1" lang="en" altLang="zh-CN" dirty="0"/>
+              <a:rPr kumimoji="1" lang="en-GB" altLang="zh-CN" dirty="0"/>
               <a:t>/python-program-for-factorial-of-a-number/</a:t>
             </a:r>
             <a:endParaRPr kumimoji="1" lang="zh-CN" altLang="en-US" dirty="0"/>
@@ -651,18 +645,12 @@
           <a:p>
             <a:fld id="{2B2F4EC2-494F-A64C-8801-750069A7A6FB}" type="slidenum">
               <a:rPr kumimoji="1" lang="zh-CN" altLang="en-US" smtClean="0"/>
-              <a:t>5</a:t>
             </a:fld>
             <a:endParaRPr kumimoji="1" lang="zh-CN" altLang="en-US"/>
           </a:p>
         </p:txBody>
       </p:sp>
     </p:spTree>
-    <p:extLst>
-      <p:ext uri="{BB962C8B-B14F-4D97-AF65-F5344CB8AC3E}">
-        <p14:creationId xmlns:p14="http://schemas.microsoft.com/office/powerpoint/2010/main" val="39278905"/>
-      </p:ext>
-    </p:extLst>
   </p:cSld>
   <p:clrMapOvr>
     <a:masterClrMapping/>
@@ -715,15 +703,15 @@
           <a:lstStyle/>
           <a:p>
             <a:r>
-              <a:rPr kumimoji="1" lang="en" altLang="zh-CN" dirty="0"/>
+              <a:rPr kumimoji="1" lang="en-GB" altLang="zh-CN" dirty="0"/>
               <a:t>https://</a:t>
             </a:r>
             <a:r>
-              <a:rPr kumimoji="1" lang="en" altLang="zh-CN" dirty="0" err="1"/>
+              <a:rPr kumimoji="1" lang="en-GB" altLang="zh-CN" dirty="0" err="1"/>
               <a:t>www.geeksforgeeks.org</a:t>
             </a:r>
             <a:r>
-              <a:rPr kumimoji="1" lang="en" altLang="zh-CN"/>
+              <a:rPr kumimoji="1" lang="en-GB" altLang="zh-CN"/>
               <a:t>/python-program-for-program-to-find-area-of-a-circle/</a:t>
             </a:r>
             <a:endParaRPr kumimoji="1" lang="zh-CN" altLang="en-US" dirty="0"/>
@@ -747,18 +735,12 @@
           <a:p>
             <a:fld id="{2B2F4EC2-494F-A64C-8801-750069A7A6FB}" type="slidenum">
               <a:rPr kumimoji="1" lang="zh-CN" altLang="en-US" smtClean="0"/>
-              <a:t>7</a:t>
             </a:fld>
             <a:endParaRPr kumimoji="1" lang="zh-CN" altLang="en-US"/>
           </a:p>
         </p:txBody>
       </p:sp>
     </p:spTree>
-    <p:extLst>
-      <p:ext uri="{BB962C8B-B14F-4D97-AF65-F5344CB8AC3E}">
-        <p14:creationId xmlns:p14="http://schemas.microsoft.com/office/powerpoint/2010/main" val="302070980"/>
-      </p:ext>
-    </p:extLst>
   </p:cSld>
   <p:clrMapOvr>
     <a:masterClrMapping/>
@@ -811,15 +793,15 @@
           <a:lstStyle/>
           <a:p>
             <a:r>
-              <a:rPr kumimoji="1" lang="en" altLang="zh-CN" dirty="0"/>
+              <a:rPr kumimoji="1" lang="en-GB" altLang="zh-CN" dirty="0"/>
               <a:t>https://</a:t>
             </a:r>
             <a:r>
-              <a:rPr kumimoji="1" lang="en" altLang="zh-CN" dirty="0" err="1"/>
+              <a:rPr kumimoji="1" lang="en-GB" altLang="zh-CN" dirty="0" err="1"/>
               <a:t>www.geeksforgeeks.org</a:t>
             </a:r>
             <a:r>
-              <a:rPr kumimoji="1" lang="en" altLang="zh-CN"/>
+              <a:rPr kumimoji="1" lang="en-GB" altLang="zh-CN"/>
               <a:t>/python-program-for-program-to-find-area-of-a-circle/</a:t>
             </a:r>
             <a:endParaRPr kumimoji="1" lang="zh-CN" altLang="en-US" dirty="0"/>
@@ -843,18 +825,12 @@
           <a:p>
             <a:fld id="{2B2F4EC2-494F-A64C-8801-750069A7A6FB}" type="slidenum">
               <a:rPr kumimoji="1" lang="zh-CN" altLang="en-US" smtClean="0"/>
-              <a:t>9</a:t>
             </a:fld>
             <a:endParaRPr kumimoji="1" lang="zh-CN" altLang="en-US"/>
           </a:p>
         </p:txBody>
       </p:sp>
     </p:spTree>
-    <p:extLst>
-      <p:ext uri="{BB962C8B-B14F-4D97-AF65-F5344CB8AC3E}">
-        <p14:creationId xmlns:p14="http://schemas.microsoft.com/office/powerpoint/2010/main" val="1442079288"/>
-      </p:ext>
-    </p:extLst>
   </p:cSld>
   <p:clrMapOvr>
     <a:masterClrMapping/>
@@ -907,15 +883,15 @@
           <a:lstStyle/>
           <a:p>
             <a:r>
-              <a:rPr kumimoji="1" lang="en" altLang="zh-CN" dirty="0"/>
+              <a:rPr kumimoji="1" lang="en-GB" altLang="zh-CN" dirty="0"/>
               <a:t>https://</a:t>
             </a:r>
             <a:r>
-              <a:rPr kumimoji="1" lang="en" altLang="zh-CN" dirty="0" err="1"/>
+              <a:rPr kumimoji="1" lang="en-GB" altLang="zh-CN" dirty="0" err="1"/>
               <a:t>www.geeksforgeeks.org</a:t>
             </a:r>
             <a:r>
-              <a:rPr kumimoji="1" lang="en" altLang="zh-CN"/>
+              <a:rPr kumimoji="1" lang="en-GB" altLang="zh-CN"/>
               <a:t>/python-program-for-program-to-find-area-of-a-circle/</a:t>
             </a:r>
             <a:endParaRPr kumimoji="1" lang="zh-CN" altLang="en-US" dirty="0"/>
@@ -939,18 +915,12 @@
           <a:p>
             <a:fld id="{2B2F4EC2-494F-A64C-8801-750069A7A6FB}" type="slidenum">
               <a:rPr kumimoji="1" lang="zh-CN" altLang="en-US" smtClean="0"/>
-              <a:t>11</a:t>
             </a:fld>
             <a:endParaRPr kumimoji="1" lang="zh-CN" altLang="en-US"/>
           </a:p>
         </p:txBody>
       </p:sp>
     </p:spTree>
-    <p:extLst>
-      <p:ext uri="{BB962C8B-B14F-4D97-AF65-F5344CB8AC3E}">
-        <p14:creationId xmlns:p14="http://schemas.microsoft.com/office/powerpoint/2010/main" val="127757527"/>
-      </p:ext>
-    </p:extLst>
   </p:cSld>
   <p:clrMapOvr>
     <a:masterClrMapping/>
@@ -1003,15 +973,15 @@
           <a:lstStyle/>
           <a:p>
             <a:r>
-              <a:rPr kumimoji="1" lang="en" altLang="zh-CN" dirty="0"/>
+              <a:rPr kumimoji="1" lang="en-GB" altLang="zh-CN" dirty="0"/>
               <a:t>https://</a:t>
             </a:r>
             <a:r>
-              <a:rPr kumimoji="1" lang="en" altLang="zh-CN" dirty="0" err="1"/>
+              <a:rPr kumimoji="1" lang="en-GB" altLang="zh-CN" dirty="0" err="1"/>
               <a:t>www.geeksforgeeks.org</a:t>
             </a:r>
             <a:r>
-              <a:rPr kumimoji="1" lang="en" altLang="zh-CN"/>
+              <a:rPr kumimoji="1" lang="en-GB" altLang="zh-CN"/>
               <a:t>/python-program-for-program-to-find-area-of-a-circle/</a:t>
             </a:r>
             <a:endParaRPr kumimoji="1" lang="zh-CN" altLang="en-US" dirty="0"/>
@@ -1035,18 +1005,282 @@
           <a:p>
             <a:fld id="{2B2F4EC2-494F-A64C-8801-750069A7A6FB}" type="slidenum">
               <a:rPr kumimoji="1" lang="zh-CN" altLang="en-US" smtClean="0"/>
-              <a:t>13</a:t>
             </a:fld>
             <a:endParaRPr kumimoji="1" lang="zh-CN" altLang="en-US"/>
           </a:p>
         </p:txBody>
       </p:sp>
     </p:spTree>
-    <p:extLst>
-      <p:ext uri="{BB962C8B-B14F-4D97-AF65-F5344CB8AC3E}">
-        <p14:creationId xmlns:p14="http://schemas.microsoft.com/office/powerpoint/2010/main" val="4029737945"/>
-      </p:ext>
-    </p:extLst>
+  </p:cSld>
+  <p:clrMapOvr>
+    <a:masterClrMapping/>
+  </p:clrMapOvr>
+</p:notes>
+</file>
+
+<file path=ppt/notesSlides/notesSlide7.xml><?xml version="1.0" encoding="utf-8"?>
+<p:notes xmlns:a="http://schemas.openxmlformats.org/drawingml/2006/main" xmlns:r="http://schemas.openxmlformats.org/officeDocument/2006/relationships" xmlns:p="http://schemas.openxmlformats.org/presentationml/2006/main">
+  <p:cSld>
+    <p:spTree>
+      <p:nvGrpSpPr>
+        <p:cNvPr id="1" name=""/>
+        <p:cNvGrpSpPr/>
+        <p:nvPr/>
+      </p:nvGrpSpPr>
+      <p:grpSpPr>
+        <a:xfrm>
+          <a:off x="0" y="0"/>
+          <a:ext cx="0" cy="0"/>
+          <a:chOff x="0" y="0"/>
+          <a:chExt cx="0" cy="0"/>
+        </a:xfrm>
+      </p:grpSpPr>
+      <p:sp>
+        <p:nvSpPr>
+          <p:cNvPr id="2" name="幻灯片图像占位符 1"/>
+          <p:cNvSpPr>
+            <a:spLocks noGrp="1" noRot="1" noChangeAspect="1"/>
+          </p:cNvSpPr>
+          <p:nvPr>
+            <p:ph type="sldImg"/>
+          </p:nvPr>
+        </p:nvSpPr>
+        <p:spPr/>
+      </p:sp>
+      <p:sp>
+        <p:nvSpPr>
+          <p:cNvPr id="3" name="备注占位符 2"/>
+          <p:cNvSpPr>
+            <a:spLocks noGrp="1"/>
+          </p:cNvSpPr>
+          <p:nvPr>
+            <p:ph type="body" idx="1"/>
+          </p:nvPr>
+        </p:nvSpPr>
+        <p:spPr/>
+        <p:txBody>
+          <a:bodyPr/>
+          <a:lstStyle/>
+          <a:p>
+            <a:r>
+              <a:rPr kumimoji="1" lang="en-GB" altLang="zh-CN" dirty="0"/>
+              <a:t>https://</a:t>
+            </a:r>
+            <a:r>
+              <a:rPr kumimoji="1" lang="en-GB" altLang="zh-CN" dirty="0" err="1"/>
+              <a:t>www.geeksforgeeks.org</a:t>
+            </a:r>
+            <a:r>
+              <a:rPr kumimoji="1" lang="en-GB" altLang="zh-CN"/>
+              <a:t>/python-program-for-program-to-find-area-of-a-circle/</a:t>
+            </a:r>
+            <a:endParaRPr kumimoji="1" lang="zh-CN" altLang="en-US" dirty="0"/>
+          </a:p>
+        </p:txBody>
+      </p:sp>
+      <p:sp>
+        <p:nvSpPr>
+          <p:cNvPr id="4" name="灯片编号占位符 3"/>
+          <p:cNvSpPr>
+            <a:spLocks noGrp="1"/>
+          </p:cNvSpPr>
+          <p:nvPr>
+            <p:ph type="sldNum" sz="quarter" idx="5"/>
+          </p:nvPr>
+        </p:nvSpPr>
+        <p:spPr/>
+        <p:txBody>
+          <a:bodyPr/>
+          <a:lstStyle/>
+          <a:p>
+            <a:fld id="{2B2F4EC2-494F-A64C-8801-750069A7A6FB}" type="slidenum">
+              <a:rPr kumimoji="1" lang="zh-CN" altLang="en-US" smtClean="0"/>
+            </a:fld>
+            <a:endParaRPr kumimoji="1" lang="zh-CN" altLang="en-US"/>
+          </a:p>
+        </p:txBody>
+      </p:sp>
+    </p:spTree>
+  </p:cSld>
+  <p:clrMapOvr>
+    <a:masterClrMapping/>
+  </p:clrMapOvr>
+</p:notes>
+</file>
+
+<file path=ppt/notesSlides/notesSlide8.xml><?xml version="1.0" encoding="utf-8"?>
+<p:notes xmlns:a="http://schemas.openxmlformats.org/drawingml/2006/main" xmlns:r="http://schemas.openxmlformats.org/officeDocument/2006/relationships" xmlns:p="http://schemas.openxmlformats.org/presentationml/2006/main">
+  <p:cSld>
+    <p:spTree>
+      <p:nvGrpSpPr>
+        <p:cNvPr id="1" name=""/>
+        <p:cNvGrpSpPr/>
+        <p:nvPr/>
+      </p:nvGrpSpPr>
+      <p:grpSpPr>
+        <a:xfrm>
+          <a:off x="0" y="0"/>
+          <a:ext cx="0" cy="0"/>
+          <a:chOff x="0" y="0"/>
+          <a:chExt cx="0" cy="0"/>
+        </a:xfrm>
+      </p:grpSpPr>
+      <p:sp>
+        <p:nvSpPr>
+          <p:cNvPr id="2" name="幻灯片图像占位符 1"/>
+          <p:cNvSpPr>
+            <a:spLocks noGrp="1" noRot="1" noChangeAspect="1"/>
+          </p:cNvSpPr>
+          <p:nvPr>
+            <p:ph type="sldImg"/>
+          </p:nvPr>
+        </p:nvSpPr>
+        <p:spPr/>
+      </p:sp>
+      <p:sp>
+        <p:nvSpPr>
+          <p:cNvPr id="3" name="备注占位符 2"/>
+          <p:cNvSpPr>
+            <a:spLocks noGrp="1"/>
+          </p:cNvSpPr>
+          <p:nvPr>
+            <p:ph type="body" idx="1"/>
+          </p:nvPr>
+        </p:nvSpPr>
+        <p:spPr/>
+        <p:txBody>
+          <a:bodyPr/>
+          <a:lstStyle/>
+          <a:p>
+            <a:r>
+              <a:rPr kumimoji="1" lang="en-GB" altLang="zh-CN" dirty="0"/>
+              <a:t>https://</a:t>
+            </a:r>
+            <a:r>
+              <a:rPr kumimoji="1" lang="en-GB" altLang="zh-CN" dirty="0" err="1"/>
+              <a:t>www.geeksforgeeks.org</a:t>
+            </a:r>
+            <a:r>
+              <a:rPr kumimoji="1" lang="en-GB" altLang="zh-CN"/>
+              <a:t>/python-program-for-program-to-find-area-of-a-circle/</a:t>
+            </a:r>
+            <a:endParaRPr kumimoji="1" lang="zh-CN" altLang="en-US" dirty="0"/>
+          </a:p>
+        </p:txBody>
+      </p:sp>
+      <p:sp>
+        <p:nvSpPr>
+          <p:cNvPr id="4" name="灯片编号占位符 3"/>
+          <p:cNvSpPr>
+            <a:spLocks noGrp="1"/>
+          </p:cNvSpPr>
+          <p:nvPr>
+            <p:ph type="sldNum" sz="quarter" idx="5"/>
+          </p:nvPr>
+        </p:nvSpPr>
+        <p:spPr/>
+        <p:txBody>
+          <a:bodyPr/>
+          <a:lstStyle/>
+          <a:p>
+            <a:fld id="{2B2F4EC2-494F-A64C-8801-750069A7A6FB}" type="slidenum">
+              <a:rPr kumimoji="1" lang="zh-CN" altLang="en-US" smtClean="0"/>
+            </a:fld>
+            <a:endParaRPr kumimoji="1" lang="zh-CN" altLang="en-US"/>
+          </a:p>
+        </p:txBody>
+      </p:sp>
+    </p:spTree>
+  </p:cSld>
+  <p:clrMapOvr>
+    <a:masterClrMapping/>
+  </p:clrMapOvr>
+</p:notes>
+</file>
+
+<file path=ppt/notesSlides/notesSlide9.xml><?xml version="1.0" encoding="utf-8"?>
+<p:notes xmlns:a="http://schemas.openxmlformats.org/drawingml/2006/main" xmlns:r="http://schemas.openxmlformats.org/officeDocument/2006/relationships" xmlns:p="http://schemas.openxmlformats.org/presentationml/2006/main">
+  <p:cSld>
+    <p:spTree>
+      <p:nvGrpSpPr>
+        <p:cNvPr id="1" name=""/>
+        <p:cNvGrpSpPr/>
+        <p:nvPr/>
+      </p:nvGrpSpPr>
+      <p:grpSpPr>
+        <a:xfrm>
+          <a:off x="0" y="0"/>
+          <a:ext cx="0" cy="0"/>
+          <a:chOff x="0" y="0"/>
+          <a:chExt cx="0" cy="0"/>
+        </a:xfrm>
+      </p:grpSpPr>
+      <p:sp>
+        <p:nvSpPr>
+          <p:cNvPr id="2" name="幻灯片图像占位符 1"/>
+          <p:cNvSpPr>
+            <a:spLocks noGrp="1" noRot="1" noChangeAspect="1"/>
+          </p:cNvSpPr>
+          <p:nvPr>
+            <p:ph type="sldImg"/>
+          </p:nvPr>
+        </p:nvSpPr>
+        <p:spPr/>
+      </p:sp>
+      <p:sp>
+        <p:nvSpPr>
+          <p:cNvPr id="3" name="备注占位符 2"/>
+          <p:cNvSpPr>
+            <a:spLocks noGrp="1"/>
+          </p:cNvSpPr>
+          <p:nvPr>
+            <p:ph type="body" idx="1"/>
+          </p:nvPr>
+        </p:nvSpPr>
+        <p:spPr/>
+        <p:txBody>
+          <a:bodyPr/>
+          <a:lstStyle/>
+          <a:p>
+            <a:r>
+              <a:rPr kumimoji="1" lang="en-GB" altLang="zh-CN" dirty="0"/>
+              <a:t>https://</a:t>
+            </a:r>
+            <a:r>
+              <a:rPr kumimoji="1" lang="en-GB" altLang="zh-CN" dirty="0" err="1"/>
+              <a:t>www.geeksforgeeks.org</a:t>
+            </a:r>
+            <a:r>
+              <a:rPr kumimoji="1" lang="en-GB" altLang="zh-CN"/>
+              <a:t>/python-program-for-program-to-find-area-of-a-circle/</a:t>
+            </a:r>
+            <a:endParaRPr kumimoji="1" lang="zh-CN" altLang="en-US" dirty="0"/>
+          </a:p>
+        </p:txBody>
+      </p:sp>
+      <p:sp>
+        <p:nvSpPr>
+          <p:cNvPr id="4" name="灯片编号占位符 3"/>
+          <p:cNvSpPr>
+            <a:spLocks noGrp="1"/>
+          </p:cNvSpPr>
+          <p:nvPr>
+            <p:ph type="sldNum" sz="quarter" idx="5"/>
+          </p:nvPr>
+        </p:nvSpPr>
+        <p:spPr/>
+        <p:txBody>
+          <a:bodyPr/>
+          <a:lstStyle/>
+          <a:p>
+            <a:fld id="{2B2F4EC2-494F-A64C-8801-750069A7A6FB}" type="slidenum">
+              <a:rPr kumimoji="1" lang="zh-CN" altLang="en-US" smtClean="0"/>
+            </a:fld>
+            <a:endParaRPr kumimoji="1" lang="zh-CN" altLang="en-US"/>
+          </a:p>
+        </p:txBody>
+      </p:sp>
+    </p:spTree>
   </p:cSld>
   <p:clrMapOvr>
     <a:masterClrMapping/>
@@ -1099,7 +1333,7 @@
         <p:spPr>
           <a:xfrm>
             <a:off x="0" y="0"/>
-            <a:ext cx="12188825" cy="6856214"/>
+            <a:ext cx="9141619" cy="5718911"/>
           </a:xfrm>
           <a:prstGeom prst="rect">
             <a:avLst/>
@@ -1118,8 +1352,8 @@
         </p:nvSpPr>
         <p:spPr>
           <a:xfrm>
-            <a:off x="3962399" y="1964267"/>
-            <a:ext cx="7197726" cy="2421464"/>
+            <a:off x="2971799" y="1638436"/>
+            <a:ext cx="5398295" cy="2019794"/>
           </a:xfrm>
         </p:spPr>
         <p:txBody>
@@ -1128,7 +1362,7 @@
           </a:bodyPr>
           <a:lstStyle>
             <a:lvl1pPr algn="r">
-              <a:defRPr sz="4800">
+              <a:defRPr sz="4005">
                 <a:effectLst/>
               </a:defRPr>
             </a:lvl1pPr>
@@ -1154,8 +1388,8 @@
         </p:nvSpPr>
         <p:spPr>
           <a:xfrm>
-            <a:off x="3962399" y="4385732"/>
-            <a:ext cx="7197726" cy="1405467"/>
+            <a:off x="2971799" y="3658230"/>
+            <a:ext cx="5398295" cy="1172329"/>
           </a:xfrm>
         </p:spPr>
         <p:txBody>
@@ -1165,13 +1399,13 @@
           <a:lstStyle>
             <a:lvl1pPr marL="0" indent="0" algn="r">
               <a:buNone/>
-              <a:defRPr sz="1800" cap="all">
+              <a:defRPr sz="1500" cap="all">
                 <a:solidFill>
                   <a:schemeClr val="tx1"/>
                 </a:solidFill>
               </a:defRPr>
             </a:lvl1pPr>
-            <a:lvl2pPr marL="457200" indent="0" algn="ctr">
+            <a:lvl2pPr marL="381635" indent="0" algn="ctr">
               <a:buNone/>
               <a:defRPr>
                 <a:solidFill>
@@ -1181,7 +1415,7 @@
                 </a:solidFill>
               </a:defRPr>
             </a:lvl2pPr>
-            <a:lvl3pPr marL="914400" indent="0" algn="ctr">
+            <a:lvl3pPr marL="762635" indent="0" algn="ctr">
               <a:buNone/>
               <a:defRPr>
                 <a:solidFill>
@@ -1191,7 +1425,7 @@
                 </a:solidFill>
               </a:defRPr>
             </a:lvl3pPr>
-            <a:lvl4pPr marL="1371600" indent="0" algn="ctr">
+            <a:lvl4pPr marL="1144270" indent="0" algn="ctr">
               <a:buNone/>
               <a:defRPr>
                 <a:solidFill>
@@ -1201,7 +1435,7 @@
                 </a:solidFill>
               </a:defRPr>
             </a:lvl4pPr>
-            <a:lvl5pPr marL="1828800" indent="0" algn="ctr">
+            <a:lvl5pPr marL="1525270" indent="0" algn="ctr">
               <a:buNone/>
               <a:defRPr>
                 <a:solidFill>
@@ -1211,7 +1445,7 @@
                 </a:solidFill>
               </a:defRPr>
             </a:lvl5pPr>
-            <a:lvl6pPr marL="2286000" indent="0" algn="ctr">
+            <a:lvl6pPr marL="1906905" indent="0" algn="ctr">
               <a:buNone/>
               <a:defRPr>
                 <a:solidFill>
@@ -1221,7 +1455,7 @@
                 </a:solidFill>
               </a:defRPr>
             </a:lvl6pPr>
-            <a:lvl7pPr marL="2743200" indent="0" algn="ctr">
+            <a:lvl7pPr marL="2287905" indent="0" algn="ctr">
               <a:buNone/>
               <a:defRPr>
                 <a:solidFill>
@@ -1231,7 +1465,7 @@
                 </a:solidFill>
               </a:defRPr>
             </a:lvl7pPr>
-            <a:lvl8pPr marL="3200400" indent="0" algn="ctr">
+            <a:lvl8pPr marL="2669540" indent="0" algn="ctr">
               <a:buNone/>
               <a:defRPr>
                 <a:solidFill>
@@ -1241,7 +1475,7 @@
                 </a:solidFill>
               </a:defRPr>
             </a:lvl8pPr>
-            <a:lvl9pPr marL="3657600" indent="0" algn="ctr">
+            <a:lvl9pPr marL="3051175" indent="0" algn="ctr">
               <a:buNone/>
               <a:defRPr>
                 <a:solidFill>
@@ -1273,8 +1507,8 @@
         </p:nvSpPr>
         <p:spPr>
           <a:xfrm>
-            <a:off x="8932558" y="5870575"/>
-            <a:ext cx="1600200" cy="377825"/>
+            <a:off x="6699419" y="4896769"/>
+            <a:ext cx="1200150" cy="315152"/>
           </a:xfrm>
         </p:spPr>
         <p:txBody>
@@ -1283,8 +1517,6 @@
           <a:p>
             <a:fld id="{B61BEF0D-F0BB-DE4B-95CE-6DB70DBA9567}" type="datetimeFigureOut">
               <a:rPr lang="en-US" dirty="0"/>
-              <a:pPr/>
-              <a:t>3/22/21</a:t>
             </a:fld>
             <a:endParaRPr lang="en-US" dirty="0"/>
           </a:p>
@@ -1302,8 +1534,8 @@
         </p:nvSpPr>
         <p:spPr>
           <a:xfrm>
-            <a:off x="3962399" y="5870575"/>
-            <a:ext cx="4893958" cy="377825"/>
+            <a:off x="2971799" y="4896769"/>
+            <a:ext cx="3670469" cy="315152"/>
           </a:xfrm>
         </p:spPr>
         <p:txBody>
@@ -1326,8 +1558,8 @@
         </p:nvSpPr>
         <p:spPr>
           <a:xfrm>
-            <a:off x="10608958" y="5870575"/>
-            <a:ext cx="551167" cy="377825"/>
+            <a:off x="7956719" y="4896769"/>
+            <a:ext cx="413375" cy="315152"/>
           </a:xfrm>
         </p:spPr>
         <p:txBody>
@@ -1336,8 +1568,6 @@
           <a:p>
             <a:fld id="{D57F1E4F-1CFF-5643-939E-217C01CDF565}" type="slidenum">
               <a:rPr lang="en-US" dirty="0"/>
-              <a:pPr/>
-              <a:t>‹#›</a:t>
             </a:fld>
             <a:endParaRPr lang="en-US" dirty="0"/>
           </a:p>
@@ -1391,7 +1621,7 @@
         <p:spPr>
           <a:xfrm>
             <a:off x="0" y="0"/>
-            <a:ext cx="12188825" cy="6856214"/>
+            <a:ext cx="9141619" cy="5718911"/>
           </a:xfrm>
           <a:prstGeom prst="rect">
             <a:avLst/>
@@ -1410,8 +1640,8 @@
         </p:nvSpPr>
         <p:spPr>
           <a:xfrm>
-            <a:off x="685800" y="4732865"/>
-            <a:ext cx="10131427" cy="566738"/>
+            <a:off x="514350" y="3947781"/>
+            <a:ext cx="7598570" cy="472728"/>
           </a:xfrm>
         </p:spPr>
         <p:txBody>
@@ -1420,7 +1650,7 @@
           </a:bodyPr>
           <a:lstStyle>
             <a:lvl1pPr algn="l">
-              <a:defRPr sz="2400" b="0"/>
+              <a:defRPr sz="2000" b="0"/>
             </a:lvl1pPr>
           </a:lstStyle>
           <a:p>
@@ -1444,8 +1674,8 @@
         </p:nvSpPr>
         <p:spPr>
           <a:xfrm>
-            <a:off x="1371600" y="932112"/>
-            <a:ext cx="8759827" cy="3164976"/>
+            <a:off x="1028700" y="777494"/>
+            <a:ext cx="6569870" cy="2639972"/>
           </a:xfrm>
           <a:prstGeom prst="roundRect">
             <a:avLst>
@@ -1486,39 +1716,39 @@
           <a:lstStyle>
             <a:lvl1pPr marL="0" indent="0" algn="ctr">
               <a:buNone/>
-              <a:defRPr sz="1600"/>
+              <a:defRPr sz="1335"/>
             </a:lvl1pPr>
-            <a:lvl2pPr marL="457200" indent="0">
-              <a:buNone/>
-              <a:defRPr sz="1600"/>
+            <a:lvl2pPr marL="381635" indent="0">
+              <a:buNone/>
+              <a:defRPr sz="1335"/>
             </a:lvl2pPr>
-            <a:lvl3pPr marL="914400" indent="0">
-              <a:buNone/>
-              <a:defRPr sz="1600"/>
+            <a:lvl3pPr marL="762635" indent="0">
+              <a:buNone/>
+              <a:defRPr sz="1335"/>
             </a:lvl3pPr>
-            <a:lvl4pPr marL="1371600" indent="0">
-              <a:buNone/>
-              <a:defRPr sz="1600"/>
+            <a:lvl4pPr marL="1144270" indent="0">
+              <a:buNone/>
+              <a:defRPr sz="1335"/>
             </a:lvl4pPr>
-            <a:lvl5pPr marL="1828800" indent="0">
-              <a:buNone/>
-              <a:defRPr sz="1600"/>
+            <a:lvl5pPr marL="1525270" indent="0">
+              <a:buNone/>
+              <a:defRPr sz="1335"/>
             </a:lvl5pPr>
-            <a:lvl6pPr marL="2286000" indent="0">
-              <a:buNone/>
-              <a:defRPr sz="1600"/>
+            <a:lvl6pPr marL="1906905" indent="0">
+              <a:buNone/>
+              <a:defRPr sz="1335"/>
             </a:lvl6pPr>
-            <a:lvl7pPr marL="2743200" indent="0">
-              <a:buNone/>
-              <a:defRPr sz="1600"/>
+            <a:lvl7pPr marL="2287905" indent="0">
+              <a:buNone/>
+              <a:defRPr sz="1335"/>
             </a:lvl7pPr>
-            <a:lvl8pPr marL="3200400" indent="0">
-              <a:buNone/>
-              <a:defRPr sz="1600"/>
+            <a:lvl8pPr marL="2669540" indent="0">
+              <a:buNone/>
+              <a:defRPr sz="1335"/>
             </a:lvl8pPr>
-            <a:lvl9pPr marL="3657600" indent="0">
-              <a:buNone/>
-              <a:defRPr sz="1600"/>
+            <a:lvl9pPr marL="3051175" indent="0">
+              <a:buNone/>
+              <a:defRPr sz="1335"/>
             </a:lvl9pPr>
           </a:lstStyle>
           <a:p>
@@ -1542,8 +1772,8 @@
         </p:nvSpPr>
         <p:spPr>
           <a:xfrm>
-            <a:off x="685800" y="5299603"/>
-            <a:ext cx="10131427" cy="493712"/>
+            <a:off x="514350" y="4420509"/>
+            <a:ext cx="7598570" cy="411815"/>
           </a:xfrm>
         </p:spPr>
         <p:txBody>
@@ -1553,39 +1783,39 @@
           <a:lstStyle>
             <a:lvl1pPr marL="0" indent="0">
               <a:buNone/>
-              <a:defRPr sz="1400"/>
+              <a:defRPr sz="1170"/>
             </a:lvl1pPr>
-            <a:lvl2pPr marL="457200" indent="0">
-              <a:buNone/>
-              <a:defRPr sz="1200"/>
+            <a:lvl2pPr marL="381635" indent="0">
+              <a:buNone/>
+              <a:defRPr sz="1000"/>
             </a:lvl2pPr>
-            <a:lvl3pPr marL="914400" indent="0">
-              <a:buNone/>
-              <a:defRPr sz="1000"/>
+            <a:lvl3pPr marL="762635" indent="0">
+              <a:buNone/>
+              <a:defRPr sz="835"/>
             </a:lvl3pPr>
-            <a:lvl4pPr marL="1371600" indent="0">
-              <a:buNone/>
-              <a:defRPr sz="900"/>
+            <a:lvl4pPr marL="1144270" indent="0">
+              <a:buNone/>
+              <a:defRPr sz="750"/>
             </a:lvl4pPr>
-            <a:lvl5pPr marL="1828800" indent="0">
-              <a:buNone/>
-              <a:defRPr sz="900"/>
+            <a:lvl5pPr marL="1525270" indent="0">
+              <a:buNone/>
+              <a:defRPr sz="750"/>
             </a:lvl5pPr>
-            <a:lvl6pPr marL="2286000" indent="0">
-              <a:buNone/>
-              <a:defRPr sz="900"/>
+            <a:lvl6pPr marL="1906905" indent="0">
+              <a:buNone/>
+              <a:defRPr sz="750"/>
             </a:lvl6pPr>
-            <a:lvl7pPr marL="2743200" indent="0">
-              <a:buNone/>
-              <a:defRPr sz="900"/>
+            <a:lvl7pPr marL="2287905" indent="0">
+              <a:buNone/>
+              <a:defRPr sz="750"/>
             </a:lvl7pPr>
-            <a:lvl8pPr marL="3200400" indent="0">
-              <a:buNone/>
-              <a:defRPr sz="900"/>
+            <a:lvl8pPr marL="2669540" indent="0">
+              <a:buNone/>
+              <a:defRPr sz="750"/>
             </a:lvl8pPr>
-            <a:lvl9pPr marL="3657600" indent="0">
-              <a:buNone/>
-              <a:defRPr sz="900"/>
+            <a:lvl9pPr marL="3051175" indent="0">
+              <a:buNone/>
+              <a:defRPr sz="750"/>
             </a:lvl9pPr>
           </a:lstStyle>
           <a:p>
@@ -1594,6 +1824,7 @@
               <a:rPr lang="zh-CN" altLang="en-US"/>
               <a:t>单击此处编辑母版文本样式</a:t>
             </a:r>
+            <a:endParaRPr lang="zh-CN" altLang="en-US"/>
           </a:p>
         </p:txBody>
       </p:sp>
@@ -1614,8 +1845,6 @@
           <a:p>
             <a:fld id="{B61BEF0D-F0BB-DE4B-95CE-6DB70DBA9567}" type="datetimeFigureOut">
               <a:rPr lang="en-US" dirty="0"/>
-              <a:pPr/>
-              <a:t>3/22/21</a:t>
             </a:fld>
             <a:endParaRPr lang="en-US" dirty="0"/>
           </a:p>
@@ -1657,8 +1886,6 @@
           <a:p>
             <a:fld id="{D57F1E4F-1CFF-5643-939E-217C01CDF565}" type="slidenum">
               <a:rPr lang="en-US" dirty="0"/>
-              <a:pPr/>
-              <a:t>‹#›</a:t>
             </a:fld>
             <a:endParaRPr lang="en-US" dirty="0"/>
           </a:p>
@@ -1712,7 +1939,7 @@
         <p:spPr>
           <a:xfrm>
             <a:off x="0" y="0"/>
-            <a:ext cx="12188825" cy="6856214"/>
+            <a:ext cx="9141619" cy="5718911"/>
           </a:xfrm>
           <a:prstGeom prst="rect">
             <a:avLst/>
@@ -1731,8 +1958,8 @@
         </p:nvSpPr>
         <p:spPr>
           <a:xfrm>
-            <a:off x="685801" y="609601"/>
-            <a:ext cx="10131427" cy="3124199"/>
+            <a:off x="514351" y="508481"/>
+            <a:ext cx="7598570" cy="2605959"/>
           </a:xfrm>
         </p:spPr>
         <p:txBody>
@@ -1741,7 +1968,7 @@
           </a:bodyPr>
           <a:lstStyle>
             <a:lvl1pPr algn="l">
-              <a:defRPr sz="3200" b="0" cap="none"/>
+              <a:defRPr sz="2670" b="0" cap="none"/>
             </a:lvl1pPr>
           </a:lstStyle>
           <a:p>
@@ -1765,8 +1992,8 @@
         </p:nvSpPr>
         <p:spPr>
           <a:xfrm>
-            <a:off x="685800" y="4343400"/>
-            <a:ext cx="10131428" cy="1447800"/>
+            <a:off x="514350" y="3622920"/>
+            <a:ext cx="7598571" cy="1207640"/>
           </a:xfrm>
         </p:spPr>
         <p:txBody>
@@ -1776,15 +2003,15 @@
           <a:lstStyle>
             <a:lvl1pPr marL="0" indent="0" algn="l">
               <a:buNone/>
-              <a:defRPr sz="2000">
+              <a:defRPr sz="1670">
                 <a:solidFill>
                   <a:schemeClr val="tx1"/>
                 </a:solidFill>
               </a:defRPr>
             </a:lvl1pPr>
-            <a:lvl2pPr marL="457200" indent="0">
-              <a:buNone/>
-              <a:defRPr sz="1800">
+            <a:lvl2pPr marL="381635" indent="0">
+              <a:buNone/>
+              <a:defRPr sz="1500">
                 <a:solidFill>
                   <a:schemeClr val="tx1">
                     <a:tint val="75000"/>
@@ -1792,9 +2019,9 @@
                 </a:solidFill>
               </a:defRPr>
             </a:lvl2pPr>
-            <a:lvl3pPr marL="914400" indent="0">
-              <a:buNone/>
-              <a:defRPr sz="1600">
+            <a:lvl3pPr marL="762635" indent="0">
+              <a:buNone/>
+              <a:defRPr sz="1335">
                 <a:solidFill>
                   <a:schemeClr val="tx1">
                     <a:tint val="75000"/>
@@ -1802,9 +2029,9 @@
                 </a:solidFill>
               </a:defRPr>
             </a:lvl3pPr>
-            <a:lvl4pPr marL="1371600" indent="0">
-              <a:buNone/>
-              <a:defRPr sz="1400">
+            <a:lvl4pPr marL="1144270" indent="0">
+              <a:buNone/>
+              <a:defRPr sz="1170">
                 <a:solidFill>
                   <a:schemeClr val="tx1">
                     <a:tint val="75000"/>
@@ -1812,9 +2039,9 @@
                 </a:solidFill>
               </a:defRPr>
             </a:lvl4pPr>
-            <a:lvl5pPr marL="1828800" indent="0">
-              <a:buNone/>
-              <a:defRPr sz="1400">
+            <a:lvl5pPr marL="1525270" indent="0">
+              <a:buNone/>
+              <a:defRPr sz="1170">
                 <a:solidFill>
                   <a:schemeClr val="tx1">
                     <a:tint val="75000"/>
@@ -1822,9 +2049,9 @@
                 </a:solidFill>
               </a:defRPr>
             </a:lvl5pPr>
-            <a:lvl6pPr marL="2286000" indent="0">
-              <a:buNone/>
-              <a:defRPr sz="1400">
+            <a:lvl6pPr marL="1906905" indent="0">
+              <a:buNone/>
+              <a:defRPr sz="1170">
                 <a:solidFill>
                   <a:schemeClr val="tx1">
                     <a:tint val="75000"/>
@@ -1832,9 +2059,9 @@
                 </a:solidFill>
               </a:defRPr>
             </a:lvl6pPr>
-            <a:lvl7pPr marL="2743200" indent="0">
-              <a:buNone/>
-              <a:defRPr sz="1400">
+            <a:lvl7pPr marL="2287905" indent="0">
+              <a:buNone/>
+              <a:defRPr sz="1170">
                 <a:solidFill>
                   <a:schemeClr val="tx1">
                     <a:tint val="75000"/>
@@ -1842,9 +2069,9 @@
                 </a:solidFill>
               </a:defRPr>
             </a:lvl7pPr>
-            <a:lvl8pPr marL="3200400" indent="0">
-              <a:buNone/>
-              <a:defRPr sz="1400">
+            <a:lvl8pPr marL="2669540" indent="0">
+              <a:buNone/>
+              <a:defRPr sz="1170">
                 <a:solidFill>
                   <a:schemeClr val="tx1">
                     <a:tint val="75000"/>
@@ -1852,9 +2079,9 @@
                 </a:solidFill>
               </a:defRPr>
             </a:lvl8pPr>
-            <a:lvl9pPr marL="3657600" indent="0">
-              <a:buNone/>
-              <a:defRPr sz="1400">
+            <a:lvl9pPr marL="3051175" indent="0">
+              <a:buNone/>
+              <a:defRPr sz="1170">
                 <a:solidFill>
                   <a:schemeClr val="tx1">
                     <a:tint val="75000"/>
@@ -1869,6 +2096,7 @@
               <a:rPr lang="zh-CN" altLang="en-US"/>
               <a:t>单击此处编辑母版文本样式</a:t>
             </a:r>
+            <a:endParaRPr lang="zh-CN" altLang="en-US"/>
           </a:p>
         </p:txBody>
       </p:sp>
@@ -1889,8 +2117,6 @@
           <a:p>
             <a:fld id="{B61BEF0D-F0BB-DE4B-95CE-6DB70DBA9567}" type="datetimeFigureOut">
               <a:rPr lang="en-US" dirty="0"/>
-              <a:pPr/>
-              <a:t>3/22/21</a:t>
             </a:fld>
             <a:endParaRPr lang="en-US" dirty="0"/>
           </a:p>
@@ -1932,8 +2158,6 @@
           <a:p>
             <a:fld id="{D57F1E4F-1CFF-5643-939E-217C01CDF565}" type="slidenum">
               <a:rPr lang="en-US" dirty="0"/>
-              <a:pPr/>
-              <a:t>‹#›</a:t>
             </a:fld>
             <a:endParaRPr lang="en-US" dirty="0"/>
           </a:p>
@@ -1987,7 +2211,7 @@
         <p:spPr>
           <a:xfrm>
             <a:off x="0" y="0"/>
-            <a:ext cx="12188825" cy="6856214"/>
+            <a:ext cx="9141619" cy="5718911"/>
           </a:xfrm>
           <a:prstGeom prst="rect">
             <a:avLst/>
@@ -2002,15 +2226,15 @@
         </p:nvSpPr>
         <p:spPr>
           <a:xfrm>
-            <a:off x="10237867" y="2743200"/>
-            <a:ext cx="609600" cy="584776"/>
+            <a:off x="7678400" y="2288160"/>
+            <a:ext cx="457200" cy="487774"/>
           </a:xfrm>
           <a:prstGeom prst="rect">
             <a:avLst/>
           </a:prstGeom>
         </p:spPr>
         <p:txBody>
-          <a:bodyPr vert="horz" lIns="91440" tIns="45720" rIns="91440" bIns="45720" rtlCol="0" anchor="ctr">
+          <a:bodyPr vert="horz" lIns="68580" tIns="34290" rIns="68580" bIns="34290" rtlCol="0" anchor="ctr">
             <a:noAutofit/>
           </a:bodyPr>
           <a:lstStyle>
@@ -2099,7 +2323,7 @@
           <a:p>
             <a:pPr lvl="0" algn="r"/>
             <a:r>
-              <a:rPr lang="en-US" sz="8000" dirty="0">
+              <a:rPr lang="en-US" sz="6000" dirty="0">
                 <a:solidFill>
                   <a:schemeClr val="tx1"/>
                 </a:solidFill>
@@ -2107,6 +2331,12 @@
               </a:rPr>
               <a:t>”</a:t>
             </a:r>
+            <a:endParaRPr lang="en-US" sz="6000" dirty="0">
+              <a:solidFill>
+                <a:schemeClr val="tx1"/>
+              </a:solidFill>
+              <a:effectLst/>
+            </a:endParaRPr>
           </a:p>
         </p:txBody>
       </p:sp>
@@ -2118,15 +2348,15 @@
         </p:nvSpPr>
         <p:spPr>
           <a:xfrm>
-            <a:off x="488275" y="823337"/>
-            <a:ext cx="609600" cy="584776"/>
+            <a:off x="366206" y="686763"/>
+            <a:ext cx="457200" cy="487774"/>
           </a:xfrm>
           <a:prstGeom prst="rect">
             <a:avLst/>
           </a:prstGeom>
         </p:spPr>
         <p:txBody>
-          <a:bodyPr vert="horz" lIns="91440" tIns="45720" rIns="91440" bIns="45720" rtlCol="0" anchor="ctr">
+          <a:bodyPr vert="horz" lIns="68580" tIns="34290" rIns="68580" bIns="34290" rtlCol="0" anchor="ctr">
             <a:noAutofit/>
           </a:bodyPr>
           <a:lstStyle>
@@ -2215,7 +2445,7 @@
           <a:p>
             <a:pPr lvl="0" algn="r"/>
             <a:r>
-              <a:rPr lang="en-US" sz="8000" dirty="0">
+              <a:rPr lang="en-US" sz="6000" dirty="0">
                 <a:solidFill>
                   <a:schemeClr val="tx1"/>
                 </a:solidFill>
@@ -2223,6 +2453,12 @@
               </a:rPr>
               <a:t>“</a:t>
             </a:r>
+            <a:endParaRPr lang="en-US" sz="6000" dirty="0">
+              <a:solidFill>
+                <a:schemeClr val="tx1"/>
+              </a:solidFill>
+              <a:effectLst/>
+            </a:endParaRPr>
           </a:p>
         </p:txBody>
       </p:sp>
@@ -2238,8 +2474,8 @@
         </p:nvSpPr>
         <p:spPr>
           <a:xfrm>
-            <a:off x="992267" y="609601"/>
-            <a:ext cx="9550399" cy="2743199"/>
+            <a:off x="744200" y="508481"/>
+            <a:ext cx="7162799" cy="2288159"/>
           </a:xfrm>
         </p:spPr>
         <p:txBody>
@@ -2248,7 +2484,7 @@
           </a:bodyPr>
           <a:lstStyle>
             <a:lvl1pPr algn="l">
-              <a:defRPr sz="3200" b="0" cap="none">
+              <a:defRPr sz="2670" b="0" cap="none">
                 <a:solidFill>
                   <a:schemeClr val="tx1"/>
                 </a:solidFill>
@@ -2276,8 +2512,8 @@
         </p:nvSpPr>
         <p:spPr>
           <a:xfrm>
-            <a:off x="1097875" y="3352800"/>
-            <a:ext cx="9339184" cy="381000"/>
+            <a:off x="823406" y="2796640"/>
+            <a:ext cx="7004388" cy="317800"/>
           </a:xfrm>
         </p:spPr>
         <p:txBody>
@@ -2288,22 +2524,22 @@
               <a:buNone/>
               <a:defRPr/>
             </a:lvl1pPr>
-            <a:lvl2pPr marL="457200" indent="0">
+            <a:lvl2pPr marL="381635" indent="0">
               <a:buFontTx/>
               <a:buNone/>
               <a:defRPr/>
             </a:lvl2pPr>
-            <a:lvl3pPr marL="914400" indent="0">
+            <a:lvl3pPr marL="762635" indent="0">
               <a:buFontTx/>
               <a:buNone/>
               <a:defRPr/>
             </a:lvl3pPr>
-            <a:lvl4pPr marL="1371600" indent="0">
+            <a:lvl4pPr marL="1144270" indent="0">
               <a:buFontTx/>
               <a:buNone/>
               <a:defRPr/>
             </a:lvl4pPr>
-            <a:lvl5pPr marL="1828800" indent="0">
+            <a:lvl5pPr marL="1525270" indent="0">
               <a:buFontTx/>
               <a:buNone/>
               <a:defRPr/>
@@ -2315,6 +2551,7 @@
               <a:rPr lang="zh-CN" altLang="en-US"/>
               <a:t>单击此处编辑母版文本样式</a:t>
             </a:r>
+            <a:endParaRPr lang="zh-CN" altLang="en-US"/>
           </a:p>
         </p:txBody>
       </p:sp>
@@ -2330,8 +2567,8 @@
         </p:nvSpPr>
         <p:spPr>
           <a:xfrm>
-            <a:off x="687465" y="4343400"/>
-            <a:ext cx="10152367" cy="1447800"/>
+            <a:off x="515599" y="3622920"/>
+            <a:ext cx="7614275" cy="1207640"/>
           </a:xfrm>
         </p:spPr>
         <p:txBody>
@@ -2341,15 +2578,15 @@
           <a:lstStyle>
             <a:lvl1pPr marL="0" indent="0" algn="l">
               <a:buNone/>
-              <a:defRPr sz="2000">
+              <a:defRPr sz="1670">
                 <a:solidFill>
                   <a:schemeClr val="tx1"/>
                 </a:solidFill>
               </a:defRPr>
             </a:lvl1pPr>
-            <a:lvl2pPr marL="457200" indent="0">
-              <a:buNone/>
-              <a:defRPr sz="1800">
+            <a:lvl2pPr marL="381635" indent="0">
+              <a:buNone/>
+              <a:defRPr sz="1500">
                 <a:solidFill>
                   <a:schemeClr val="tx1">
                     <a:tint val="75000"/>
@@ -2357,9 +2594,9 @@
                 </a:solidFill>
               </a:defRPr>
             </a:lvl2pPr>
-            <a:lvl3pPr marL="914400" indent="0">
-              <a:buNone/>
-              <a:defRPr sz="1600">
+            <a:lvl3pPr marL="762635" indent="0">
+              <a:buNone/>
+              <a:defRPr sz="1335">
                 <a:solidFill>
                   <a:schemeClr val="tx1">
                     <a:tint val="75000"/>
@@ -2367,9 +2604,9 @@
                 </a:solidFill>
               </a:defRPr>
             </a:lvl3pPr>
-            <a:lvl4pPr marL="1371600" indent="0">
-              <a:buNone/>
-              <a:defRPr sz="1400">
+            <a:lvl4pPr marL="1144270" indent="0">
+              <a:buNone/>
+              <a:defRPr sz="1170">
                 <a:solidFill>
                   <a:schemeClr val="tx1">
                     <a:tint val="75000"/>
@@ -2377,9 +2614,9 @@
                 </a:solidFill>
               </a:defRPr>
             </a:lvl4pPr>
-            <a:lvl5pPr marL="1828800" indent="0">
-              <a:buNone/>
-              <a:defRPr sz="1400">
+            <a:lvl5pPr marL="1525270" indent="0">
+              <a:buNone/>
+              <a:defRPr sz="1170">
                 <a:solidFill>
                   <a:schemeClr val="tx1">
                     <a:tint val="75000"/>
@@ -2387,9 +2624,9 @@
                 </a:solidFill>
               </a:defRPr>
             </a:lvl5pPr>
-            <a:lvl6pPr marL="2286000" indent="0">
-              <a:buNone/>
-              <a:defRPr sz="1400">
+            <a:lvl6pPr marL="1906905" indent="0">
+              <a:buNone/>
+              <a:defRPr sz="1170">
                 <a:solidFill>
                   <a:schemeClr val="tx1">
                     <a:tint val="75000"/>
@@ -2397,9 +2634,9 @@
                 </a:solidFill>
               </a:defRPr>
             </a:lvl6pPr>
-            <a:lvl7pPr marL="2743200" indent="0">
-              <a:buNone/>
-              <a:defRPr sz="1400">
+            <a:lvl7pPr marL="2287905" indent="0">
+              <a:buNone/>
+              <a:defRPr sz="1170">
                 <a:solidFill>
                   <a:schemeClr val="tx1">
                     <a:tint val="75000"/>
@@ -2407,9 +2644,9 @@
                 </a:solidFill>
               </a:defRPr>
             </a:lvl7pPr>
-            <a:lvl8pPr marL="3200400" indent="0">
-              <a:buNone/>
-              <a:defRPr sz="1400">
+            <a:lvl8pPr marL="2669540" indent="0">
+              <a:buNone/>
+              <a:defRPr sz="1170">
                 <a:solidFill>
                   <a:schemeClr val="tx1">
                     <a:tint val="75000"/>
@@ -2417,9 +2654,9 @@
                 </a:solidFill>
               </a:defRPr>
             </a:lvl8pPr>
-            <a:lvl9pPr marL="3657600" indent="0">
-              <a:buNone/>
-              <a:defRPr sz="1400">
+            <a:lvl9pPr marL="3051175" indent="0">
+              <a:buNone/>
+              <a:defRPr sz="1170">
                 <a:solidFill>
                   <a:schemeClr val="tx1">
                     <a:tint val="75000"/>
@@ -2434,6 +2671,7 @@
               <a:rPr lang="zh-CN" altLang="en-US"/>
               <a:t>单击此处编辑母版文本样式</a:t>
             </a:r>
+            <a:endParaRPr lang="zh-CN" altLang="en-US"/>
           </a:p>
         </p:txBody>
       </p:sp>
@@ -2454,8 +2692,6 @@
           <a:p>
             <a:fld id="{B61BEF0D-F0BB-DE4B-95CE-6DB70DBA9567}" type="datetimeFigureOut">
               <a:rPr lang="en-US" dirty="0"/>
-              <a:pPr/>
-              <a:t>3/22/21</a:t>
             </a:fld>
             <a:endParaRPr lang="en-US" dirty="0"/>
           </a:p>
@@ -2497,8 +2733,6 @@
           <a:p>
             <a:fld id="{D57F1E4F-1CFF-5643-939E-217C01CDF565}" type="slidenum">
               <a:rPr lang="en-US" dirty="0"/>
-              <a:pPr/>
-              <a:t>‹#›</a:t>
             </a:fld>
             <a:endParaRPr lang="en-US" dirty="0"/>
           </a:p>
@@ -2552,7 +2786,7 @@
         <p:spPr>
           <a:xfrm>
             <a:off x="0" y="0"/>
-            <a:ext cx="12188825" cy="6856214"/>
+            <a:ext cx="9141619" cy="5718911"/>
           </a:xfrm>
           <a:prstGeom prst="rect">
             <a:avLst/>
@@ -2571,8 +2805,8 @@
         </p:nvSpPr>
         <p:spPr>
           <a:xfrm>
-            <a:off x="685802" y="3308581"/>
-            <a:ext cx="10131425" cy="1468800"/>
+            <a:off x="514352" y="2759756"/>
+            <a:ext cx="7598569" cy="1225157"/>
           </a:xfrm>
         </p:spPr>
         <p:txBody>
@@ -2581,7 +2815,7 @@
           </a:bodyPr>
           <a:lstStyle>
             <a:lvl1pPr algn="l">
-              <a:defRPr sz="3200" b="0" cap="none"/>
+              <a:defRPr sz="2670" b="0" cap="none"/>
             </a:lvl1pPr>
           </a:lstStyle>
           <a:p>
@@ -2605,8 +2839,8 @@
         </p:nvSpPr>
         <p:spPr>
           <a:xfrm>
-            <a:off x="685801" y="4777381"/>
-            <a:ext cx="10131426" cy="860400"/>
+            <a:off x="514351" y="3984913"/>
+            <a:ext cx="7598570" cy="717678"/>
           </a:xfrm>
         </p:spPr>
         <p:txBody>
@@ -2616,15 +2850,15 @@
           <a:lstStyle>
             <a:lvl1pPr marL="0" indent="0" algn="l">
               <a:buNone/>
-              <a:defRPr sz="2000">
+              <a:defRPr sz="1670">
                 <a:solidFill>
                   <a:schemeClr val="tx1"/>
                 </a:solidFill>
               </a:defRPr>
             </a:lvl1pPr>
-            <a:lvl2pPr marL="457200" indent="0">
-              <a:buNone/>
-              <a:defRPr sz="1800">
+            <a:lvl2pPr marL="381635" indent="0">
+              <a:buNone/>
+              <a:defRPr sz="1500">
                 <a:solidFill>
                   <a:schemeClr val="tx1">
                     <a:tint val="75000"/>
@@ -2632,9 +2866,9 @@
                 </a:solidFill>
               </a:defRPr>
             </a:lvl2pPr>
-            <a:lvl3pPr marL="914400" indent="0">
-              <a:buNone/>
-              <a:defRPr sz="1600">
+            <a:lvl3pPr marL="762635" indent="0">
+              <a:buNone/>
+              <a:defRPr sz="1335">
                 <a:solidFill>
                   <a:schemeClr val="tx1">
                     <a:tint val="75000"/>
@@ -2642,9 +2876,9 @@
                 </a:solidFill>
               </a:defRPr>
             </a:lvl3pPr>
-            <a:lvl4pPr marL="1371600" indent="0">
-              <a:buNone/>
-              <a:defRPr sz="1400">
+            <a:lvl4pPr marL="1144270" indent="0">
+              <a:buNone/>
+              <a:defRPr sz="1170">
                 <a:solidFill>
                   <a:schemeClr val="tx1">
                     <a:tint val="75000"/>
@@ -2652,9 +2886,9 @@
                 </a:solidFill>
               </a:defRPr>
             </a:lvl4pPr>
-            <a:lvl5pPr marL="1828800" indent="0">
-              <a:buNone/>
-              <a:defRPr sz="1400">
+            <a:lvl5pPr marL="1525270" indent="0">
+              <a:buNone/>
+              <a:defRPr sz="1170">
                 <a:solidFill>
                   <a:schemeClr val="tx1">
                     <a:tint val="75000"/>
@@ -2662,9 +2896,9 @@
                 </a:solidFill>
               </a:defRPr>
             </a:lvl5pPr>
-            <a:lvl6pPr marL="2286000" indent="0">
-              <a:buNone/>
-              <a:defRPr sz="1400">
+            <a:lvl6pPr marL="1906905" indent="0">
+              <a:buNone/>
+              <a:defRPr sz="1170">
                 <a:solidFill>
                   <a:schemeClr val="tx1">
                     <a:tint val="75000"/>
@@ -2672,9 +2906,9 @@
                 </a:solidFill>
               </a:defRPr>
             </a:lvl6pPr>
-            <a:lvl7pPr marL="2743200" indent="0">
-              <a:buNone/>
-              <a:defRPr sz="1400">
+            <a:lvl7pPr marL="2287905" indent="0">
+              <a:buNone/>
+              <a:defRPr sz="1170">
                 <a:solidFill>
                   <a:schemeClr val="tx1">
                     <a:tint val="75000"/>
@@ -2682,9 +2916,9 @@
                 </a:solidFill>
               </a:defRPr>
             </a:lvl7pPr>
-            <a:lvl8pPr marL="3200400" indent="0">
-              <a:buNone/>
-              <a:defRPr sz="1400">
+            <a:lvl8pPr marL="2669540" indent="0">
+              <a:buNone/>
+              <a:defRPr sz="1170">
                 <a:solidFill>
                   <a:schemeClr val="tx1">
                     <a:tint val="75000"/>
@@ -2692,9 +2926,9 @@
                 </a:solidFill>
               </a:defRPr>
             </a:lvl8pPr>
-            <a:lvl9pPr marL="3657600" indent="0">
-              <a:buNone/>
-              <a:defRPr sz="1400">
+            <a:lvl9pPr marL="3051175" indent="0">
+              <a:buNone/>
+              <a:defRPr sz="1170">
                 <a:solidFill>
                   <a:schemeClr val="tx1">
                     <a:tint val="75000"/>
@@ -2709,6 +2943,7 @@
               <a:rPr lang="zh-CN" altLang="en-US"/>
               <a:t>单击此处编辑母版文本样式</a:t>
             </a:r>
+            <a:endParaRPr lang="zh-CN" altLang="en-US"/>
           </a:p>
         </p:txBody>
       </p:sp>
@@ -2729,8 +2964,6 @@
           <a:p>
             <a:fld id="{B61BEF0D-F0BB-DE4B-95CE-6DB70DBA9567}" type="datetimeFigureOut">
               <a:rPr lang="en-US" dirty="0"/>
-              <a:pPr/>
-              <a:t>3/22/21</a:t>
             </a:fld>
             <a:endParaRPr lang="en-US" dirty="0"/>
           </a:p>
@@ -2772,8 +3005,6 @@
           <a:p>
             <a:fld id="{D57F1E4F-1CFF-5643-939E-217C01CDF565}" type="slidenum">
               <a:rPr lang="en-US" dirty="0"/>
-              <a:pPr/>
-              <a:t>‹#›</a:t>
             </a:fld>
             <a:endParaRPr lang="en-US" dirty="0"/>
           </a:p>
@@ -2827,7 +3058,7 @@
         <p:spPr>
           <a:xfrm>
             <a:off x="0" y="0"/>
-            <a:ext cx="12188825" cy="6856214"/>
+            <a:ext cx="9141619" cy="5718911"/>
           </a:xfrm>
           <a:prstGeom prst="rect">
             <a:avLst/>
@@ -2842,15 +3073,15 @@
         </p:nvSpPr>
         <p:spPr>
           <a:xfrm>
-            <a:off x="10237867" y="2743200"/>
-            <a:ext cx="609600" cy="584776"/>
+            <a:off x="7678400" y="2288160"/>
+            <a:ext cx="457200" cy="487774"/>
           </a:xfrm>
           <a:prstGeom prst="rect">
             <a:avLst/>
           </a:prstGeom>
         </p:spPr>
         <p:txBody>
-          <a:bodyPr vert="horz" lIns="91440" tIns="45720" rIns="91440" bIns="45720" rtlCol="0" anchor="ctr">
+          <a:bodyPr vert="horz" lIns="68580" tIns="34290" rIns="68580" bIns="34290" rtlCol="0" anchor="ctr">
             <a:noAutofit/>
           </a:bodyPr>
           <a:lstStyle>
@@ -2939,7 +3170,7 @@
           <a:p>
             <a:pPr lvl="0" algn="r"/>
             <a:r>
-              <a:rPr lang="en-US" sz="8000" dirty="0">
+              <a:rPr lang="en-US" sz="6000" dirty="0">
                 <a:solidFill>
                   <a:schemeClr val="tx1"/>
                 </a:solidFill>
@@ -2947,6 +3178,12 @@
               </a:rPr>
               <a:t>”</a:t>
             </a:r>
+            <a:endParaRPr lang="en-US" sz="6000" dirty="0">
+              <a:solidFill>
+                <a:schemeClr val="tx1"/>
+              </a:solidFill>
+              <a:effectLst/>
+            </a:endParaRPr>
           </a:p>
         </p:txBody>
       </p:sp>
@@ -2958,15 +3195,15 @@
         </p:nvSpPr>
         <p:spPr>
           <a:xfrm>
-            <a:off x="488275" y="823337"/>
-            <a:ext cx="609600" cy="584776"/>
+            <a:off x="366206" y="686763"/>
+            <a:ext cx="457200" cy="487774"/>
           </a:xfrm>
           <a:prstGeom prst="rect">
             <a:avLst/>
           </a:prstGeom>
         </p:spPr>
         <p:txBody>
-          <a:bodyPr vert="horz" lIns="91440" tIns="45720" rIns="91440" bIns="45720" rtlCol="0" anchor="ctr">
+          <a:bodyPr vert="horz" lIns="68580" tIns="34290" rIns="68580" bIns="34290" rtlCol="0" anchor="ctr">
             <a:noAutofit/>
           </a:bodyPr>
           <a:lstStyle>
@@ -3055,7 +3292,7 @@
           <a:p>
             <a:pPr lvl="0" algn="r"/>
             <a:r>
-              <a:rPr lang="en-US" sz="8000" dirty="0">
+              <a:rPr lang="en-US" sz="6000" dirty="0">
                 <a:solidFill>
                   <a:schemeClr val="tx1"/>
                 </a:solidFill>
@@ -3063,6 +3300,12 @@
               </a:rPr>
               <a:t>“</a:t>
             </a:r>
+            <a:endParaRPr lang="en-US" sz="6000" dirty="0">
+              <a:solidFill>
+                <a:schemeClr val="tx1"/>
+              </a:solidFill>
+              <a:effectLst/>
+            </a:endParaRPr>
           </a:p>
         </p:txBody>
       </p:sp>
@@ -3078,8 +3321,8 @@
         </p:nvSpPr>
         <p:spPr>
           <a:xfrm>
-            <a:off x="992267" y="609601"/>
-            <a:ext cx="9550399" cy="2743199"/>
+            <a:off x="744200" y="508481"/>
+            <a:ext cx="7162799" cy="2288159"/>
           </a:xfrm>
         </p:spPr>
         <p:txBody>
@@ -3088,7 +3331,7 @@
           </a:bodyPr>
           <a:lstStyle>
             <a:lvl1pPr algn="l">
-              <a:defRPr sz="3200" b="0" cap="none">
+              <a:defRPr sz="2670" b="0" cap="none">
                 <a:solidFill>
                   <a:schemeClr val="tx1"/>
                 </a:solidFill>
@@ -3116,8 +3359,8 @@
         </p:nvSpPr>
         <p:spPr>
           <a:xfrm>
-            <a:off x="685800" y="3886200"/>
-            <a:ext cx="10135436" cy="889000"/>
+            <a:off x="514350" y="3241560"/>
+            <a:ext cx="7601577" cy="741533"/>
           </a:xfrm>
         </p:spPr>
         <p:txBody>
@@ -3127,7 +3370,7 @@
           <a:lstStyle>
             <a:lvl1pPr>
               <a:buNone/>
-              <a:defRPr lang="en-US" sz="2400" b="0" cap="none" dirty="0">
+              <a:defRPr lang="en-US" sz="2000" b="0" cap="none" dirty="0">
                 <a:ln w="3175" cmpd="sng">
                   <a:noFill/>
                 </a:ln>
@@ -3149,6 +3392,7 @@
               <a:rPr lang="zh-CN" altLang="en-US"/>
               <a:t>单击此处编辑母版文本样式</a:t>
             </a:r>
+            <a:endParaRPr lang="zh-CN" altLang="en-US"/>
           </a:p>
         </p:txBody>
       </p:sp>
@@ -3164,8 +3408,8 @@
         </p:nvSpPr>
         <p:spPr>
           <a:xfrm>
-            <a:off x="685799" y="4775200"/>
-            <a:ext cx="10135436" cy="1016000"/>
+            <a:off x="514349" y="3983094"/>
+            <a:ext cx="7601577" cy="847467"/>
           </a:xfrm>
         </p:spPr>
         <p:txBody>
@@ -3175,15 +3419,15 @@
           <a:lstStyle>
             <a:lvl1pPr marL="0" indent="0" algn="l">
               <a:buNone/>
-              <a:defRPr sz="1800">
+              <a:defRPr sz="1500">
                 <a:solidFill>
                   <a:schemeClr val="tx1"/>
                 </a:solidFill>
               </a:defRPr>
             </a:lvl1pPr>
-            <a:lvl2pPr marL="457200" indent="0">
-              <a:buNone/>
-              <a:defRPr sz="1800">
+            <a:lvl2pPr marL="381635" indent="0">
+              <a:buNone/>
+              <a:defRPr sz="1500">
                 <a:solidFill>
                   <a:schemeClr val="tx1">
                     <a:tint val="75000"/>
@@ -3191,9 +3435,9 @@
                 </a:solidFill>
               </a:defRPr>
             </a:lvl2pPr>
-            <a:lvl3pPr marL="914400" indent="0">
-              <a:buNone/>
-              <a:defRPr sz="1600">
+            <a:lvl3pPr marL="762635" indent="0">
+              <a:buNone/>
+              <a:defRPr sz="1335">
                 <a:solidFill>
                   <a:schemeClr val="tx1">
                     <a:tint val="75000"/>
@@ -3201,9 +3445,9 @@
                 </a:solidFill>
               </a:defRPr>
             </a:lvl3pPr>
-            <a:lvl4pPr marL="1371600" indent="0">
-              <a:buNone/>
-              <a:defRPr sz="1400">
+            <a:lvl4pPr marL="1144270" indent="0">
+              <a:buNone/>
+              <a:defRPr sz="1170">
                 <a:solidFill>
                   <a:schemeClr val="tx1">
                     <a:tint val="75000"/>
@@ -3211,9 +3455,9 @@
                 </a:solidFill>
               </a:defRPr>
             </a:lvl4pPr>
-            <a:lvl5pPr marL="1828800" indent="0">
-              <a:buNone/>
-              <a:defRPr sz="1400">
+            <a:lvl5pPr marL="1525270" indent="0">
+              <a:buNone/>
+              <a:defRPr sz="1170">
                 <a:solidFill>
                   <a:schemeClr val="tx1">
                     <a:tint val="75000"/>
@@ -3221,9 +3465,9 @@
                 </a:solidFill>
               </a:defRPr>
             </a:lvl5pPr>
-            <a:lvl6pPr marL="2286000" indent="0">
-              <a:buNone/>
-              <a:defRPr sz="1400">
+            <a:lvl6pPr marL="1906905" indent="0">
+              <a:buNone/>
+              <a:defRPr sz="1170">
                 <a:solidFill>
                   <a:schemeClr val="tx1">
                     <a:tint val="75000"/>
@@ -3231,9 +3475,9 @@
                 </a:solidFill>
               </a:defRPr>
             </a:lvl6pPr>
-            <a:lvl7pPr marL="2743200" indent="0">
-              <a:buNone/>
-              <a:defRPr sz="1400">
+            <a:lvl7pPr marL="2287905" indent="0">
+              <a:buNone/>
+              <a:defRPr sz="1170">
                 <a:solidFill>
                   <a:schemeClr val="tx1">
                     <a:tint val="75000"/>
@@ -3241,9 +3485,9 @@
                 </a:solidFill>
               </a:defRPr>
             </a:lvl7pPr>
-            <a:lvl8pPr marL="3200400" indent="0">
-              <a:buNone/>
-              <a:defRPr sz="1400">
+            <a:lvl8pPr marL="2669540" indent="0">
+              <a:buNone/>
+              <a:defRPr sz="1170">
                 <a:solidFill>
                   <a:schemeClr val="tx1">
                     <a:tint val="75000"/>
@@ -3251,9 +3495,9 @@
                 </a:solidFill>
               </a:defRPr>
             </a:lvl8pPr>
-            <a:lvl9pPr marL="3657600" indent="0">
-              <a:buNone/>
-              <a:defRPr sz="1400">
+            <a:lvl9pPr marL="3051175" indent="0">
+              <a:buNone/>
+              <a:defRPr sz="1170">
                 <a:solidFill>
                   <a:schemeClr val="tx1">
                     <a:tint val="75000"/>
@@ -3268,6 +3512,7 @@
               <a:rPr lang="zh-CN" altLang="en-US"/>
               <a:t>单击此处编辑母版文本样式</a:t>
             </a:r>
+            <a:endParaRPr lang="zh-CN" altLang="en-US"/>
           </a:p>
         </p:txBody>
       </p:sp>
@@ -3288,8 +3533,6 @@
           <a:p>
             <a:fld id="{B61BEF0D-F0BB-DE4B-95CE-6DB70DBA9567}" type="datetimeFigureOut">
               <a:rPr lang="en-US" dirty="0"/>
-              <a:pPr/>
-              <a:t>3/22/21</a:t>
             </a:fld>
             <a:endParaRPr lang="en-US" dirty="0"/>
           </a:p>
@@ -3331,8 +3574,6 @@
           <a:p>
             <a:fld id="{D57F1E4F-1CFF-5643-939E-217C01CDF565}" type="slidenum">
               <a:rPr lang="en-US" dirty="0"/>
-              <a:pPr/>
-              <a:t>‹#›</a:t>
             </a:fld>
             <a:endParaRPr lang="en-US" dirty="0"/>
           </a:p>
@@ -3386,7 +3627,7 @@
         <p:spPr>
           <a:xfrm>
             <a:off x="0" y="0"/>
-            <a:ext cx="12188825" cy="6856214"/>
+            <a:ext cx="9141619" cy="5718911"/>
           </a:xfrm>
           <a:prstGeom prst="rect">
             <a:avLst/>
@@ -3405,8 +3646,8 @@
         </p:nvSpPr>
         <p:spPr>
           <a:xfrm>
-            <a:off x="685801" y="609601"/>
-            <a:ext cx="10131427" cy="2743199"/>
+            <a:off x="514351" y="508481"/>
+            <a:ext cx="7598570" cy="2288159"/>
           </a:xfrm>
         </p:spPr>
         <p:txBody>
@@ -3440,8 +3681,8 @@
         </p:nvSpPr>
         <p:spPr>
           <a:xfrm>
-            <a:off x="685801" y="3505200"/>
-            <a:ext cx="10131428" cy="838200"/>
+            <a:off x="514351" y="2923760"/>
+            <a:ext cx="7598571" cy="699160"/>
           </a:xfrm>
         </p:spPr>
         <p:txBody>
@@ -3451,7 +3692,7 @@
           <a:lstStyle>
             <a:lvl1pPr>
               <a:buNone/>
-              <a:defRPr lang="en-US" sz="2800" b="0" cap="none" dirty="0">
+              <a:defRPr lang="en-US" sz="2335" b="0" cap="none" dirty="0">
                 <a:ln w="3175" cmpd="sng">
                   <a:noFill/>
                 </a:ln>
@@ -3473,6 +3714,7 @@
               <a:rPr lang="zh-CN" altLang="en-US"/>
               <a:t>单击此处编辑母版文本样式</a:t>
             </a:r>
+            <a:endParaRPr lang="zh-CN" altLang="en-US"/>
           </a:p>
         </p:txBody>
       </p:sp>
@@ -3488,8 +3730,8 @@
         </p:nvSpPr>
         <p:spPr>
           <a:xfrm>
-            <a:off x="685800" y="4343400"/>
-            <a:ext cx="10131428" cy="1447800"/>
+            <a:off x="514350" y="3622920"/>
+            <a:ext cx="7598571" cy="1207640"/>
           </a:xfrm>
         </p:spPr>
         <p:txBody>
@@ -3499,15 +3741,15 @@
           <a:lstStyle>
             <a:lvl1pPr marL="0" indent="0" algn="l">
               <a:buNone/>
-              <a:defRPr sz="1800">
+              <a:defRPr sz="1500">
                 <a:solidFill>
                   <a:schemeClr val="tx1"/>
                 </a:solidFill>
               </a:defRPr>
             </a:lvl1pPr>
-            <a:lvl2pPr marL="457200" indent="0">
-              <a:buNone/>
-              <a:defRPr sz="1800">
+            <a:lvl2pPr marL="381635" indent="0">
+              <a:buNone/>
+              <a:defRPr sz="1500">
                 <a:solidFill>
                   <a:schemeClr val="tx1">
                     <a:tint val="75000"/>
@@ -3515,9 +3757,9 @@
                 </a:solidFill>
               </a:defRPr>
             </a:lvl2pPr>
-            <a:lvl3pPr marL="914400" indent="0">
-              <a:buNone/>
-              <a:defRPr sz="1600">
+            <a:lvl3pPr marL="762635" indent="0">
+              <a:buNone/>
+              <a:defRPr sz="1335">
                 <a:solidFill>
                   <a:schemeClr val="tx1">
                     <a:tint val="75000"/>
@@ -3525,9 +3767,9 @@
                 </a:solidFill>
               </a:defRPr>
             </a:lvl3pPr>
-            <a:lvl4pPr marL="1371600" indent="0">
-              <a:buNone/>
-              <a:defRPr sz="1400">
+            <a:lvl4pPr marL="1144270" indent="0">
+              <a:buNone/>
+              <a:defRPr sz="1170">
                 <a:solidFill>
                   <a:schemeClr val="tx1">
                     <a:tint val="75000"/>
@@ -3535,9 +3777,9 @@
                 </a:solidFill>
               </a:defRPr>
             </a:lvl4pPr>
-            <a:lvl5pPr marL="1828800" indent="0">
-              <a:buNone/>
-              <a:defRPr sz="1400">
+            <a:lvl5pPr marL="1525270" indent="0">
+              <a:buNone/>
+              <a:defRPr sz="1170">
                 <a:solidFill>
                   <a:schemeClr val="tx1">
                     <a:tint val="75000"/>
@@ -3545,9 +3787,9 @@
                 </a:solidFill>
               </a:defRPr>
             </a:lvl5pPr>
-            <a:lvl6pPr marL="2286000" indent="0">
-              <a:buNone/>
-              <a:defRPr sz="1400">
+            <a:lvl6pPr marL="1906905" indent="0">
+              <a:buNone/>
+              <a:defRPr sz="1170">
                 <a:solidFill>
                   <a:schemeClr val="tx1">
                     <a:tint val="75000"/>
@@ -3555,9 +3797,9 @@
                 </a:solidFill>
               </a:defRPr>
             </a:lvl6pPr>
-            <a:lvl7pPr marL="2743200" indent="0">
-              <a:buNone/>
-              <a:defRPr sz="1400">
+            <a:lvl7pPr marL="2287905" indent="0">
+              <a:buNone/>
+              <a:defRPr sz="1170">
                 <a:solidFill>
                   <a:schemeClr val="tx1">
                     <a:tint val="75000"/>
@@ -3565,9 +3807,9 @@
                 </a:solidFill>
               </a:defRPr>
             </a:lvl7pPr>
-            <a:lvl8pPr marL="3200400" indent="0">
-              <a:buNone/>
-              <a:defRPr sz="1400">
+            <a:lvl8pPr marL="2669540" indent="0">
+              <a:buNone/>
+              <a:defRPr sz="1170">
                 <a:solidFill>
                   <a:schemeClr val="tx1">
                     <a:tint val="75000"/>
@@ -3575,9 +3817,9 @@
                 </a:solidFill>
               </a:defRPr>
             </a:lvl8pPr>
-            <a:lvl9pPr marL="3657600" indent="0">
-              <a:buNone/>
-              <a:defRPr sz="1400">
+            <a:lvl9pPr marL="3051175" indent="0">
+              <a:buNone/>
+              <a:defRPr sz="1170">
                 <a:solidFill>
                   <a:schemeClr val="tx1">
                     <a:tint val="75000"/>
@@ -3592,6 +3834,7 @@
               <a:rPr lang="zh-CN" altLang="en-US"/>
               <a:t>单击此处编辑母版文本样式</a:t>
             </a:r>
+            <a:endParaRPr lang="zh-CN" altLang="en-US"/>
           </a:p>
         </p:txBody>
       </p:sp>
@@ -3612,8 +3855,6 @@
           <a:p>
             <a:fld id="{B61BEF0D-F0BB-DE4B-95CE-6DB70DBA9567}" type="datetimeFigureOut">
               <a:rPr lang="en-US" dirty="0"/>
-              <a:pPr/>
-              <a:t>3/22/21</a:t>
             </a:fld>
             <a:endParaRPr lang="en-US" dirty="0"/>
           </a:p>
@@ -3655,8 +3896,6 @@
           <a:p>
             <a:fld id="{D57F1E4F-1CFF-5643-939E-217C01CDF565}" type="slidenum">
               <a:rPr lang="en-US" dirty="0"/>
-              <a:pPr/>
-              <a:t>‹#›</a:t>
             </a:fld>
             <a:endParaRPr lang="en-US" dirty="0"/>
           </a:p>
@@ -3710,7 +3949,7 @@
         <p:spPr>
           <a:xfrm>
             <a:off x="0" y="0"/>
-            <a:ext cx="12188825" cy="6856214"/>
+            <a:ext cx="9141619" cy="5718911"/>
           </a:xfrm>
           <a:prstGeom prst="rect">
             <a:avLst/>
@@ -3737,6 +3976,7 @@
               <a:rPr lang="zh-CN" altLang="en-US"/>
               <a:t>单击此处编辑母版文本样式</a:t>
             </a:r>
+            <a:endParaRPr lang="zh-CN" altLang="en-US"/>
           </a:p>
           <a:p>
             <a:pPr lvl="1"/>
@@ -3744,6 +3984,7 @@
               <a:rPr lang="zh-CN" altLang="en-US"/>
               <a:t>二级</a:t>
             </a:r>
+            <a:endParaRPr lang="zh-CN" altLang="en-US"/>
           </a:p>
           <a:p>
             <a:pPr lvl="2"/>
@@ -3751,6 +3992,7 @@
               <a:rPr lang="zh-CN" altLang="en-US"/>
               <a:t>三级</a:t>
             </a:r>
+            <a:endParaRPr lang="zh-CN" altLang="en-US"/>
           </a:p>
           <a:p>
             <a:pPr lvl="3"/>
@@ -3758,6 +4000,7 @@
               <a:rPr lang="zh-CN" altLang="en-US"/>
               <a:t>四级</a:t>
             </a:r>
+            <a:endParaRPr lang="zh-CN" altLang="en-US"/>
           </a:p>
           <a:p>
             <a:pPr lvl="4"/>
@@ -3786,8 +4029,6 @@
           <a:p>
             <a:fld id="{B61BEF0D-F0BB-DE4B-95CE-6DB70DBA9567}" type="datetimeFigureOut">
               <a:rPr lang="en-US" dirty="0"/>
-              <a:pPr/>
-              <a:t>3/22/21</a:t>
             </a:fld>
             <a:endParaRPr lang="en-US" dirty="0"/>
           </a:p>
@@ -3829,8 +4070,6 @@
           <a:p>
             <a:fld id="{D57F1E4F-1CFF-5643-939E-217C01CDF565}" type="slidenum">
               <a:rPr lang="en-US" dirty="0"/>
-              <a:pPr/>
-              <a:t>‹#›</a:t>
             </a:fld>
             <a:endParaRPr lang="en-US" dirty="0"/>
           </a:p>
@@ -3848,8 +4087,8 @@
         </p:nvSpPr>
         <p:spPr>
           <a:xfrm>
-            <a:off x="685801" y="609600"/>
-            <a:ext cx="10131425" cy="1456267"/>
+            <a:off x="514351" y="508480"/>
+            <a:ext cx="7598569" cy="1214703"/>
           </a:xfrm>
         </p:spPr>
         <p:txBody>
@@ -3912,7 +4151,7 @@
         <p:spPr>
           <a:xfrm>
             <a:off x="0" y="0"/>
-            <a:ext cx="12188825" cy="6856214"/>
+            <a:ext cx="9141619" cy="5718911"/>
           </a:xfrm>
           <a:prstGeom prst="rect">
             <a:avLst/>
@@ -3931,8 +4170,8 @@
         </p:nvSpPr>
         <p:spPr>
           <a:xfrm>
-            <a:off x="8658675" y="609599"/>
-            <a:ext cx="2158552" cy="5181601"/>
+            <a:off x="6494006" y="508479"/>
+            <a:ext cx="1618914" cy="4322081"/>
           </a:xfrm>
         </p:spPr>
         <p:txBody>
@@ -3959,8 +4198,8 @@
         </p:nvSpPr>
         <p:spPr>
           <a:xfrm>
-            <a:off x="685800" y="609600"/>
-            <a:ext cx="7832116" cy="5181600"/>
+            <a:off x="514350" y="508480"/>
+            <a:ext cx="5874087" cy="4322080"/>
           </a:xfrm>
         </p:spPr>
         <p:txBody>
@@ -3972,6 +4211,7 @@
               <a:rPr lang="zh-CN" altLang="en-US"/>
               <a:t>单击此处编辑母版文本样式</a:t>
             </a:r>
+            <a:endParaRPr lang="zh-CN" altLang="en-US"/>
           </a:p>
           <a:p>
             <a:pPr lvl="1"/>
@@ -3979,6 +4219,7 @@
               <a:rPr lang="zh-CN" altLang="en-US"/>
               <a:t>二级</a:t>
             </a:r>
+            <a:endParaRPr lang="zh-CN" altLang="en-US"/>
           </a:p>
           <a:p>
             <a:pPr lvl="2"/>
@@ -3986,6 +4227,7 @@
               <a:rPr lang="zh-CN" altLang="en-US"/>
               <a:t>三级</a:t>
             </a:r>
+            <a:endParaRPr lang="zh-CN" altLang="en-US"/>
           </a:p>
           <a:p>
             <a:pPr lvl="3"/>
@@ -3993,6 +4235,7 @@
               <a:rPr lang="zh-CN" altLang="en-US"/>
               <a:t>四级</a:t>
             </a:r>
+            <a:endParaRPr lang="zh-CN" altLang="en-US"/>
           </a:p>
           <a:p>
             <a:pPr lvl="4"/>
@@ -4021,8 +4264,6 @@
           <a:p>
             <a:fld id="{B61BEF0D-F0BB-DE4B-95CE-6DB70DBA9567}" type="datetimeFigureOut">
               <a:rPr lang="en-US" dirty="0"/>
-              <a:pPr/>
-              <a:t>3/22/21</a:t>
             </a:fld>
             <a:endParaRPr lang="en-US" dirty="0"/>
           </a:p>
@@ -4064,8 +4305,6 @@
           <a:p>
             <a:fld id="{D57F1E4F-1CFF-5643-939E-217C01CDF565}" type="slidenum">
               <a:rPr lang="en-US" dirty="0"/>
-              <a:pPr/>
-              <a:t>‹#›</a:t>
             </a:fld>
             <a:endParaRPr lang="en-US" dirty="0"/>
           </a:p>
@@ -4119,7 +4358,7 @@
         <p:spPr>
           <a:xfrm>
             <a:off x="0" y="0"/>
-            <a:ext cx="12188825" cy="6856214"/>
+            <a:ext cx="9141619" cy="5718911"/>
           </a:xfrm>
           <a:prstGeom prst="rect">
             <a:avLst/>
@@ -4169,6 +4408,7 @@
               <a:rPr lang="zh-CN" altLang="en-US"/>
               <a:t>单击此处编辑母版文本样式</a:t>
             </a:r>
+            <a:endParaRPr lang="zh-CN" altLang="en-US"/>
           </a:p>
           <a:p>
             <a:pPr lvl="1"/>
@@ -4176,6 +4416,7 @@
               <a:rPr lang="zh-CN" altLang="en-US"/>
               <a:t>二级</a:t>
             </a:r>
+            <a:endParaRPr lang="zh-CN" altLang="en-US"/>
           </a:p>
           <a:p>
             <a:pPr lvl="2"/>
@@ -4183,6 +4424,7 @@
               <a:rPr lang="zh-CN" altLang="en-US"/>
               <a:t>三级</a:t>
             </a:r>
+            <a:endParaRPr lang="zh-CN" altLang="en-US"/>
           </a:p>
           <a:p>
             <a:pPr lvl="3"/>
@@ -4190,6 +4432,7 @@
               <a:rPr lang="zh-CN" altLang="en-US"/>
               <a:t>四级</a:t>
             </a:r>
+            <a:endParaRPr lang="zh-CN" altLang="en-US"/>
           </a:p>
           <a:p>
             <a:pPr lvl="4"/>
@@ -4218,8 +4461,6 @@
           <a:p>
             <a:fld id="{B61BEF0D-F0BB-DE4B-95CE-6DB70DBA9567}" type="datetimeFigureOut">
               <a:rPr lang="en-US" dirty="0"/>
-              <a:pPr/>
-              <a:t>3/22/21</a:t>
             </a:fld>
             <a:endParaRPr lang="en-US" dirty="0"/>
           </a:p>
@@ -4261,8 +4502,6 @@
           <a:p>
             <a:fld id="{D57F1E4F-1CFF-5643-939E-217C01CDF565}" type="slidenum">
               <a:rPr lang="en-US" dirty="0"/>
-              <a:pPr/>
-              <a:t>‹#›</a:t>
             </a:fld>
             <a:endParaRPr lang="en-US" dirty="0"/>
           </a:p>
@@ -4316,7 +4555,7 @@
         <p:spPr>
           <a:xfrm>
             <a:off x="0" y="0"/>
-            <a:ext cx="12188825" cy="6856214"/>
+            <a:ext cx="9141619" cy="5718911"/>
           </a:xfrm>
           <a:prstGeom prst="rect">
             <a:avLst/>
@@ -4335,15 +4574,15 @@
         </p:nvSpPr>
         <p:spPr>
           <a:xfrm>
-            <a:off x="685800" y="3308581"/>
-            <a:ext cx="10131427" cy="1468800"/>
+            <a:off x="514350" y="2759756"/>
+            <a:ext cx="7598570" cy="1225157"/>
           </a:xfrm>
         </p:spPr>
         <p:txBody>
           <a:bodyPr anchor="b"/>
           <a:lstStyle>
             <a:lvl1pPr algn="l">
-              <a:defRPr sz="4000" b="0" cap="all"/>
+              <a:defRPr sz="3335" b="0" cap="all"/>
             </a:lvl1pPr>
           </a:lstStyle>
           <a:p>
@@ -4367,8 +4606,8 @@
         </p:nvSpPr>
         <p:spPr>
           <a:xfrm>
-            <a:off x="685799" y="4777381"/>
-            <a:ext cx="10131428" cy="860400"/>
+            <a:off x="514349" y="3984913"/>
+            <a:ext cx="7598571" cy="717678"/>
           </a:xfrm>
         </p:spPr>
         <p:txBody>
@@ -4378,15 +4617,15 @@
           <a:lstStyle>
             <a:lvl1pPr marL="0" indent="0" algn="l">
               <a:buNone/>
-              <a:defRPr sz="2000" cap="all">
+              <a:defRPr sz="1670" cap="all">
                 <a:solidFill>
                   <a:schemeClr val="tx1"/>
                 </a:solidFill>
               </a:defRPr>
             </a:lvl1pPr>
-            <a:lvl2pPr marL="457200" indent="0">
-              <a:buNone/>
-              <a:defRPr sz="1800">
+            <a:lvl2pPr marL="381635" indent="0">
+              <a:buNone/>
+              <a:defRPr sz="1500">
                 <a:solidFill>
                   <a:schemeClr val="tx1">
                     <a:tint val="75000"/>
@@ -4394,9 +4633,9 @@
                 </a:solidFill>
               </a:defRPr>
             </a:lvl2pPr>
-            <a:lvl3pPr marL="914400" indent="0">
-              <a:buNone/>
-              <a:defRPr sz="1600">
+            <a:lvl3pPr marL="762635" indent="0">
+              <a:buNone/>
+              <a:defRPr sz="1335">
                 <a:solidFill>
                   <a:schemeClr val="tx1">
                     <a:tint val="75000"/>
@@ -4404,9 +4643,9 @@
                 </a:solidFill>
               </a:defRPr>
             </a:lvl3pPr>
-            <a:lvl4pPr marL="1371600" indent="0">
-              <a:buNone/>
-              <a:defRPr sz="1400">
+            <a:lvl4pPr marL="1144270" indent="0">
+              <a:buNone/>
+              <a:defRPr sz="1170">
                 <a:solidFill>
                   <a:schemeClr val="tx1">
                     <a:tint val="75000"/>
@@ -4414,9 +4653,9 @@
                 </a:solidFill>
               </a:defRPr>
             </a:lvl4pPr>
-            <a:lvl5pPr marL="1828800" indent="0">
-              <a:buNone/>
-              <a:defRPr sz="1400">
+            <a:lvl5pPr marL="1525270" indent="0">
+              <a:buNone/>
+              <a:defRPr sz="1170">
                 <a:solidFill>
                   <a:schemeClr val="tx1">
                     <a:tint val="75000"/>
@@ -4424,9 +4663,9 @@
                 </a:solidFill>
               </a:defRPr>
             </a:lvl5pPr>
-            <a:lvl6pPr marL="2286000" indent="0">
-              <a:buNone/>
-              <a:defRPr sz="1400">
+            <a:lvl6pPr marL="1906905" indent="0">
+              <a:buNone/>
+              <a:defRPr sz="1170">
                 <a:solidFill>
                   <a:schemeClr val="tx1">
                     <a:tint val="75000"/>
@@ -4434,9 +4673,9 @@
                 </a:solidFill>
               </a:defRPr>
             </a:lvl6pPr>
-            <a:lvl7pPr marL="2743200" indent="0">
-              <a:buNone/>
-              <a:defRPr sz="1400">
+            <a:lvl7pPr marL="2287905" indent="0">
+              <a:buNone/>
+              <a:defRPr sz="1170">
                 <a:solidFill>
                   <a:schemeClr val="tx1">
                     <a:tint val="75000"/>
@@ -4444,9 +4683,9 @@
                 </a:solidFill>
               </a:defRPr>
             </a:lvl7pPr>
-            <a:lvl8pPr marL="3200400" indent="0">
-              <a:buNone/>
-              <a:defRPr sz="1400">
+            <a:lvl8pPr marL="2669540" indent="0">
+              <a:buNone/>
+              <a:defRPr sz="1170">
                 <a:solidFill>
                   <a:schemeClr val="tx1">
                     <a:tint val="75000"/>
@@ -4454,9 +4693,9 @@
                 </a:solidFill>
               </a:defRPr>
             </a:lvl8pPr>
-            <a:lvl9pPr marL="3657600" indent="0">
-              <a:buNone/>
-              <a:defRPr sz="1400">
+            <a:lvl9pPr marL="3051175" indent="0">
+              <a:buNone/>
+              <a:defRPr sz="1170">
                 <a:solidFill>
                   <a:schemeClr val="tx1">
                     <a:tint val="75000"/>
@@ -4471,6 +4710,7 @@
               <a:rPr lang="zh-CN" altLang="en-US"/>
               <a:t>单击此处编辑母版文本样式</a:t>
             </a:r>
+            <a:endParaRPr lang="zh-CN" altLang="en-US"/>
           </a:p>
         </p:txBody>
       </p:sp>
@@ -4491,8 +4731,6 @@
           <a:p>
             <a:fld id="{B61BEF0D-F0BB-DE4B-95CE-6DB70DBA9567}" type="datetimeFigureOut">
               <a:rPr lang="en-US" dirty="0"/>
-              <a:pPr/>
-              <a:t>3/22/21</a:t>
             </a:fld>
             <a:endParaRPr lang="en-US" dirty="0"/>
           </a:p>
@@ -4534,8 +4772,6 @@
           <a:p>
             <a:fld id="{D57F1E4F-1CFF-5643-939E-217C01CDF565}" type="slidenum">
               <a:rPr lang="en-US" dirty="0"/>
-              <a:pPr/>
-              <a:t>‹#›</a:t>
             </a:fld>
             <a:endParaRPr lang="en-US" dirty="0"/>
           </a:p>
@@ -4589,7 +4825,7 @@
         <p:spPr>
           <a:xfrm>
             <a:off x="0" y="0"/>
-            <a:ext cx="12188825" cy="6856214"/>
+            <a:ext cx="9141619" cy="5718911"/>
           </a:xfrm>
           <a:prstGeom prst="rect">
             <a:avLst/>
@@ -4631,8 +4867,8 @@
         </p:nvSpPr>
         <p:spPr>
           <a:xfrm>
-            <a:off x="685802" y="2142067"/>
-            <a:ext cx="4995334" cy="3649134"/>
+            <a:off x="514352" y="1786743"/>
+            <a:ext cx="3746501" cy="3043819"/>
           </a:xfrm>
         </p:spPr>
         <p:txBody>
@@ -4646,6 +4882,7 @@
               <a:rPr lang="zh-CN" altLang="en-US"/>
               <a:t>单击此处编辑母版文本样式</a:t>
             </a:r>
+            <a:endParaRPr lang="zh-CN" altLang="en-US"/>
           </a:p>
           <a:p>
             <a:pPr lvl="1"/>
@@ -4653,6 +4890,7 @@
               <a:rPr lang="zh-CN" altLang="en-US"/>
               <a:t>二级</a:t>
             </a:r>
+            <a:endParaRPr lang="zh-CN" altLang="en-US"/>
           </a:p>
           <a:p>
             <a:pPr lvl="2"/>
@@ -4660,6 +4898,7 @@
               <a:rPr lang="zh-CN" altLang="en-US"/>
               <a:t>三级</a:t>
             </a:r>
+            <a:endParaRPr lang="zh-CN" altLang="en-US"/>
           </a:p>
           <a:p>
             <a:pPr lvl="3"/>
@@ -4667,6 +4906,7 @@
               <a:rPr lang="zh-CN" altLang="en-US"/>
               <a:t>四级</a:t>
             </a:r>
+            <a:endParaRPr lang="zh-CN" altLang="en-US"/>
           </a:p>
           <a:p>
             <a:pPr lvl="4"/>
@@ -4690,8 +4930,8 @@
         </p:nvSpPr>
         <p:spPr>
           <a:xfrm>
-            <a:off x="5821895" y="2142067"/>
-            <a:ext cx="4995332" cy="3649133"/>
+            <a:off x="4366421" y="1786743"/>
+            <a:ext cx="3746499" cy="3043818"/>
           </a:xfrm>
         </p:spPr>
         <p:txBody>
@@ -4705,6 +4945,7 @@
               <a:rPr lang="zh-CN" altLang="en-US"/>
               <a:t>单击此处编辑母版文本样式</a:t>
             </a:r>
+            <a:endParaRPr lang="zh-CN" altLang="en-US"/>
           </a:p>
           <a:p>
             <a:pPr lvl="1"/>
@@ -4712,6 +4953,7 @@
               <a:rPr lang="zh-CN" altLang="en-US"/>
               <a:t>二级</a:t>
             </a:r>
+            <a:endParaRPr lang="zh-CN" altLang="en-US"/>
           </a:p>
           <a:p>
             <a:pPr lvl="2"/>
@@ -4719,6 +4961,7 @@
               <a:rPr lang="zh-CN" altLang="en-US"/>
               <a:t>三级</a:t>
             </a:r>
+            <a:endParaRPr lang="zh-CN" altLang="en-US"/>
           </a:p>
           <a:p>
             <a:pPr lvl="3"/>
@@ -4726,6 +4969,7 @@
               <a:rPr lang="zh-CN" altLang="en-US"/>
               <a:t>四级</a:t>
             </a:r>
+            <a:endParaRPr lang="zh-CN" altLang="en-US"/>
           </a:p>
           <a:p>
             <a:pPr lvl="4"/>
@@ -4754,8 +4998,6 @@
           <a:p>
             <a:fld id="{B61BEF0D-F0BB-DE4B-95CE-6DB70DBA9567}" type="datetimeFigureOut">
               <a:rPr lang="en-US" dirty="0"/>
-              <a:pPr/>
-              <a:t>3/22/21</a:t>
             </a:fld>
             <a:endParaRPr lang="en-US" dirty="0"/>
           </a:p>
@@ -4797,8 +5039,6 @@
           <a:p>
             <a:fld id="{D57F1E4F-1CFF-5643-939E-217C01CDF565}" type="slidenum">
               <a:rPr lang="en-US" dirty="0"/>
-              <a:pPr/>
-              <a:t>‹#›</a:t>
             </a:fld>
             <a:endParaRPr lang="en-US" dirty="0"/>
           </a:p>
@@ -4868,8 +5108,8 @@
         </p:nvSpPr>
         <p:spPr>
           <a:xfrm>
-            <a:off x="973670" y="2218267"/>
-            <a:ext cx="4709054" cy="576262"/>
+            <a:off x="730253" y="1850303"/>
+            <a:ext cx="3531791" cy="480672"/>
           </a:xfrm>
         </p:spPr>
         <p:txBody>
@@ -4879,39 +5119,39 @@
           <a:lstStyle>
             <a:lvl1pPr marL="0" indent="0">
               <a:buNone/>
-              <a:defRPr sz="2800" b="0"/>
+              <a:defRPr sz="2335" b="0"/>
             </a:lvl1pPr>
-            <a:lvl2pPr marL="457200" indent="0">
-              <a:buNone/>
-              <a:defRPr sz="2000" b="1"/>
+            <a:lvl2pPr marL="381635" indent="0">
+              <a:buNone/>
+              <a:defRPr sz="1670" b="1"/>
             </a:lvl2pPr>
-            <a:lvl3pPr marL="914400" indent="0">
-              <a:buNone/>
-              <a:defRPr sz="1800" b="1"/>
+            <a:lvl3pPr marL="762635" indent="0">
+              <a:buNone/>
+              <a:defRPr sz="1500" b="1"/>
             </a:lvl3pPr>
-            <a:lvl4pPr marL="1371600" indent="0">
-              <a:buNone/>
-              <a:defRPr sz="1600" b="1"/>
+            <a:lvl4pPr marL="1144270" indent="0">
+              <a:buNone/>
+              <a:defRPr sz="1335" b="1"/>
             </a:lvl4pPr>
-            <a:lvl5pPr marL="1828800" indent="0">
-              <a:buNone/>
-              <a:defRPr sz="1600" b="1"/>
+            <a:lvl5pPr marL="1525270" indent="0">
+              <a:buNone/>
+              <a:defRPr sz="1335" b="1"/>
             </a:lvl5pPr>
-            <a:lvl6pPr marL="2286000" indent="0">
-              <a:buNone/>
-              <a:defRPr sz="1600" b="1"/>
+            <a:lvl6pPr marL="1906905" indent="0">
+              <a:buNone/>
+              <a:defRPr sz="1335" b="1"/>
             </a:lvl6pPr>
-            <a:lvl7pPr marL="2743200" indent="0">
-              <a:buNone/>
-              <a:defRPr sz="1600" b="1"/>
+            <a:lvl7pPr marL="2287905" indent="0">
+              <a:buNone/>
+              <a:defRPr sz="1335" b="1"/>
             </a:lvl7pPr>
-            <a:lvl8pPr marL="3200400" indent="0">
-              <a:buNone/>
-              <a:defRPr sz="1600" b="1"/>
+            <a:lvl8pPr marL="2669540" indent="0">
+              <a:buNone/>
+              <a:defRPr sz="1335" b="1"/>
             </a:lvl8pPr>
-            <a:lvl9pPr marL="3657600" indent="0">
-              <a:buNone/>
-              <a:defRPr sz="1600" b="1"/>
+            <a:lvl9pPr marL="3051175" indent="0">
+              <a:buNone/>
+              <a:defRPr sz="1335" b="1"/>
             </a:lvl9pPr>
           </a:lstStyle>
           <a:p>
@@ -4920,6 +5160,7 @@
               <a:rPr lang="zh-CN" altLang="en-US"/>
               <a:t>单击此处编辑母版文本样式</a:t>
             </a:r>
+            <a:endParaRPr lang="zh-CN" altLang="en-US"/>
           </a:p>
         </p:txBody>
       </p:sp>
@@ -4935,8 +5176,8 @@
         </p:nvSpPr>
         <p:spPr>
           <a:xfrm>
-            <a:off x="685801" y="2870201"/>
-            <a:ext cx="4996923" cy="2920998"/>
+            <a:off x="514351" y="2394094"/>
+            <a:ext cx="3747692" cy="2436465"/>
           </a:xfrm>
         </p:spPr>
         <p:txBody>
@@ -4950,6 +5191,7 @@
               <a:rPr lang="zh-CN" altLang="en-US"/>
               <a:t>单击此处编辑母版文本样式</a:t>
             </a:r>
+            <a:endParaRPr lang="zh-CN" altLang="en-US"/>
           </a:p>
           <a:p>
             <a:pPr lvl="1"/>
@@ -4957,6 +5199,7 @@
               <a:rPr lang="zh-CN" altLang="en-US"/>
               <a:t>二级</a:t>
             </a:r>
+            <a:endParaRPr lang="zh-CN" altLang="en-US"/>
           </a:p>
           <a:p>
             <a:pPr lvl="2"/>
@@ -4964,6 +5207,7 @@
               <a:rPr lang="zh-CN" altLang="en-US"/>
               <a:t>三级</a:t>
             </a:r>
+            <a:endParaRPr lang="zh-CN" altLang="en-US"/>
           </a:p>
           <a:p>
             <a:pPr lvl="3"/>
@@ -4971,6 +5215,7 @@
               <a:rPr lang="zh-CN" altLang="en-US"/>
               <a:t>四级</a:t>
             </a:r>
+            <a:endParaRPr lang="zh-CN" altLang="en-US"/>
           </a:p>
           <a:p>
             <a:pPr lvl="4"/>
@@ -4994,8 +5239,8 @@
         </p:nvSpPr>
         <p:spPr>
           <a:xfrm>
-            <a:off x="6096003" y="2226734"/>
-            <a:ext cx="4722813" cy="576262"/>
+            <a:off x="4572002" y="1857365"/>
+            <a:ext cx="3542110" cy="480672"/>
           </a:xfrm>
         </p:spPr>
         <p:txBody>
@@ -5005,39 +5250,39 @@
           <a:lstStyle>
             <a:lvl1pPr marL="0" indent="0">
               <a:buNone/>
-              <a:defRPr sz="2800" b="0"/>
+              <a:defRPr sz="2335" b="0"/>
             </a:lvl1pPr>
-            <a:lvl2pPr marL="457200" indent="0">
-              <a:buNone/>
-              <a:defRPr sz="2000" b="1"/>
+            <a:lvl2pPr marL="381635" indent="0">
+              <a:buNone/>
+              <a:defRPr sz="1670" b="1"/>
             </a:lvl2pPr>
-            <a:lvl3pPr marL="914400" indent="0">
-              <a:buNone/>
-              <a:defRPr sz="1800" b="1"/>
+            <a:lvl3pPr marL="762635" indent="0">
+              <a:buNone/>
+              <a:defRPr sz="1500" b="1"/>
             </a:lvl3pPr>
-            <a:lvl4pPr marL="1371600" indent="0">
-              <a:buNone/>
-              <a:defRPr sz="1600" b="1"/>
+            <a:lvl4pPr marL="1144270" indent="0">
+              <a:buNone/>
+              <a:defRPr sz="1335" b="1"/>
             </a:lvl4pPr>
-            <a:lvl5pPr marL="1828800" indent="0">
-              <a:buNone/>
-              <a:defRPr sz="1600" b="1"/>
+            <a:lvl5pPr marL="1525270" indent="0">
+              <a:buNone/>
+              <a:defRPr sz="1335" b="1"/>
             </a:lvl5pPr>
-            <a:lvl6pPr marL="2286000" indent="0">
-              <a:buNone/>
-              <a:defRPr sz="1600" b="1"/>
+            <a:lvl6pPr marL="1906905" indent="0">
+              <a:buNone/>
+              <a:defRPr sz="1335" b="1"/>
             </a:lvl6pPr>
-            <a:lvl7pPr marL="2743200" indent="0">
-              <a:buNone/>
-              <a:defRPr sz="1600" b="1"/>
+            <a:lvl7pPr marL="2287905" indent="0">
+              <a:buNone/>
+              <a:defRPr sz="1335" b="1"/>
             </a:lvl7pPr>
-            <a:lvl8pPr marL="3200400" indent="0">
-              <a:buNone/>
-              <a:defRPr sz="1600" b="1"/>
+            <a:lvl8pPr marL="2669540" indent="0">
+              <a:buNone/>
+              <a:defRPr sz="1335" b="1"/>
             </a:lvl8pPr>
-            <a:lvl9pPr marL="3657600" indent="0">
-              <a:buNone/>
-              <a:defRPr sz="1600" b="1"/>
+            <a:lvl9pPr marL="3051175" indent="0">
+              <a:buNone/>
+              <a:defRPr sz="1335" b="1"/>
             </a:lvl9pPr>
           </a:lstStyle>
           <a:p>
@@ -5046,6 +5291,7 @@
               <a:rPr lang="zh-CN" altLang="en-US"/>
               <a:t>单击此处编辑母版文本样式</a:t>
             </a:r>
+            <a:endParaRPr lang="zh-CN" altLang="en-US"/>
           </a:p>
         </p:txBody>
       </p:sp>
@@ -5061,8 +5307,8 @@
         </p:nvSpPr>
         <p:spPr>
           <a:xfrm>
-            <a:off x="5823483" y="2870201"/>
-            <a:ext cx="4995334" cy="2920998"/>
+            <a:off x="4367612" y="2394094"/>
+            <a:ext cx="3746501" cy="2436465"/>
           </a:xfrm>
         </p:spPr>
         <p:txBody>
@@ -5076,6 +5322,7 @@
               <a:rPr lang="zh-CN" altLang="en-US"/>
               <a:t>单击此处编辑母版文本样式</a:t>
             </a:r>
+            <a:endParaRPr lang="zh-CN" altLang="en-US"/>
           </a:p>
           <a:p>
             <a:pPr lvl="1"/>
@@ -5083,6 +5330,7 @@
               <a:rPr lang="zh-CN" altLang="en-US"/>
               <a:t>二级</a:t>
             </a:r>
+            <a:endParaRPr lang="zh-CN" altLang="en-US"/>
           </a:p>
           <a:p>
             <a:pPr lvl="2"/>
@@ -5090,6 +5338,7 @@
               <a:rPr lang="zh-CN" altLang="en-US"/>
               <a:t>三级</a:t>
             </a:r>
+            <a:endParaRPr lang="zh-CN" altLang="en-US"/>
           </a:p>
           <a:p>
             <a:pPr lvl="3"/>
@@ -5097,6 +5346,7 @@
               <a:rPr lang="zh-CN" altLang="en-US"/>
               <a:t>四级</a:t>
             </a:r>
+            <a:endParaRPr lang="zh-CN" altLang="en-US"/>
           </a:p>
           <a:p>
             <a:pPr lvl="4"/>
@@ -5125,8 +5375,6 @@
           <a:p>
             <a:fld id="{B61BEF0D-F0BB-DE4B-95CE-6DB70DBA9567}" type="datetimeFigureOut">
               <a:rPr lang="en-US" dirty="0"/>
-              <a:pPr/>
-              <a:t>3/22/21</a:t>
             </a:fld>
             <a:endParaRPr lang="en-US" dirty="0"/>
           </a:p>
@@ -5168,8 +5416,6 @@
           <a:p>
             <a:fld id="{D57F1E4F-1CFF-5643-939E-217C01CDF565}" type="slidenum">
               <a:rPr lang="en-US" dirty="0"/>
-              <a:pPr/>
-              <a:t>‹#›</a:t>
             </a:fld>
             <a:endParaRPr lang="en-US" dirty="0"/>
           </a:p>
@@ -5223,7 +5469,7 @@
         <p:spPr>
           <a:xfrm>
             <a:off x="0" y="0"/>
-            <a:ext cx="12188825" cy="6856214"/>
+            <a:ext cx="9141619" cy="5718911"/>
           </a:xfrm>
           <a:prstGeom prst="rect">
             <a:avLst/>
@@ -5270,8 +5516,6 @@
           <a:p>
             <a:fld id="{B61BEF0D-F0BB-DE4B-95CE-6DB70DBA9567}" type="datetimeFigureOut">
               <a:rPr lang="en-US" dirty="0"/>
-              <a:pPr/>
-              <a:t>3/22/21</a:t>
             </a:fld>
             <a:endParaRPr lang="en-US" dirty="0"/>
           </a:p>
@@ -5313,8 +5557,6 @@
           <a:p>
             <a:fld id="{D57F1E4F-1CFF-5643-939E-217C01CDF565}" type="slidenum">
               <a:rPr lang="en-US" dirty="0"/>
-              <a:pPr/>
-              <a:t>‹#›</a:t>
             </a:fld>
             <a:endParaRPr lang="en-US" dirty="0"/>
           </a:p>
@@ -5368,7 +5610,7 @@
         <p:spPr>
           <a:xfrm>
             <a:off x="0" y="0"/>
-            <a:ext cx="12188825" cy="6856214"/>
+            <a:ext cx="9141619" cy="5718911"/>
           </a:xfrm>
           <a:prstGeom prst="rect">
             <a:avLst/>
@@ -5392,8 +5634,6 @@
           <a:p>
             <a:fld id="{B61BEF0D-F0BB-DE4B-95CE-6DB70DBA9567}" type="datetimeFigureOut">
               <a:rPr lang="en-US" dirty="0"/>
-              <a:pPr/>
-              <a:t>3/22/21</a:t>
             </a:fld>
             <a:endParaRPr lang="en-US" dirty="0"/>
           </a:p>
@@ -5435,8 +5675,6 @@
           <a:p>
             <a:fld id="{D57F1E4F-1CFF-5643-939E-217C01CDF565}" type="slidenum">
               <a:rPr lang="en-US" dirty="0"/>
-              <a:pPr/>
-              <a:t>‹#›</a:t>
             </a:fld>
             <a:endParaRPr lang="en-US" dirty="0"/>
           </a:p>
@@ -5490,7 +5728,7 @@
         <p:spPr>
           <a:xfrm>
             <a:off x="0" y="0"/>
-            <a:ext cx="12188825" cy="6856214"/>
+            <a:ext cx="9141619" cy="5718911"/>
           </a:xfrm>
           <a:prstGeom prst="rect">
             <a:avLst/>
@@ -5509,8 +5747,8 @@
         </p:nvSpPr>
         <p:spPr>
           <a:xfrm>
-            <a:off x="685800" y="2074333"/>
-            <a:ext cx="3680885" cy="1371600"/>
+            <a:off x="514350" y="1730244"/>
+            <a:ext cx="2760664" cy="1144080"/>
           </a:xfrm>
         </p:spPr>
         <p:txBody>
@@ -5519,7 +5757,7 @@
           </a:bodyPr>
           <a:lstStyle>
             <a:lvl1pPr algn="l">
-              <a:defRPr sz="2400" b="0"/>
+              <a:defRPr sz="2000" b="0"/>
             </a:lvl1pPr>
           </a:lstStyle>
           <a:p>
@@ -5543,8 +5781,8 @@
         </p:nvSpPr>
         <p:spPr>
           <a:xfrm>
-            <a:off x="4648201" y="609601"/>
-            <a:ext cx="6169026" cy="5181600"/>
+            <a:off x="3486151" y="508481"/>
+            <a:ext cx="4626770" cy="4322080"/>
           </a:xfrm>
         </p:spPr>
         <p:txBody>
@@ -5558,6 +5796,7 @@
               <a:rPr lang="zh-CN" altLang="en-US"/>
               <a:t>单击此处编辑母版文本样式</a:t>
             </a:r>
+            <a:endParaRPr lang="zh-CN" altLang="en-US"/>
           </a:p>
           <a:p>
             <a:pPr lvl="1"/>
@@ -5565,6 +5804,7 @@
               <a:rPr lang="zh-CN" altLang="en-US"/>
               <a:t>二级</a:t>
             </a:r>
+            <a:endParaRPr lang="zh-CN" altLang="en-US"/>
           </a:p>
           <a:p>
             <a:pPr lvl="2"/>
@@ -5572,6 +5812,7 @@
               <a:rPr lang="zh-CN" altLang="en-US"/>
               <a:t>三级</a:t>
             </a:r>
+            <a:endParaRPr lang="zh-CN" altLang="en-US"/>
           </a:p>
           <a:p>
             <a:pPr lvl="3"/>
@@ -5579,6 +5820,7 @@
               <a:rPr lang="zh-CN" altLang="en-US"/>
               <a:t>四级</a:t>
             </a:r>
+            <a:endParaRPr lang="zh-CN" altLang="en-US"/>
           </a:p>
           <a:p>
             <a:pPr lvl="4"/>
@@ -5602,8 +5844,8 @@
         </p:nvSpPr>
         <p:spPr>
           <a:xfrm>
-            <a:off x="685800" y="3445933"/>
-            <a:ext cx="3680885" cy="1828800"/>
+            <a:off x="514350" y="2874324"/>
+            <a:ext cx="2760664" cy="1525440"/>
           </a:xfrm>
         </p:spPr>
         <p:txBody>
@@ -5613,39 +5855,39 @@
           <a:lstStyle>
             <a:lvl1pPr marL="0" indent="0">
               <a:buNone/>
-              <a:defRPr sz="1600"/>
+              <a:defRPr sz="1335"/>
             </a:lvl1pPr>
-            <a:lvl2pPr marL="457200" indent="0">
-              <a:buNone/>
-              <a:defRPr sz="1200"/>
+            <a:lvl2pPr marL="381635" indent="0">
+              <a:buNone/>
+              <a:defRPr sz="1000"/>
             </a:lvl2pPr>
-            <a:lvl3pPr marL="914400" indent="0">
-              <a:buNone/>
-              <a:defRPr sz="1000"/>
+            <a:lvl3pPr marL="762635" indent="0">
+              <a:buNone/>
+              <a:defRPr sz="835"/>
             </a:lvl3pPr>
-            <a:lvl4pPr marL="1371600" indent="0">
-              <a:buNone/>
-              <a:defRPr sz="900"/>
+            <a:lvl4pPr marL="1144270" indent="0">
+              <a:buNone/>
+              <a:defRPr sz="750"/>
             </a:lvl4pPr>
-            <a:lvl5pPr marL="1828800" indent="0">
-              <a:buNone/>
-              <a:defRPr sz="900"/>
+            <a:lvl5pPr marL="1525270" indent="0">
+              <a:buNone/>
+              <a:defRPr sz="750"/>
             </a:lvl5pPr>
-            <a:lvl6pPr marL="2286000" indent="0">
-              <a:buNone/>
-              <a:defRPr sz="900"/>
+            <a:lvl6pPr marL="1906905" indent="0">
+              <a:buNone/>
+              <a:defRPr sz="750"/>
             </a:lvl6pPr>
-            <a:lvl7pPr marL="2743200" indent="0">
-              <a:buNone/>
-              <a:defRPr sz="900"/>
+            <a:lvl7pPr marL="2287905" indent="0">
+              <a:buNone/>
+              <a:defRPr sz="750"/>
             </a:lvl7pPr>
-            <a:lvl8pPr marL="3200400" indent="0">
-              <a:buNone/>
-              <a:defRPr sz="900"/>
+            <a:lvl8pPr marL="2669540" indent="0">
+              <a:buNone/>
+              <a:defRPr sz="750"/>
             </a:lvl8pPr>
-            <a:lvl9pPr marL="3657600" indent="0">
-              <a:buNone/>
-              <a:defRPr sz="900"/>
+            <a:lvl9pPr marL="3051175" indent="0">
+              <a:buNone/>
+              <a:defRPr sz="750"/>
             </a:lvl9pPr>
           </a:lstStyle>
           <a:p>
@@ -5654,6 +5896,7 @@
               <a:rPr lang="zh-CN" altLang="en-US"/>
               <a:t>单击此处编辑母版文本样式</a:t>
             </a:r>
+            <a:endParaRPr lang="zh-CN" altLang="en-US"/>
           </a:p>
         </p:txBody>
       </p:sp>
@@ -5674,8 +5917,6 @@
           <a:p>
             <a:fld id="{B61BEF0D-F0BB-DE4B-95CE-6DB70DBA9567}" type="datetimeFigureOut">
               <a:rPr lang="en-US" dirty="0"/>
-              <a:pPr/>
-              <a:t>3/22/21</a:t>
             </a:fld>
             <a:endParaRPr lang="en-US" dirty="0"/>
           </a:p>
@@ -5717,8 +5958,6 @@
           <a:p>
             <a:fld id="{D57F1E4F-1CFF-5643-939E-217C01CDF565}" type="slidenum">
               <a:rPr lang="en-US" dirty="0"/>
-              <a:pPr/>
-              <a:t>‹#›</a:t>
             </a:fld>
             <a:endParaRPr lang="en-US" dirty="0"/>
           </a:p>
@@ -5772,7 +6011,7 @@
         <p:spPr>
           <a:xfrm>
             <a:off x="0" y="0"/>
-            <a:ext cx="12188825" cy="6856214"/>
+            <a:ext cx="9141619" cy="5718911"/>
           </a:xfrm>
           <a:prstGeom prst="rect">
             <a:avLst/>
@@ -5791,8 +6030,8 @@
         </p:nvSpPr>
         <p:spPr>
           <a:xfrm>
-            <a:off x="685800" y="1600200"/>
-            <a:ext cx="6164653" cy="1371600"/>
+            <a:off x="514350" y="1334760"/>
+            <a:ext cx="4623490" cy="1144080"/>
           </a:xfrm>
         </p:spPr>
         <p:txBody>
@@ -5801,7 +6040,7 @@
           </a:bodyPr>
           <a:lstStyle>
             <a:lvl1pPr algn="l">
-              <a:defRPr sz="2800" b="0"/>
+              <a:defRPr sz="2335" b="0"/>
             </a:lvl1pPr>
           </a:lstStyle>
           <a:p>
@@ -5825,8 +6064,8 @@
         </p:nvSpPr>
         <p:spPr>
           <a:xfrm>
-            <a:off x="7536253" y="914400"/>
-            <a:ext cx="3280974" cy="4572000"/>
+            <a:off x="5652190" y="762720"/>
+            <a:ext cx="2460731" cy="3813600"/>
           </a:xfrm>
           <a:prstGeom prst="roundRect">
             <a:avLst>
@@ -5867,39 +6106,39 @@
           <a:lstStyle>
             <a:lvl1pPr marL="0" indent="0" algn="ctr">
               <a:buNone/>
-              <a:defRPr sz="1600"/>
+              <a:defRPr sz="1335"/>
             </a:lvl1pPr>
-            <a:lvl2pPr marL="457200" indent="0">
-              <a:buNone/>
-              <a:defRPr sz="1600"/>
+            <a:lvl2pPr marL="381635" indent="0">
+              <a:buNone/>
+              <a:defRPr sz="1335"/>
             </a:lvl2pPr>
-            <a:lvl3pPr marL="914400" indent="0">
-              <a:buNone/>
-              <a:defRPr sz="1600"/>
+            <a:lvl3pPr marL="762635" indent="0">
+              <a:buNone/>
+              <a:defRPr sz="1335"/>
             </a:lvl3pPr>
-            <a:lvl4pPr marL="1371600" indent="0">
-              <a:buNone/>
-              <a:defRPr sz="1600"/>
+            <a:lvl4pPr marL="1144270" indent="0">
+              <a:buNone/>
+              <a:defRPr sz="1335"/>
             </a:lvl4pPr>
-            <a:lvl5pPr marL="1828800" indent="0">
-              <a:buNone/>
-              <a:defRPr sz="1600"/>
+            <a:lvl5pPr marL="1525270" indent="0">
+              <a:buNone/>
+              <a:defRPr sz="1335"/>
             </a:lvl5pPr>
-            <a:lvl6pPr marL="2286000" indent="0">
-              <a:buNone/>
-              <a:defRPr sz="1600"/>
+            <a:lvl6pPr marL="1906905" indent="0">
+              <a:buNone/>
+              <a:defRPr sz="1335"/>
             </a:lvl6pPr>
-            <a:lvl7pPr marL="2743200" indent="0">
-              <a:buNone/>
-              <a:defRPr sz="1600"/>
+            <a:lvl7pPr marL="2287905" indent="0">
+              <a:buNone/>
+              <a:defRPr sz="1335"/>
             </a:lvl7pPr>
-            <a:lvl8pPr marL="3200400" indent="0">
-              <a:buNone/>
-              <a:defRPr sz="1600"/>
+            <a:lvl8pPr marL="2669540" indent="0">
+              <a:buNone/>
+              <a:defRPr sz="1335"/>
             </a:lvl8pPr>
-            <a:lvl9pPr marL="3657600" indent="0">
-              <a:buNone/>
-              <a:defRPr sz="1600"/>
+            <a:lvl9pPr marL="3051175" indent="0">
+              <a:buNone/>
+              <a:defRPr sz="1335"/>
             </a:lvl9pPr>
           </a:lstStyle>
           <a:p>
@@ -5923,8 +6162,8 @@
         </p:nvSpPr>
         <p:spPr>
           <a:xfrm>
-            <a:off x="685800" y="2971800"/>
-            <a:ext cx="6164653" cy="1828800"/>
+            <a:off x="514350" y="2478840"/>
+            <a:ext cx="4623490" cy="1525440"/>
           </a:xfrm>
         </p:spPr>
         <p:txBody>
@@ -5934,39 +6173,39 @@
           <a:lstStyle>
             <a:lvl1pPr marL="0" indent="0">
               <a:buNone/>
-              <a:defRPr sz="1800"/>
+              <a:defRPr sz="1500"/>
             </a:lvl1pPr>
-            <a:lvl2pPr marL="457200" indent="0">
-              <a:buNone/>
-              <a:defRPr sz="1200"/>
+            <a:lvl2pPr marL="381635" indent="0">
+              <a:buNone/>
+              <a:defRPr sz="1000"/>
             </a:lvl2pPr>
-            <a:lvl3pPr marL="914400" indent="0">
-              <a:buNone/>
-              <a:defRPr sz="1000"/>
+            <a:lvl3pPr marL="762635" indent="0">
+              <a:buNone/>
+              <a:defRPr sz="835"/>
             </a:lvl3pPr>
-            <a:lvl4pPr marL="1371600" indent="0">
-              <a:buNone/>
-              <a:defRPr sz="900"/>
+            <a:lvl4pPr marL="1144270" indent="0">
+              <a:buNone/>
+              <a:defRPr sz="750"/>
             </a:lvl4pPr>
-            <a:lvl5pPr marL="1828800" indent="0">
-              <a:buNone/>
-              <a:defRPr sz="900"/>
+            <a:lvl5pPr marL="1525270" indent="0">
+              <a:buNone/>
+              <a:defRPr sz="750"/>
             </a:lvl5pPr>
-            <a:lvl6pPr marL="2286000" indent="0">
-              <a:buNone/>
-              <a:defRPr sz="900"/>
+            <a:lvl6pPr marL="1906905" indent="0">
+              <a:buNone/>
+              <a:defRPr sz="750"/>
             </a:lvl6pPr>
-            <a:lvl7pPr marL="2743200" indent="0">
-              <a:buNone/>
-              <a:defRPr sz="900"/>
+            <a:lvl7pPr marL="2287905" indent="0">
+              <a:buNone/>
+              <a:defRPr sz="750"/>
             </a:lvl7pPr>
-            <a:lvl8pPr marL="3200400" indent="0">
-              <a:buNone/>
-              <a:defRPr sz="900"/>
+            <a:lvl8pPr marL="2669540" indent="0">
+              <a:buNone/>
+              <a:defRPr sz="750"/>
             </a:lvl8pPr>
-            <a:lvl9pPr marL="3657600" indent="0">
-              <a:buNone/>
-              <a:defRPr sz="900"/>
+            <a:lvl9pPr marL="3051175" indent="0">
+              <a:buNone/>
+              <a:defRPr sz="750"/>
             </a:lvl9pPr>
           </a:lstStyle>
           <a:p>
@@ -5975,6 +6214,7 @@
               <a:rPr lang="zh-CN" altLang="en-US"/>
               <a:t>单击此处编辑母版文本样式</a:t>
             </a:r>
+            <a:endParaRPr lang="zh-CN" altLang="en-US"/>
           </a:p>
         </p:txBody>
       </p:sp>
@@ -5995,8 +6235,6 @@
           <a:p>
             <a:fld id="{B61BEF0D-F0BB-DE4B-95CE-6DB70DBA9567}" type="datetimeFigureOut">
               <a:rPr lang="en-US" dirty="0"/>
-              <a:pPr/>
-              <a:t>3/22/21</a:t>
             </a:fld>
             <a:endParaRPr lang="en-US" dirty="0"/>
           </a:p>
@@ -6038,8 +6276,6 @@
           <a:p>
             <a:fld id="{D57F1E4F-1CFF-5643-939E-217C01CDF565}" type="slidenum">
               <a:rPr lang="en-US" dirty="0"/>
-              <a:pPr/>
-              <a:t>‹#›</a:t>
             </a:fld>
             <a:endParaRPr lang="en-US" dirty="0"/>
           </a:p>
@@ -6087,8 +6323,8 @@
         </p:nvSpPr>
         <p:spPr>
           <a:xfrm>
-            <a:off x="685801" y="609600"/>
-            <a:ext cx="10131425" cy="1456267"/>
+            <a:off x="514351" y="508480"/>
+            <a:ext cx="7598569" cy="1214703"/>
           </a:xfrm>
           <a:prstGeom prst="rect">
             <a:avLst/>
@@ -6121,8 +6357,8 @@
         </p:nvSpPr>
         <p:spPr>
           <a:xfrm>
-            <a:off x="685801" y="2142067"/>
-            <a:ext cx="10131425" cy="3649133"/>
+            <a:off x="514351" y="1786743"/>
+            <a:ext cx="7598569" cy="3043818"/>
           </a:xfrm>
           <a:prstGeom prst="rect">
             <a:avLst/>
@@ -6139,6 +6375,7 @@
               <a:rPr lang="zh-CN" altLang="en-US"/>
               <a:t>单击此处编辑母版文本样式</a:t>
             </a:r>
+            <a:endParaRPr lang="zh-CN" altLang="en-US"/>
           </a:p>
           <a:p>
             <a:pPr lvl="1"/>
@@ -6146,6 +6383,7 @@
               <a:rPr lang="zh-CN" altLang="en-US"/>
               <a:t>二级</a:t>
             </a:r>
+            <a:endParaRPr lang="zh-CN" altLang="en-US"/>
           </a:p>
           <a:p>
             <a:pPr lvl="2"/>
@@ -6153,6 +6391,7 @@
               <a:rPr lang="zh-CN" altLang="en-US"/>
               <a:t>三级</a:t>
             </a:r>
+            <a:endParaRPr lang="zh-CN" altLang="en-US"/>
           </a:p>
           <a:p>
             <a:pPr lvl="3"/>
@@ -6160,6 +6399,7 @@
               <a:rPr lang="zh-CN" altLang="en-US"/>
               <a:t>四级</a:t>
             </a:r>
+            <a:endParaRPr lang="zh-CN" altLang="en-US"/>
           </a:p>
           <a:p>
             <a:pPr lvl="4"/>
@@ -6183,8 +6423,8 @@
         </p:nvSpPr>
         <p:spPr>
           <a:xfrm>
-            <a:off x="8589660" y="5870575"/>
-            <a:ext cx="1600200" cy="377825"/>
+            <a:off x="6442245" y="4896769"/>
+            <a:ext cx="1200150" cy="315152"/>
           </a:xfrm>
           <a:prstGeom prst="rect">
             <a:avLst/>
@@ -6194,7 +6434,7 @@
           <a:bodyPr vert="horz" lIns="91440" tIns="45720" rIns="91440" bIns="45720" rtlCol="0" anchor="ctr"/>
           <a:lstStyle>
             <a:lvl1pPr algn="r">
-              <a:defRPr sz="1000" b="0" i="0">
+              <a:defRPr sz="835" b="0" i="0">
                 <a:solidFill>
                   <a:schemeClr val="tx1"/>
                 </a:solidFill>
@@ -6206,8 +6446,6 @@
           <a:p>
             <a:fld id="{B61BEF0D-F0BB-DE4B-95CE-6DB70DBA9567}" type="datetimeFigureOut">
               <a:rPr lang="en-US" dirty="0"/>
-              <a:pPr/>
-              <a:t>3/22/21</a:t>
             </a:fld>
             <a:endParaRPr lang="en-US" dirty="0"/>
           </a:p>
@@ -6225,8 +6463,8 @@
         </p:nvSpPr>
         <p:spPr>
           <a:xfrm>
-            <a:off x="685800" y="5870575"/>
-            <a:ext cx="7827659" cy="377825"/>
+            <a:off x="514350" y="4896769"/>
+            <a:ext cx="5870744" cy="315152"/>
           </a:xfrm>
           <a:prstGeom prst="rect">
             <a:avLst/>
@@ -6236,7 +6474,7 @@
           <a:bodyPr vert="horz" lIns="91440" tIns="45720" rIns="91440" bIns="45720" rtlCol="0" anchor="ctr"/>
           <a:lstStyle>
             <a:lvl1pPr algn="l">
-              <a:defRPr sz="1000" b="0" i="0">
+              <a:defRPr sz="835" b="0" i="0">
                 <a:solidFill>
                   <a:schemeClr val="tx1"/>
                 </a:solidFill>
@@ -6262,8 +6500,8 @@
         </p:nvSpPr>
         <p:spPr>
           <a:xfrm>
-            <a:off x="10266060" y="5870575"/>
-            <a:ext cx="551167" cy="377825"/>
+            <a:off x="7699545" y="4896769"/>
+            <a:ext cx="413375" cy="315152"/>
           </a:xfrm>
           <a:prstGeom prst="rect">
             <a:avLst/>
@@ -6273,7 +6511,7 @@
           <a:bodyPr vert="horz" lIns="91440" tIns="45720" rIns="91440" bIns="45720" rtlCol="0" anchor="ctr"/>
           <a:lstStyle>
             <a:lvl1pPr algn="r">
-              <a:defRPr sz="1000" b="0" i="0">
+              <a:defRPr sz="835" b="0" i="0">
                 <a:solidFill>
                   <a:schemeClr val="tx1"/>
                 </a:solidFill>
@@ -6285,8 +6523,6 @@
           <a:p>
             <a:fld id="{D57F1E4F-1CFF-5643-939E-217C01CDF565}" type="slidenum">
               <a:rPr lang="en-US" dirty="0"/>
-              <a:pPr/>
-              <a:t>‹#›</a:t>
             </a:fld>
             <a:endParaRPr lang="en-US" dirty="0"/>
           </a:p>
@@ -6304,24 +6540,24 @@
     <p:sldLayoutId id="2147483654" r:id="rId6"/>
     <p:sldLayoutId id="2147483655" r:id="rId7"/>
     <p:sldLayoutId id="2147483656" r:id="rId8"/>
-    <p:sldLayoutId id="2147483660" r:id="rId9"/>
-    <p:sldLayoutId id="2147483657" r:id="rId10"/>
-    <p:sldLayoutId id="2147483663" r:id="rId11"/>
-    <p:sldLayoutId id="2147483664" r:id="rId12"/>
-    <p:sldLayoutId id="2147483665" r:id="rId13"/>
-    <p:sldLayoutId id="2147483668" r:id="rId14"/>
-    <p:sldLayoutId id="2147483667" r:id="rId15"/>
-    <p:sldLayoutId id="2147483658" r:id="rId16"/>
-    <p:sldLayoutId id="2147483659" r:id="rId17"/>
+    <p:sldLayoutId id="2147483657" r:id="rId9"/>
+    <p:sldLayoutId id="2147483658" r:id="rId10"/>
+    <p:sldLayoutId id="2147483659" r:id="rId11"/>
+    <p:sldLayoutId id="2147483660" r:id="rId12"/>
+    <p:sldLayoutId id="2147483661" r:id="rId13"/>
+    <p:sldLayoutId id="2147483662" r:id="rId14"/>
+    <p:sldLayoutId id="2147483663" r:id="rId15"/>
+    <p:sldLayoutId id="2147483664" r:id="rId16"/>
+    <p:sldLayoutId id="2147483665" r:id="rId17"/>
   </p:sldLayoutIdLst>
   <p:txStyles>
     <p:titleStyle>
-      <a:lvl1pPr algn="l" defTabSz="457200" rtl="0" eaLnBrk="1" latinLnBrk="0" hangingPunct="1">
+      <a:lvl1pPr algn="l" defTabSz="381635" rtl="0" eaLnBrk="1" latinLnBrk="0" hangingPunct="1">
         <a:spcBef>
           <a:spcPct val="0"/>
         </a:spcBef>
         <a:buNone/>
-        <a:defRPr sz="3600" kern="1200" cap="all">
+        <a:defRPr sz="3005" kern="1200" cap="all">
           <a:ln w="3175" cmpd="sng">
             <a:noFill/>
           </a:ln>
@@ -6392,7 +6628,7 @@
       </a:lvl9pPr>
     </p:titleStyle>
     <p:bodyStyle>
-      <a:lvl1pPr marL="285750" indent="-285750" algn="l" defTabSz="457200" rtl="0" eaLnBrk="1" latinLnBrk="0" hangingPunct="1">
+      <a:lvl1pPr marL="238125" indent="-238125" algn="l" defTabSz="381635" rtl="0" eaLnBrk="1" latinLnBrk="0" hangingPunct="1">
         <a:spcBef>
           <a:spcPts val="0"/>
         </a:spcBef>
@@ -6403,9 +6639,9 @@
           <a:schemeClr val="tx1"/>
         </a:buClr>
         <a:buSzPct val="100000"/>
-        <a:buFont typeface="Arial"/>
+        <a:buFont typeface="Arial" panose="020B0604020202090204"/>
         <a:buChar char="•"/>
-        <a:defRPr sz="1800" kern="1200" cap="none">
+        <a:defRPr sz="1500" kern="1200" cap="none">
           <a:solidFill>
             <a:schemeClr val="tx1"/>
           </a:solidFill>
@@ -6415,7 +6651,7 @@
           <a:cs typeface="+mn-cs"/>
         </a:defRPr>
       </a:lvl1pPr>
-      <a:lvl2pPr marL="742950" indent="-285750" algn="l" defTabSz="457200" rtl="0" eaLnBrk="1" latinLnBrk="0" hangingPunct="1">
+      <a:lvl2pPr marL="619760" indent="-238125" algn="l" defTabSz="381635" rtl="0" eaLnBrk="1" latinLnBrk="0" hangingPunct="1">
         <a:spcBef>
           <a:spcPts val="0"/>
         </a:spcBef>
@@ -6426,9 +6662,9 @@
           <a:schemeClr val="tx1"/>
         </a:buClr>
         <a:buSzPct val="100000"/>
-        <a:buFont typeface="Arial"/>
+        <a:buFont typeface="Arial" panose="020B0604020202090204"/>
         <a:buChar char="•"/>
-        <a:defRPr sz="1600" kern="1200" cap="none">
+        <a:defRPr sz="1335" kern="1200" cap="none">
           <a:solidFill>
             <a:schemeClr val="tx1"/>
           </a:solidFill>
@@ -6438,7 +6674,7 @@
           <a:cs typeface="+mn-cs"/>
         </a:defRPr>
       </a:lvl2pPr>
-      <a:lvl3pPr marL="1200150" indent="-285750" algn="l" defTabSz="457200" rtl="0" eaLnBrk="1" latinLnBrk="0" hangingPunct="1">
+      <a:lvl3pPr marL="1000760" indent="-238125" algn="l" defTabSz="381635" rtl="0" eaLnBrk="1" latinLnBrk="0" hangingPunct="1">
         <a:spcBef>
           <a:spcPts val="0"/>
         </a:spcBef>
@@ -6449,9 +6685,9 @@
           <a:schemeClr val="tx1"/>
         </a:buClr>
         <a:buSzPct val="100000"/>
-        <a:buFont typeface="Arial"/>
+        <a:buFont typeface="Arial" panose="020B0604020202090204"/>
         <a:buChar char="•"/>
-        <a:defRPr sz="1400" kern="1200" cap="none">
+        <a:defRPr sz="1170" kern="1200" cap="none">
           <a:solidFill>
             <a:schemeClr val="tx1"/>
           </a:solidFill>
@@ -6461,7 +6697,7 @@
           <a:cs typeface="+mn-cs"/>
         </a:defRPr>
       </a:lvl3pPr>
-      <a:lvl4pPr marL="1543050" indent="-171450" algn="l" defTabSz="457200" rtl="0" eaLnBrk="1" latinLnBrk="0" hangingPunct="1">
+      <a:lvl4pPr marL="1287145" indent="-142875" algn="l" defTabSz="381635" rtl="0" eaLnBrk="1" latinLnBrk="0" hangingPunct="1">
         <a:spcBef>
           <a:spcPts val="0"/>
         </a:spcBef>
@@ -6472,9 +6708,9 @@
           <a:schemeClr val="tx1"/>
         </a:buClr>
         <a:buSzPct val="100000"/>
-        <a:buFont typeface="Arial"/>
+        <a:buFont typeface="Arial" panose="020B0604020202090204"/>
         <a:buChar char="•"/>
-        <a:defRPr sz="1200" kern="1200" cap="none">
+        <a:defRPr sz="1000" kern="1200" cap="none">
           <a:solidFill>
             <a:schemeClr val="tx1"/>
           </a:solidFill>
@@ -6484,7 +6720,7 @@
           <a:cs typeface="+mn-cs"/>
         </a:defRPr>
       </a:lvl4pPr>
-      <a:lvl5pPr marL="2000250" indent="-171450" algn="l" defTabSz="457200" rtl="0" eaLnBrk="1" latinLnBrk="0" hangingPunct="1">
+      <a:lvl5pPr marL="1668145" indent="-142875" algn="l" defTabSz="381635" rtl="0" eaLnBrk="1" latinLnBrk="0" hangingPunct="1">
         <a:spcBef>
           <a:spcPts val="0"/>
         </a:spcBef>
@@ -6495,9 +6731,9 @@
           <a:schemeClr val="tx1"/>
         </a:buClr>
         <a:buSzPct val="100000"/>
-        <a:buFont typeface="Arial"/>
+        <a:buFont typeface="Arial" panose="020B0604020202090204"/>
         <a:buChar char="•"/>
-        <a:defRPr sz="1200" kern="1200" cap="none">
+        <a:defRPr sz="1000" kern="1200" cap="none">
           <a:solidFill>
             <a:schemeClr val="tx1"/>
           </a:solidFill>
@@ -6507,7 +6743,7 @@
           <a:cs typeface="+mn-cs"/>
         </a:defRPr>
       </a:lvl5pPr>
-      <a:lvl6pPr marL="2514600" indent="-228600" algn="l" defTabSz="457200" rtl="0" eaLnBrk="1" latinLnBrk="0" hangingPunct="1">
+      <a:lvl6pPr marL="2097405" indent="-190500" algn="l" defTabSz="381635" rtl="0" eaLnBrk="1" latinLnBrk="0" hangingPunct="1">
         <a:spcBef>
           <a:spcPts val="0"/>
         </a:spcBef>
@@ -6518,9 +6754,9 @@
           <a:schemeClr val="tx1"/>
         </a:buClr>
         <a:buSzPct val="100000"/>
-        <a:buFont typeface="Arial"/>
+        <a:buFont typeface="Arial" panose="020B0604020202090204"/>
         <a:buChar char="•"/>
-        <a:defRPr sz="1200" kern="1200" cap="none">
+        <a:defRPr sz="1000" kern="1200" cap="none">
           <a:solidFill>
             <a:schemeClr val="tx1"/>
           </a:solidFill>
@@ -6530,7 +6766,7 @@
           <a:cs typeface="+mn-cs"/>
         </a:defRPr>
       </a:lvl6pPr>
-      <a:lvl7pPr marL="2971800" indent="-228600" algn="l" defTabSz="457200" rtl="0" eaLnBrk="1" latinLnBrk="0" hangingPunct="1">
+      <a:lvl7pPr marL="2479040" indent="-190500" algn="l" defTabSz="381635" rtl="0" eaLnBrk="1" latinLnBrk="0" hangingPunct="1">
         <a:spcBef>
           <a:spcPts val="0"/>
         </a:spcBef>
@@ -6541,9 +6777,9 @@
           <a:schemeClr val="tx1"/>
         </a:buClr>
         <a:buSzPct val="100000"/>
-        <a:buFont typeface="Arial"/>
+        <a:buFont typeface="Arial" panose="020B0604020202090204"/>
         <a:buChar char="•"/>
-        <a:defRPr sz="1200" kern="1200" cap="none">
+        <a:defRPr sz="1000" kern="1200" cap="none">
           <a:solidFill>
             <a:schemeClr val="tx1"/>
           </a:solidFill>
@@ -6553,7 +6789,7 @@
           <a:cs typeface="+mn-cs"/>
         </a:defRPr>
       </a:lvl7pPr>
-      <a:lvl8pPr marL="3429000" indent="-228600" algn="l" defTabSz="457200" rtl="0" eaLnBrk="1" latinLnBrk="0" hangingPunct="1">
+      <a:lvl8pPr marL="2860040" indent="-190500" algn="l" defTabSz="381635" rtl="0" eaLnBrk="1" latinLnBrk="0" hangingPunct="1">
         <a:spcBef>
           <a:spcPts val="0"/>
         </a:spcBef>
@@ -6564,9 +6800,9 @@
           <a:schemeClr val="tx1"/>
         </a:buClr>
         <a:buSzPct val="100000"/>
-        <a:buFont typeface="Arial"/>
+        <a:buFont typeface="Arial" panose="020B0604020202090204"/>
         <a:buChar char="•"/>
-        <a:defRPr sz="1200" kern="1200" cap="none">
+        <a:defRPr sz="1000" kern="1200" cap="none">
           <a:solidFill>
             <a:schemeClr val="tx1"/>
           </a:solidFill>
@@ -6576,7 +6812,7 @@
           <a:cs typeface="+mn-cs"/>
         </a:defRPr>
       </a:lvl8pPr>
-      <a:lvl9pPr marL="3886200" indent="-228600" algn="l" defTabSz="457200" rtl="0" eaLnBrk="1" latinLnBrk="0" hangingPunct="1">
+      <a:lvl9pPr marL="3241675" indent="-190500" algn="l" defTabSz="381635" rtl="0" eaLnBrk="1" latinLnBrk="0" hangingPunct="1">
         <a:spcBef>
           <a:spcPts val="0"/>
         </a:spcBef>
@@ -6587,9 +6823,9 @@
           <a:schemeClr val="tx1"/>
         </a:buClr>
         <a:buSzPct val="100000"/>
-        <a:buFont typeface="Arial"/>
+        <a:buFont typeface="Arial" panose="020B0604020202090204"/>
         <a:buChar char="•"/>
-        <a:defRPr sz="1200" kern="1200" cap="none">
+        <a:defRPr sz="1000" kern="1200" cap="none">
           <a:solidFill>
             <a:schemeClr val="tx1"/>
           </a:solidFill>
@@ -6604,8 +6840,8 @@
       <a:defPPr>
         <a:defRPr lang="en-US"/>
       </a:defPPr>
-      <a:lvl1pPr marL="0" algn="l" defTabSz="457200" rtl="0" eaLnBrk="1" latinLnBrk="0" hangingPunct="1">
-        <a:defRPr sz="1800" kern="1200">
+      <a:lvl1pPr marL="0" algn="l" defTabSz="381635" rtl="0" eaLnBrk="1" latinLnBrk="0" hangingPunct="1">
+        <a:defRPr sz="1500" kern="1200">
           <a:solidFill>
             <a:schemeClr val="tx1"/>
           </a:solidFill>
@@ -6614,8 +6850,8 @@
           <a:cs typeface="+mn-cs"/>
         </a:defRPr>
       </a:lvl1pPr>
-      <a:lvl2pPr marL="457200" algn="l" defTabSz="457200" rtl="0" eaLnBrk="1" latinLnBrk="0" hangingPunct="1">
-        <a:defRPr sz="1800" kern="1200">
+      <a:lvl2pPr marL="381635" algn="l" defTabSz="381635" rtl="0" eaLnBrk="1" latinLnBrk="0" hangingPunct="1">
+        <a:defRPr sz="1500" kern="1200">
           <a:solidFill>
             <a:schemeClr val="tx1"/>
           </a:solidFill>
@@ -6624,8 +6860,8 @@
           <a:cs typeface="+mn-cs"/>
         </a:defRPr>
       </a:lvl2pPr>
-      <a:lvl3pPr marL="914400" algn="l" defTabSz="457200" rtl="0" eaLnBrk="1" latinLnBrk="0" hangingPunct="1">
-        <a:defRPr sz="1800" kern="1200">
+      <a:lvl3pPr marL="762635" algn="l" defTabSz="381635" rtl="0" eaLnBrk="1" latinLnBrk="0" hangingPunct="1">
+        <a:defRPr sz="1500" kern="1200">
           <a:solidFill>
             <a:schemeClr val="tx1"/>
           </a:solidFill>
@@ -6634,8 +6870,8 @@
           <a:cs typeface="+mn-cs"/>
         </a:defRPr>
       </a:lvl3pPr>
-      <a:lvl4pPr marL="1371600" algn="l" defTabSz="457200" rtl="0" eaLnBrk="1" latinLnBrk="0" hangingPunct="1">
-        <a:defRPr sz="1800" kern="1200">
+      <a:lvl4pPr marL="1144270" algn="l" defTabSz="381635" rtl="0" eaLnBrk="1" latinLnBrk="0" hangingPunct="1">
+        <a:defRPr sz="1500" kern="1200">
           <a:solidFill>
             <a:schemeClr val="tx1"/>
           </a:solidFill>
@@ -6644,8 +6880,8 @@
           <a:cs typeface="+mn-cs"/>
         </a:defRPr>
       </a:lvl4pPr>
-      <a:lvl5pPr marL="1828800" algn="l" defTabSz="457200" rtl="0" eaLnBrk="1" latinLnBrk="0" hangingPunct="1">
-        <a:defRPr sz="1800" kern="1200">
+      <a:lvl5pPr marL="1525270" algn="l" defTabSz="381635" rtl="0" eaLnBrk="1" latinLnBrk="0" hangingPunct="1">
+        <a:defRPr sz="1500" kern="1200">
           <a:solidFill>
             <a:schemeClr val="tx1"/>
           </a:solidFill>
@@ -6654,8 +6890,8 @@
           <a:cs typeface="+mn-cs"/>
         </a:defRPr>
       </a:lvl5pPr>
-      <a:lvl6pPr marL="2286000" algn="l" defTabSz="457200" rtl="0" eaLnBrk="1" latinLnBrk="0" hangingPunct="1">
-        <a:defRPr sz="1800" kern="1200">
+      <a:lvl6pPr marL="1906905" algn="l" defTabSz="381635" rtl="0" eaLnBrk="1" latinLnBrk="0" hangingPunct="1">
+        <a:defRPr sz="1500" kern="1200">
           <a:solidFill>
             <a:schemeClr val="tx1"/>
           </a:solidFill>
@@ -6664,8 +6900,8 @@
           <a:cs typeface="+mn-cs"/>
         </a:defRPr>
       </a:lvl6pPr>
-      <a:lvl7pPr marL="2743200" algn="l" defTabSz="457200" rtl="0" eaLnBrk="1" latinLnBrk="0" hangingPunct="1">
-        <a:defRPr sz="1800" kern="1200">
+      <a:lvl7pPr marL="2287905" algn="l" defTabSz="381635" rtl="0" eaLnBrk="1" latinLnBrk="0" hangingPunct="1">
+        <a:defRPr sz="1500" kern="1200">
           <a:solidFill>
             <a:schemeClr val="tx1"/>
           </a:solidFill>
@@ -6674,8 +6910,8 @@
           <a:cs typeface="+mn-cs"/>
         </a:defRPr>
       </a:lvl7pPr>
-      <a:lvl8pPr marL="3200400" algn="l" defTabSz="457200" rtl="0" eaLnBrk="1" latinLnBrk="0" hangingPunct="1">
-        <a:defRPr sz="1800" kern="1200">
+      <a:lvl8pPr marL="2669540" algn="l" defTabSz="381635" rtl="0" eaLnBrk="1" latinLnBrk="0" hangingPunct="1">
+        <a:defRPr sz="1500" kern="1200">
           <a:solidFill>
             <a:schemeClr val="tx1"/>
           </a:solidFill>
@@ -6684,8 +6920,8 @@
           <a:cs typeface="+mn-cs"/>
         </a:defRPr>
       </a:lvl8pPr>
-      <a:lvl9pPr marL="3657600" algn="l" defTabSz="457200" rtl="0" eaLnBrk="1" latinLnBrk="0" hangingPunct="1">
-        <a:defRPr sz="1800" kern="1200">
+      <a:lvl9pPr marL="3051175" algn="l" defTabSz="381635" rtl="0" eaLnBrk="1" latinLnBrk="0" hangingPunct="1">
+        <a:defRPr sz="1500" kern="1200">
           <a:solidFill>
             <a:schemeClr val="tx1"/>
           </a:solidFill>
@@ -6718,20 +6954,14 @@
       </p:grpSpPr>
       <p:sp>
         <p:nvSpPr>
-          <p:cNvPr id="6" name="矩形 5">
-            <a:extLst>
-              <a:ext uri="{FF2B5EF4-FFF2-40B4-BE49-F238E27FC236}">
-                <a16:creationId xmlns:a16="http://schemas.microsoft.com/office/drawing/2014/main" id="{8996D409-1D57-DE4F-8952-D961911C903C}"/>
-              </a:ext>
-            </a:extLst>
-          </p:cNvPr>
+          <p:cNvPr id="6" name="矩形 5"/>
           <p:cNvSpPr/>
           <p:nvPr/>
         </p:nvSpPr>
         <p:spPr>
           <a:xfrm>
-            <a:off x="1843874" y="1832002"/>
-            <a:ext cx="8504251" cy="3046988"/>
+            <a:off x="1382906" y="1662452"/>
+            <a:ext cx="6467475" cy="2306955"/>
           </a:xfrm>
           <a:prstGeom prst="rect">
             <a:avLst/>
@@ -6744,45 +6974,47 @@
           <a:lstStyle/>
           <a:p>
             <a:r>
-              <a:rPr kumimoji="1" lang="en-US" altLang="zh-CN" sz="9600" dirty="0">
+              <a:rPr kumimoji="1" lang="en-US" altLang="zh-CN" sz="7200" dirty="0">
                 <a:latin typeface="Microsoft YaHei" panose="020B0503020204020204" pitchFamily="34" charset="-122"/>
                 <a:ea typeface="Microsoft YaHei" panose="020B0503020204020204" pitchFamily="34" charset="-122"/>
               </a:rPr>
               <a:t>Python</a:t>
             </a:r>
-          </a:p>
-          <a:p>
-            <a:r>
-              <a:rPr kumimoji="1" lang="zh-CN" altLang="en-US" sz="9600" dirty="0">
+            <a:endParaRPr kumimoji="1" lang="en-US" altLang="zh-CN" sz="7200" dirty="0">
+              <a:latin typeface="Microsoft YaHei" panose="020B0503020204020204" pitchFamily="34" charset="-122"/>
+              <a:ea typeface="Microsoft YaHei" panose="020B0503020204020204" pitchFamily="34" charset="-122"/>
+            </a:endParaRPr>
+          </a:p>
+          <a:p>
+            <a:r>
+              <a:rPr kumimoji="1" lang="zh-CN" altLang="en-US" sz="7200" dirty="0">
                 <a:latin typeface="Microsoft YaHei" panose="020B0503020204020204" pitchFamily="34" charset="-122"/>
                 <a:ea typeface="Microsoft YaHei" panose="020B0503020204020204" pitchFamily="34" charset="-122"/>
               </a:rPr>
               <a:t>入门编程</a:t>
             </a:r>
             <a:r>
-              <a:rPr kumimoji="1" lang="en-US" altLang="zh-CN" sz="9600" dirty="0">
+              <a:rPr kumimoji="1" lang="en-US" altLang="zh-CN" sz="7200" dirty="0">
                 <a:latin typeface="Microsoft YaHei" panose="020B0503020204020204" pitchFamily="34" charset="-122"/>
                 <a:ea typeface="Microsoft YaHei" panose="020B0503020204020204" pitchFamily="34" charset="-122"/>
               </a:rPr>
               <a:t>100</a:t>
             </a:r>
             <a:r>
-              <a:rPr kumimoji="1" lang="zh-CN" altLang="en-US" sz="9600" dirty="0">
+              <a:rPr kumimoji="1" lang="zh-CN" altLang="en-US" sz="7200" dirty="0">
                 <a:latin typeface="Microsoft YaHei" panose="020B0503020204020204" pitchFamily="34" charset="-122"/>
                 <a:ea typeface="Microsoft YaHei" panose="020B0503020204020204" pitchFamily="34" charset="-122"/>
               </a:rPr>
               <a:t>例</a:t>
             </a:r>
-            <a:endParaRPr lang="zh-CN" altLang="en-US" sz="9600" dirty="0"/>
+            <a:endParaRPr lang="zh-CN" altLang="en-US" sz="7200" dirty="0"/>
           </a:p>
         </p:txBody>
       </p:sp>
     </p:spTree>
-    <p:extLst>
-      <p:ext uri="{BB962C8B-B14F-4D97-AF65-F5344CB8AC3E}">
-        <p14:creationId xmlns:p14="http://schemas.microsoft.com/office/powerpoint/2010/main" val="2709035465"/>
-      </p:ext>
-    </p:extLst>
+    <p:custDataLst>
+      <p:tags r:id="rId1"/>
+    </p:custDataLst>
   </p:cSld>
   <p:clrMapOvr>
     <a:masterClrMapping/>
@@ -6809,20 +7041,14 @@
       </p:grpSpPr>
       <p:sp>
         <p:nvSpPr>
-          <p:cNvPr id="6" name="矩形 5">
-            <a:extLst>
-              <a:ext uri="{FF2B5EF4-FFF2-40B4-BE49-F238E27FC236}">
-                <a16:creationId xmlns:a16="http://schemas.microsoft.com/office/drawing/2014/main" id="{8996D409-1D57-DE4F-8952-D961911C903C}"/>
-              </a:ext>
-            </a:extLst>
-          </p:cNvPr>
+          <p:cNvPr id="6" name="矩形 5"/>
           <p:cNvSpPr/>
           <p:nvPr/>
         </p:nvSpPr>
         <p:spPr>
           <a:xfrm>
-            <a:off x="2199240" y="1359340"/>
-            <a:ext cx="7117654" cy="2677656"/>
+            <a:off x="1608688" y="1307955"/>
+            <a:ext cx="5419725" cy="2030095"/>
           </a:xfrm>
           <a:prstGeom prst="rect">
             <a:avLst/>
@@ -6836,13 +7062,13 @@
           <a:p>
             <a:pPr algn="ctr"/>
             <a:r>
-              <a:rPr kumimoji="1" lang="en-US" altLang="zh-CN" sz="8800" dirty="0">
+              <a:rPr kumimoji="1" lang="en-US" altLang="zh-CN" sz="6600" dirty="0">
                 <a:latin typeface="Microsoft YaHei" panose="020B0503020204020204" pitchFamily="34" charset="-122"/>
                 <a:ea typeface="Microsoft YaHei" panose="020B0503020204020204" pitchFamily="34" charset="-122"/>
               </a:rPr>
               <a:t>Python</a:t>
             </a:r>
-            <a:endParaRPr kumimoji="1" lang="en-US" altLang="zh-CN" sz="8000" dirty="0">
+            <a:endParaRPr kumimoji="1" lang="en-US" altLang="zh-CN" sz="6000" dirty="0">
               <a:latin typeface="Microsoft YaHei" panose="020B0503020204020204" pitchFamily="34" charset="-122"/>
               <a:ea typeface="Microsoft YaHei" panose="020B0503020204020204" pitchFamily="34" charset="-122"/>
             </a:endParaRPr>
@@ -6850,46 +7076,40 @@
           <a:p>
             <a:pPr algn="ctr"/>
             <a:r>
-              <a:rPr kumimoji="1" lang="zh-CN" altLang="en-US" sz="8000" dirty="0">
+              <a:rPr kumimoji="1" lang="zh-CN" altLang="en-US" sz="6000" dirty="0">
                 <a:latin typeface="Microsoft YaHei" panose="020B0503020204020204" pitchFamily="34" charset="-122"/>
                 <a:ea typeface="Microsoft YaHei" panose="020B0503020204020204" pitchFamily="34" charset="-122"/>
               </a:rPr>
               <a:t>入门编程</a:t>
             </a:r>
             <a:r>
-              <a:rPr kumimoji="1" lang="en-US" altLang="zh-CN" sz="8000" dirty="0">
+              <a:rPr kumimoji="1" lang="en-US" altLang="zh-CN" sz="6000" dirty="0">
                 <a:latin typeface="Microsoft YaHei" panose="020B0503020204020204" pitchFamily="34" charset="-122"/>
                 <a:ea typeface="Microsoft YaHei" panose="020B0503020204020204" pitchFamily="34" charset="-122"/>
               </a:rPr>
               <a:t>100</a:t>
             </a:r>
             <a:r>
-              <a:rPr kumimoji="1" lang="zh-CN" altLang="en-US" sz="8000" dirty="0">
+              <a:rPr kumimoji="1" lang="zh-CN" altLang="en-US" sz="6000" dirty="0">
                 <a:latin typeface="Microsoft YaHei" panose="020B0503020204020204" pitchFamily="34" charset="-122"/>
                 <a:ea typeface="Microsoft YaHei" panose="020B0503020204020204" pitchFamily="34" charset="-122"/>
               </a:rPr>
               <a:t>例</a:t>
             </a:r>
-            <a:endParaRPr lang="zh-CN" altLang="en-US" sz="8000" dirty="0"/>
-          </a:p>
-        </p:txBody>
-      </p:sp>
-      <p:sp>
-        <p:nvSpPr>
-          <p:cNvPr id="3" name="矩形 2">
-            <a:extLst>
-              <a:ext uri="{FF2B5EF4-FFF2-40B4-BE49-F238E27FC236}">
-                <a16:creationId xmlns:a16="http://schemas.microsoft.com/office/drawing/2014/main" id="{B3D62883-CFB8-9442-A340-30E75FA3BCBA}"/>
-              </a:ext>
-            </a:extLst>
-          </p:cNvPr>
+            <a:endParaRPr lang="zh-CN" altLang="en-US" sz="6000" dirty="0"/>
+          </a:p>
+        </p:txBody>
+      </p:sp>
+      <p:sp>
+        <p:nvSpPr>
+          <p:cNvPr id="3" name="矩形 2"/>
           <p:cNvSpPr/>
           <p:nvPr/>
         </p:nvSpPr>
         <p:spPr>
           <a:xfrm>
-            <a:off x="1291069" y="4036996"/>
-            <a:ext cx="9786653" cy="923330"/>
+            <a:off x="954979" y="3316197"/>
+            <a:ext cx="7366635" cy="714375"/>
           </a:xfrm>
           <a:prstGeom prst="rect">
             <a:avLst/>
@@ -6903,50 +7123,45 @@
           <a:p>
             <a:pPr algn="ctr"/>
             <a:r>
-              <a:rPr kumimoji="1" lang="zh-CN" altLang="en-US" sz="5400" dirty="0">
+              <a:rPr kumimoji="1" lang="zh-CN" altLang="en-US" sz="4050" dirty="0">
                 <a:latin typeface="Microsoft YaHei" panose="020B0503020204020204" pitchFamily="34" charset="-122"/>
                 <a:ea typeface="Microsoft YaHei" panose="020B0503020204020204" pitchFamily="34" charset="-122"/>
               </a:rPr>
               <a:t>第</a:t>
             </a:r>
             <a:r>
-              <a:rPr kumimoji="1" lang="en-US" altLang="zh-CN" sz="5400" dirty="0">
+              <a:rPr kumimoji="1" lang="en-US" altLang="zh-CN" sz="4050" dirty="0">
                 <a:latin typeface="Microsoft YaHei" panose="020B0503020204020204" pitchFamily="34" charset="-122"/>
                 <a:ea typeface="Microsoft YaHei" panose="020B0503020204020204" pitchFamily="34" charset="-122"/>
               </a:rPr>
               <a:t>005</a:t>
             </a:r>
             <a:r>
-              <a:rPr kumimoji="1" lang="zh-CN" altLang="en-US" sz="5400" dirty="0">
+              <a:rPr kumimoji="1" lang="zh-CN" altLang="en-US" sz="4050" dirty="0">
                 <a:latin typeface="Microsoft YaHei" panose="020B0503020204020204" pitchFamily="34" charset="-122"/>
                 <a:ea typeface="Microsoft YaHei" panose="020B0503020204020204" pitchFamily="34" charset="-122"/>
               </a:rPr>
               <a:t>集 求前</a:t>
             </a:r>
             <a:r>
-              <a:rPr kumimoji="1" lang="en-US" altLang="zh-CN" sz="5400" dirty="0">
+              <a:rPr kumimoji="1" lang="en-US" altLang="zh-CN" sz="4050" dirty="0">
                 <a:latin typeface="Microsoft YaHei" panose="020B0503020204020204" pitchFamily="34" charset="-122"/>
                 <a:ea typeface="Microsoft YaHei" panose="020B0503020204020204" pitchFamily="34" charset="-122"/>
               </a:rPr>
               <a:t>N</a:t>
             </a:r>
             <a:r>
-              <a:rPr kumimoji="1" lang="zh-CN" altLang="en-US" sz="5400" dirty="0">
+              <a:rPr kumimoji="1" lang="zh-CN" altLang="en-US" sz="4050" dirty="0">
                 <a:latin typeface="Microsoft YaHei" panose="020B0503020204020204" pitchFamily="34" charset="-122"/>
                 <a:ea typeface="Microsoft YaHei" panose="020B0503020204020204" pitchFamily="34" charset="-122"/>
               </a:rPr>
               <a:t>个数字的平方和</a:t>
             </a:r>
-            <a:endParaRPr lang="zh-CN" altLang="en-US" sz="5400" dirty="0"/>
+            <a:endParaRPr lang="zh-CN" altLang="en-US" sz="4050" dirty="0"/>
           </a:p>
         </p:txBody>
       </p:sp>
     </p:spTree>
-    <p:extLst>
-      <p:ext uri="{BB962C8B-B14F-4D97-AF65-F5344CB8AC3E}">
-        <p14:creationId xmlns:p14="http://schemas.microsoft.com/office/powerpoint/2010/main" val="864966489"/>
-      </p:ext>
-    </p:extLst>
   </p:cSld>
   <p:clrMapOvr>
     <a:masterClrMapping/>
@@ -6973,13 +7188,7 @@
       </p:grpSpPr>
       <p:sp>
         <p:nvSpPr>
-          <p:cNvPr id="3" name="内容占位符 2">
-            <a:extLst>
-              <a:ext uri="{FF2B5EF4-FFF2-40B4-BE49-F238E27FC236}">
-                <a16:creationId xmlns:a16="http://schemas.microsoft.com/office/drawing/2014/main" id="{4C1A25D0-8354-A84D-8611-0C1E55DFD595}"/>
-              </a:ext>
-            </a:extLst>
-          </p:cNvPr>
+          <p:cNvPr id="3" name="内容占位符 2"/>
           <p:cNvSpPr>
             <a:spLocks noGrp="1"/>
           </p:cNvSpPr>
@@ -6989,8 +7198,8 @@
         </p:nvSpPr>
         <p:spPr>
           <a:xfrm>
-            <a:off x="1324936" y="2252133"/>
-            <a:ext cx="10532532" cy="3225889"/>
+            <a:off x="993702" y="1977550"/>
+            <a:ext cx="7899399" cy="2419417"/>
           </a:xfrm>
         </p:spPr>
         <p:txBody>
@@ -7000,107 +7209,105 @@
           <a:lstStyle/>
           <a:p>
             <a:r>
-              <a:rPr kumimoji="1" lang="zh-CN" altLang="en-US" sz="4000" dirty="0">
+              <a:rPr kumimoji="1" lang="zh-CN" altLang="en-US" sz="3000" dirty="0">
                 <a:latin typeface="Microsoft YaHei" panose="020B0503020204020204" pitchFamily="34" charset="-122"/>
                 <a:ea typeface="Microsoft YaHei" panose="020B0503020204020204" pitchFamily="34" charset="-122"/>
               </a:rPr>
               <a:t>输入：数字</a:t>
             </a:r>
             <a:r>
-              <a:rPr kumimoji="1" lang="en-US" altLang="zh-CN" sz="4000" dirty="0">
+              <a:rPr kumimoji="1" lang="en-US" altLang="zh-CN" sz="3000" dirty="0">
                 <a:latin typeface="Microsoft YaHei" panose="020B0503020204020204" pitchFamily="34" charset="-122"/>
                 <a:ea typeface="Microsoft YaHei" panose="020B0503020204020204" pitchFamily="34" charset="-122"/>
               </a:rPr>
               <a:t>N</a:t>
             </a:r>
-          </a:p>
-          <a:p>
-            <a:r>
-              <a:rPr kumimoji="1" lang="zh-CN" altLang="en-US" sz="4000" dirty="0">
-                <a:latin typeface="Microsoft YaHei" panose="020B0503020204020204" pitchFamily="34" charset="-122"/>
-                <a:ea typeface="Microsoft YaHei" panose="020B0503020204020204" pitchFamily="34" charset="-122"/>
-              </a:rPr>
-              <a:t>计算：</a:t>
-            </a:r>
-            <a:r>
-              <a:rPr lang="en" altLang="zh-CN" sz="4000" dirty="0">
-                <a:latin typeface="Microsoft YaHei" panose="020B0503020204020204" pitchFamily="34" charset="-122"/>
-                <a:ea typeface="Microsoft YaHei" panose="020B0503020204020204" pitchFamily="34" charset="-122"/>
-              </a:rPr>
-              <a:t> 1</a:t>
-            </a:r>
-            <a:r>
-              <a:rPr lang="en" altLang="zh-CN" sz="4000" baseline="30000" dirty="0">
-                <a:latin typeface="Microsoft YaHei" panose="020B0503020204020204" pitchFamily="34" charset="-122"/>
-                <a:ea typeface="Microsoft YaHei" panose="020B0503020204020204" pitchFamily="34" charset="-122"/>
-              </a:rPr>
-              <a:t>2</a:t>
-            </a:r>
-            <a:r>
-              <a:rPr lang="en" altLang="zh-CN" sz="4000" dirty="0">
-                <a:latin typeface="Microsoft YaHei" panose="020B0503020204020204" pitchFamily="34" charset="-122"/>
-                <a:ea typeface="Microsoft YaHei" panose="020B0503020204020204" pitchFamily="34" charset="-122"/>
-              </a:rPr>
-              <a:t> + 2</a:t>
-            </a:r>
-            <a:r>
-              <a:rPr lang="en" altLang="zh-CN" sz="4000" baseline="30000" dirty="0">
-                <a:latin typeface="Microsoft YaHei" panose="020B0503020204020204" pitchFamily="34" charset="-122"/>
-                <a:ea typeface="Microsoft YaHei" panose="020B0503020204020204" pitchFamily="34" charset="-122"/>
-              </a:rPr>
-              <a:t>2</a:t>
-            </a:r>
-            <a:r>
-              <a:rPr lang="en" altLang="zh-CN" sz="4000" dirty="0">
-                <a:latin typeface="Microsoft YaHei" panose="020B0503020204020204" pitchFamily="34" charset="-122"/>
-                <a:ea typeface="Microsoft YaHei" panose="020B0503020204020204" pitchFamily="34" charset="-122"/>
-              </a:rPr>
-              <a:t> + 3</a:t>
-            </a:r>
-            <a:r>
-              <a:rPr lang="en" altLang="zh-CN" sz="4000" baseline="30000" dirty="0">
-                <a:latin typeface="Microsoft YaHei" panose="020B0503020204020204" pitchFamily="34" charset="-122"/>
-                <a:ea typeface="Microsoft YaHei" panose="020B0503020204020204" pitchFamily="34" charset="-122"/>
-              </a:rPr>
-              <a:t>2</a:t>
-            </a:r>
-            <a:r>
-              <a:rPr lang="en" altLang="zh-CN" sz="4000" dirty="0">
-                <a:latin typeface="Microsoft YaHei" panose="020B0503020204020204" pitchFamily="34" charset="-122"/>
-                <a:ea typeface="Microsoft YaHei" panose="020B0503020204020204" pitchFamily="34" charset="-122"/>
-              </a:rPr>
-              <a:t> + ….. + N</a:t>
-            </a:r>
-            <a:r>
-              <a:rPr lang="en" altLang="zh-CN" sz="4000" baseline="30000" dirty="0">
-                <a:latin typeface="Microsoft YaHei" panose="020B0503020204020204" pitchFamily="34" charset="-122"/>
-                <a:ea typeface="Microsoft YaHei" panose="020B0503020204020204" pitchFamily="34" charset="-122"/>
-              </a:rPr>
-              <a:t>2</a:t>
-            </a:r>
-            <a:endParaRPr kumimoji="1" lang="zh-CN" altLang="en-US" sz="4000" dirty="0">
+            <a:endParaRPr kumimoji="1" lang="en-US" altLang="zh-CN" sz="3000" dirty="0">
               <a:latin typeface="Microsoft YaHei" panose="020B0503020204020204" pitchFamily="34" charset="-122"/>
               <a:ea typeface="Microsoft YaHei" panose="020B0503020204020204" pitchFamily="34" charset="-122"/>
             </a:endParaRPr>
           </a:p>
-        </p:txBody>
-      </p:sp>
-      <p:sp>
-        <p:nvSpPr>
-          <p:cNvPr id="4" name="矩形 3">
-            <a:extLst>
-              <a:ext uri="{FF2B5EF4-FFF2-40B4-BE49-F238E27FC236}">
-                <a16:creationId xmlns:a16="http://schemas.microsoft.com/office/drawing/2014/main" id="{37671FBC-FF2A-8E4D-A935-AAFAFFFE1EC7}"/>
-              </a:ext>
-            </a:extLst>
-          </p:cNvPr>
+          <a:p>
+            <a:r>
+              <a:rPr kumimoji="1" lang="zh-CN" altLang="en-US" sz="3000" dirty="0">
+                <a:latin typeface="Microsoft YaHei" panose="020B0503020204020204" pitchFamily="34" charset="-122"/>
+                <a:ea typeface="Microsoft YaHei" panose="020B0503020204020204" pitchFamily="34" charset="-122"/>
+              </a:rPr>
+              <a:t>计算：</a:t>
+            </a:r>
+            <a:r>
+              <a:rPr lang="en-GB" altLang="zh-CN" sz="3000" dirty="0">
+                <a:latin typeface="Microsoft YaHei" panose="020B0503020204020204" pitchFamily="34" charset="-122"/>
+                <a:ea typeface="Microsoft YaHei" panose="020B0503020204020204" pitchFamily="34" charset="-122"/>
+              </a:rPr>
+              <a:t> 1</a:t>
+            </a:r>
+            <a:r>
+              <a:rPr lang="en-GB" altLang="zh-CN" sz="3000" baseline="30000" dirty="0">
+                <a:latin typeface="Microsoft YaHei" panose="020B0503020204020204" pitchFamily="34" charset="-122"/>
+                <a:ea typeface="Microsoft YaHei" panose="020B0503020204020204" pitchFamily="34" charset="-122"/>
+              </a:rPr>
+              <a:t>2</a:t>
+            </a:r>
+            <a:r>
+              <a:rPr lang="en-GB" altLang="zh-CN" sz="3000" dirty="0">
+                <a:latin typeface="Microsoft YaHei" panose="020B0503020204020204" pitchFamily="34" charset="-122"/>
+                <a:ea typeface="Microsoft YaHei" panose="020B0503020204020204" pitchFamily="34" charset="-122"/>
+              </a:rPr>
+              <a:t> + 2</a:t>
+            </a:r>
+            <a:r>
+              <a:rPr lang="en-GB" altLang="zh-CN" sz="3000" baseline="30000" dirty="0">
+                <a:latin typeface="Microsoft YaHei" panose="020B0503020204020204" pitchFamily="34" charset="-122"/>
+                <a:ea typeface="Microsoft YaHei" panose="020B0503020204020204" pitchFamily="34" charset="-122"/>
+              </a:rPr>
+              <a:t>2</a:t>
+            </a:r>
+            <a:r>
+              <a:rPr lang="en-GB" altLang="zh-CN" sz="3000" dirty="0">
+                <a:latin typeface="Microsoft YaHei" panose="020B0503020204020204" pitchFamily="34" charset="-122"/>
+                <a:ea typeface="Microsoft YaHei" panose="020B0503020204020204" pitchFamily="34" charset="-122"/>
+              </a:rPr>
+              <a:t> + 3</a:t>
+            </a:r>
+            <a:r>
+              <a:rPr lang="en-GB" altLang="zh-CN" sz="3000" baseline="30000" dirty="0">
+                <a:latin typeface="Microsoft YaHei" panose="020B0503020204020204" pitchFamily="34" charset="-122"/>
+                <a:ea typeface="Microsoft YaHei" panose="020B0503020204020204" pitchFamily="34" charset="-122"/>
+              </a:rPr>
+              <a:t>2</a:t>
+            </a:r>
+            <a:r>
+              <a:rPr lang="en-GB" altLang="zh-CN" sz="3000" dirty="0">
+                <a:latin typeface="Microsoft YaHei" panose="020B0503020204020204" pitchFamily="34" charset="-122"/>
+                <a:ea typeface="Microsoft YaHei" panose="020B0503020204020204" pitchFamily="34" charset="-122"/>
+              </a:rPr>
+              <a:t> + ….. + N</a:t>
+            </a:r>
+            <a:r>
+              <a:rPr lang="en-GB" altLang="zh-CN" sz="3000" baseline="30000" dirty="0">
+                <a:latin typeface="Microsoft YaHei" panose="020B0503020204020204" pitchFamily="34" charset="-122"/>
+                <a:ea typeface="Microsoft YaHei" panose="020B0503020204020204" pitchFamily="34" charset="-122"/>
+              </a:rPr>
+              <a:t>2</a:t>
+            </a:r>
+            <a:endParaRPr kumimoji="1" lang="zh-CN" altLang="en-US" sz="3000" dirty="0">
+              <a:latin typeface="Microsoft YaHei" panose="020B0503020204020204" pitchFamily="34" charset="-122"/>
+              <a:ea typeface="Microsoft YaHei" panose="020B0503020204020204" pitchFamily="34" charset="-122"/>
+            </a:endParaRPr>
+          </a:p>
+        </p:txBody>
+      </p:sp>
+      <p:sp>
+        <p:nvSpPr>
+          <p:cNvPr id="4" name="矩形 3"/>
           <p:cNvSpPr/>
           <p:nvPr/>
         </p:nvSpPr>
         <p:spPr>
           <a:xfrm>
-            <a:off x="1324936" y="582596"/>
-            <a:ext cx="9786653" cy="923330"/>
+            <a:off x="980379" y="725397"/>
+            <a:ext cx="7366635" cy="714375"/>
           </a:xfrm>
           <a:prstGeom prst="rect">
             <a:avLst/>
@@ -7114,50 +7321,45 @@
           <a:p>
             <a:pPr algn="ctr"/>
             <a:r>
-              <a:rPr kumimoji="1" lang="zh-CN" altLang="en-US" sz="5400" dirty="0">
+              <a:rPr kumimoji="1" lang="zh-CN" altLang="en-US" sz="4050" dirty="0">
                 <a:latin typeface="Microsoft YaHei" panose="020B0503020204020204" pitchFamily="34" charset="-122"/>
                 <a:ea typeface="Microsoft YaHei" panose="020B0503020204020204" pitchFamily="34" charset="-122"/>
               </a:rPr>
               <a:t>第</a:t>
             </a:r>
             <a:r>
-              <a:rPr kumimoji="1" lang="en-US" altLang="zh-CN" sz="5400" dirty="0">
+              <a:rPr kumimoji="1" lang="en-US" altLang="zh-CN" sz="4050" dirty="0">
                 <a:latin typeface="Microsoft YaHei" panose="020B0503020204020204" pitchFamily="34" charset="-122"/>
                 <a:ea typeface="Microsoft YaHei" panose="020B0503020204020204" pitchFamily="34" charset="-122"/>
               </a:rPr>
               <a:t>005</a:t>
             </a:r>
             <a:r>
-              <a:rPr kumimoji="1" lang="zh-CN" altLang="en-US" sz="5400" dirty="0">
+              <a:rPr kumimoji="1" lang="zh-CN" altLang="en-US" sz="4050" dirty="0">
                 <a:latin typeface="Microsoft YaHei" panose="020B0503020204020204" pitchFamily="34" charset="-122"/>
                 <a:ea typeface="Microsoft YaHei" panose="020B0503020204020204" pitchFamily="34" charset="-122"/>
               </a:rPr>
               <a:t>集 求前</a:t>
             </a:r>
             <a:r>
-              <a:rPr kumimoji="1" lang="en-US" altLang="zh-CN" sz="5400" dirty="0">
+              <a:rPr kumimoji="1" lang="en-US" altLang="zh-CN" sz="4050" dirty="0">
                 <a:latin typeface="Microsoft YaHei" panose="020B0503020204020204" pitchFamily="34" charset="-122"/>
                 <a:ea typeface="Microsoft YaHei" panose="020B0503020204020204" pitchFamily="34" charset="-122"/>
               </a:rPr>
               <a:t>N</a:t>
             </a:r>
             <a:r>
-              <a:rPr kumimoji="1" lang="zh-CN" altLang="en-US" sz="5400" dirty="0">
+              <a:rPr kumimoji="1" lang="zh-CN" altLang="en-US" sz="4050" dirty="0">
                 <a:latin typeface="Microsoft YaHei" panose="020B0503020204020204" pitchFamily="34" charset="-122"/>
                 <a:ea typeface="Microsoft YaHei" panose="020B0503020204020204" pitchFamily="34" charset="-122"/>
               </a:rPr>
               <a:t>个数字的平方和</a:t>
             </a:r>
-            <a:endParaRPr lang="zh-CN" altLang="en-US" sz="5400" dirty="0"/>
+            <a:endParaRPr lang="zh-CN" altLang="en-US" sz="4050" dirty="0"/>
           </a:p>
         </p:txBody>
       </p:sp>
     </p:spTree>
-    <p:extLst>
-      <p:ext uri="{BB962C8B-B14F-4D97-AF65-F5344CB8AC3E}">
-        <p14:creationId xmlns:p14="http://schemas.microsoft.com/office/powerpoint/2010/main" val="987616419"/>
-      </p:ext>
-    </p:extLst>
   </p:cSld>
   <p:clrMapOvr>
     <a:masterClrMapping/>
@@ -7184,20 +7386,14 @@
       </p:grpSpPr>
       <p:sp>
         <p:nvSpPr>
-          <p:cNvPr id="6" name="矩形 5">
-            <a:extLst>
-              <a:ext uri="{FF2B5EF4-FFF2-40B4-BE49-F238E27FC236}">
-                <a16:creationId xmlns:a16="http://schemas.microsoft.com/office/drawing/2014/main" id="{8996D409-1D57-DE4F-8952-D961911C903C}"/>
-              </a:ext>
-            </a:extLst>
-          </p:cNvPr>
+          <p:cNvPr id="6" name="矩形 5"/>
           <p:cNvSpPr/>
           <p:nvPr/>
         </p:nvSpPr>
         <p:spPr>
           <a:xfrm>
-            <a:off x="2199240" y="1359340"/>
-            <a:ext cx="7117654" cy="2677656"/>
+            <a:off x="1608688" y="1307955"/>
+            <a:ext cx="5419725" cy="2030095"/>
           </a:xfrm>
           <a:prstGeom prst="rect">
             <a:avLst/>
@@ -7211,13 +7407,13 @@
           <a:p>
             <a:pPr algn="ctr"/>
             <a:r>
-              <a:rPr kumimoji="1" lang="en-US" altLang="zh-CN" sz="8800" dirty="0">
+              <a:rPr kumimoji="1" lang="en-US" altLang="zh-CN" sz="6600" dirty="0">
                 <a:latin typeface="Microsoft YaHei" panose="020B0503020204020204" pitchFamily="34" charset="-122"/>
                 <a:ea typeface="Microsoft YaHei" panose="020B0503020204020204" pitchFamily="34" charset="-122"/>
               </a:rPr>
               <a:t>Python</a:t>
             </a:r>
-            <a:endParaRPr kumimoji="1" lang="en-US" altLang="zh-CN" sz="8000" dirty="0">
+            <a:endParaRPr kumimoji="1" lang="en-US" altLang="zh-CN" sz="6000" dirty="0">
               <a:latin typeface="Microsoft YaHei" panose="020B0503020204020204" pitchFamily="34" charset="-122"/>
               <a:ea typeface="Microsoft YaHei" panose="020B0503020204020204" pitchFamily="34" charset="-122"/>
             </a:endParaRPr>
@@ -7225,46 +7421,40 @@
           <a:p>
             <a:pPr algn="ctr"/>
             <a:r>
-              <a:rPr kumimoji="1" lang="zh-CN" altLang="en-US" sz="8000" dirty="0">
+              <a:rPr kumimoji="1" lang="zh-CN" altLang="en-US" sz="6000" dirty="0">
                 <a:latin typeface="Microsoft YaHei" panose="020B0503020204020204" pitchFamily="34" charset="-122"/>
                 <a:ea typeface="Microsoft YaHei" panose="020B0503020204020204" pitchFamily="34" charset="-122"/>
               </a:rPr>
               <a:t>入门编程</a:t>
             </a:r>
             <a:r>
-              <a:rPr kumimoji="1" lang="en-US" altLang="zh-CN" sz="8000" dirty="0">
+              <a:rPr kumimoji="1" lang="en-US" altLang="zh-CN" sz="6000" dirty="0">
                 <a:latin typeface="Microsoft YaHei" panose="020B0503020204020204" pitchFamily="34" charset="-122"/>
                 <a:ea typeface="Microsoft YaHei" panose="020B0503020204020204" pitchFamily="34" charset="-122"/>
               </a:rPr>
               <a:t>100</a:t>
             </a:r>
             <a:r>
-              <a:rPr kumimoji="1" lang="zh-CN" altLang="en-US" sz="8000" dirty="0">
+              <a:rPr kumimoji="1" lang="zh-CN" altLang="en-US" sz="6000" dirty="0">
                 <a:latin typeface="Microsoft YaHei" panose="020B0503020204020204" pitchFamily="34" charset="-122"/>
                 <a:ea typeface="Microsoft YaHei" panose="020B0503020204020204" pitchFamily="34" charset="-122"/>
               </a:rPr>
               <a:t>例</a:t>
             </a:r>
-            <a:endParaRPr lang="zh-CN" altLang="en-US" sz="8000" dirty="0"/>
-          </a:p>
-        </p:txBody>
-      </p:sp>
-      <p:sp>
-        <p:nvSpPr>
-          <p:cNvPr id="3" name="矩形 2">
-            <a:extLst>
-              <a:ext uri="{FF2B5EF4-FFF2-40B4-BE49-F238E27FC236}">
-                <a16:creationId xmlns:a16="http://schemas.microsoft.com/office/drawing/2014/main" id="{B3D62883-CFB8-9442-A340-30E75FA3BCBA}"/>
-              </a:ext>
-            </a:extLst>
-          </p:cNvPr>
+            <a:endParaRPr lang="zh-CN" altLang="en-US" sz="6000" dirty="0"/>
+          </a:p>
+        </p:txBody>
+      </p:sp>
+      <p:sp>
+        <p:nvSpPr>
+          <p:cNvPr id="3" name="矩形 2"/>
           <p:cNvSpPr/>
           <p:nvPr/>
         </p:nvSpPr>
         <p:spPr>
           <a:xfrm>
-            <a:off x="1918644" y="4036996"/>
-            <a:ext cx="8531503" cy="923330"/>
+            <a:off x="1410592" y="3316197"/>
+            <a:ext cx="6455410" cy="714375"/>
           </a:xfrm>
           <a:prstGeom prst="rect">
             <a:avLst/>
@@ -7278,42 +7468,41 @@
           <a:p>
             <a:pPr algn="ctr"/>
             <a:r>
-              <a:rPr kumimoji="1" lang="zh-CN" altLang="en-US" sz="5400" dirty="0">
+              <a:rPr kumimoji="1" lang="zh-CN" altLang="en-US" sz="4050" dirty="0">
                 <a:latin typeface="Microsoft YaHei" panose="020B0503020204020204" pitchFamily="34" charset="-122"/>
                 <a:ea typeface="Microsoft YaHei" panose="020B0503020204020204" pitchFamily="34" charset="-122"/>
               </a:rPr>
               <a:t>第</a:t>
             </a:r>
             <a:r>
-              <a:rPr kumimoji="1" lang="en-US" altLang="zh-CN" sz="5400" dirty="0">
+              <a:rPr kumimoji="1" lang="en-US" altLang="zh-CN" sz="4050" dirty="0">
                 <a:latin typeface="Microsoft YaHei" panose="020B0503020204020204" pitchFamily="34" charset="-122"/>
                 <a:ea typeface="Microsoft YaHei" panose="020B0503020204020204" pitchFamily="34" charset="-122"/>
               </a:rPr>
               <a:t>006</a:t>
             </a:r>
             <a:r>
-              <a:rPr kumimoji="1" lang="zh-CN" altLang="en-US" sz="5400" dirty="0">
+              <a:rPr kumimoji="1" lang="zh-CN" altLang="en-US" sz="4050" dirty="0">
                 <a:latin typeface="Microsoft YaHei" panose="020B0503020204020204" pitchFamily="34" charset="-122"/>
                 <a:ea typeface="Microsoft YaHei" panose="020B0503020204020204" pitchFamily="34" charset="-122"/>
               </a:rPr>
               <a:t>集 </a:t>
             </a:r>
             <a:r>
-              <a:rPr lang="zh-CN" altLang="en-US" sz="5400" dirty="0">
+              <a:rPr lang="zh-CN" altLang="en-US" sz="4050" dirty="0">
                 <a:latin typeface="Microsoft YaHei" panose="020B0503020204020204" pitchFamily="34" charset="-122"/>
                 <a:ea typeface="Microsoft YaHei" panose="020B0503020204020204" pitchFamily="34" charset="-122"/>
               </a:rPr>
               <a:t>计算列表数字的和</a:t>
             </a:r>
+            <a:endParaRPr lang="zh-CN" altLang="en-US" sz="4050" dirty="0">
+              <a:latin typeface="Microsoft YaHei" panose="020B0503020204020204" pitchFamily="34" charset="-122"/>
+              <a:ea typeface="Microsoft YaHei" panose="020B0503020204020204" pitchFamily="34" charset="-122"/>
+            </a:endParaRPr>
           </a:p>
         </p:txBody>
       </p:sp>
     </p:spTree>
-    <p:extLst>
-      <p:ext uri="{BB962C8B-B14F-4D97-AF65-F5344CB8AC3E}">
-        <p14:creationId xmlns:p14="http://schemas.microsoft.com/office/powerpoint/2010/main" val="25525411"/>
-      </p:ext>
-    </p:extLst>
   </p:cSld>
   <p:clrMapOvr>
     <a:masterClrMapping/>
@@ -7340,13 +7529,7 @@
       </p:grpSpPr>
       <p:sp>
         <p:nvSpPr>
-          <p:cNvPr id="3" name="内容占位符 2">
-            <a:extLst>
-              <a:ext uri="{FF2B5EF4-FFF2-40B4-BE49-F238E27FC236}">
-                <a16:creationId xmlns:a16="http://schemas.microsoft.com/office/drawing/2014/main" id="{4C1A25D0-8354-A84D-8611-0C1E55DFD595}"/>
-              </a:ext>
-            </a:extLst>
-          </p:cNvPr>
+          <p:cNvPr id="3" name="内容占位符 2"/>
           <p:cNvSpPr>
             <a:spLocks noGrp="1"/>
           </p:cNvSpPr>
@@ -7356,8 +7539,8 @@
         </p:nvSpPr>
         <p:spPr>
           <a:xfrm>
-            <a:off x="1830248" y="2404533"/>
-            <a:ext cx="8284731" cy="3225889"/>
+            <a:off x="1372686" y="2091850"/>
+            <a:ext cx="6213548" cy="2419417"/>
           </a:xfrm>
         </p:spPr>
         <p:txBody>
@@ -7367,83 +7550,83 @@
           <a:lstStyle/>
           <a:p>
             <a:r>
-              <a:rPr lang="en" altLang="zh-CN" sz="4000" b="1" dirty="0"/>
+              <a:rPr lang="en-GB" altLang="zh-CN" sz="3000" b="1" dirty="0"/>
               <a:t>Input:</a:t>
             </a:r>
             <a:r>
-              <a:rPr lang="en" altLang="zh-CN" sz="4000" dirty="0"/>
+              <a:rPr lang="en-GB" altLang="zh-CN" sz="3000" dirty="0"/>
               <a:t> [</a:t>
             </a:r>
             <a:r>
-              <a:rPr lang="en-US" altLang="zh-CN" sz="4000" dirty="0"/>
+              <a:rPr lang="en-US" altLang="zh-CN" sz="3000" dirty="0"/>
               <a:t>1</a:t>
             </a:r>
             <a:r>
-              <a:rPr lang="en" altLang="zh-CN" sz="4000" dirty="0"/>
+              <a:rPr lang="en-GB" altLang="zh-CN" sz="3000" dirty="0"/>
               <a:t>, </a:t>
             </a:r>
             <a:r>
-              <a:rPr lang="en-US" altLang="zh-CN" sz="4000" dirty="0"/>
+              <a:rPr lang="en-US" altLang="zh-CN" sz="3000" dirty="0"/>
               <a:t>2</a:t>
             </a:r>
             <a:r>
-              <a:rPr lang="en" altLang="zh-CN" sz="4000" dirty="0"/>
+              <a:rPr lang="en-GB" altLang="zh-CN" sz="3000" dirty="0"/>
               <a:t>, </a:t>
             </a:r>
             <a:r>
-              <a:rPr lang="en-US" altLang="zh-CN" sz="4000" dirty="0"/>
+              <a:rPr lang="en-US" altLang="zh-CN" sz="3000" dirty="0"/>
               <a:t>3</a:t>
             </a:r>
             <a:r>
-              <a:rPr lang="en" altLang="zh-CN" sz="4000" dirty="0"/>
+              <a:rPr lang="en-GB" altLang="zh-CN" sz="3000" dirty="0"/>
               <a:t>, </a:t>
             </a:r>
             <a:r>
-              <a:rPr lang="en-US" altLang="zh-CN" sz="4000" dirty="0"/>
+              <a:rPr lang="en-US" altLang="zh-CN" sz="3000" dirty="0"/>
               <a:t>4</a:t>
             </a:r>
             <a:r>
-              <a:rPr lang="en" altLang="zh-CN" sz="4000" dirty="0"/>
+              <a:rPr lang="en-GB" altLang="zh-CN" sz="3000" dirty="0"/>
               <a:t>] </a:t>
             </a:r>
             <a:r>
-              <a:rPr lang="en" altLang="zh-CN" sz="4000" b="1" dirty="0"/>
+              <a:rPr lang="en-GB" altLang="zh-CN" sz="3000" b="1" dirty="0"/>
               <a:t>Output:</a:t>
             </a:r>
             <a:r>
-              <a:rPr lang="en" altLang="zh-CN" sz="4000" dirty="0"/>
+              <a:rPr lang="en-GB" altLang="zh-CN" sz="3000" dirty="0"/>
               <a:t> </a:t>
             </a:r>
             <a:r>
-              <a:rPr lang="en-US" altLang="zh-CN" sz="4000" dirty="0"/>
+              <a:rPr lang="en-US" altLang="zh-CN" sz="3000" dirty="0"/>
               <a:t>10</a:t>
             </a:r>
-            <a:endParaRPr lang="en" altLang="zh-CN" sz="4000" dirty="0"/>
-          </a:p>
-          <a:p>
-            <a:endParaRPr lang="en" altLang="zh-CN" sz="4000" b="1" dirty="0"/>
-          </a:p>
-          <a:p>
-            <a:r>
-              <a:rPr lang="en" altLang="zh-CN" sz="4000" b="1" dirty="0"/>
+            <a:endParaRPr lang="en-GB" altLang="zh-CN" sz="3000" dirty="0"/>
+          </a:p>
+          <a:p>
+            <a:endParaRPr lang="en-GB" altLang="zh-CN" sz="3000" b="1" dirty="0"/>
+          </a:p>
+          <a:p>
+            <a:r>
+              <a:rPr lang="en-GB" altLang="zh-CN" sz="3000" b="1" dirty="0"/>
               <a:t>Input:</a:t>
             </a:r>
             <a:r>
-              <a:rPr lang="en" altLang="zh-CN" sz="4000" dirty="0"/>
+              <a:rPr lang="en-GB" altLang="zh-CN" sz="3000" dirty="0"/>
               <a:t> [17, 5, 3, 5] </a:t>
             </a:r>
             <a:r>
-              <a:rPr lang="en" altLang="zh-CN" sz="4000" b="1" dirty="0"/>
+              <a:rPr lang="en-GB" altLang="zh-CN" sz="3000" b="1" dirty="0"/>
               <a:t>Output:</a:t>
             </a:r>
             <a:r>
-              <a:rPr lang="en" altLang="zh-CN" sz="4000" dirty="0"/>
+              <a:rPr lang="en-GB" altLang="zh-CN" sz="3000" dirty="0"/>
               <a:t> 30 </a:t>
             </a:r>
             <a:br>
-              <a:rPr lang="en" altLang="zh-CN" sz="4000" dirty="0"/>
+              <a:rPr lang="en-GB" altLang="zh-CN" sz="3000" dirty="0"/>
             </a:br>
-            <a:endParaRPr kumimoji="1" lang="zh-CN" altLang="en-US" sz="4000" dirty="0">
+            <a:endParaRPr kumimoji="1" lang="zh-CN" altLang="en-US" sz="3000" dirty="0">
               <a:latin typeface="Microsoft YaHei" panose="020B0503020204020204" pitchFamily="34" charset="-122"/>
               <a:ea typeface="Microsoft YaHei" panose="020B0503020204020204" pitchFamily="34" charset="-122"/>
             </a:endParaRPr>
@@ -7452,20 +7635,14 @@
       </p:sp>
       <p:sp>
         <p:nvSpPr>
-          <p:cNvPr id="5" name="矩形 4">
-            <a:extLst>
-              <a:ext uri="{FF2B5EF4-FFF2-40B4-BE49-F238E27FC236}">
-                <a16:creationId xmlns:a16="http://schemas.microsoft.com/office/drawing/2014/main" id="{DB983F31-8326-C24A-A59B-068B7F1EE8D9}"/>
-              </a:ext>
-            </a:extLst>
-          </p:cNvPr>
+          <p:cNvPr id="5" name="矩形 4"/>
           <p:cNvSpPr/>
           <p:nvPr/>
         </p:nvSpPr>
         <p:spPr>
           <a:xfrm>
-            <a:off x="1830248" y="918313"/>
-            <a:ext cx="8531503" cy="923330"/>
+            <a:off x="1344295" y="977185"/>
+            <a:ext cx="6455410" cy="714375"/>
           </a:xfrm>
           <a:prstGeom prst="rect">
             <a:avLst/>
@@ -7479,42 +7656,1375 @@
           <a:p>
             <a:pPr algn="ctr"/>
             <a:r>
+              <a:rPr kumimoji="1" lang="zh-CN" altLang="en-US" sz="4050" dirty="0">
+                <a:latin typeface="Microsoft YaHei" panose="020B0503020204020204" pitchFamily="34" charset="-122"/>
+                <a:ea typeface="Microsoft YaHei" panose="020B0503020204020204" pitchFamily="34" charset="-122"/>
+              </a:rPr>
+              <a:t>第</a:t>
+            </a:r>
+            <a:r>
+              <a:rPr kumimoji="1" lang="en-US" altLang="zh-CN" sz="4050" dirty="0">
+                <a:latin typeface="Microsoft YaHei" panose="020B0503020204020204" pitchFamily="34" charset="-122"/>
+                <a:ea typeface="Microsoft YaHei" panose="020B0503020204020204" pitchFamily="34" charset="-122"/>
+              </a:rPr>
+              <a:t>006</a:t>
+            </a:r>
+            <a:r>
+              <a:rPr kumimoji="1" lang="zh-CN" altLang="en-US" sz="4050" dirty="0">
+                <a:latin typeface="Microsoft YaHei" panose="020B0503020204020204" pitchFamily="34" charset="-122"/>
+                <a:ea typeface="Microsoft YaHei" panose="020B0503020204020204" pitchFamily="34" charset="-122"/>
+              </a:rPr>
+              <a:t>集 </a:t>
+            </a:r>
+            <a:r>
+              <a:rPr lang="zh-CN" altLang="en-US" sz="4050" dirty="0">
+                <a:latin typeface="Microsoft YaHei" panose="020B0503020204020204" pitchFamily="34" charset="-122"/>
+                <a:ea typeface="Microsoft YaHei" panose="020B0503020204020204" pitchFamily="34" charset="-122"/>
+              </a:rPr>
+              <a:t>计算列表数字的和</a:t>
+            </a:r>
+            <a:endParaRPr lang="zh-CN" altLang="en-US" sz="4050" dirty="0">
+              <a:latin typeface="Microsoft YaHei" panose="020B0503020204020204" pitchFamily="34" charset="-122"/>
+              <a:ea typeface="Microsoft YaHei" panose="020B0503020204020204" pitchFamily="34" charset="-122"/>
+            </a:endParaRPr>
+          </a:p>
+        </p:txBody>
+      </p:sp>
+    </p:spTree>
+  </p:cSld>
+  <p:clrMapOvr>
+    <a:masterClrMapping/>
+  </p:clrMapOvr>
+</p:sld>
+</file>
+
+<file path=ppt/slides/slide14.xml><?xml version="1.0" encoding="utf-8"?>
+<p:sld xmlns:a="http://schemas.openxmlformats.org/drawingml/2006/main" xmlns:r="http://schemas.openxmlformats.org/officeDocument/2006/relationships" xmlns:p="http://schemas.openxmlformats.org/presentationml/2006/main">
+  <p:cSld>
+    <p:spTree>
+      <p:nvGrpSpPr>
+        <p:cNvPr id="1" name=""/>
+        <p:cNvGrpSpPr/>
+        <p:nvPr/>
+      </p:nvGrpSpPr>
+      <p:grpSpPr>
+        <a:xfrm>
+          <a:off x="0" y="0"/>
+          <a:ext cx="0" cy="0"/>
+          <a:chOff x="0" y="0"/>
+          <a:chExt cx="0" cy="0"/>
+        </a:xfrm>
+      </p:grpSpPr>
+      <p:sp>
+        <p:nvSpPr>
+          <p:cNvPr id="6" name="矩形 5"/>
+          <p:cNvSpPr/>
+          <p:nvPr/>
+        </p:nvSpPr>
+        <p:spPr>
+          <a:xfrm>
+            <a:off x="2123514" y="966484"/>
+            <a:ext cx="4895850" cy="1845310"/>
+          </a:xfrm>
+          <a:prstGeom prst="rect">
+            <a:avLst/>
+          </a:prstGeom>
+        </p:spPr>
+        <p:txBody>
+          <a:bodyPr wrap="none">
+            <a:spAutoFit/>
+          </a:bodyPr>
+          <a:lstStyle/>
+          <a:p>
+            <a:pPr algn="ctr"/>
+            <a:r>
+              <a:rPr kumimoji="1" lang="en-US" altLang="zh-CN" sz="6000" dirty="0">
+                <a:latin typeface="Microsoft YaHei" panose="020B0503020204020204" pitchFamily="34" charset="-122"/>
+                <a:ea typeface="Microsoft YaHei" panose="020B0503020204020204" pitchFamily="34" charset="-122"/>
+              </a:rPr>
+              <a:t>Python</a:t>
+            </a:r>
+            <a:endParaRPr kumimoji="1" lang="en-US" altLang="zh-CN" sz="6000" dirty="0">
+              <a:latin typeface="Microsoft YaHei" panose="020B0503020204020204" pitchFamily="34" charset="-122"/>
+              <a:ea typeface="Microsoft YaHei" panose="020B0503020204020204" pitchFamily="34" charset="-122"/>
+            </a:endParaRPr>
+          </a:p>
+          <a:p>
+            <a:pPr algn="ctr"/>
+            <a:r>
               <a:rPr kumimoji="1" lang="zh-CN" altLang="en-US" sz="5400" dirty="0">
                 <a:latin typeface="Microsoft YaHei" panose="020B0503020204020204" pitchFamily="34" charset="-122"/>
                 <a:ea typeface="Microsoft YaHei" panose="020B0503020204020204" pitchFamily="34" charset="-122"/>
               </a:rPr>
+              <a:t>入门编程</a:t>
+            </a:r>
+            <a:r>
+              <a:rPr kumimoji="1" lang="en-US" altLang="zh-CN" sz="5400" dirty="0">
+                <a:latin typeface="Microsoft YaHei" panose="020B0503020204020204" pitchFamily="34" charset="-122"/>
+                <a:ea typeface="Microsoft YaHei" panose="020B0503020204020204" pitchFamily="34" charset="-122"/>
+              </a:rPr>
+              <a:t>100</a:t>
+            </a:r>
+            <a:r>
+              <a:rPr kumimoji="1" lang="zh-CN" altLang="en-US" sz="5400" dirty="0">
+                <a:latin typeface="Microsoft YaHei" panose="020B0503020204020204" pitchFamily="34" charset="-122"/>
+                <a:ea typeface="Microsoft YaHei" panose="020B0503020204020204" pitchFamily="34" charset="-122"/>
+              </a:rPr>
+              <a:t>例</a:t>
+            </a:r>
+            <a:endParaRPr kumimoji="1" lang="zh-CN" altLang="en-US" sz="5400" dirty="0">
+              <a:latin typeface="Microsoft YaHei" panose="020B0503020204020204" pitchFamily="34" charset="-122"/>
+              <a:ea typeface="Microsoft YaHei" panose="020B0503020204020204" pitchFamily="34" charset="-122"/>
+            </a:endParaRPr>
+          </a:p>
+        </p:txBody>
+      </p:sp>
+      <p:sp>
+        <p:nvSpPr>
+          <p:cNvPr id="3" name="矩形 2"/>
+          <p:cNvSpPr/>
+          <p:nvPr/>
+        </p:nvSpPr>
+        <p:spPr>
+          <a:xfrm>
+            <a:off x="1390272" y="2915671"/>
+            <a:ext cx="6362700" cy="1337945"/>
+          </a:xfrm>
+          <a:prstGeom prst="rect">
+            <a:avLst/>
+          </a:prstGeom>
+          <a:solidFill>
+            <a:srgbClr val="FFC000"/>
+          </a:solidFill>
+          <a:ln>
+            <a:noFill/>
+          </a:ln>
+        </p:spPr>
+        <p:style>
+          <a:lnRef idx="3">
+            <a:schemeClr val="lt1"/>
+          </a:lnRef>
+          <a:fillRef idx="1">
+            <a:schemeClr val="accent5"/>
+          </a:fillRef>
+          <a:effectRef idx="1">
+            <a:schemeClr val="accent5"/>
+          </a:effectRef>
+          <a:fontRef idx="minor">
+            <a:schemeClr val="lt1"/>
+          </a:fontRef>
+        </p:style>
+        <p:txBody>
+          <a:bodyPr wrap="none">
+            <a:spAutoFit/>
+          </a:bodyPr>
+          <a:lstStyle/>
+          <a:p>
+            <a:pPr algn="ctr"/>
+            <a:r>
+              <a:rPr kumimoji="1" lang="zh-CN" altLang="en-US" sz="4050" b="1" dirty="0">
+                <a:solidFill>
+                  <a:schemeClr val="bg1"/>
+                </a:solidFill>
+                <a:latin typeface="Microsoft YaHei" panose="020B0503020204020204" pitchFamily="34" charset="-122"/>
+                <a:ea typeface="Microsoft YaHei" panose="020B0503020204020204" pitchFamily="34" charset="-122"/>
+              </a:rPr>
               <a:t>第</a:t>
             </a:r>
             <a:r>
+              <a:rPr kumimoji="1" lang="en-US" altLang="zh-CN" sz="4050" b="1" dirty="0">
+                <a:solidFill>
+                  <a:schemeClr val="bg1"/>
+                </a:solidFill>
+                <a:latin typeface="Microsoft YaHei" panose="020B0503020204020204" pitchFamily="34" charset="-122"/>
+                <a:ea typeface="Microsoft YaHei" panose="020B0503020204020204" pitchFamily="34" charset="-122"/>
+              </a:rPr>
+              <a:t>007</a:t>
+            </a:r>
+            <a:r>
+              <a:rPr kumimoji="1" lang="zh-CN" altLang="en-US" sz="4050" b="1" dirty="0">
+                <a:solidFill>
+                  <a:schemeClr val="bg1"/>
+                </a:solidFill>
+                <a:latin typeface="Microsoft YaHei" panose="020B0503020204020204" pitchFamily="34" charset="-122"/>
+                <a:ea typeface="Microsoft YaHei" panose="020B0503020204020204" pitchFamily="34" charset="-122"/>
+              </a:rPr>
+              <a:t>集 </a:t>
+            </a:r>
+            <a:endParaRPr kumimoji="1" lang="zh-CN" altLang="en-US" sz="4050" b="1" dirty="0">
+              <a:solidFill>
+                <a:schemeClr val="bg1"/>
+              </a:solidFill>
+              <a:latin typeface="Microsoft YaHei" panose="020B0503020204020204" pitchFamily="34" charset="-122"/>
+              <a:ea typeface="Microsoft YaHei" panose="020B0503020204020204" pitchFamily="34" charset="-122"/>
+            </a:endParaRPr>
+          </a:p>
+          <a:p>
+            <a:pPr algn="ctr"/>
+            <a:r>
+              <a:rPr kumimoji="1" lang="zh-CN" altLang="en-US" sz="4050" b="1" dirty="0">
+                <a:solidFill>
+                  <a:schemeClr val="bg1"/>
+                </a:solidFill>
+                <a:latin typeface="Microsoft YaHei" panose="020B0503020204020204" pitchFamily="34" charset="-122"/>
+                <a:ea typeface="Microsoft YaHei" panose="020B0503020204020204" pitchFamily="34" charset="-122"/>
+              </a:rPr>
+              <a:t>计算数字范围中</a:t>
+            </a:r>
+            <a:r>
+              <a:rPr lang="zh-CN" altLang="en-US" sz="4050" b="1" dirty="0">
+                <a:solidFill>
+                  <a:schemeClr val="bg1"/>
+                </a:solidFill>
+                <a:latin typeface="Microsoft YaHei" panose="020B0503020204020204" pitchFamily="34" charset="-122"/>
+                <a:ea typeface="Microsoft YaHei" panose="020B0503020204020204" pitchFamily="34" charset="-122"/>
+              </a:rPr>
+              <a:t>所有的偶数</a:t>
+            </a:r>
+            <a:endParaRPr lang="zh-CN" altLang="en-US" sz="4050" b="1" dirty="0">
+              <a:solidFill>
+                <a:schemeClr val="bg1"/>
+              </a:solidFill>
+              <a:latin typeface="Microsoft YaHei" panose="020B0503020204020204" pitchFamily="34" charset="-122"/>
+              <a:ea typeface="Microsoft YaHei" panose="020B0503020204020204" pitchFamily="34" charset="-122"/>
+            </a:endParaRPr>
+          </a:p>
+        </p:txBody>
+      </p:sp>
+    </p:spTree>
+  </p:cSld>
+  <p:clrMapOvr>
+    <a:masterClrMapping/>
+  </p:clrMapOvr>
+</p:sld>
+</file>
+
+<file path=ppt/slides/slide15.xml><?xml version="1.0" encoding="utf-8"?>
+<p:sld xmlns:a="http://schemas.openxmlformats.org/drawingml/2006/main" xmlns:r="http://schemas.openxmlformats.org/officeDocument/2006/relationships" xmlns:p="http://schemas.openxmlformats.org/presentationml/2006/main">
+  <p:cSld>
+    <p:spTree>
+      <p:nvGrpSpPr>
+        <p:cNvPr id="1" name=""/>
+        <p:cNvGrpSpPr/>
+        <p:nvPr/>
+      </p:nvGrpSpPr>
+      <p:grpSpPr>
+        <a:xfrm>
+          <a:off x="0" y="0"/>
+          <a:ext cx="0" cy="0"/>
+          <a:chOff x="0" y="0"/>
+          <a:chExt cx="0" cy="0"/>
+        </a:xfrm>
+      </p:grpSpPr>
+      <p:sp>
+        <p:nvSpPr>
+          <p:cNvPr id="3" name="内容占位符 2"/>
+          <p:cNvSpPr>
+            <a:spLocks noGrp="1"/>
+          </p:cNvSpPr>
+          <p:nvPr>
+            <p:ph idx="1"/>
+          </p:nvPr>
+        </p:nvSpPr>
+        <p:spPr>
+          <a:xfrm>
+            <a:off x="853440" y="1855313"/>
+            <a:ext cx="7087076" cy="2675096"/>
+          </a:xfrm>
+        </p:spPr>
+        <p:txBody>
+          <a:bodyPr>
+            <a:noAutofit/>
+          </a:bodyPr>
+          <a:lstStyle/>
+          <a:p>
+            <a:pPr marL="0" indent="0">
+              <a:buNone/>
+            </a:pPr>
+            <a:r>
+              <a:rPr kumimoji="1" lang="zh-CN" altLang="en-US" sz="2700" dirty="0">
+                <a:latin typeface="Microsoft YaHei" panose="020B0503020204020204" pitchFamily="34" charset="-122"/>
+                <a:ea typeface="Microsoft YaHei" panose="020B0503020204020204" pitchFamily="34" charset="-122"/>
+              </a:rPr>
+              <a:t>输入开始和结束值</a:t>
+            </a:r>
+            <a:r>
+              <a:rPr kumimoji="1" lang="en-US" altLang="zh-CN" sz="2700" dirty="0">
+                <a:latin typeface="Microsoft YaHei" panose="020B0503020204020204" pitchFamily="34" charset="-122"/>
+                <a:ea typeface="Microsoft YaHei" panose="020B0503020204020204" pitchFamily="34" charset="-122"/>
+              </a:rPr>
+              <a:t>(</a:t>
+            </a:r>
+            <a:r>
+              <a:rPr kumimoji="1" lang="zh-CN" altLang="en-US" sz="2700" dirty="0">
+                <a:latin typeface="Microsoft YaHei" panose="020B0503020204020204" pitchFamily="34" charset="-122"/>
+                <a:ea typeface="Microsoft YaHei" panose="020B0503020204020204" pitchFamily="34" charset="-122"/>
+              </a:rPr>
+              <a:t>不包含</a:t>
+            </a:r>
+            <a:r>
+              <a:rPr kumimoji="1" lang="en-US" altLang="zh-CN" sz="2700" dirty="0">
+                <a:latin typeface="Microsoft YaHei" panose="020B0503020204020204" pitchFamily="34" charset="-122"/>
+                <a:ea typeface="Microsoft YaHei" panose="020B0503020204020204" pitchFamily="34" charset="-122"/>
+              </a:rPr>
+              <a:t>)</a:t>
+            </a:r>
+            <a:r>
+              <a:rPr kumimoji="1" lang="zh-CN" altLang="en-US" sz="2700" dirty="0">
+                <a:latin typeface="Microsoft YaHei" panose="020B0503020204020204" pitchFamily="34" charset="-122"/>
+                <a:ea typeface="Microsoft YaHei" panose="020B0503020204020204" pitchFamily="34" charset="-122"/>
+              </a:rPr>
+              <a:t>，得到所有偶数</a:t>
+            </a:r>
+            <a:endParaRPr kumimoji="1" lang="zh-CN" altLang="en-US" sz="2700" dirty="0">
+              <a:latin typeface="Microsoft YaHei" panose="020B0503020204020204" pitchFamily="34" charset="-122"/>
+              <a:ea typeface="Microsoft YaHei" panose="020B0503020204020204" pitchFamily="34" charset="-122"/>
+            </a:endParaRPr>
+          </a:p>
+          <a:p>
+            <a:pPr marL="0" indent="0">
+              <a:buNone/>
+            </a:pPr>
+            <a:r>
+              <a:rPr kumimoji="1" lang="zh-CN" altLang="en-US" sz="2700" dirty="0">
+                <a:latin typeface="Microsoft YaHei" panose="020B0503020204020204" pitchFamily="34" charset="-122"/>
+                <a:ea typeface="Microsoft YaHei" panose="020B0503020204020204" pitchFamily="34" charset="-122"/>
+              </a:rPr>
+              <a:t>偶数：</a:t>
+            </a:r>
+            <a:r>
+              <a:rPr kumimoji="1" sz="2700" dirty="0">
+                <a:latin typeface="Microsoft YaHei" panose="020B0503020204020204" pitchFamily="34" charset="-122"/>
+                <a:ea typeface="Microsoft YaHei" panose="020B0503020204020204" pitchFamily="34" charset="-122"/>
+              </a:rPr>
+              <a:t>能够被2所整除的整数</a:t>
+            </a:r>
+            <a:r>
+              <a:rPr kumimoji="1" lang="zh-CN" sz="2700" dirty="0">
+                <a:latin typeface="Microsoft YaHei" panose="020B0503020204020204" pitchFamily="34" charset="-122"/>
+                <a:ea typeface="Microsoft YaHei" panose="020B0503020204020204" pitchFamily="34" charset="-122"/>
+              </a:rPr>
+              <a:t>，</a:t>
+            </a:r>
+            <a:r>
+              <a:rPr kumimoji="1" sz="2700" dirty="0">
+                <a:latin typeface="Microsoft YaHei" panose="020B0503020204020204" pitchFamily="34" charset="-122"/>
+                <a:ea typeface="Microsoft YaHei" panose="020B0503020204020204" pitchFamily="34" charset="-122"/>
+              </a:rPr>
+              <a:t>是2的倍数</a:t>
+            </a:r>
+            <a:endParaRPr kumimoji="1" sz="2700" dirty="0">
+              <a:latin typeface="Microsoft YaHei" panose="020B0503020204020204" pitchFamily="34" charset="-122"/>
+              <a:ea typeface="Microsoft YaHei" panose="020B0503020204020204" pitchFamily="34" charset="-122"/>
+            </a:endParaRPr>
+          </a:p>
+          <a:p>
+            <a:pPr marL="0" indent="0">
+              <a:buNone/>
+            </a:pPr>
+            <a:endParaRPr kumimoji="1" lang="zh-CN" altLang="en-US" sz="2700" dirty="0">
+              <a:latin typeface="Microsoft YaHei" panose="020B0503020204020204" pitchFamily="34" charset="-122"/>
+              <a:ea typeface="Microsoft YaHei" panose="020B0503020204020204" pitchFamily="34" charset="-122"/>
+            </a:endParaRPr>
+          </a:p>
+          <a:p>
+            <a:pPr marL="0" indent="0">
+              <a:buNone/>
+            </a:pPr>
+            <a:r>
+              <a:rPr kumimoji="1" lang="zh-CN" altLang="en-US" sz="2700" dirty="0">
+                <a:latin typeface="Microsoft YaHei" panose="020B0503020204020204" pitchFamily="34" charset="-122"/>
+                <a:ea typeface="Microsoft YaHei" panose="020B0503020204020204" pitchFamily="34" charset="-122"/>
+              </a:rPr>
+              <a:t>输入：</a:t>
+            </a:r>
+            <a:r>
+              <a:rPr kumimoji="1" lang="en-US" altLang="zh-CN" sz="2700" dirty="0">
+                <a:latin typeface="Microsoft YaHei" panose="020B0503020204020204" pitchFamily="34" charset="-122"/>
+                <a:ea typeface="Microsoft YaHei" panose="020B0503020204020204" pitchFamily="34" charset="-122"/>
+              </a:rPr>
+              <a:t>begin=4</a:t>
+            </a:r>
+            <a:r>
+              <a:rPr kumimoji="1" lang="zh-CN" altLang="en-US" sz="2700" dirty="0">
+                <a:latin typeface="Microsoft YaHei" panose="020B0503020204020204" pitchFamily="34" charset="-122"/>
+                <a:ea typeface="Microsoft YaHei" panose="020B0503020204020204" pitchFamily="34" charset="-122"/>
+              </a:rPr>
+              <a:t>、</a:t>
+            </a:r>
+            <a:r>
+              <a:rPr kumimoji="1" lang="en-US" altLang="zh-CN" sz="2700" dirty="0">
+                <a:latin typeface="Microsoft YaHei" panose="020B0503020204020204" pitchFamily="34" charset="-122"/>
+                <a:ea typeface="Microsoft YaHei" panose="020B0503020204020204" pitchFamily="34" charset="-122"/>
+              </a:rPr>
+              <a:t>end=15</a:t>
+            </a:r>
+            <a:endParaRPr kumimoji="1" lang="en-US" altLang="zh-CN" sz="2700" dirty="0">
+              <a:latin typeface="Microsoft YaHei" panose="020B0503020204020204" pitchFamily="34" charset="-122"/>
+              <a:ea typeface="Microsoft YaHei" panose="020B0503020204020204" pitchFamily="34" charset="-122"/>
+            </a:endParaRPr>
+          </a:p>
+          <a:p>
+            <a:pPr marL="0" indent="0">
+              <a:buNone/>
+            </a:pPr>
+            <a:r>
+              <a:rPr kumimoji="1" lang="zh-CN" altLang="en-US" sz="2700" dirty="0">
+                <a:latin typeface="Microsoft YaHei" panose="020B0503020204020204" pitchFamily="34" charset="-122"/>
+                <a:ea typeface="Microsoft YaHei" panose="020B0503020204020204" pitchFamily="34" charset="-122"/>
+              </a:rPr>
+              <a:t>返回：</a:t>
+            </a:r>
+            <a:r>
+              <a:rPr kumimoji="1" lang="en-US" altLang="zh-CN" sz="2700" dirty="0">
+                <a:latin typeface="Microsoft YaHei" panose="020B0503020204020204" pitchFamily="34" charset="-122"/>
+                <a:ea typeface="Microsoft YaHei" panose="020B0503020204020204" pitchFamily="34" charset="-122"/>
+              </a:rPr>
+              <a:t>[</a:t>
+            </a:r>
+            <a:r>
+              <a:rPr kumimoji="1" lang="zh-CN" altLang="en-US" sz="2700" dirty="0">
+                <a:latin typeface="Microsoft YaHei" panose="020B0503020204020204" pitchFamily="34" charset="-122"/>
+                <a:ea typeface="Microsoft YaHei" panose="020B0503020204020204" pitchFamily="34" charset="-122"/>
+              </a:rPr>
+              <a:t>4, 6, 8, 10, 12, 14</a:t>
+            </a:r>
+            <a:r>
+              <a:rPr kumimoji="1" lang="en-US" altLang="zh-CN" sz="2700" dirty="0">
+                <a:latin typeface="Microsoft YaHei" panose="020B0503020204020204" pitchFamily="34" charset="-122"/>
+                <a:ea typeface="Microsoft YaHei" panose="020B0503020204020204" pitchFamily="34" charset="-122"/>
+              </a:rPr>
+              <a:t>]</a:t>
+            </a:r>
+            <a:endParaRPr kumimoji="1" lang="en-US" altLang="zh-CN" sz="2700" dirty="0">
+              <a:latin typeface="Microsoft YaHei" panose="020B0503020204020204" pitchFamily="34" charset="-122"/>
+              <a:ea typeface="Microsoft YaHei" panose="020B0503020204020204" pitchFamily="34" charset="-122"/>
+            </a:endParaRPr>
+          </a:p>
+        </p:txBody>
+      </p:sp>
+      <p:sp>
+        <p:nvSpPr>
+          <p:cNvPr id="5" name="矩形 4"/>
+          <p:cNvSpPr/>
+          <p:nvPr/>
+        </p:nvSpPr>
+        <p:spPr>
+          <a:xfrm>
+            <a:off x="309880" y="799544"/>
+            <a:ext cx="8524240" cy="714375"/>
+          </a:xfrm>
+          <a:prstGeom prst="rect">
+            <a:avLst/>
+          </a:prstGeom>
+        </p:spPr>
+        <p:txBody>
+          <a:bodyPr wrap="none">
+            <a:spAutoFit/>
+          </a:bodyPr>
+          <a:lstStyle/>
+          <a:p>
+            <a:pPr algn="ctr"/>
+            <a:r>
+              <a:rPr kumimoji="1" lang="zh-CN" altLang="en-US" sz="4050" b="1" dirty="0">
+                <a:solidFill>
+                  <a:schemeClr val="tx1"/>
+                </a:solidFill>
+                <a:latin typeface="Microsoft YaHei" panose="020B0503020204020204" pitchFamily="34" charset="-122"/>
+                <a:ea typeface="Microsoft YaHei" panose="020B0503020204020204" pitchFamily="34" charset="-122"/>
+                <a:sym typeface="+mn-ea"/>
+              </a:rPr>
+              <a:t>第</a:t>
+            </a:r>
+            <a:r>
+              <a:rPr kumimoji="1" lang="en-US" altLang="zh-CN" sz="4050" b="1" dirty="0">
+                <a:solidFill>
+                  <a:schemeClr val="tx1"/>
+                </a:solidFill>
+                <a:latin typeface="Microsoft YaHei" panose="020B0503020204020204" pitchFamily="34" charset="-122"/>
+                <a:ea typeface="Microsoft YaHei" panose="020B0503020204020204" pitchFamily="34" charset="-122"/>
+                <a:sym typeface="+mn-ea"/>
+              </a:rPr>
+              <a:t>007</a:t>
+            </a:r>
+            <a:r>
+              <a:rPr kumimoji="1" lang="zh-CN" altLang="en-US" sz="4050" b="1" dirty="0">
+                <a:solidFill>
+                  <a:schemeClr val="tx1"/>
+                </a:solidFill>
+                <a:latin typeface="Microsoft YaHei" panose="020B0503020204020204" pitchFamily="34" charset="-122"/>
+                <a:ea typeface="Microsoft YaHei" panose="020B0503020204020204" pitchFamily="34" charset="-122"/>
+                <a:sym typeface="+mn-ea"/>
+              </a:rPr>
+              <a:t>集 计算数字范围中</a:t>
+            </a:r>
+            <a:r>
+              <a:rPr lang="zh-CN" altLang="en-US" sz="4050" b="1" dirty="0">
+                <a:solidFill>
+                  <a:schemeClr val="tx1"/>
+                </a:solidFill>
+                <a:latin typeface="Microsoft YaHei" panose="020B0503020204020204" pitchFamily="34" charset="-122"/>
+                <a:ea typeface="Microsoft YaHei" panose="020B0503020204020204" pitchFamily="34" charset="-122"/>
+                <a:sym typeface="+mn-ea"/>
+              </a:rPr>
+              <a:t>所有的偶数</a:t>
+            </a:r>
+            <a:endParaRPr lang="zh-CN" altLang="en-US" sz="4050" b="1" dirty="0">
+              <a:solidFill>
+                <a:schemeClr val="tx1"/>
+              </a:solidFill>
+              <a:latin typeface="Microsoft YaHei" panose="020B0503020204020204" pitchFamily="34" charset="-122"/>
+              <a:ea typeface="Microsoft YaHei" panose="020B0503020204020204" pitchFamily="34" charset="-122"/>
+              <a:sym typeface="+mn-ea"/>
+            </a:endParaRPr>
+          </a:p>
+        </p:txBody>
+      </p:sp>
+    </p:spTree>
+  </p:cSld>
+  <p:clrMapOvr>
+    <a:masterClrMapping/>
+  </p:clrMapOvr>
+</p:sld>
+</file>
+
+<file path=ppt/slides/slide16.xml><?xml version="1.0" encoding="utf-8"?>
+<p:sld xmlns:a="http://schemas.openxmlformats.org/drawingml/2006/main" xmlns:r="http://schemas.openxmlformats.org/officeDocument/2006/relationships" xmlns:p="http://schemas.openxmlformats.org/presentationml/2006/main">
+  <p:cSld>
+    <p:spTree>
+      <p:nvGrpSpPr>
+        <p:cNvPr id="1" name=""/>
+        <p:cNvGrpSpPr/>
+        <p:nvPr/>
+      </p:nvGrpSpPr>
+      <p:grpSpPr>
+        <a:xfrm>
+          <a:off x="0" y="0"/>
+          <a:ext cx="0" cy="0"/>
+          <a:chOff x="0" y="0"/>
+          <a:chExt cx="0" cy="0"/>
+        </a:xfrm>
+      </p:grpSpPr>
+      <p:sp>
+        <p:nvSpPr>
+          <p:cNvPr id="6" name="矩形 5"/>
+          <p:cNvSpPr/>
+          <p:nvPr/>
+        </p:nvSpPr>
+        <p:spPr>
+          <a:xfrm>
+            <a:off x="2123514" y="966484"/>
+            <a:ext cx="4895850" cy="1845310"/>
+          </a:xfrm>
+          <a:prstGeom prst="rect">
+            <a:avLst/>
+          </a:prstGeom>
+        </p:spPr>
+        <p:txBody>
+          <a:bodyPr wrap="none">
+            <a:spAutoFit/>
+          </a:bodyPr>
+          <a:lstStyle/>
+          <a:p>
+            <a:pPr algn="ctr"/>
+            <a:r>
+              <a:rPr kumimoji="1" lang="en-US" altLang="zh-CN" sz="6000" dirty="0">
+                <a:latin typeface="Microsoft YaHei" panose="020B0503020204020204" pitchFamily="34" charset="-122"/>
+                <a:ea typeface="Microsoft YaHei" panose="020B0503020204020204" pitchFamily="34" charset="-122"/>
+              </a:rPr>
+              <a:t>Python</a:t>
+            </a:r>
+            <a:endParaRPr kumimoji="1" lang="en-US" altLang="zh-CN" sz="6000" dirty="0">
+              <a:latin typeface="Microsoft YaHei" panose="020B0503020204020204" pitchFamily="34" charset="-122"/>
+              <a:ea typeface="Microsoft YaHei" panose="020B0503020204020204" pitchFamily="34" charset="-122"/>
+            </a:endParaRPr>
+          </a:p>
+          <a:p>
+            <a:pPr algn="ctr"/>
+            <a:r>
+              <a:rPr kumimoji="1" lang="zh-CN" altLang="en-US" sz="5400" dirty="0">
+                <a:latin typeface="Microsoft YaHei" panose="020B0503020204020204" pitchFamily="34" charset="-122"/>
+                <a:ea typeface="Microsoft YaHei" panose="020B0503020204020204" pitchFamily="34" charset="-122"/>
+              </a:rPr>
+              <a:t>入门编程</a:t>
+            </a:r>
+            <a:r>
               <a:rPr kumimoji="1" lang="en-US" altLang="zh-CN" sz="5400" dirty="0">
                 <a:latin typeface="Microsoft YaHei" panose="020B0503020204020204" pitchFamily="34" charset="-122"/>
                 <a:ea typeface="Microsoft YaHei" panose="020B0503020204020204" pitchFamily="34" charset="-122"/>
               </a:rPr>
-              <a:t>006</a:t>
+              <a:t>100</a:t>
             </a:r>
             <a:r>
               <a:rPr kumimoji="1" lang="zh-CN" altLang="en-US" sz="5400" dirty="0">
                 <a:latin typeface="Microsoft YaHei" panose="020B0503020204020204" pitchFamily="34" charset="-122"/>
                 <a:ea typeface="Microsoft YaHei" panose="020B0503020204020204" pitchFamily="34" charset="-122"/>
               </a:rPr>
+              <a:t>例</a:t>
+            </a:r>
+            <a:endParaRPr kumimoji="1" lang="zh-CN" altLang="en-US" sz="5400" dirty="0">
+              <a:latin typeface="Microsoft YaHei" panose="020B0503020204020204" pitchFamily="34" charset="-122"/>
+              <a:ea typeface="Microsoft YaHei" panose="020B0503020204020204" pitchFamily="34" charset="-122"/>
+            </a:endParaRPr>
+          </a:p>
+        </p:txBody>
+      </p:sp>
+      <p:sp>
+        <p:nvSpPr>
+          <p:cNvPr id="3" name="矩形 2"/>
+          <p:cNvSpPr/>
+          <p:nvPr/>
+        </p:nvSpPr>
+        <p:spPr>
+          <a:xfrm>
+            <a:off x="1905257" y="2915671"/>
+            <a:ext cx="5332730" cy="1337945"/>
+          </a:xfrm>
+          <a:prstGeom prst="rect">
+            <a:avLst/>
+          </a:prstGeom>
+          <a:solidFill>
+            <a:srgbClr val="FFC000"/>
+          </a:solidFill>
+          <a:ln>
+            <a:noFill/>
+          </a:ln>
+        </p:spPr>
+        <p:style>
+          <a:lnRef idx="3">
+            <a:schemeClr val="lt1"/>
+          </a:lnRef>
+          <a:fillRef idx="1">
+            <a:schemeClr val="accent5"/>
+          </a:fillRef>
+          <a:effectRef idx="1">
+            <a:schemeClr val="accent5"/>
+          </a:effectRef>
+          <a:fontRef idx="minor">
+            <a:schemeClr val="lt1"/>
+          </a:fontRef>
+        </p:style>
+        <p:txBody>
+          <a:bodyPr wrap="none">
+            <a:spAutoFit/>
+          </a:bodyPr>
+          <a:lstStyle/>
+          <a:p>
+            <a:pPr algn="ctr"/>
+            <a:r>
+              <a:rPr kumimoji="1" lang="zh-CN" altLang="en-US" sz="4050" b="1" dirty="0">
+                <a:solidFill>
+                  <a:schemeClr val="bg1"/>
+                </a:solidFill>
+                <a:latin typeface="Microsoft YaHei" panose="020B0503020204020204" pitchFamily="34" charset="-122"/>
+                <a:ea typeface="Microsoft YaHei" panose="020B0503020204020204" pitchFamily="34" charset="-122"/>
+              </a:rPr>
+              <a:t>第</a:t>
+            </a:r>
+            <a:r>
+              <a:rPr kumimoji="1" lang="en-US" altLang="zh-CN" sz="4050" b="1" dirty="0">
+                <a:solidFill>
+                  <a:schemeClr val="bg1"/>
+                </a:solidFill>
+                <a:latin typeface="Microsoft YaHei" panose="020B0503020204020204" pitchFamily="34" charset="-122"/>
+                <a:ea typeface="Microsoft YaHei" panose="020B0503020204020204" pitchFamily="34" charset="-122"/>
+              </a:rPr>
+              <a:t>008</a:t>
+            </a:r>
+            <a:r>
+              <a:rPr kumimoji="1" lang="zh-CN" altLang="en-US" sz="4050" b="1" dirty="0">
+                <a:solidFill>
+                  <a:schemeClr val="bg1"/>
+                </a:solidFill>
+                <a:latin typeface="Microsoft YaHei" panose="020B0503020204020204" pitchFamily="34" charset="-122"/>
+                <a:ea typeface="Microsoft YaHei" panose="020B0503020204020204" pitchFamily="34" charset="-122"/>
+              </a:rPr>
               <a:t>集 </a:t>
             </a:r>
-            <a:r>
-              <a:rPr lang="zh-CN" altLang="en-US" sz="5400" dirty="0">
-                <a:latin typeface="Microsoft YaHei" panose="020B0503020204020204" pitchFamily="34" charset="-122"/>
-                <a:ea typeface="Microsoft YaHei" panose="020B0503020204020204" pitchFamily="34" charset="-122"/>
-              </a:rPr>
-              <a:t>计算列表数字的和</a:t>
-            </a:r>
+            <a:endParaRPr kumimoji="1" lang="zh-CN" altLang="en-US" sz="4050" b="1" dirty="0">
+              <a:solidFill>
+                <a:schemeClr val="bg1"/>
+              </a:solidFill>
+              <a:latin typeface="Microsoft YaHei" panose="020B0503020204020204" pitchFamily="34" charset="-122"/>
+              <a:ea typeface="Microsoft YaHei" panose="020B0503020204020204" pitchFamily="34" charset="-122"/>
+            </a:endParaRPr>
+          </a:p>
+          <a:p>
+            <a:pPr algn="ctr"/>
+            <a:r>
+              <a:rPr kumimoji="1" lang="zh-CN" altLang="en-US" sz="4050" b="1" dirty="0">
+                <a:solidFill>
+                  <a:schemeClr val="bg1"/>
+                </a:solidFill>
+                <a:latin typeface="Microsoft YaHei" panose="020B0503020204020204" pitchFamily="34" charset="-122"/>
+                <a:ea typeface="Microsoft YaHei" panose="020B0503020204020204" pitchFamily="34" charset="-122"/>
+              </a:rPr>
+              <a:t>移除列表中的多个元素</a:t>
+            </a:r>
+            <a:endParaRPr kumimoji="1" lang="zh-CN" altLang="en-US" sz="4050" b="1" dirty="0">
+              <a:solidFill>
+                <a:schemeClr val="bg1"/>
+              </a:solidFill>
+              <a:latin typeface="Microsoft YaHei" panose="020B0503020204020204" pitchFamily="34" charset="-122"/>
+              <a:ea typeface="Microsoft YaHei" panose="020B0503020204020204" pitchFamily="34" charset="-122"/>
+            </a:endParaRPr>
           </a:p>
         </p:txBody>
       </p:sp>
     </p:spTree>
-    <p:extLst>
-      <p:ext uri="{BB962C8B-B14F-4D97-AF65-F5344CB8AC3E}">
-        <p14:creationId xmlns:p14="http://schemas.microsoft.com/office/powerpoint/2010/main" val="1218467732"/>
-      </p:ext>
-    </p:extLst>
+  </p:cSld>
+  <p:clrMapOvr>
+    <a:masterClrMapping/>
+  </p:clrMapOvr>
+</p:sld>
+</file>
+
+<file path=ppt/slides/slide17.xml><?xml version="1.0" encoding="utf-8"?>
+<p:sld xmlns:a="http://schemas.openxmlformats.org/drawingml/2006/main" xmlns:r="http://schemas.openxmlformats.org/officeDocument/2006/relationships" xmlns:p="http://schemas.openxmlformats.org/presentationml/2006/main">
+  <p:cSld>
+    <p:spTree>
+      <p:nvGrpSpPr>
+        <p:cNvPr id="1" name=""/>
+        <p:cNvGrpSpPr/>
+        <p:nvPr/>
+      </p:nvGrpSpPr>
+      <p:grpSpPr>
+        <a:xfrm>
+          <a:off x="0" y="0"/>
+          <a:ext cx="0" cy="0"/>
+          <a:chOff x="0" y="0"/>
+          <a:chExt cx="0" cy="0"/>
+        </a:xfrm>
+      </p:grpSpPr>
+      <p:sp>
+        <p:nvSpPr>
+          <p:cNvPr id="3" name="内容占位符 2"/>
+          <p:cNvSpPr>
+            <a:spLocks noGrp="1"/>
+          </p:cNvSpPr>
+          <p:nvPr>
+            <p:ph idx="1"/>
+          </p:nvPr>
+        </p:nvSpPr>
+        <p:spPr>
+          <a:xfrm>
+            <a:off x="853440" y="1855313"/>
+            <a:ext cx="7087076" cy="2675096"/>
+          </a:xfrm>
+        </p:spPr>
+        <p:txBody>
+          <a:bodyPr>
+            <a:noAutofit/>
+          </a:bodyPr>
+          <a:lstStyle/>
+          <a:p>
+            <a:pPr marL="0" indent="0">
+              <a:buNone/>
+            </a:pPr>
+            <a:r>
+              <a:rPr kumimoji="1" lang="zh-CN" altLang="en-US" sz="2700" dirty="0">
+                <a:latin typeface="Microsoft YaHei" panose="020B0503020204020204" pitchFamily="34" charset="-122"/>
+                <a:ea typeface="Microsoft YaHei" panose="020B0503020204020204" pitchFamily="34" charset="-122"/>
+              </a:rPr>
+              <a:t>输入：</a:t>
+            </a:r>
+            <a:endParaRPr kumimoji="1" lang="zh-CN" altLang="en-US" sz="2700" dirty="0">
+              <a:latin typeface="Microsoft YaHei" panose="020B0503020204020204" pitchFamily="34" charset="-122"/>
+              <a:ea typeface="Microsoft YaHei" panose="020B0503020204020204" pitchFamily="34" charset="-122"/>
+            </a:endParaRPr>
+          </a:p>
+          <a:p>
+            <a:pPr lvl="1"/>
+            <a:r>
+              <a:rPr kumimoji="1" lang="zh-CN" altLang="en-US" sz="2400" dirty="0">
+                <a:latin typeface="Microsoft YaHei" panose="020B0503020204020204" pitchFamily="34" charset="-122"/>
+                <a:ea typeface="Microsoft YaHei" panose="020B0503020204020204" pitchFamily="34" charset="-122"/>
+              </a:rPr>
+              <a:t>原始列表：</a:t>
+            </a:r>
+            <a:r>
+              <a:rPr kumimoji="1" lang="en-US" altLang="zh-CN" sz="2400" dirty="0">
+                <a:latin typeface="Microsoft YaHei" panose="020B0503020204020204" pitchFamily="34" charset="-122"/>
+                <a:ea typeface="Microsoft YaHei" panose="020B0503020204020204" pitchFamily="34" charset="-122"/>
+              </a:rPr>
+              <a:t>[3, 5, 7, 9, 11, 13]</a:t>
+            </a:r>
+            <a:endParaRPr kumimoji="1" lang="en-US" altLang="zh-CN" sz="2400" dirty="0">
+              <a:latin typeface="Microsoft YaHei" panose="020B0503020204020204" pitchFamily="34" charset="-122"/>
+              <a:ea typeface="Microsoft YaHei" panose="020B0503020204020204" pitchFamily="34" charset="-122"/>
+            </a:endParaRPr>
+          </a:p>
+          <a:p>
+            <a:pPr lvl="1"/>
+            <a:r>
+              <a:rPr kumimoji="1" lang="zh-CN" altLang="en-US" sz="2400" dirty="0">
+                <a:latin typeface="Microsoft YaHei" panose="020B0503020204020204" pitchFamily="34" charset="-122"/>
+                <a:ea typeface="Microsoft YaHei" panose="020B0503020204020204" pitchFamily="34" charset="-122"/>
+              </a:rPr>
+              <a:t>移除元素：</a:t>
+            </a:r>
+            <a:r>
+              <a:rPr kumimoji="1" lang="en-US" altLang="zh-CN" sz="2400" dirty="0">
+                <a:latin typeface="Microsoft YaHei" panose="020B0503020204020204" pitchFamily="34" charset="-122"/>
+                <a:ea typeface="Microsoft YaHei" panose="020B0503020204020204" pitchFamily="34" charset="-122"/>
+              </a:rPr>
+              <a:t>[7, 11]</a:t>
+            </a:r>
+            <a:endParaRPr kumimoji="1" lang="en-US" altLang="zh-CN" sz="2400" dirty="0">
+              <a:latin typeface="Microsoft YaHei" panose="020B0503020204020204" pitchFamily="34" charset="-122"/>
+              <a:ea typeface="Microsoft YaHei" panose="020B0503020204020204" pitchFamily="34" charset="-122"/>
+            </a:endParaRPr>
+          </a:p>
+          <a:p>
+            <a:pPr lvl="0"/>
+            <a:r>
+              <a:rPr kumimoji="1" lang="zh-CN" altLang="en-US" sz="2695" dirty="0">
+                <a:latin typeface="Microsoft YaHei" panose="020B0503020204020204" pitchFamily="34" charset="-122"/>
+                <a:ea typeface="Microsoft YaHei" panose="020B0503020204020204" pitchFamily="34" charset="-122"/>
+              </a:rPr>
+              <a:t>返回：</a:t>
+            </a:r>
+            <a:endParaRPr kumimoji="1" lang="zh-CN" altLang="en-US" sz="2695" dirty="0">
+              <a:latin typeface="Microsoft YaHei" panose="020B0503020204020204" pitchFamily="34" charset="-122"/>
+              <a:ea typeface="Microsoft YaHei" panose="020B0503020204020204" pitchFamily="34" charset="-122"/>
+            </a:endParaRPr>
+          </a:p>
+          <a:p>
+            <a:pPr lvl="1"/>
+            <a:r>
+              <a:rPr kumimoji="1" lang="en-US" altLang="zh-CN" sz="2395" dirty="0">
+                <a:latin typeface="Microsoft YaHei" panose="020B0503020204020204" pitchFamily="34" charset="-122"/>
+                <a:ea typeface="Microsoft YaHei" panose="020B0503020204020204" pitchFamily="34" charset="-122"/>
+              </a:rPr>
+              <a:t>[3, 5, 9, 13]</a:t>
+            </a:r>
+            <a:endParaRPr kumimoji="1" lang="en-US" altLang="zh-CN" sz="2395" dirty="0">
+              <a:latin typeface="Microsoft YaHei" panose="020B0503020204020204" pitchFamily="34" charset="-122"/>
+              <a:ea typeface="Microsoft YaHei" panose="020B0503020204020204" pitchFamily="34" charset="-122"/>
+            </a:endParaRPr>
+          </a:p>
+        </p:txBody>
+      </p:sp>
+      <p:sp>
+        <p:nvSpPr>
+          <p:cNvPr id="5" name="矩形 4"/>
+          <p:cNvSpPr/>
+          <p:nvPr/>
+        </p:nvSpPr>
+        <p:spPr>
+          <a:xfrm>
+            <a:off x="824865" y="799544"/>
+            <a:ext cx="7494270" cy="714375"/>
+          </a:xfrm>
+          <a:prstGeom prst="rect">
+            <a:avLst/>
+          </a:prstGeom>
+        </p:spPr>
+        <p:txBody>
+          <a:bodyPr wrap="none">
+            <a:spAutoFit/>
+          </a:bodyPr>
+          <a:lstStyle/>
+          <a:p>
+            <a:pPr algn="ctr"/>
+            <a:r>
+              <a:rPr kumimoji="1" lang="zh-CN" altLang="en-US" sz="4050" b="1" dirty="0">
+                <a:solidFill>
+                  <a:schemeClr val="tx1"/>
+                </a:solidFill>
+                <a:latin typeface="Microsoft YaHei" panose="020B0503020204020204" pitchFamily="34" charset="-122"/>
+                <a:ea typeface="Microsoft YaHei" panose="020B0503020204020204" pitchFamily="34" charset="-122"/>
+                <a:sym typeface="+mn-ea"/>
+              </a:rPr>
+              <a:t>第</a:t>
+            </a:r>
+            <a:r>
+              <a:rPr kumimoji="1" lang="en-US" altLang="zh-CN" sz="4050" b="1" dirty="0">
+                <a:solidFill>
+                  <a:schemeClr val="tx1"/>
+                </a:solidFill>
+                <a:latin typeface="Microsoft YaHei" panose="020B0503020204020204" pitchFamily="34" charset="-122"/>
+                <a:ea typeface="Microsoft YaHei" panose="020B0503020204020204" pitchFamily="34" charset="-122"/>
+                <a:sym typeface="+mn-ea"/>
+              </a:rPr>
+              <a:t>008</a:t>
+            </a:r>
+            <a:r>
+              <a:rPr kumimoji="1" lang="zh-CN" altLang="en-US" sz="4050" b="1" dirty="0">
+                <a:solidFill>
+                  <a:schemeClr val="tx1"/>
+                </a:solidFill>
+                <a:latin typeface="Microsoft YaHei" panose="020B0503020204020204" pitchFamily="34" charset="-122"/>
+                <a:ea typeface="Microsoft YaHei" panose="020B0503020204020204" pitchFamily="34" charset="-122"/>
+                <a:sym typeface="+mn-ea"/>
+              </a:rPr>
+              <a:t>集 移除列表中的多个元素</a:t>
+            </a:r>
+            <a:endParaRPr kumimoji="1" lang="zh-CN" altLang="en-US" sz="4050" b="1" dirty="0">
+              <a:solidFill>
+                <a:schemeClr val="tx1"/>
+              </a:solidFill>
+              <a:latin typeface="Microsoft YaHei" panose="020B0503020204020204" pitchFamily="34" charset="-122"/>
+              <a:ea typeface="Microsoft YaHei" panose="020B0503020204020204" pitchFamily="34" charset="-122"/>
+              <a:sym typeface="+mn-ea"/>
+            </a:endParaRPr>
+          </a:p>
+        </p:txBody>
+      </p:sp>
+    </p:spTree>
+  </p:cSld>
+  <p:clrMapOvr>
+    <a:masterClrMapping/>
+  </p:clrMapOvr>
+</p:sld>
+</file>
+
+<file path=ppt/slides/slide18.xml><?xml version="1.0" encoding="utf-8"?>
+<p:sld xmlns:a="http://schemas.openxmlformats.org/drawingml/2006/main" xmlns:r="http://schemas.openxmlformats.org/officeDocument/2006/relationships" xmlns:p="http://schemas.openxmlformats.org/presentationml/2006/main">
+  <p:cSld>
+    <p:spTree>
+      <p:nvGrpSpPr>
+        <p:cNvPr id="1" name=""/>
+        <p:cNvGrpSpPr/>
+        <p:nvPr/>
+      </p:nvGrpSpPr>
+      <p:grpSpPr>
+        <a:xfrm>
+          <a:off x="0" y="0"/>
+          <a:ext cx="0" cy="0"/>
+          <a:chOff x="0" y="0"/>
+          <a:chExt cx="0" cy="0"/>
+        </a:xfrm>
+      </p:grpSpPr>
+      <p:sp>
+        <p:nvSpPr>
+          <p:cNvPr id="6" name="矩形 5"/>
+          <p:cNvSpPr/>
+          <p:nvPr/>
+        </p:nvSpPr>
+        <p:spPr>
+          <a:xfrm>
+            <a:off x="2123514" y="966484"/>
+            <a:ext cx="4895850" cy="1845310"/>
+          </a:xfrm>
+          <a:prstGeom prst="rect">
+            <a:avLst/>
+          </a:prstGeom>
+        </p:spPr>
+        <p:txBody>
+          <a:bodyPr wrap="none">
+            <a:spAutoFit/>
+          </a:bodyPr>
+          <a:lstStyle/>
+          <a:p>
+            <a:pPr algn="ctr"/>
+            <a:r>
+              <a:rPr kumimoji="1" lang="en-US" altLang="zh-CN" sz="6000" dirty="0">
+                <a:latin typeface="Microsoft YaHei" panose="020B0503020204020204" pitchFamily="34" charset="-122"/>
+                <a:ea typeface="Microsoft YaHei" panose="020B0503020204020204" pitchFamily="34" charset="-122"/>
+              </a:rPr>
+              <a:t>Python</a:t>
+            </a:r>
+            <a:endParaRPr kumimoji="1" lang="en-US" altLang="zh-CN" sz="6000" dirty="0">
+              <a:latin typeface="Microsoft YaHei" panose="020B0503020204020204" pitchFamily="34" charset="-122"/>
+              <a:ea typeface="Microsoft YaHei" panose="020B0503020204020204" pitchFamily="34" charset="-122"/>
+            </a:endParaRPr>
+          </a:p>
+          <a:p>
+            <a:pPr algn="ctr"/>
+            <a:r>
+              <a:rPr kumimoji="1" lang="zh-CN" altLang="en-US" sz="5400" dirty="0">
+                <a:latin typeface="Microsoft YaHei" panose="020B0503020204020204" pitchFamily="34" charset="-122"/>
+                <a:ea typeface="Microsoft YaHei" panose="020B0503020204020204" pitchFamily="34" charset="-122"/>
+              </a:rPr>
+              <a:t>入门编程</a:t>
+            </a:r>
+            <a:r>
+              <a:rPr kumimoji="1" lang="en-US" altLang="zh-CN" sz="5400" dirty="0">
+                <a:latin typeface="Microsoft YaHei" panose="020B0503020204020204" pitchFamily="34" charset="-122"/>
+                <a:ea typeface="Microsoft YaHei" panose="020B0503020204020204" pitchFamily="34" charset="-122"/>
+              </a:rPr>
+              <a:t>100</a:t>
+            </a:r>
+            <a:r>
+              <a:rPr kumimoji="1" lang="zh-CN" altLang="en-US" sz="5400" dirty="0">
+                <a:latin typeface="Microsoft YaHei" panose="020B0503020204020204" pitchFamily="34" charset="-122"/>
+                <a:ea typeface="Microsoft YaHei" panose="020B0503020204020204" pitchFamily="34" charset="-122"/>
+              </a:rPr>
+              <a:t>例</a:t>
+            </a:r>
+            <a:endParaRPr kumimoji="1" lang="zh-CN" altLang="en-US" sz="5400" dirty="0">
+              <a:latin typeface="Microsoft YaHei" panose="020B0503020204020204" pitchFamily="34" charset="-122"/>
+              <a:ea typeface="Microsoft YaHei" panose="020B0503020204020204" pitchFamily="34" charset="-122"/>
+            </a:endParaRPr>
+          </a:p>
+        </p:txBody>
+      </p:sp>
+      <p:sp>
+        <p:nvSpPr>
+          <p:cNvPr id="3" name="矩形 2"/>
+          <p:cNvSpPr/>
+          <p:nvPr/>
+        </p:nvSpPr>
+        <p:spPr>
+          <a:xfrm>
+            <a:off x="2162750" y="2915671"/>
+            <a:ext cx="4817745" cy="1337945"/>
+          </a:xfrm>
+          <a:prstGeom prst="rect">
+            <a:avLst/>
+          </a:prstGeom>
+          <a:solidFill>
+            <a:srgbClr val="FFC000"/>
+          </a:solidFill>
+          <a:ln>
+            <a:noFill/>
+          </a:ln>
+        </p:spPr>
+        <p:style>
+          <a:lnRef idx="3">
+            <a:schemeClr val="lt1"/>
+          </a:lnRef>
+          <a:fillRef idx="1">
+            <a:schemeClr val="accent5"/>
+          </a:fillRef>
+          <a:effectRef idx="1">
+            <a:schemeClr val="accent5"/>
+          </a:effectRef>
+          <a:fontRef idx="minor">
+            <a:schemeClr val="lt1"/>
+          </a:fontRef>
+        </p:style>
+        <p:txBody>
+          <a:bodyPr wrap="none">
+            <a:spAutoFit/>
+          </a:bodyPr>
+          <a:lstStyle/>
+          <a:p>
+            <a:pPr algn="ctr"/>
+            <a:r>
+              <a:rPr kumimoji="1" lang="zh-CN" altLang="en-US" sz="4050" b="1" dirty="0">
+                <a:solidFill>
+                  <a:schemeClr val="bg1"/>
+                </a:solidFill>
+                <a:latin typeface="Microsoft YaHei" panose="020B0503020204020204" pitchFamily="34" charset="-122"/>
+                <a:ea typeface="Microsoft YaHei" panose="020B0503020204020204" pitchFamily="34" charset="-122"/>
+              </a:rPr>
+              <a:t>第</a:t>
+            </a:r>
+            <a:r>
+              <a:rPr kumimoji="1" lang="en-US" altLang="zh-CN" sz="4050" b="1" dirty="0">
+                <a:solidFill>
+                  <a:schemeClr val="bg1"/>
+                </a:solidFill>
+                <a:latin typeface="Microsoft YaHei" panose="020B0503020204020204" pitchFamily="34" charset="-122"/>
+                <a:ea typeface="Microsoft YaHei" panose="020B0503020204020204" pitchFamily="34" charset="-122"/>
+              </a:rPr>
+              <a:t>009</a:t>
+            </a:r>
+            <a:r>
+              <a:rPr kumimoji="1" lang="zh-CN" altLang="en-US" sz="4050" b="1" dirty="0">
+                <a:solidFill>
+                  <a:schemeClr val="bg1"/>
+                </a:solidFill>
+                <a:latin typeface="Microsoft YaHei" panose="020B0503020204020204" pitchFamily="34" charset="-122"/>
+                <a:ea typeface="Microsoft YaHei" panose="020B0503020204020204" pitchFamily="34" charset="-122"/>
+              </a:rPr>
+              <a:t>集 </a:t>
+            </a:r>
+            <a:endParaRPr kumimoji="1" lang="zh-CN" altLang="en-US" sz="4050" b="1" dirty="0">
+              <a:solidFill>
+                <a:schemeClr val="bg1"/>
+              </a:solidFill>
+              <a:latin typeface="Microsoft YaHei" panose="020B0503020204020204" pitchFamily="34" charset="-122"/>
+              <a:ea typeface="Microsoft YaHei" panose="020B0503020204020204" pitchFamily="34" charset="-122"/>
+            </a:endParaRPr>
+          </a:p>
+          <a:p>
+            <a:pPr algn="ctr"/>
+            <a:r>
+              <a:rPr kumimoji="1" lang="zh-CN" altLang="en-US" sz="4050" b="1" dirty="0">
+                <a:solidFill>
+                  <a:schemeClr val="bg1"/>
+                </a:solidFill>
+                <a:latin typeface="Microsoft YaHei" panose="020B0503020204020204" pitchFamily="34" charset="-122"/>
+                <a:ea typeface="Microsoft YaHei" panose="020B0503020204020204" pitchFamily="34" charset="-122"/>
+              </a:rPr>
+              <a:t>怎样对列表元素去重</a:t>
+            </a:r>
+            <a:endParaRPr kumimoji="1" lang="zh-CN" altLang="en-US" sz="4050" b="1" dirty="0">
+              <a:solidFill>
+                <a:schemeClr val="bg1"/>
+              </a:solidFill>
+              <a:latin typeface="Microsoft YaHei" panose="020B0503020204020204" pitchFamily="34" charset="-122"/>
+              <a:ea typeface="Microsoft YaHei" panose="020B0503020204020204" pitchFamily="34" charset="-122"/>
+            </a:endParaRPr>
+          </a:p>
+        </p:txBody>
+      </p:sp>
+    </p:spTree>
+  </p:cSld>
+  <p:clrMapOvr>
+    <a:masterClrMapping/>
+  </p:clrMapOvr>
+</p:sld>
+</file>
+
+<file path=ppt/slides/slide19.xml><?xml version="1.0" encoding="utf-8"?>
+<p:sld xmlns:a="http://schemas.openxmlformats.org/drawingml/2006/main" xmlns:r="http://schemas.openxmlformats.org/officeDocument/2006/relationships" xmlns:p="http://schemas.openxmlformats.org/presentationml/2006/main">
+  <p:cSld>
+    <p:spTree>
+      <p:nvGrpSpPr>
+        <p:cNvPr id="1" name=""/>
+        <p:cNvGrpSpPr/>
+        <p:nvPr/>
+      </p:nvGrpSpPr>
+      <p:grpSpPr>
+        <a:xfrm>
+          <a:off x="0" y="0"/>
+          <a:ext cx="0" cy="0"/>
+          <a:chOff x="0" y="0"/>
+          <a:chExt cx="0" cy="0"/>
+        </a:xfrm>
+      </p:grpSpPr>
+      <p:sp>
+        <p:nvSpPr>
+          <p:cNvPr id="3" name="内容占位符 2"/>
+          <p:cNvSpPr>
+            <a:spLocks noGrp="1"/>
+          </p:cNvSpPr>
+          <p:nvPr>
+            <p:ph idx="1"/>
+          </p:nvPr>
+        </p:nvSpPr>
+        <p:spPr>
+          <a:xfrm>
+            <a:off x="853440" y="1855313"/>
+            <a:ext cx="7087076" cy="2675096"/>
+          </a:xfrm>
+        </p:spPr>
+        <p:txBody>
+          <a:bodyPr>
+            <a:noAutofit/>
+          </a:bodyPr>
+          <a:lstStyle/>
+          <a:p>
+            <a:r>
+              <a:rPr kumimoji="1" lang="zh-CN" altLang="en-US" sz="2700" dirty="0">
+                <a:latin typeface="Microsoft YaHei" panose="020B0503020204020204" pitchFamily="34" charset="-122"/>
+                <a:ea typeface="Microsoft YaHei" panose="020B0503020204020204" pitchFamily="34" charset="-122"/>
+              </a:rPr>
+              <a:t>输入，包含重复元素的</a:t>
+            </a:r>
+            <a:r>
+              <a:rPr kumimoji="1" lang="zh-CN" altLang="en-US" sz="2400" dirty="0">
+                <a:latin typeface="Microsoft YaHei" panose="020B0503020204020204" pitchFamily="34" charset="-122"/>
+                <a:ea typeface="Microsoft YaHei" panose="020B0503020204020204" pitchFamily="34" charset="-122"/>
+              </a:rPr>
+              <a:t>原始列表：</a:t>
+            </a:r>
+            <a:endParaRPr kumimoji="1" lang="zh-CN" altLang="en-US" sz="2400" dirty="0">
+              <a:latin typeface="Microsoft YaHei" panose="020B0503020204020204" pitchFamily="34" charset="-122"/>
+              <a:ea typeface="Microsoft YaHei" panose="020B0503020204020204" pitchFamily="34" charset="-122"/>
+            </a:endParaRPr>
+          </a:p>
+          <a:p>
+            <a:pPr marL="0" indent="0">
+              <a:buNone/>
+            </a:pPr>
+            <a:r>
+              <a:rPr kumimoji="1" lang="en-US" altLang="zh-CN" sz="2400" dirty="0">
+                <a:latin typeface="Microsoft YaHei" panose="020B0503020204020204" pitchFamily="34" charset="-122"/>
+                <a:ea typeface="Microsoft YaHei" panose="020B0503020204020204" pitchFamily="34" charset="-122"/>
+              </a:rPr>
+              <a:t>	[10</a:t>
+            </a:r>
+            <a:r>
+              <a:rPr kumimoji="1" lang="zh-CN" altLang="en-US" sz="2400" dirty="0">
+                <a:latin typeface="Microsoft YaHei" panose="020B0503020204020204" pitchFamily="34" charset="-122"/>
+                <a:ea typeface="Microsoft YaHei" panose="020B0503020204020204" pitchFamily="34" charset="-122"/>
+              </a:rPr>
+              <a:t>，</a:t>
+            </a:r>
+            <a:r>
+              <a:rPr kumimoji="1" lang="en-US" altLang="zh-CN" sz="2400" dirty="0">
+                <a:latin typeface="Microsoft YaHei" panose="020B0503020204020204" pitchFamily="34" charset="-122"/>
+                <a:ea typeface="Microsoft YaHei" panose="020B0503020204020204" pitchFamily="34" charset="-122"/>
+              </a:rPr>
+              <a:t>20</a:t>
+            </a:r>
+            <a:r>
+              <a:rPr kumimoji="1" lang="zh-CN" altLang="en-US" sz="2400" dirty="0">
+                <a:latin typeface="Microsoft YaHei" panose="020B0503020204020204" pitchFamily="34" charset="-122"/>
+                <a:ea typeface="Microsoft YaHei" panose="020B0503020204020204" pitchFamily="34" charset="-122"/>
+              </a:rPr>
+              <a:t>，</a:t>
+            </a:r>
+            <a:r>
+              <a:rPr kumimoji="1" lang="en-US" altLang="zh-CN" sz="2400" dirty="0">
+                <a:latin typeface="Microsoft YaHei" panose="020B0503020204020204" pitchFamily="34" charset="-122"/>
+                <a:ea typeface="Microsoft YaHei" panose="020B0503020204020204" pitchFamily="34" charset="-122"/>
+              </a:rPr>
+              <a:t>30</a:t>
+            </a:r>
+            <a:r>
+              <a:rPr kumimoji="1" lang="zh-CN" altLang="en-US" sz="2400" dirty="0">
+                <a:latin typeface="Microsoft YaHei" panose="020B0503020204020204" pitchFamily="34" charset="-122"/>
+                <a:ea typeface="Microsoft YaHei" panose="020B0503020204020204" pitchFamily="34" charset="-122"/>
+              </a:rPr>
+              <a:t>，</a:t>
+            </a:r>
+            <a:r>
+              <a:rPr kumimoji="1" lang="en-US" altLang="zh-CN" sz="2400" dirty="0">
+                <a:latin typeface="Microsoft YaHei" panose="020B0503020204020204" pitchFamily="34" charset="-122"/>
+                <a:ea typeface="Microsoft YaHei" panose="020B0503020204020204" pitchFamily="34" charset="-122"/>
+              </a:rPr>
+              <a:t>10</a:t>
+            </a:r>
+            <a:r>
+              <a:rPr kumimoji="1" lang="zh-CN" altLang="en-US" sz="2400" dirty="0">
+                <a:latin typeface="Microsoft YaHei" panose="020B0503020204020204" pitchFamily="34" charset="-122"/>
+                <a:ea typeface="Microsoft YaHei" panose="020B0503020204020204" pitchFamily="34" charset="-122"/>
+              </a:rPr>
+              <a:t>，</a:t>
+            </a:r>
+            <a:r>
+              <a:rPr kumimoji="1" lang="en-US" altLang="zh-CN" sz="2400" dirty="0">
+                <a:latin typeface="Microsoft YaHei" panose="020B0503020204020204" pitchFamily="34" charset="-122"/>
+                <a:ea typeface="Microsoft YaHei" panose="020B0503020204020204" pitchFamily="34" charset="-122"/>
+              </a:rPr>
+              <a:t>20]</a:t>
+            </a:r>
+            <a:endParaRPr kumimoji="1" lang="en-US" altLang="zh-CN" sz="2400" dirty="0">
+              <a:latin typeface="Microsoft YaHei" panose="020B0503020204020204" pitchFamily="34" charset="-122"/>
+              <a:ea typeface="Microsoft YaHei" panose="020B0503020204020204" pitchFamily="34" charset="-122"/>
+            </a:endParaRPr>
+          </a:p>
+          <a:p>
+            <a:pPr lvl="0"/>
+            <a:r>
+              <a:rPr kumimoji="1" lang="zh-CN" altLang="en-US" sz="2695" dirty="0">
+                <a:latin typeface="Microsoft YaHei" panose="020B0503020204020204" pitchFamily="34" charset="-122"/>
+                <a:ea typeface="Microsoft YaHei" panose="020B0503020204020204" pitchFamily="34" charset="-122"/>
+              </a:rPr>
+              <a:t>返回：</a:t>
+            </a:r>
+            <a:endParaRPr kumimoji="1" lang="zh-CN" altLang="en-US" sz="2695" dirty="0">
+              <a:latin typeface="Microsoft YaHei" panose="020B0503020204020204" pitchFamily="34" charset="-122"/>
+              <a:ea typeface="Microsoft YaHei" panose="020B0503020204020204" pitchFamily="34" charset="-122"/>
+            </a:endParaRPr>
+          </a:p>
+          <a:p>
+            <a:pPr lvl="1"/>
+            <a:r>
+              <a:rPr kumimoji="1" lang="en-US" altLang="zh-CN" sz="2395" dirty="0">
+                <a:latin typeface="Microsoft YaHei" panose="020B0503020204020204" pitchFamily="34" charset="-122"/>
+                <a:ea typeface="Microsoft YaHei" panose="020B0503020204020204" pitchFamily="34" charset="-122"/>
+              </a:rPr>
+              <a:t>[10</a:t>
+            </a:r>
+            <a:r>
+              <a:rPr kumimoji="1" lang="zh-CN" altLang="en-US" sz="2395" dirty="0">
+                <a:latin typeface="Microsoft YaHei" panose="020B0503020204020204" pitchFamily="34" charset="-122"/>
+                <a:ea typeface="Microsoft YaHei" panose="020B0503020204020204" pitchFamily="34" charset="-122"/>
+              </a:rPr>
+              <a:t>，</a:t>
+            </a:r>
+            <a:r>
+              <a:rPr kumimoji="1" lang="en-US" altLang="zh-CN" sz="2395" dirty="0">
+                <a:latin typeface="Microsoft YaHei" panose="020B0503020204020204" pitchFamily="34" charset="-122"/>
+                <a:ea typeface="Microsoft YaHei" panose="020B0503020204020204" pitchFamily="34" charset="-122"/>
+              </a:rPr>
+              <a:t>20</a:t>
+            </a:r>
+            <a:r>
+              <a:rPr kumimoji="1" lang="zh-CN" altLang="en-US" sz="2395" dirty="0">
+                <a:latin typeface="Microsoft YaHei" panose="020B0503020204020204" pitchFamily="34" charset="-122"/>
+                <a:ea typeface="Microsoft YaHei" panose="020B0503020204020204" pitchFamily="34" charset="-122"/>
+              </a:rPr>
+              <a:t>，</a:t>
+            </a:r>
+            <a:r>
+              <a:rPr kumimoji="1" lang="en-US" altLang="zh-CN" sz="2395" dirty="0">
+                <a:latin typeface="Microsoft YaHei" panose="020B0503020204020204" pitchFamily="34" charset="-122"/>
+                <a:ea typeface="Microsoft YaHei" panose="020B0503020204020204" pitchFamily="34" charset="-122"/>
+              </a:rPr>
+              <a:t>30]</a:t>
+            </a:r>
+            <a:endParaRPr kumimoji="1" lang="en-US" altLang="zh-CN" sz="2395" dirty="0">
+              <a:latin typeface="Microsoft YaHei" panose="020B0503020204020204" pitchFamily="34" charset="-122"/>
+              <a:ea typeface="Microsoft YaHei" panose="020B0503020204020204" pitchFamily="34" charset="-122"/>
+            </a:endParaRPr>
+          </a:p>
+        </p:txBody>
+      </p:sp>
+      <p:sp>
+        <p:nvSpPr>
+          <p:cNvPr id="5" name="矩形 4"/>
+          <p:cNvSpPr/>
+          <p:nvPr/>
+        </p:nvSpPr>
+        <p:spPr>
+          <a:xfrm>
+            <a:off x="1082358" y="799544"/>
+            <a:ext cx="6979285" cy="714375"/>
+          </a:xfrm>
+          <a:prstGeom prst="rect">
+            <a:avLst/>
+          </a:prstGeom>
+        </p:spPr>
+        <p:txBody>
+          <a:bodyPr wrap="none">
+            <a:spAutoFit/>
+          </a:bodyPr>
+          <a:lstStyle/>
+          <a:p>
+            <a:pPr algn="ctr"/>
+            <a:r>
+              <a:rPr kumimoji="1" lang="zh-CN" altLang="en-US" sz="4050" b="1" dirty="0">
+                <a:solidFill>
+                  <a:schemeClr val="tx1"/>
+                </a:solidFill>
+                <a:latin typeface="Microsoft YaHei" panose="020B0503020204020204" pitchFamily="34" charset="-122"/>
+                <a:ea typeface="Microsoft YaHei" panose="020B0503020204020204" pitchFamily="34" charset="-122"/>
+                <a:sym typeface="+mn-ea"/>
+              </a:rPr>
+              <a:t>第</a:t>
+            </a:r>
+            <a:r>
+              <a:rPr kumimoji="1" lang="en-US" altLang="zh-CN" sz="4050" b="1" dirty="0">
+                <a:solidFill>
+                  <a:schemeClr val="tx1"/>
+                </a:solidFill>
+                <a:latin typeface="Microsoft YaHei" panose="020B0503020204020204" pitchFamily="34" charset="-122"/>
+                <a:ea typeface="Microsoft YaHei" panose="020B0503020204020204" pitchFamily="34" charset="-122"/>
+                <a:sym typeface="+mn-ea"/>
+              </a:rPr>
+              <a:t>009</a:t>
+            </a:r>
+            <a:r>
+              <a:rPr kumimoji="1" lang="zh-CN" altLang="en-US" sz="4050" b="1" dirty="0">
+                <a:solidFill>
+                  <a:schemeClr val="tx1"/>
+                </a:solidFill>
+                <a:latin typeface="Microsoft YaHei" panose="020B0503020204020204" pitchFamily="34" charset="-122"/>
+                <a:ea typeface="Microsoft YaHei" panose="020B0503020204020204" pitchFamily="34" charset="-122"/>
+                <a:sym typeface="+mn-ea"/>
+              </a:rPr>
+              <a:t>集 怎样对列表元素去重</a:t>
+            </a:r>
+            <a:endParaRPr kumimoji="1" lang="zh-CN" altLang="en-US" sz="4050" b="1" dirty="0">
+              <a:solidFill>
+                <a:schemeClr val="tx1"/>
+              </a:solidFill>
+              <a:latin typeface="Microsoft YaHei" panose="020B0503020204020204" pitchFamily="34" charset="-122"/>
+              <a:ea typeface="Microsoft YaHei" panose="020B0503020204020204" pitchFamily="34" charset="-122"/>
+              <a:sym typeface="+mn-ea"/>
+            </a:endParaRPr>
+          </a:p>
+        </p:txBody>
+      </p:sp>
+    </p:spTree>
   </p:cSld>
   <p:clrMapOvr>
     <a:masterClrMapping/>
@@ -7541,13 +9051,7 @@
       </p:grpSpPr>
       <p:sp>
         <p:nvSpPr>
-          <p:cNvPr id="2" name="标题 1">
-            <a:extLst>
-              <a:ext uri="{FF2B5EF4-FFF2-40B4-BE49-F238E27FC236}">
-                <a16:creationId xmlns:a16="http://schemas.microsoft.com/office/drawing/2014/main" id="{B0B7EC20-A40C-C34A-94A8-45AD2EC93FA9}"/>
-              </a:ext>
-            </a:extLst>
-          </p:cNvPr>
+          <p:cNvPr id="2" name="标题 1"/>
           <p:cNvSpPr>
             <a:spLocks noGrp="1"/>
           </p:cNvSpPr>
@@ -7564,18 +9068,13 @@
               <a:rPr kumimoji="1" lang="zh-CN" altLang="en-US" dirty="0"/>
               <a:t>视频系列介绍</a:t>
             </a:r>
-          </a:p>
-        </p:txBody>
-      </p:sp>
-      <p:sp>
-        <p:nvSpPr>
-          <p:cNvPr id="3" name="内容占位符 2">
-            <a:extLst>
-              <a:ext uri="{FF2B5EF4-FFF2-40B4-BE49-F238E27FC236}">
-                <a16:creationId xmlns:a16="http://schemas.microsoft.com/office/drawing/2014/main" id="{4C1A25D0-8354-A84D-8611-0C1E55DFD595}"/>
-              </a:ext>
-            </a:extLst>
-          </p:cNvPr>
+            <a:endParaRPr kumimoji="1" lang="zh-CN" altLang="en-US" dirty="0"/>
+          </a:p>
+        </p:txBody>
+      </p:sp>
+      <p:sp>
+        <p:nvSpPr>
+          <p:cNvPr id="3" name="内容占位符 2"/>
           <p:cNvSpPr>
             <a:spLocks noGrp="1"/>
           </p:cNvSpPr>
@@ -7591,83 +9090,78 @@
           <a:lstStyle/>
           <a:p>
             <a:r>
-              <a:rPr kumimoji="1" lang="zh-CN" altLang="en-US" sz="2400" dirty="0"/>
+              <a:rPr kumimoji="1" lang="zh-CN" altLang="en-US" dirty="0"/>
               <a:t>学习</a:t>
             </a:r>
             <a:r>
-              <a:rPr kumimoji="1" lang="en-US" altLang="zh-CN" sz="2400" dirty="0"/>
+              <a:rPr kumimoji="1" lang="en-US" altLang="zh-CN" dirty="0"/>
               <a:t>Python</a:t>
             </a:r>
             <a:r>
-              <a:rPr kumimoji="1" lang="zh-CN" altLang="en-US" sz="2400" dirty="0"/>
+              <a:rPr kumimoji="1" lang="zh-CN" altLang="en-US" dirty="0"/>
               <a:t>最好的方式，是大量的做实践练习！</a:t>
             </a:r>
-            <a:endParaRPr kumimoji="1" lang="en-US" altLang="zh-CN" sz="2400" dirty="0"/>
-          </a:p>
-          <a:p>
-            <a:endParaRPr kumimoji="1" lang="en-US" altLang="zh-CN" sz="2400" dirty="0"/>
-          </a:p>
-          <a:p>
-            <a:r>
-              <a:rPr kumimoji="1" lang="zh-CN" altLang="en-US" sz="2400" dirty="0"/>
+            <a:endParaRPr kumimoji="1" lang="en-US" altLang="zh-CN" dirty="0"/>
+          </a:p>
+          <a:p>
+            <a:endParaRPr kumimoji="1" lang="en-US" altLang="zh-CN" dirty="0"/>
+          </a:p>
+          <a:p>
+            <a:r>
+              <a:rPr kumimoji="1" lang="zh-CN" altLang="en-US" dirty="0"/>
               <a:t>演示</a:t>
             </a:r>
             <a:r>
-              <a:rPr kumimoji="1" lang="en-US" altLang="zh-CN" sz="2400" dirty="0"/>
+              <a:rPr kumimoji="1" lang="en-US" altLang="zh-CN" dirty="0"/>
               <a:t>100</a:t>
             </a:r>
             <a:r>
-              <a:rPr kumimoji="1" lang="zh-CN" altLang="en-US" sz="2400" dirty="0"/>
+              <a:rPr kumimoji="1" lang="zh-CN" altLang="en-US" dirty="0"/>
               <a:t>个小例子，从简单到复杂，层层递进带你掌握</a:t>
             </a:r>
             <a:r>
-              <a:rPr kumimoji="1" lang="en-US" altLang="zh-CN" sz="2400" dirty="0"/>
+              <a:rPr kumimoji="1" lang="en-US" altLang="zh-CN" dirty="0"/>
               <a:t>Python</a:t>
             </a:r>
             <a:r>
-              <a:rPr kumimoji="1" lang="zh-CN" altLang="en-US" sz="2400" dirty="0"/>
+              <a:rPr kumimoji="1" lang="zh-CN" altLang="en-US" dirty="0"/>
               <a:t>！</a:t>
             </a:r>
-            <a:endParaRPr kumimoji="1" lang="en-US" altLang="zh-CN" sz="2400" dirty="0"/>
-          </a:p>
-          <a:p>
-            <a:endParaRPr kumimoji="1" lang="en-US" altLang="zh-CN" sz="2400" dirty="0"/>
-          </a:p>
-          <a:p>
-            <a:r>
-              <a:rPr kumimoji="1" lang="zh-CN" altLang="en-US" sz="2400" dirty="0"/>
+            <a:endParaRPr kumimoji="1" lang="en-US" altLang="zh-CN" dirty="0"/>
+          </a:p>
+          <a:p>
+            <a:endParaRPr kumimoji="1" lang="en-US" altLang="zh-CN" dirty="0"/>
+          </a:p>
+          <a:p>
+            <a:r>
+              <a:rPr kumimoji="1" lang="zh-CN" altLang="en-US" dirty="0"/>
               <a:t>开发环境：</a:t>
             </a:r>
             <a:r>
-              <a:rPr kumimoji="1" lang="en-US" altLang="zh-CN" sz="2400" dirty="0" err="1"/>
+              <a:rPr kumimoji="1" lang="en-US" altLang="zh-CN" dirty="0" err="1"/>
               <a:t>Pycharm</a:t>
             </a:r>
             <a:r>
-              <a:rPr kumimoji="1" lang="zh-CN" altLang="en-US" sz="2400" dirty="0"/>
+              <a:rPr kumimoji="1" lang="zh-CN" altLang="en-US" dirty="0"/>
               <a:t> </a:t>
             </a:r>
             <a:r>
-              <a:rPr kumimoji="1" lang="en-US" altLang="zh-CN" sz="2400" dirty="0"/>
+              <a:rPr kumimoji="1" lang="en-US" altLang="zh-CN" dirty="0"/>
               <a:t>+</a:t>
             </a:r>
             <a:r>
-              <a:rPr kumimoji="1" lang="zh-CN" altLang="en-US" sz="2400" dirty="0"/>
+              <a:rPr kumimoji="1" lang="zh-CN" altLang="en-US" dirty="0"/>
               <a:t> </a:t>
             </a:r>
             <a:r>
-              <a:rPr kumimoji="1" lang="en-US" altLang="zh-CN" sz="2400" dirty="0"/>
+              <a:rPr kumimoji="1" lang="en-US" altLang="zh-CN" dirty="0"/>
               <a:t>Python3</a:t>
             </a:r>
-            <a:endParaRPr kumimoji="1" lang="zh-CN" altLang="en-US" sz="2400" dirty="0"/>
+            <a:endParaRPr kumimoji="1" lang="zh-CN" altLang="en-US" dirty="0"/>
           </a:p>
         </p:txBody>
       </p:sp>
     </p:spTree>
-    <p:extLst>
-      <p:ext uri="{BB962C8B-B14F-4D97-AF65-F5344CB8AC3E}">
-        <p14:creationId xmlns:p14="http://schemas.microsoft.com/office/powerpoint/2010/main" val="1125519275"/>
-      </p:ext>
-    </p:extLst>
   </p:cSld>
   <p:clrMapOvr>
     <a:masterClrMapping/>
@@ -7694,13 +9188,7 @@
       </p:grpSpPr>
       <p:sp>
         <p:nvSpPr>
-          <p:cNvPr id="2" name="标题 1">
-            <a:extLst>
-              <a:ext uri="{FF2B5EF4-FFF2-40B4-BE49-F238E27FC236}">
-                <a16:creationId xmlns:a16="http://schemas.microsoft.com/office/drawing/2014/main" id="{B0B7EC20-A40C-C34A-94A8-45AD2EC93FA9}"/>
-              </a:ext>
-            </a:extLst>
-          </p:cNvPr>
+          <p:cNvPr id="2" name="标题 1"/>
           <p:cNvSpPr>
             <a:spLocks noGrp="1"/>
           </p:cNvSpPr>
@@ -7725,18 +9213,13 @@
               <a:rPr kumimoji="1" lang="zh-CN" altLang="en-US" dirty="0"/>
               <a:t>：两数之和</a:t>
             </a:r>
-          </a:p>
-        </p:txBody>
-      </p:sp>
-      <p:sp>
-        <p:nvSpPr>
-          <p:cNvPr id="3" name="内容占位符 2">
-            <a:extLst>
-              <a:ext uri="{FF2B5EF4-FFF2-40B4-BE49-F238E27FC236}">
-                <a16:creationId xmlns:a16="http://schemas.microsoft.com/office/drawing/2014/main" id="{4C1A25D0-8354-A84D-8611-0C1E55DFD595}"/>
-              </a:ext>
-            </a:extLst>
-          </p:cNvPr>
+            <a:endParaRPr kumimoji="1" lang="zh-CN" altLang="en-US" dirty="0"/>
+          </a:p>
+        </p:txBody>
+      </p:sp>
+      <p:sp>
+        <p:nvSpPr>
+          <p:cNvPr id="3" name="内容占位符 2"/>
           <p:cNvSpPr>
             <a:spLocks noGrp="1"/>
           </p:cNvSpPr>
@@ -7746,8 +9229,8 @@
         </p:nvSpPr>
         <p:spPr>
           <a:xfrm>
-            <a:off x="685801" y="2142067"/>
-            <a:ext cx="10131425" cy="2328333"/>
+            <a:off x="514351" y="1895001"/>
+            <a:ext cx="7598569" cy="1746250"/>
           </a:xfrm>
         </p:spPr>
         <p:txBody>
@@ -7757,18 +9240,14 @@
           <a:lstStyle/>
           <a:p>
             <a:r>
-              <a:rPr kumimoji="1" lang="zh-CN" altLang="en-US" sz="2400" dirty="0"/>
+              <a:rPr kumimoji="1" lang="zh-CN" altLang="en-US" dirty="0"/>
               <a:t>输入两个数字，打印数字之和</a:t>
             </a:r>
+            <a:endParaRPr kumimoji="1" lang="zh-CN" altLang="en-US" dirty="0"/>
           </a:p>
         </p:txBody>
       </p:sp>
     </p:spTree>
-    <p:extLst>
-      <p:ext uri="{BB962C8B-B14F-4D97-AF65-F5344CB8AC3E}">
-        <p14:creationId xmlns:p14="http://schemas.microsoft.com/office/powerpoint/2010/main" val="3637646268"/>
-      </p:ext>
-    </p:extLst>
   </p:cSld>
   <p:clrMapOvr>
     <a:masterClrMapping/>
@@ -7795,20 +9274,14 @@
       </p:grpSpPr>
       <p:sp>
         <p:nvSpPr>
-          <p:cNvPr id="6" name="矩形 5">
-            <a:extLst>
-              <a:ext uri="{FF2B5EF4-FFF2-40B4-BE49-F238E27FC236}">
-                <a16:creationId xmlns:a16="http://schemas.microsoft.com/office/drawing/2014/main" id="{8996D409-1D57-DE4F-8952-D961911C903C}"/>
-              </a:ext>
-            </a:extLst>
-          </p:cNvPr>
+          <p:cNvPr id="6" name="矩形 5"/>
           <p:cNvSpPr/>
           <p:nvPr/>
         </p:nvSpPr>
         <p:spPr>
           <a:xfrm>
-            <a:off x="1212261" y="2108015"/>
-            <a:ext cx="9552102" cy="1200329"/>
+            <a:off x="909196" y="1869462"/>
+            <a:ext cx="7157720" cy="922020"/>
           </a:xfrm>
           <a:prstGeom prst="rect">
             <a:avLst/>
@@ -7821,53 +9294,47 @@
           <a:lstStyle/>
           <a:p>
             <a:r>
-              <a:rPr kumimoji="1" lang="en-US" altLang="zh-CN" sz="7200" dirty="0">
+              <a:rPr kumimoji="1" lang="en-US" altLang="zh-CN" sz="5400" dirty="0">
                 <a:latin typeface="Microsoft YaHei" panose="020B0503020204020204" pitchFamily="34" charset="-122"/>
                 <a:ea typeface="Microsoft YaHei" panose="020B0503020204020204" pitchFamily="34" charset="-122"/>
               </a:rPr>
               <a:t>Python</a:t>
             </a:r>
             <a:r>
-              <a:rPr kumimoji="1" lang="zh-CN" altLang="en-US" sz="7200" dirty="0">
+              <a:rPr kumimoji="1" lang="zh-CN" altLang="en-US" sz="5400" dirty="0">
                 <a:latin typeface="Microsoft YaHei" panose="020B0503020204020204" pitchFamily="34" charset="-122"/>
                 <a:ea typeface="Microsoft YaHei" panose="020B0503020204020204" pitchFamily="34" charset="-122"/>
               </a:rPr>
               <a:t>入门编程</a:t>
             </a:r>
             <a:r>
-              <a:rPr kumimoji="1" lang="en-US" altLang="zh-CN" sz="7200" dirty="0">
+              <a:rPr kumimoji="1" lang="en-US" altLang="zh-CN" sz="5400" dirty="0">
                 <a:latin typeface="Microsoft YaHei" panose="020B0503020204020204" pitchFamily="34" charset="-122"/>
                 <a:ea typeface="Microsoft YaHei" panose="020B0503020204020204" pitchFamily="34" charset="-122"/>
               </a:rPr>
               <a:t>100</a:t>
             </a:r>
             <a:r>
-              <a:rPr kumimoji="1" lang="zh-CN" altLang="en-US" sz="7200" dirty="0">
+              <a:rPr kumimoji="1" lang="zh-CN" altLang="en-US" sz="5400" dirty="0">
                 <a:latin typeface="Microsoft YaHei" panose="020B0503020204020204" pitchFamily="34" charset="-122"/>
                 <a:ea typeface="Microsoft YaHei" panose="020B0503020204020204" pitchFamily="34" charset="-122"/>
               </a:rPr>
               <a:t>例</a:t>
             </a:r>
-            <a:endParaRPr lang="zh-CN" altLang="en-US" sz="7200" dirty="0"/>
-          </a:p>
-        </p:txBody>
-      </p:sp>
-      <p:sp>
-        <p:nvSpPr>
-          <p:cNvPr id="3" name="矩形 2">
-            <a:extLst>
-              <a:ext uri="{FF2B5EF4-FFF2-40B4-BE49-F238E27FC236}">
-                <a16:creationId xmlns:a16="http://schemas.microsoft.com/office/drawing/2014/main" id="{B3D62883-CFB8-9442-A340-30E75FA3BCBA}"/>
-              </a:ext>
-            </a:extLst>
-          </p:cNvPr>
+            <a:endParaRPr lang="zh-CN" altLang="en-US" sz="5400" dirty="0"/>
+          </a:p>
+        </p:txBody>
+      </p:sp>
+      <p:sp>
+        <p:nvSpPr>
+          <p:cNvPr id="3" name="矩形 2"/>
           <p:cNvSpPr/>
           <p:nvPr/>
         </p:nvSpPr>
         <p:spPr>
           <a:xfrm>
-            <a:off x="2287405" y="3615083"/>
-            <a:ext cx="6941324" cy="923330"/>
+            <a:off x="1715554" y="2999763"/>
+            <a:ext cx="5259705" cy="714375"/>
           </a:xfrm>
           <a:prstGeom prst="rect">
             <a:avLst/>
@@ -7880,36 +9347,31 @@
           <a:lstStyle/>
           <a:p>
             <a:r>
-              <a:rPr kumimoji="1" lang="zh-CN" altLang="en-US" sz="5400" dirty="0">
+              <a:rPr kumimoji="1" lang="zh-CN" altLang="en-US" sz="4050" dirty="0">
                 <a:latin typeface="Microsoft YaHei" panose="020B0503020204020204" pitchFamily="34" charset="-122"/>
                 <a:ea typeface="Microsoft YaHei" panose="020B0503020204020204" pitchFamily="34" charset="-122"/>
               </a:rPr>
               <a:t>第</a:t>
             </a:r>
             <a:r>
-              <a:rPr kumimoji="1" lang="en-US" altLang="zh-CN" sz="5400" dirty="0">
+              <a:rPr kumimoji="1" lang="en-US" altLang="zh-CN" sz="4050" dirty="0">
                 <a:latin typeface="Microsoft YaHei" panose="020B0503020204020204" pitchFamily="34" charset="-122"/>
                 <a:ea typeface="Microsoft YaHei" panose="020B0503020204020204" pitchFamily="34" charset="-122"/>
               </a:rPr>
               <a:t>002</a:t>
             </a:r>
             <a:r>
-              <a:rPr kumimoji="1" lang="zh-CN" altLang="en-US" sz="5400" dirty="0">
+              <a:rPr kumimoji="1" lang="zh-CN" altLang="en-US" sz="4050" dirty="0">
                 <a:latin typeface="Microsoft YaHei" panose="020B0503020204020204" pitchFamily="34" charset="-122"/>
                 <a:ea typeface="Microsoft YaHei" panose="020B0503020204020204" pitchFamily="34" charset="-122"/>
               </a:rPr>
               <a:t>集：数字的阶乘</a:t>
             </a:r>
-            <a:endParaRPr lang="zh-CN" altLang="en-US" sz="5400" dirty="0"/>
+            <a:endParaRPr lang="zh-CN" altLang="en-US" sz="4050" dirty="0"/>
           </a:p>
         </p:txBody>
       </p:sp>
     </p:spTree>
-    <p:extLst>
-      <p:ext uri="{BB962C8B-B14F-4D97-AF65-F5344CB8AC3E}">
-        <p14:creationId xmlns:p14="http://schemas.microsoft.com/office/powerpoint/2010/main" val="2266073101"/>
-      </p:ext>
-    </p:extLst>
   </p:cSld>
   <p:clrMapOvr>
     <a:masterClrMapping/>
@@ -7936,13 +9398,7 @@
       </p:grpSpPr>
       <p:sp>
         <p:nvSpPr>
-          <p:cNvPr id="2" name="标题 1">
-            <a:extLst>
-              <a:ext uri="{FF2B5EF4-FFF2-40B4-BE49-F238E27FC236}">
-                <a16:creationId xmlns:a16="http://schemas.microsoft.com/office/drawing/2014/main" id="{B0B7EC20-A40C-C34A-94A8-45AD2EC93FA9}"/>
-              </a:ext>
-            </a:extLst>
-          </p:cNvPr>
+          <p:cNvPr id="2" name="标题 1"/>
           <p:cNvSpPr>
             <a:spLocks noGrp="1"/>
           </p:cNvSpPr>
@@ -7958,39 +9414,33 @@
           <a:lstStyle/>
           <a:p>
             <a:r>
-              <a:rPr kumimoji="1" lang="zh-CN" altLang="en-US" sz="4800" dirty="0">
+              <a:rPr kumimoji="1" lang="zh-CN" altLang="en-US" dirty="0">
                 <a:latin typeface="Microsoft YaHei" panose="020B0503020204020204" pitchFamily="34" charset="-122"/>
                 <a:ea typeface="Microsoft YaHei" panose="020B0503020204020204" pitchFamily="34" charset="-122"/>
               </a:rPr>
               <a:t>第</a:t>
             </a:r>
             <a:r>
-              <a:rPr kumimoji="1" lang="en-US" altLang="zh-CN" sz="4800" dirty="0">
+              <a:rPr kumimoji="1" lang="en-US" altLang="zh-CN" dirty="0">
                 <a:latin typeface="Microsoft YaHei" panose="020B0503020204020204" pitchFamily="34" charset="-122"/>
                 <a:ea typeface="Microsoft YaHei" panose="020B0503020204020204" pitchFamily="34" charset="-122"/>
               </a:rPr>
               <a:t>002</a:t>
             </a:r>
             <a:r>
-              <a:rPr kumimoji="1" lang="zh-CN" altLang="en-US" sz="4800" dirty="0">
+              <a:rPr kumimoji="1" lang="zh-CN" altLang="en-US" dirty="0">
                 <a:latin typeface="Microsoft YaHei" panose="020B0503020204020204" pitchFamily="34" charset="-122"/>
                 <a:ea typeface="Microsoft YaHei" panose="020B0503020204020204" pitchFamily="34" charset="-122"/>
               </a:rPr>
               <a:t>集：数字的阶乘</a:t>
             </a:r>
-            <a:endParaRPr lang="zh-CN" altLang="en-US" sz="4800" dirty="0"/>
-          </a:p>
-        </p:txBody>
-      </p:sp>
-      <p:sp>
-        <p:nvSpPr>
-          <p:cNvPr id="3" name="内容占位符 2">
-            <a:extLst>
-              <a:ext uri="{FF2B5EF4-FFF2-40B4-BE49-F238E27FC236}">
-                <a16:creationId xmlns:a16="http://schemas.microsoft.com/office/drawing/2014/main" id="{4C1A25D0-8354-A84D-8611-0C1E55DFD595}"/>
-              </a:ext>
-            </a:extLst>
-          </p:cNvPr>
+            <a:endParaRPr lang="zh-CN" altLang="en-US" dirty="0"/>
+          </a:p>
+        </p:txBody>
+      </p:sp>
+      <p:sp>
+        <p:nvSpPr>
+          <p:cNvPr id="3" name="内容占位符 2"/>
           <p:cNvSpPr>
             <a:spLocks noGrp="1"/>
           </p:cNvSpPr>
@@ -8000,8 +9450,8 @@
         </p:nvSpPr>
         <p:spPr>
           <a:xfrm>
-            <a:off x="685800" y="2616201"/>
-            <a:ext cx="10131425" cy="2328333"/>
+            <a:off x="514350" y="2250601"/>
+            <a:ext cx="7598569" cy="1746250"/>
           </a:xfrm>
         </p:spPr>
         <p:txBody>
@@ -8011,13 +9461,13 @@
           <a:lstStyle/>
           <a:p>
             <a:r>
-              <a:rPr kumimoji="1" lang="zh-CN" altLang="en-US" sz="3600" dirty="0">
+              <a:rPr kumimoji="1" lang="zh-CN" altLang="en-US" sz="2700" dirty="0">
                 <a:latin typeface="Microsoft YaHei" panose="020B0503020204020204" pitchFamily="34" charset="-122"/>
                 <a:ea typeface="Microsoft YaHei" panose="020B0503020204020204" pitchFamily="34" charset="-122"/>
               </a:rPr>
               <a:t>求数字的阶乘：</a:t>
             </a:r>
-            <a:endParaRPr kumimoji="1" lang="en-US" altLang="zh-CN" sz="3600" dirty="0">
+            <a:endParaRPr kumimoji="1" lang="en-US" altLang="zh-CN" sz="2700" dirty="0">
               <a:latin typeface="Microsoft YaHei" panose="020B0503020204020204" pitchFamily="34" charset="-122"/>
               <a:ea typeface="Microsoft YaHei" panose="020B0503020204020204" pitchFamily="34" charset="-122"/>
             </a:endParaRPr>
@@ -8025,98 +9475,97 @@
           <a:p>
             <a:pPr lvl="1"/>
             <a:r>
-              <a:rPr lang="en-US" altLang="zh-CN" sz="3600" dirty="0">
+              <a:rPr lang="en-US" altLang="zh-CN" sz="2700" dirty="0">
                 <a:latin typeface="Microsoft YaHei" panose="020B0503020204020204" pitchFamily="34" charset="-122"/>
                 <a:ea typeface="Microsoft YaHei" panose="020B0503020204020204" pitchFamily="34" charset="-122"/>
               </a:rPr>
               <a:t>6</a:t>
             </a:r>
             <a:r>
-              <a:rPr lang="zh-CN" altLang="en-US" sz="3600" dirty="0">
+              <a:rPr lang="zh-CN" altLang="en-US" sz="2700" dirty="0">
                 <a:latin typeface="Microsoft YaHei" panose="020B0503020204020204" pitchFamily="34" charset="-122"/>
                 <a:ea typeface="Microsoft YaHei" panose="020B0503020204020204" pitchFamily="34" charset="-122"/>
               </a:rPr>
               <a:t>的阶乘：</a:t>
             </a:r>
             <a:r>
-              <a:rPr lang="en" altLang="zh-CN" sz="3600" dirty="0">
+              <a:rPr lang="en-GB" altLang="zh-CN" sz="2700" dirty="0">
                 <a:latin typeface="Microsoft YaHei" panose="020B0503020204020204" pitchFamily="34" charset="-122"/>
                 <a:ea typeface="Microsoft YaHei" panose="020B0503020204020204" pitchFamily="34" charset="-122"/>
               </a:rPr>
               <a:t>6*5*4*3*2*1</a:t>
             </a:r>
-          </a:p>
-          <a:p>
-            <a:pPr lvl="1"/>
-            <a:r>
-              <a:rPr kumimoji="1" lang="en-US" altLang="zh-CN" sz="3600" dirty="0">
-                <a:latin typeface="Microsoft YaHei" panose="020B0503020204020204" pitchFamily="34" charset="-122"/>
-                <a:ea typeface="Microsoft YaHei" panose="020B0503020204020204" pitchFamily="34" charset="-122"/>
-              </a:rPr>
-              <a:t>3</a:t>
-            </a:r>
-            <a:r>
-              <a:rPr kumimoji="1" lang="zh-CN" altLang="en" sz="3600" dirty="0">
-                <a:latin typeface="Microsoft YaHei" panose="020B0503020204020204" pitchFamily="34" charset="-122"/>
-                <a:ea typeface="Microsoft YaHei" panose="020B0503020204020204" pitchFamily="34" charset="-122"/>
-              </a:rPr>
-              <a:t>的</a:t>
-            </a:r>
-            <a:r>
-              <a:rPr kumimoji="1" lang="zh-CN" altLang="en-US" sz="3600" dirty="0">
-                <a:latin typeface="Microsoft YaHei" panose="020B0503020204020204" pitchFamily="34" charset="-122"/>
-                <a:ea typeface="Microsoft YaHei" panose="020B0503020204020204" pitchFamily="34" charset="-122"/>
-              </a:rPr>
-              <a:t>阶乘：</a:t>
-            </a:r>
-            <a:r>
-              <a:rPr kumimoji="1" lang="en-US" altLang="zh-CN" sz="3600" dirty="0">
-                <a:latin typeface="Microsoft YaHei" panose="020B0503020204020204" pitchFamily="34" charset="-122"/>
-                <a:ea typeface="Microsoft YaHei" panose="020B0503020204020204" pitchFamily="34" charset="-122"/>
-              </a:rPr>
-              <a:t>3</a:t>
-            </a:r>
-            <a:r>
-              <a:rPr kumimoji="1" lang="zh-CN" altLang="en-US" sz="3600" dirty="0">
-                <a:latin typeface="Microsoft YaHei" panose="020B0503020204020204" pitchFamily="34" charset="-122"/>
-                <a:ea typeface="Microsoft YaHei" panose="020B0503020204020204" pitchFamily="34" charset="-122"/>
-              </a:rPr>
-              <a:t>*</a:t>
-            </a:r>
-            <a:r>
-              <a:rPr kumimoji="1" lang="en-US" altLang="zh-CN" sz="3600" dirty="0">
-                <a:latin typeface="Microsoft YaHei" panose="020B0503020204020204" pitchFamily="34" charset="-122"/>
-                <a:ea typeface="Microsoft YaHei" panose="020B0503020204020204" pitchFamily="34" charset="-122"/>
-              </a:rPr>
-              <a:t>2</a:t>
-            </a:r>
-            <a:r>
-              <a:rPr kumimoji="1" lang="zh-CN" altLang="en-US" sz="3600" dirty="0">
-                <a:latin typeface="Microsoft YaHei" panose="020B0503020204020204" pitchFamily="34" charset="-122"/>
-                <a:ea typeface="Microsoft YaHei" panose="020B0503020204020204" pitchFamily="34" charset="-122"/>
-              </a:rPr>
-              <a:t>*</a:t>
-            </a:r>
-            <a:r>
-              <a:rPr kumimoji="1" lang="en-US" altLang="zh-CN" sz="3600" dirty="0">
-                <a:latin typeface="Microsoft YaHei" panose="020B0503020204020204" pitchFamily="34" charset="-122"/>
-                <a:ea typeface="Microsoft YaHei" panose="020B0503020204020204" pitchFamily="34" charset="-122"/>
-              </a:rPr>
-              <a:t>1</a:t>
-            </a:r>
-            <a:endParaRPr kumimoji="1" lang="zh-CN" altLang="en-US" sz="3600" dirty="0">
+            <a:endParaRPr lang="en-GB" altLang="zh-CN" sz="2700" dirty="0">
               <a:latin typeface="Microsoft YaHei" panose="020B0503020204020204" pitchFamily="34" charset="-122"/>
               <a:ea typeface="Microsoft YaHei" panose="020B0503020204020204" pitchFamily="34" charset="-122"/>
             </a:endParaRPr>
           </a:p>
+          <a:p>
+            <a:pPr lvl="1"/>
+            <a:r>
+              <a:rPr kumimoji="1" lang="en-US" altLang="zh-CN" sz="2700" dirty="0">
+                <a:latin typeface="Microsoft YaHei" panose="020B0503020204020204" pitchFamily="34" charset="-122"/>
+                <a:ea typeface="Microsoft YaHei" panose="020B0503020204020204" pitchFamily="34" charset="-122"/>
+              </a:rPr>
+              <a:t>3</a:t>
+            </a:r>
+            <a:r>
+              <a:rPr kumimoji="1" lang="zh-CN" altLang="en-GB" sz="2700" dirty="0">
+                <a:latin typeface="Microsoft YaHei" panose="020B0503020204020204" pitchFamily="34" charset="-122"/>
+                <a:ea typeface="Microsoft YaHei" panose="020B0503020204020204" pitchFamily="34" charset="-122"/>
+              </a:rPr>
+              <a:t>的</a:t>
+            </a:r>
+            <a:r>
+              <a:rPr kumimoji="1" lang="zh-CN" altLang="en-US" sz="2700" dirty="0">
+                <a:latin typeface="Microsoft YaHei" panose="020B0503020204020204" pitchFamily="34" charset="-122"/>
+                <a:ea typeface="Microsoft YaHei" panose="020B0503020204020204" pitchFamily="34" charset="-122"/>
+              </a:rPr>
+              <a:t>阶乘：</a:t>
+            </a:r>
+            <a:r>
+              <a:rPr kumimoji="1" lang="en-US" altLang="zh-CN" sz="2700" dirty="0">
+                <a:latin typeface="Microsoft YaHei" panose="020B0503020204020204" pitchFamily="34" charset="-122"/>
+                <a:ea typeface="Microsoft YaHei" panose="020B0503020204020204" pitchFamily="34" charset="-122"/>
+              </a:rPr>
+              <a:t>3</a:t>
+            </a:r>
+            <a:r>
+              <a:rPr kumimoji="1" lang="zh-CN" altLang="en-US" sz="2700" dirty="0">
+                <a:latin typeface="Microsoft YaHei" panose="020B0503020204020204" pitchFamily="34" charset="-122"/>
+                <a:ea typeface="Microsoft YaHei" panose="020B0503020204020204" pitchFamily="34" charset="-122"/>
+              </a:rPr>
+              <a:t>*</a:t>
+            </a:r>
+            <a:r>
+              <a:rPr kumimoji="1" lang="en-US" altLang="zh-CN" sz="2700" dirty="0">
+                <a:latin typeface="Microsoft YaHei" panose="020B0503020204020204" pitchFamily="34" charset="-122"/>
+                <a:ea typeface="Microsoft YaHei" panose="020B0503020204020204" pitchFamily="34" charset="-122"/>
+              </a:rPr>
+              <a:t>2</a:t>
+            </a:r>
+            <a:r>
+              <a:rPr kumimoji="1" lang="zh-CN" altLang="en-US" sz="2700" dirty="0">
+                <a:latin typeface="Microsoft YaHei" panose="020B0503020204020204" pitchFamily="34" charset="-122"/>
+                <a:ea typeface="Microsoft YaHei" panose="020B0503020204020204" pitchFamily="34" charset="-122"/>
+              </a:rPr>
+              <a:t>*</a:t>
+            </a:r>
+            <a:r>
+              <a:rPr kumimoji="1" lang="en-US" altLang="zh-CN" sz="2700" dirty="0">
+                <a:latin typeface="Microsoft YaHei" panose="020B0503020204020204" pitchFamily="34" charset="-122"/>
+                <a:ea typeface="Microsoft YaHei" panose="020B0503020204020204" pitchFamily="34" charset="-122"/>
+              </a:rPr>
+              <a:t>1</a:t>
+            </a:r>
+            <a:endParaRPr kumimoji="1" lang="zh-CN" altLang="en-US" sz="2700" dirty="0">
+              <a:latin typeface="Microsoft YaHei" panose="020B0503020204020204" pitchFamily="34" charset="-122"/>
+              <a:ea typeface="Microsoft YaHei" panose="020B0503020204020204" pitchFamily="34" charset="-122"/>
+            </a:endParaRPr>
+          </a:p>
         </p:txBody>
       </p:sp>
     </p:spTree>
-    <p:extLst>
-      <p:ext uri="{BB962C8B-B14F-4D97-AF65-F5344CB8AC3E}">
-        <p14:creationId xmlns:p14="http://schemas.microsoft.com/office/powerpoint/2010/main" val="1711873734"/>
-      </p:ext>
-    </p:extLst>
   </p:cSld>
   <p:clrMapOvr>
     <a:masterClrMapping/>
@@ -8143,20 +9592,14 @@
       </p:grpSpPr>
       <p:sp>
         <p:nvSpPr>
-          <p:cNvPr id="6" name="矩形 5">
-            <a:extLst>
-              <a:ext uri="{FF2B5EF4-FFF2-40B4-BE49-F238E27FC236}">
-                <a16:creationId xmlns:a16="http://schemas.microsoft.com/office/drawing/2014/main" id="{8996D409-1D57-DE4F-8952-D961911C903C}"/>
-              </a:ext>
-            </a:extLst>
-          </p:cNvPr>
+          <p:cNvPr id="6" name="矩形 5"/>
           <p:cNvSpPr/>
           <p:nvPr/>
         </p:nvSpPr>
         <p:spPr>
           <a:xfrm>
-            <a:off x="2199240" y="1359340"/>
-            <a:ext cx="7117654" cy="2677656"/>
+            <a:off x="1608688" y="1307955"/>
+            <a:ext cx="5419725" cy="2030095"/>
           </a:xfrm>
           <a:prstGeom prst="rect">
             <a:avLst/>
@@ -8170,13 +9613,13 @@
           <a:p>
             <a:pPr algn="ctr"/>
             <a:r>
-              <a:rPr kumimoji="1" lang="en-US" altLang="zh-CN" sz="8800" dirty="0">
+              <a:rPr kumimoji="1" lang="en-US" altLang="zh-CN" sz="6600" dirty="0">
                 <a:latin typeface="Microsoft YaHei" panose="020B0503020204020204" pitchFamily="34" charset="-122"/>
                 <a:ea typeface="Microsoft YaHei" panose="020B0503020204020204" pitchFamily="34" charset="-122"/>
               </a:rPr>
               <a:t>Python</a:t>
             </a:r>
-            <a:endParaRPr kumimoji="1" lang="en-US" altLang="zh-CN" sz="8000" dirty="0">
+            <a:endParaRPr kumimoji="1" lang="en-US" altLang="zh-CN" sz="6000" dirty="0">
               <a:latin typeface="Microsoft YaHei" panose="020B0503020204020204" pitchFamily="34" charset="-122"/>
               <a:ea typeface="Microsoft YaHei" panose="020B0503020204020204" pitchFamily="34" charset="-122"/>
             </a:endParaRPr>
@@ -8184,46 +9627,40 @@
           <a:p>
             <a:pPr algn="ctr"/>
             <a:r>
-              <a:rPr kumimoji="1" lang="zh-CN" altLang="en-US" sz="8000" dirty="0">
+              <a:rPr kumimoji="1" lang="zh-CN" altLang="en-US" sz="6000" dirty="0">
                 <a:latin typeface="Microsoft YaHei" panose="020B0503020204020204" pitchFamily="34" charset="-122"/>
                 <a:ea typeface="Microsoft YaHei" panose="020B0503020204020204" pitchFamily="34" charset="-122"/>
               </a:rPr>
               <a:t>入门编程</a:t>
             </a:r>
             <a:r>
-              <a:rPr kumimoji="1" lang="en-US" altLang="zh-CN" sz="8000" dirty="0">
+              <a:rPr kumimoji="1" lang="en-US" altLang="zh-CN" sz="6000" dirty="0">
                 <a:latin typeface="Microsoft YaHei" panose="020B0503020204020204" pitchFamily="34" charset="-122"/>
                 <a:ea typeface="Microsoft YaHei" panose="020B0503020204020204" pitchFamily="34" charset="-122"/>
               </a:rPr>
               <a:t>100</a:t>
             </a:r>
             <a:r>
-              <a:rPr kumimoji="1" lang="zh-CN" altLang="en-US" sz="8000" dirty="0">
+              <a:rPr kumimoji="1" lang="zh-CN" altLang="en-US" sz="6000" dirty="0">
                 <a:latin typeface="Microsoft YaHei" panose="020B0503020204020204" pitchFamily="34" charset="-122"/>
                 <a:ea typeface="Microsoft YaHei" panose="020B0503020204020204" pitchFamily="34" charset="-122"/>
               </a:rPr>
               <a:t>例</a:t>
             </a:r>
-            <a:endParaRPr lang="zh-CN" altLang="en-US" sz="8000" dirty="0"/>
-          </a:p>
-        </p:txBody>
-      </p:sp>
-      <p:sp>
-        <p:nvSpPr>
-          <p:cNvPr id="3" name="矩形 2">
-            <a:extLst>
-              <a:ext uri="{FF2B5EF4-FFF2-40B4-BE49-F238E27FC236}">
-                <a16:creationId xmlns:a16="http://schemas.microsoft.com/office/drawing/2014/main" id="{B3D62883-CFB8-9442-A340-30E75FA3BCBA}"/>
-              </a:ext>
-            </a:extLst>
-          </p:cNvPr>
+            <a:endParaRPr lang="zh-CN" altLang="en-US" sz="6000" dirty="0"/>
+          </a:p>
+        </p:txBody>
+      </p:sp>
+      <p:sp>
+        <p:nvSpPr>
+          <p:cNvPr id="3" name="矩形 2"/>
           <p:cNvSpPr/>
           <p:nvPr/>
         </p:nvSpPr>
         <p:spPr>
           <a:xfrm>
-            <a:off x="2375570" y="4140376"/>
-            <a:ext cx="6941324" cy="923330"/>
+            <a:off x="1781678" y="3393732"/>
+            <a:ext cx="5259705" cy="714375"/>
           </a:xfrm>
           <a:prstGeom prst="rect">
             <a:avLst/>
@@ -8236,36 +9673,31 @@
           <a:lstStyle/>
           <a:p>
             <a:r>
-              <a:rPr kumimoji="1" lang="zh-CN" altLang="en-US" sz="5400" dirty="0">
+              <a:rPr kumimoji="1" lang="zh-CN" altLang="en-US" sz="4050" dirty="0">
                 <a:latin typeface="Microsoft YaHei" panose="020B0503020204020204" pitchFamily="34" charset="-122"/>
                 <a:ea typeface="Microsoft YaHei" panose="020B0503020204020204" pitchFamily="34" charset="-122"/>
               </a:rPr>
               <a:t>第</a:t>
             </a:r>
             <a:r>
-              <a:rPr kumimoji="1" lang="en-US" altLang="zh-CN" sz="5400" dirty="0">
+              <a:rPr kumimoji="1" lang="en-US" altLang="zh-CN" sz="4050" dirty="0">
                 <a:latin typeface="Microsoft YaHei" panose="020B0503020204020204" pitchFamily="34" charset="-122"/>
                 <a:ea typeface="Microsoft YaHei" panose="020B0503020204020204" pitchFamily="34" charset="-122"/>
               </a:rPr>
               <a:t>003</a:t>
             </a:r>
             <a:r>
-              <a:rPr kumimoji="1" lang="zh-CN" altLang="en-US" sz="5400" dirty="0">
+              <a:rPr kumimoji="1" lang="zh-CN" altLang="en-US" sz="4050" dirty="0">
                 <a:latin typeface="Microsoft YaHei" panose="020B0503020204020204" pitchFamily="34" charset="-122"/>
                 <a:ea typeface="Microsoft YaHei" panose="020B0503020204020204" pitchFamily="34" charset="-122"/>
               </a:rPr>
               <a:t>集：求圆的面积</a:t>
             </a:r>
-            <a:endParaRPr lang="zh-CN" altLang="en-US" sz="5400" dirty="0"/>
+            <a:endParaRPr lang="zh-CN" altLang="en-US" sz="4050" dirty="0"/>
           </a:p>
         </p:txBody>
       </p:sp>
     </p:spTree>
-    <p:extLst>
-      <p:ext uri="{BB962C8B-B14F-4D97-AF65-F5344CB8AC3E}">
-        <p14:creationId xmlns:p14="http://schemas.microsoft.com/office/powerpoint/2010/main" val="1207319021"/>
-      </p:ext>
-    </p:extLst>
   </p:cSld>
   <p:clrMapOvr>
     <a:masterClrMapping/>
@@ -8292,13 +9724,7 @@
       </p:grpSpPr>
       <p:sp>
         <p:nvSpPr>
-          <p:cNvPr id="2" name="标题 1">
-            <a:extLst>
-              <a:ext uri="{FF2B5EF4-FFF2-40B4-BE49-F238E27FC236}">
-                <a16:creationId xmlns:a16="http://schemas.microsoft.com/office/drawing/2014/main" id="{B0B7EC20-A40C-C34A-94A8-45AD2EC93FA9}"/>
-              </a:ext>
-            </a:extLst>
-          </p:cNvPr>
+          <p:cNvPr id="2" name="标题 1"/>
           <p:cNvSpPr>
             <a:spLocks noGrp="1"/>
           </p:cNvSpPr>
@@ -8323,18 +9749,13 @@
               <a:rPr kumimoji="1" lang="zh-CN" altLang="en-US" dirty="0"/>
               <a:t>：计算圆的面积</a:t>
             </a:r>
-          </a:p>
-        </p:txBody>
-      </p:sp>
-      <p:sp>
-        <p:nvSpPr>
-          <p:cNvPr id="3" name="内容占位符 2">
-            <a:extLst>
-              <a:ext uri="{FF2B5EF4-FFF2-40B4-BE49-F238E27FC236}">
-                <a16:creationId xmlns:a16="http://schemas.microsoft.com/office/drawing/2014/main" id="{4C1A25D0-8354-A84D-8611-0C1E55DFD595}"/>
-              </a:ext>
-            </a:extLst>
-          </p:cNvPr>
+            <a:endParaRPr kumimoji="1" lang="zh-CN" altLang="en-US" dirty="0"/>
+          </a:p>
+        </p:txBody>
+      </p:sp>
+      <p:sp>
+        <p:nvSpPr>
+          <p:cNvPr id="3" name="内容占位符 2"/>
           <p:cNvSpPr>
             <a:spLocks noGrp="1"/>
           </p:cNvSpPr>
@@ -8344,8 +9765,8 @@
         </p:nvSpPr>
         <p:spPr>
           <a:xfrm>
-            <a:off x="685801" y="2624756"/>
-            <a:ext cx="4392037" cy="2328333"/>
+            <a:off x="514351" y="2257017"/>
+            <a:ext cx="3294028" cy="1746250"/>
           </a:xfrm>
         </p:spPr>
         <p:txBody>
@@ -8355,28 +9776,23 @@
           <a:lstStyle/>
           <a:p>
             <a:r>
-              <a:rPr kumimoji="1" lang="zh-CN" altLang="en-US" sz="2800" dirty="0"/>
+              <a:rPr kumimoji="1" lang="zh-CN" altLang="en-US" sz="2100" dirty="0"/>
               <a:t>输入半径，返回圆的面积</a:t>
             </a:r>
+            <a:endParaRPr kumimoji="1" lang="zh-CN" altLang="en-US" sz="2100" dirty="0"/>
           </a:p>
         </p:txBody>
       </p:sp>
       <p:pic>
         <p:nvPicPr>
-          <p:cNvPr id="1026" name="Picture 2" descr="Area of a Circle (examples, videos, worksheets, solutions, activities)">
-            <a:extLst>
-              <a:ext uri="{FF2B5EF4-FFF2-40B4-BE49-F238E27FC236}">
-                <a16:creationId xmlns:a16="http://schemas.microsoft.com/office/drawing/2014/main" id="{5979DFD8-335A-9342-96C4-FEB74902974F}"/>
-              </a:ext>
-            </a:extLst>
-          </p:cNvPr>
+          <p:cNvPr id="1026" name="Picture 2" descr="Area of a Circle (examples, videos, worksheets, solutions, activities)"/>
           <p:cNvPicPr>
             <a:picLocks noChangeAspect="1" noChangeArrowheads="1"/>
           </p:cNvPicPr>
           <p:nvPr/>
         </p:nvPicPr>
         <p:blipFill>
-          <a:blip r:embed="rId3">
+          <a:blip r:embed="rId1">
             <a:extLst>
               <a:ext uri="{28A0092B-C50C-407E-A947-70E740481C1C}">
                 <a14:useLocalDpi xmlns:a14="http://schemas.microsoft.com/office/drawing/2010/main" val="0"/>
@@ -8390,8 +9806,8 @@
         </p:blipFill>
         <p:spPr bwMode="auto">
           <a:xfrm>
-            <a:off x="6096000" y="2265913"/>
-            <a:ext cx="4472890" cy="3046018"/>
+            <a:off x="4572000" y="1987885"/>
+            <a:ext cx="3354668" cy="2284514"/>
           </a:xfrm>
           <a:prstGeom prst="rect">
             <a:avLst/>
@@ -8409,11 +9825,6 @@
         </p:spPr>
       </p:pic>
     </p:spTree>
-    <p:extLst>
-      <p:ext uri="{BB962C8B-B14F-4D97-AF65-F5344CB8AC3E}">
-        <p14:creationId xmlns:p14="http://schemas.microsoft.com/office/powerpoint/2010/main" val="2984681513"/>
-      </p:ext>
-    </p:extLst>
   </p:cSld>
   <p:clrMapOvr>
     <a:masterClrMapping/>
@@ -8440,20 +9851,14 @@
       </p:grpSpPr>
       <p:sp>
         <p:nvSpPr>
-          <p:cNvPr id="6" name="矩形 5">
-            <a:extLst>
-              <a:ext uri="{FF2B5EF4-FFF2-40B4-BE49-F238E27FC236}">
-                <a16:creationId xmlns:a16="http://schemas.microsoft.com/office/drawing/2014/main" id="{8996D409-1D57-DE4F-8952-D961911C903C}"/>
-              </a:ext>
-            </a:extLst>
-          </p:cNvPr>
+          <p:cNvPr id="6" name="矩形 5"/>
           <p:cNvSpPr/>
           <p:nvPr/>
         </p:nvSpPr>
         <p:spPr>
           <a:xfrm>
-            <a:off x="2199240" y="1359340"/>
-            <a:ext cx="7117654" cy="2677656"/>
+            <a:off x="1608688" y="1307955"/>
+            <a:ext cx="5419725" cy="2030095"/>
           </a:xfrm>
           <a:prstGeom prst="rect">
             <a:avLst/>
@@ -8467,13 +9872,13 @@
           <a:p>
             <a:pPr algn="ctr"/>
             <a:r>
-              <a:rPr kumimoji="1" lang="en-US" altLang="zh-CN" sz="8800" dirty="0">
+              <a:rPr kumimoji="1" lang="en-US" altLang="zh-CN" sz="6600" dirty="0">
                 <a:latin typeface="Microsoft YaHei" panose="020B0503020204020204" pitchFamily="34" charset="-122"/>
                 <a:ea typeface="Microsoft YaHei" panose="020B0503020204020204" pitchFamily="34" charset="-122"/>
               </a:rPr>
               <a:t>Python</a:t>
             </a:r>
-            <a:endParaRPr kumimoji="1" lang="en-US" altLang="zh-CN" sz="8000" dirty="0">
+            <a:endParaRPr kumimoji="1" lang="en-US" altLang="zh-CN" sz="6000" dirty="0">
               <a:latin typeface="Microsoft YaHei" panose="020B0503020204020204" pitchFamily="34" charset="-122"/>
               <a:ea typeface="Microsoft YaHei" panose="020B0503020204020204" pitchFamily="34" charset="-122"/>
             </a:endParaRPr>
@@ -8481,46 +9886,40 @@
           <a:p>
             <a:pPr algn="ctr"/>
             <a:r>
-              <a:rPr kumimoji="1" lang="zh-CN" altLang="en-US" sz="8000" dirty="0">
+              <a:rPr kumimoji="1" lang="zh-CN" altLang="en-US" sz="6000" dirty="0">
                 <a:latin typeface="Microsoft YaHei" panose="020B0503020204020204" pitchFamily="34" charset="-122"/>
                 <a:ea typeface="Microsoft YaHei" panose="020B0503020204020204" pitchFamily="34" charset="-122"/>
               </a:rPr>
               <a:t>入门编程</a:t>
             </a:r>
             <a:r>
-              <a:rPr kumimoji="1" lang="en-US" altLang="zh-CN" sz="8000" dirty="0">
+              <a:rPr kumimoji="1" lang="en-US" altLang="zh-CN" sz="6000" dirty="0">
                 <a:latin typeface="Microsoft YaHei" panose="020B0503020204020204" pitchFamily="34" charset="-122"/>
                 <a:ea typeface="Microsoft YaHei" panose="020B0503020204020204" pitchFamily="34" charset="-122"/>
               </a:rPr>
               <a:t>100</a:t>
             </a:r>
             <a:r>
-              <a:rPr kumimoji="1" lang="zh-CN" altLang="en-US" sz="8000" dirty="0">
+              <a:rPr kumimoji="1" lang="zh-CN" altLang="en-US" sz="6000" dirty="0">
                 <a:latin typeface="Microsoft YaHei" panose="020B0503020204020204" pitchFamily="34" charset="-122"/>
                 <a:ea typeface="Microsoft YaHei" panose="020B0503020204020204" pitchFamily="34" charset="-122"/>
               </a:rPr>
               <a:t>例</a:t>
             </a:r>
-            <a:endParaRPr lang="zh-CN" altLang="en-US" sz="8000" dirty="0"/>
-          </a:p>
-        </p:txBody>
-      </p:sp>
-      <p:sp>
-        <p:nvSpPr>
-          <p:cNvPr id="3" name="矩形 2">
-            <a:extLst>
-              <a:ext uri="{FF2B5EF4-FFF2-40B4-BE49-F238E27FC236}">
-                <a16:creationId xmlns:a16="http://schemas.microsoft.com/office/drawing/2014/main" id="{B3D62883-CFB8-9442-A340-30E75FA3BCBA}"/>
-              </a:ext>
-            </a:extLst>
-          </p:cNvPr>
+            <a:endParaRPr lang="zh-CN" altLang="en-US" sz="6000" dirty="0"/>
+          </a:p>
+        </p:txBody>
+      </p:sp>
+      <p:sp>
+        <p:nvSpPr>
+          <p:cNvPr id="3" name="矩形 2"/>
           <p:cNvSpPr/>
           <p:nvPr/>
         </p:nvSpPr>
         <p:spPr>
           <a:xfrm>
-            <a:off x="1918638" y="4036996"/>
-            <a:ext cx="8531503" cy="923330"/>
+            <a:off x="1410587" y="3316197"/>
+            <a:ext cx="6455410" cy="714375"/>
           </a:xfrm>
           <a:prstGeom prst="rect">
             <a:avLst/>
@@ -8534,36 +9933,31 @@
           <a:p>
             <a:pPr algn="ctr"/>
             <a:r>
-              <a:rPr kumimoji="1" lang="zh-CN" altLang="en-US" sz="5400" dirty="0">
+              <a:rPr kumimoji="1" lang="zh-CN" altLang="en-US" sz="4050" dirty="0">
                 <a:latin typeface="Microsoft YaHei" panose="020B0503020204020204" pitchFamily="34" charset="-122"/>
                 <a:ea typeface="Microsoft YaHei" panose="020B0503020204020204" pitchFamily="34" charset="-122"/>
               </a:rPr>
               <a:t>第</a:t>
             </a:r>
             <a:r>
-              <a:rPr kumimoji="1" lang="en-US" altLang="zh-CN" sz="5400" dirty="0">
+              <a:rPr kumimoji="1" lang="en-US" altLang="zh-CN" sz="4050" dirty="0">
                 <a:latin typeface="Microsoft YaHei" panose="020B0503020204020204" pitchFamily="34" charset="-122"/>
                 <a:ea typeface="Microsoft YaHei" panose="020B0503020204020204" pitchFamily="34" charset="-122"/>
               </a:rPr>
               <a:t>004</a:t>
             </a:r>
             <a:r>
-              <a:rPr kumimoji="1" lang="zh-CN" altLang="en-US" sz="5400" dirty="0">
+              <a:rPr kumimoji="1" lang="zh-CN" altLang="en-US" sz="4050" dirty="0">
                 <a:latin typeface="Microsoft YaHei" panose="020B0503020204020204" pitchFamily="34" charset="-122"/>
                 <a:ea typeface="Microsoft YaHei" panose="020B0503020204020204" pitchFamily="34" charset="-122"/>
               </a:rPr>
               <a:t>集 区间内的所有素数</a:t>
             </a:r>
-            <a:endParaRPr lang="zh-CN" altLang="en-US" sz="5400" dirty="0"/>
+            <a:endParaRPr lang="zh-CN" altLang="en-US" sz="4050" dirty="0"/>
           </a:p>
         </p:txBody>
       </p:sp>
     </p:spTree>
-    <p:extLst>
-      <p:ext uri="{BB962C8B-B14F-4D97-AF65-F5344CB8AC3E}">
-        <p14:creationId xmlns:p14="http://schemas.microsoft.com/office/powerpoint/2010/main" val="893201976"/>
-      </p:ext>
-    </p:extLst>
   </p:cSld>
   <p:clrMapOvr>
     <a:masterClrMapping/>
@@ -8590,13 +9984,7 @@
       </p:grpSpPr>
       <p:sp>
         <p:nvSpPr>
-          <p:cNvPr id="3" name="内容占位符 2">
-            <a:extLst>
-              <a:ext uri="{FF2B5EF4-FFF2-40B4-BE49-F238E27FC236}">
-                <a16:creationId xmlns:a16="http://schemas.microsoft.com/office/drawing/2014/main" id="{4C1A25D0-8354-A84D-8611-0C1E55DFD595}"/>
-              </a:ext>
-            </a:extLst>
-          </p:cNvPr>
+          <p:cNvPr id="3" name="内容占位符 2"/>
           <p:cNvSpPr>
             <a:spLocks noGrp="1"/>
           </p:cNvSpPr>
@@ -8606,8 +9994,8 @@
         </p:nvSpPr>
         <p:spPr>
           <a:xfrm>
-            <a:off x="829734" y="2353733"/>
-            <a:ext cx="10532532" cy="3225889"/>
+            <a:off x="622301" y="2053750"/>
+            <a:ext cx="7899399" cy="2419417"/>
           </a:xfrm>
         </p:spPr>
         <p:txBody>
@@ -8617,108 +10005,104 @@
           <a:lstStyle/>
           <a:p>
             <a:r>
-              <a:rPr kumimoji="1" lang="zh-CN" altLang="en-US" sz="2800" dirty="0"/>
+              <a:rPr kumimoji="1" lang="zh-CN" altLang="en-US" sz="2100" dirty="0"/>
               <a:t>输入开始数字和结束数字，打印区间内所有的素数</a:t>
             </a:r>
-            <a:endParaRPr kumimoji="1" lang="en-US" altLang="zh-CN" sz="2800" dirty="0"/>
+            <a:endParaRPr kumimoji="1" lang="en-US" altLang="zh-CN" sz="2100" dirty="0"/>
           </a:p>
           <a:p>
             <a:pPr lvl="1"/>
             <a:r>
-              <a:rPr kumimoji="1" lang="zh-CN" altLang="en-US" sz="2600" dirty="0"/>
+              <a:rPr kumimoji="1" lang="zh-CN" altLang="en-US" sz="1950" dirty="0"/>
               <a:t>比如：输入 </a:t>
             </a:r>
             <a:r>
-              <a:rPr kumimoji="1" lang="en-US" altLang="zh-CN" sz="2600" dirty="0"/>
+              <a:rPr kumimoji="1" lang="en-US" altLang="zh-CN" sz="1950" dirty="0"/>
               <a:t>11</a:t>
             </a:r>
             <a:r>
-              <a:rPr kumimoji="1" lang="zh-CN" altLang="en-US" sz="2600" dirty="0"/>
+              <a:rPr kumimoji="1" lang="zh-CN" altLang="en-US" sz="1950" dirty="0"/>
               <a:t>和</a:t>
             </a:r>
             <a:r>
-              <a:rPr kumimoji="1" lang="en-US" altLang="zh-CN" sz="2600" dirty="0"/>
+              <a:rPr kumimoji="1" lang="en-US" altLang="zh-CN" sz="1950" dirty="0"/>
               <a:t>25</a:t>
             </a:r>
             <a:r>
-              <a:rPr kumimoji="1" lang="zh-CN" altLang="en-US" sz="2600" dirty="0"/>
+              <a:rPr kumimoji="1" lang="zh-CN" altLang="en-US" sz="1950" dirty="0"/>
               <a:t>，打印</a:t>
             </a:r>
             <a:r>
-              <a:rPr kumimoji="1" lang="en-US" altLang="zh-CN" sz="2600" dirty="0"/>
+              <a:rPr kumimoji="1" lang="en-US" altLang="zh-CN" sz="1950" dirty="0"/>
               <a:t>11~25</a:t>
             </a:r>
             <a:r>
-              <a:rPr kumimoji="1" lang="zh-CN" altLang="en-US" sz="2600" dirty="0"/>
+              <a:rPr kumimoji="1" lang="zh-CN" altLang="en-US" sz="1950" dirty="0"/>
               <a:t>的所有素数，包括</a:t>
             </a:r>
             <a:r>
-              <a:rPr kumimoji="1" lang="en-US" altLang="zh-CN" sz="2600" dirty="0"/>
+              <a:rPr kumimoji="1" lang="en-US" altLang="zh-CN" sz="1950" dirty="0"/>
               <a:t>25</a:t>
             </a:r>
+            <a:endParaRPr kumimoji="1" lang="en-US" altLang="zh-CN" sz="1950" dirty="0"/>
           </a:p>
           <a:p>
             <a:pPr marL="457200" lvl="1" indent="0">
               <a:buNone/>
             </a:pPr>
-            <a:endParaRPr kumimoji="1" lang="en-US" altLang="zh-CN" sz="2600" dirty="0"/>
-          </a:p>
-          <a:p>
-            <a:r>
-              <a:rPr kumimoji="1" lang="zh-CN" altLang="en-US" sz="2800" dirty="0"/>
+            <a:endParaRPr kumimoji="1" lang="en-US" altLang="zh-CN" sz="1950" dirty="0"/>
+          </a:p>
+          <a:p>
+            <a:r>
+              <a:rPr kumimoji="1" lang="zh-CN" altLang="en-US" sz="2100" dirty="0"/>
               <a:t>素数：如果数字只能被</a:t>
             </a:r>
             <a:r>
-              <a:rPr kumimoji="1" lang="en-US" altLang="zh-CN" sz="2800" dirty="0"/>
+              <a:rPr kumimoji="1" lang="en-US" altLang="zh-CN" sz="2100" dirty="0"/>
               <a:t>1</a:t>
             </a:r>
             <a:r>
-              <a:rPr kumimoji="1" lang="zh-CN" altLang="en-US" sz="2800" dirty="0"/>
+              <a:rPr kumimoji="1" lang="zh-CN" altLang="en-US" sz="2100" dirty="0"/>
               <a:t>和自己整除就是素数，否则不是素数</a:t>
             </a:r>
-            <a:endParaRPr kumimoji="1" lang="en-US" altLang="zh-CN" sz="2800" dirty="0"/>
+            <a:endParaRPr kumimoji="1" lang="en-US" altLang="zh-CN" sz="2100" dirty="0"/>
           </a:p>
           <a:p>
             <a:pPr lvl="1"/>
             <a:r>
-              <a:rPr kumimoji="1" lang="zh-CN" altLang="en-US" sz="2600" dirty="0"/>
+              <a:rPr kumimoji="1" lang="zh-CN" altLang="en-US" sz="1950" dirty="0"/>
               <a:t>比如</a:t>
             </a:r>
             <a:r>
-              <a:rPr kumimoji="1" lang="en-US" altLang="zh-CN" sz="2600" dirty="0"/>
+              <a:rPr kumimoji="1" lang="en-US" altLang="zh-CN" sz="1950" dirty="0"/>
               <a:t>3</a:t>
             </a:r>
             <a:r>
-              <a:rPr kumimoji="1" lang="zh-CN" altLang="en-US" sz="2600" dirty="0"/>
+              <a:rPr kumimoji="1" lang="zh-CN" altLang="en-US" sz="1950" dirty="0"/>
               <a:t>是素数、</a:t>
             </a:r>
             <a:r>
-              <a:rPr kumimoji="1" lang="en-US" altLang="zh-CN" sz="2600" dirty="0"/>
+              <a:rPr kumimoji="1" lang="en-US" altLang="zh-CN" sz="1950" dirty="0"/>
               <a:t>4</a:t>
             </a:r>
             <a:r>
-              <a:rPr kumimoji="1" lang="zh-CN" altLang="en-US" sz="2600" dirty="0"/>
+              <a:rPr kumimoji="1" lang="zh-CN" altLang="en-US" sz="1950" dirty="0"/>
               <a:t>不是素数</a:t>
             </a:r>
-          </a:p>
-        </p:txBody>
-      </p:sp>
-      <p:sp>
-        <p:nvSpPr>
-          <p:cNvPr id="5" name="矩形 4">
-            <a:extLst>
-              <a:ext uri="{FF2B5EF4-FFF2-40B4-BE49-F238E27FC236}">
-                <a16:creationId xmlns:a16="http://schemas.microsoft.com/office/drawing/2014/main" id="{D00A7E70-2CBF-1B42-881F-582507DBEBC8}"/>
-              </a:ext>
-            </a:extLst>
-          </p:cNvPr>
+            <a:endParaRPr kumimoji="1" lang="zh-CN" altLang="en-US" sz="1950" dirty="0"/>
+          </a:p>
+        </p:txBody>
+      </p:sp>
+      <p:sp>
+        <p:nvSpPr>
+          <p:cNvPr id="5" name="矩形 4"/>
           <p:cNvSpPr/>
           <p:nvPr/>
         </p:nvSpPr>
         <p:spPr>
           <a:xfrm>
-            <a:off x="1647705" y="489463"/>
-            <a:ext cx="8531503" cy="923330"/>
+            <a:off x="1207387" y="655548"/>
+            <a:ext cx="6455410" cy="714375"/>
           </a:xfrm>
           <a:prstGeom prst="rect">
             <a:avLst/>
@@ -8732,41 +10116,42 @@
           <a:p>
             <a:pPr algn="ctr"/>
             <a:r>
-              <a:rPr kumimoji="1" lang="zh-CN" altLang="en-US" sz="5400" dirty="0">
+              <a:rPr kumimoji="1" lang="zh-CN" altLang="en-US" sz="4050" dirty="0">
                 <a:latin typeface="Microsoft YaHei" panose="020B0503020204020204" pitchFamily="34" charset="-122"/>
                 <a:ea typeface="Microsoft YaHei" panose="020B0503020204020204" pitchFamily="34" charset="-122"/>
               </a:rPr>
               <a:t>第</a:t>
             </a:r>
             <a:r>
-              <a:rPr kumimoji="1" lang="en-US" altLang="zh-CN" sz="5400" dirty="0">
+              <a:rPr kumimoji="1" lang="en-US" altLang="zh-CN" sz="4050" dirty="0">
                 <a:latin typeface="Microsoft YaHei" panose="020B0503020204020204" pitchFamily="34" charset="-122"/>
                 <a:ea typeface="Microsoft YaHei" panose="020B0503020204020204" pitchFamily="34" charset="-122"/>
               </a:rPr>
               <a:t>004</a:t>
             </a:r>
             <a:r>
-              <a:rPr kumimoji="1" lang="zh-CN" altLang="en-US" sz="5400" dirty="0">
+              <a:rPr kumimoji="1" lang="zh-CN" altLang="en-US" sz="4050" dirty="0">
                 <a:latin typeface="Microsoft YaHei" panose="020B0503020204020204" pitchFamily="34" charset="-122"/>
                 <a:ea typeface="Microsoft YaHei" panose="020B0503020204020204" pitchFamily="34" charset="-122"/>
               </a:rPr>
               <a:t>集 区间内的所有素数</a:t>
             </a:r>
-            <a:endParaRPr lang="zh-CN" altLang="en-US" sz="5400" dirty="0"/>
+            <a:endParaRPr lang="zh-CN" altLang="en-US" sz="4050" dirty="0"/>
           </a:p>
         </p:txBody>
       </p:sp>
     </p:spTree>
-    <p:extLst>
-      <p:ext uri="{BB962C8B-B14F-4D97-AF65-F5344CB8AC3E}">
-        <p14:creationId xmlns:p14="http://schemas.microsoft.com/office/powerpoint/2010/main" val="2336768345"/>
-      </p:ext>
-    </p:extLst>
   </p:cSld>
   <p:clrMapOvr>
     <a:masterClrMapping/>
   </p:clrMapOvr>
 </p:sld>
+</file>
+
+<file path=ppt/tags/tag1.xml><?xml version="1.0" encoding="utf-8"?>
+<p:tagLst xmlns:p="http://schemas.openxmlformats.org/presentationml/2006/main">
+  <p:tag name="KSO_WM_SLIDE_MODEL_TYPE" val="cover"/>
+</p:tagLst>
 </file>
 
 <file path=ppt/theme/theme1.xml><?xml version="1.0" encoding="utf-8"?>
@@ -8812,7 +10197,7 @@
     </a:clrScheme>
     <a:fontScheme name="Celestial">
       <a:majorFont>
-        <a:latin typeface="Calibri Light" panose="020F0302020204030204"/>
+        <a:latin typeface="Calibri Light"/>
         <a:ea typeface=""/>
         <a:cs typeface=""/>
         <a:font script="Jpan" typeface="ＭＳ Ｐゴシック"/>
@@ -8847,7 +10232,7 @@
         <a:font script="Geor" typeface="Sylfaen"/>
       </a:majorFont>
       <a:minorFont>
-        <a:latin typeface="Calibri" panose="020F0502020204030204"/>
+        <a:latin typeface="Calibri"/>
         <a:ea typeface=""/>
         <a:cs typeface=""/>
         <a:font script="Jpan" typeface="ＭＳ Ｐゴシック"/>
@@ -9003,16 +10388,16 @@
         </a:gradFill>
         <a:blipFill>
           <a:blip xmlns:r="http://schemas.openxmlformats.org/officeDocument/2006/relationships" r:embed="rId1"/>
-          <a:stretch/>
+          <a:stretch>
+            <a:fillRect/>
+          </a:stretch>
         </a:blipFill>
       </a:bgFillStyleLst>
     </a:fmtScheme>
   </a:themeElements>
-  <a:objectDefaults/>
-  <a:extraClrSchemeLst/>
   <a:extLst>
     <a:ext uri="{05A4C25C-085E-4340-85A3-A5531E510DB2}">
-      <thm15:themeFamily xmlns:thm15="http://schemas.microsoft.com/office/thememl/2012/main" name="Celestial" id="{C4BB2A3D-0E93-4C5F-B0D2-9D3FCE089CC5}" vid="{42E5908D-19A2-46FD-89FA-638B126129EF}"/>
+      <thm15:themeFamily xmlns:thm15="http://schemas.microsoft.com/office/thememl/2012/main" name="Office Theme" id="{62F939B6-93AF-4DB8-9C6B-D6C7DFDC589F}" vid="{4A3C46E8-61CC-4603-A589-7422A47A8E4A}"/>
     </a:ext>
   </a:extLst>
 </a:theme>
@@ -9061,7 +10446,7 @@
     </a:clrScheme>
     <a:fontScheme name="Office">
       <a:majorFont>
-        <a:latin typeface="等线 Light" panose="020F0302020204030204"/>
+        <a:latin typeface="等线 Light"/>
         <a:ea typeface=""/>
         <a:cs typeface=""/>
         <a:font script="Jpan" typeface="游ゴシック Light"/>
@@ -9094,26 +10479,9 @@
         <a:font script="Viet" typeface="Times New Roman"/>
         <a:font script="Uigh" typeface="Microsoft Uighur"/>
         <a:font script="Geor" typeface="Sylfaen"/>
-        <a:font script="Armn" typeface="Arial"/>
-        <a:font script="Bugi" typeface="Leelawadee UI"/>
-        <a:font script="Bopo" typeface="Microsoft JhengHei"/>
-        <a:font script="Java" typeface="Javanese Text"/>
-        <a:font script="Lisu" typeface="Segoe UI"/>
-        <a:font script="Mymr" typeface="Myanmar Text"/>
-        <a:font script="Nkoo" typeface="Ebrima"/>
-        <a:font script="Olck" typeface="Nirmala UI"/>
-        <a:font script="Osma" typeface="Ebrima"/>
-        <a:font script="Phag" typeface="Phagspa"/>
-        <a:font script="Syrn" typeface="Estrangelo Edessa"/>
-        <a:font script="Syrj" typeface="Estrangelo Edessa"/>
-        <a:font script="Syre" typeface="Estrangelo Edessa"/>
-        <a:font script="Sora" typeface="Nirmala UI"/>
-        <a:font script="Tale" typeface="Microsoft Tai Le"/>
-        <a:font script="Talu" typeface="Microsoft New Tai Lue"/>
-        <a:font script="Tfng" typeface="Ebrima"/>
       </a:majorFont>
       <a:minorFont>
-        <a:latin typeface="等线" panose="020F0502020204030204"/>
+        <a:latin typeface="等线"/>
         <a:ea typeface=""/>
         <a:cs typeface=""/>
         <a:font script="Jpan" typeface="游ゴシック"/>
@@ -9146,23 +10514,6 @@
         <a:font script="Viet" typeface="Arial"/>
         <a:font script="Uigh" typeface="Microsoft Uighur"/>
         <a:font script="Geor" typeface="Sylfaen"/>
-        <a:font script="Armn" typeface="Arial"/>
-        <a:font script="Bugi" typeface="Leelawadee UI"/>
-        <a:font script="Bopo" typeface="Microsoft JhengHei"/>
-        <a:font script="Java" typeface="Javanese Text"/>
-        <a:font script="Lisu" typeface="Segoe UI"/>
-        <a:font script="Mymr" typeface="Myanmar Text"/>
-        <a:font script="Nkoo" typeface="Ebrima"/>
-        <a:font script="Olck" typeface="Nirmala UI"/>
-        <a:font script="Osma" typeface="Ebrima"/>
-        <a:font script="Phag" typeface="Phagspa"/>
-        <a:font script="Syrn" typeface="Estrangelo Edessa"/>
-        <a:font script="Syrj" typeface="Estrangelo Edessa"/>
-        <a:font script="Syre" typeface="Estrangelo Edessa"/>
-        <a:font script="Sora" typeface="Nirmala UI"/>
-        <a:font script="Tale" typeface="Microsoft Tai Le"/>
-        <a:font script="Talu" typeface="Microsoft New Tai Lue"/>
-        <a:font script="Tfng" typeface="Ebrima"/>
       </a:minorFont>
     </a:fontScheme>
     <a:fmtScheme name="Office">
@@ -9303,8 +10654,6 @@
       </a:bgFillStyleLst>
     </a:fmtScheme>
   </a:themeElements>
-  <a:objectDefaults/>
-  <a:extraClrSchemeLst/>
   <a:extLst>
     <a:ext uri="{05A4C25C-085E-4340-85A3-A5531E510DB2}">
       <thm15:themeFamily xmlns:thm15="http://schemas.microsoft.com/office/thememl/2012/main" name="Office Theme" id="{62F939B6-93AF-4DB8-9C6B-D6C7DFDC589F}" vid="{4A3C46E8-61CC-4603-A589-7422A47A8E4A}"/>

--- a/docs/Python入门编程100例.pptx
+++ b/docs/Python入门编程100例.pptx
@@ -27,6 +27,8 @@
     <p:sldId id="274" r:id="rId20"/>
     <p:sldId id="275" r:id="rId21"/>
     <p:sldId id="276" r:id="rId22"/>
+    <p:sldId id="277" r:id="rId23"/>
+    <p:sldId id="278" r:id="rId24"/>
   </p:sldIdLst>
   <p:sldSz cx="9144000" cy="5720080" type="screen16x10"/>
   <p:notesSz cx="6858000" cy="9144000"/>
@@ -534,6 +536,96 @@
             <a:endParaRPr kumimoji="1" lang="en-GB" altLang="zh-CN" dirty="0"/>
           </a:p>
           <a:p>
+            <a:endParaRPr kumimoji="1" lang="zh-CN" altLang="en-US" dirty="0"/>
+          </a:p>
+        </p:txBody>
+      </p:sp>
+      <p:sp>
+        <p:nvSpPr>
+          <p:cNvPr id="4" name="灯片编号占位符 3"/>
+          <p:cNvSpPr>
+            <a:spLocks noGrp="1"/>
+          </p:cNvSpPr>
+          <p:nvPr>
+            <p:ph type="sldNum" sz="quarter" idx="5"/>
+          </p:nvPr>
+        </p:nvSpPr>
+        <p:spPr/>
+        <p:txBody>
+          <a:bodyPr/>
+          <a:lstStyle/>
+          <a:p>
+            <a:fld id="{2B2F4EC2-494F-A64C-8801-750069A7A6FB}" type="slidenum">
+              <a:rPr kumimoji="1" lang="zh-CN" altLang="en-US" smtClean="0"/>
+            </a:fld>
+            <a:endParaRPr kumimoji="1" lang="zh-CN" altLang="en-US"/>
+          </a:p>
+        </p:txBody>
+      </p:sp>
+    </p:spTree>
+  </p:cSld>
+  <p:clrMapOvr>
+    <a:masterClrMapping/>
+  </p:clrMapOvr>
+</p:notes>
+</file>
+
+<file path=ppt/notesSlides/notesSlide10.xml><?xml version="1.0" encoding="utf-8"?>
+<p:notes xmlns:a="http://schemas.openxmlformats.org/drawingml/2006/main" xmlns:r="http://schemas.openxmlformats.org/officeDocument/2006/relationships" xmlns:p="http://schemas.openxmlformats.org/presentationml/2006/main">
+  <p:cSld>
+    <p:spTree>
+      <p:nvGrpSpPr>
+        <p:cNvPr id="1" name=""/>
+        <p:cNvGrpSpPr/>
+        <p:nvPr/>
+      </p:nvGrpSpPr>
+      <p:grpSpPr>
+        <a:xfrm>
+          <a:off x="0" y="0"/>
+          <a:ext cx="0" cy="0"/>
+          <a:chOff x="0" y="0"/>
+          <a:chExt cx="0" cy="0"/>
+        </a:xfrm>
+      </p:grpSpPr>
+      <p:sp>
+        <p:nvSpPr>
+          <p:cNvPr id="2" name="幻灯片图像占位符 1"/>
+          <p:cNvSpPr>
+            <a:spLocks noGrp="1" noRot="1" noChangeAspect="1"/>
+          </p:cNvSpPr>
+          <p:nvPr>
+            <p:ph type="sldImg"/>
+          </p:nvPr>
+        </p:nvSpPr>
+        <p:spPr/>
+      </p:sp>
+      <p:sp>
+        <p:nvSpPr>
+          <p:cNvPr id="3" name="备注占位符 2"/>
+          <p:cNvSpPr>
+            <a:spLocks noGrp="1"/>
+          </p:cNvSpPr>
+          <p:nvPr>
+            <p:ph type="body" idx="1"/>
+          </p:nvPr>
+        </p:nvSpPr>
+        <p:spPr/>
+        <p:txBody>
+          <a:bodyPr/>
+          <a:lstStyle/>
+          <a:p>
+            <a:r>
+              <a:rPr kumimoji="1" lang="en-GB" altLang="zh-CN" dirty="0"/>
+              <a:t>https://</a:t>
+            </a:r>
+            <a:r>
+              <a:rPr kumimoji="1" lang="en-GB" altLang="zh-CN" dirty="0" err="1"/>
+              <a:t>www.geeksforgeeks.org</a:t>
+            </a:r>
+            <a:r>
+              <a:rPr kumimoji="1" lang="en-GB" altLang="zh-CN"/>
+              <a:t>/python-program-for-program-to-find-area-of-a-circle/</a:t>
+            </a:r>
             <a:endParaRPr kumimoji="1" lang="zh-CN" altLang="en-US" dirty="0"/>
           </a:p>
         </p:txBody>
@@ -9158,6 +9250,478 @@
               <a:t>Python3</a:t>
             </a:r>
             <a:endParaRPr kumimoji="1" lang="zh-CN" altLang="en-US" dirty="0"/>
+          </a:p>
+        </p:txBody>
+      </p:sp>
+    </p:spTree>
+  </p:cSld>
+  <p:clrMapOvr>
+    <a:masterClrMapping/>
+  </p:clrMapOvr>
+</p:sld>
+</file>
+
+<file path=ppt/slides/slide20.xml><?xml version="1.0" encoding="utf-8"?>
+<p:sld xmlns:a="http://schemas.openxmlformats.org/drawingml/2006/main" xmlns:r="http://schemas.openxmlformats.org/officeDocument/2006/relationships" xmlns:p="http://schemas.openxmlformats.org/presentationml/2006/main">
+  <p:cSld>
+    <p:spTree>
+      <p:nvGrpSpPr>
+        <p:cNvPr id="1" name=""/>
+        <p:cNvGrpSpPr/>
+        <p:nvPr/>
+      </p:nvGrpSpPr>
+      <p:grpSpPr>
+        <a:xfrm>
+          <a:off x="0" y="0"/>
+          <a:ext cx="0" cy="0"/>
+          <a:chOff x="0" y="0"/>
+          <a:chExt cx="0" cy="0"/>
+        </a:xfrm>
+      </p:grpSpPr>
+      <p:sp>
+        <p:nvSpPr>
+          <p:cNvPr id="6" name="矩形 5"/>
+          <p:cNvSpPr/>
+          <p:nvPr/>
+        </p:nvSpPr>
+        <p:spPr>
+          <a:xfrm>
+            <a:off x="2123514" y="966484"/>
+            <a:ext cx="4895850" cy="1845310"/>
+          </a:xfrm>
+          <a:prstGeom prst="rect">
+            <a:avLst/>
+          </a:prstGeom>
+        </p:spPr>
+        <p:txBody>
+          <a:bodyPr wrap="none">
+            <a:spAutoFit/>
+          </a:bodyPr>
+          <a:lstStyle/>
+          <a:p>
+            <a:pPr algn="ctr"/>
+            <a:r>
+              <a:rPr kumimoji="1" lang="en-US" altLang="zh-CN" sz="6000" dirty="0">
+                <a:latin typeface="Microsoft YaHei" panose="020B0503020204020204" pitchFamily="34" charset="-122"/>
+                <a:ea typeface="Microsoft YaHei" panose="020B0503020204020204" pitchFamily="34" charset="-122"/>
+              </a:rPr>
+              <a:t>Python</a:t>
+            </a:r>
+            <a:endParaRPr kumimoji="1" lang="en-US" altLang="zh-CN" sz="6000" dirty="0">
+              <a:latin typeface="Microsoft YaHei" panose="020B0503020204020204" pitchFamily="34" charset="-122"/>
+              <a:ea typeface="Microsoft YaHei" panose="020B0503020204020204" pitchFamily="34" charset="-122"/>
+            </a:endParaRPr>
+          </a:p>
+          <a:p>
+            <a:pPr algn="ctr"/>
+            <a:r>
+              <a:rPr kumimoji="1" lang="zh-CN" altLang="en-US" sz="5400" dirty="0">
+                <a:latin typeface="Microsoft YaHei" panose="020B0503020204020204" pitchFamily="34" charset="-122"/>
+                <a:ea typeface="Microsoft YaHei" panose="020B0503020204020204" pitchFamily="34" charset="-122"/>
+              </a:rPr>
+              <a:t>入门编程</a:t>
+            </a:r>
+            <a:r>
+              <a:rPr kumimoji="1" lang="en-US" altLang="zh-CN" sz="5400" dirty="0">
+                <a:latin typeface="Microsoft YaHei" panose="020B0503020204020204" pitchFamily="34" charset="-122"/>
+                <a:ea typeface="Microsoft YaHei" panose="020B0503020204020204" pitchFamily="34" charset="-122"/>
+              </a:rPr>
+              <a:t>100</a:t>
+            </a:r>
+            <a:r>
+              <a:rPr kumimoji="1" lang="zh-CN" altLang="en-US" sz="5400" dirty="0">
+                <a:latin typeface="Microsoft YaHei" panose="020B0503020204020204" pitchFamily="34" charset="-122"/>
+                <a:ea typeface="Microsoft YaHei" panose="020B0503020204020204" pitchFamily="34" charset="-122"/>
+              </a:rPr>
+              <a:t>例</a:t>
+            </a:r>
+            <a:endParaRPr kumimoji="1" lang="zh-CN" altLang="en-US" sz="5400" dirty="0">
+              <a:latin typeface="Microsoft YaHei" panose="020B0503020204020204" pitchFamily="34" charset="-122"/>
+              <a:ea typeface="Microsoft YaHei" panose="020B0503020204020204" pitchFamily="34" charset="-122"/>
+            </a:endParaRPr>
+          </a:p>
+        </p:txBody>
+      </p:sp>
+      <p:sp>
+        <p:nvSpPr>
+          <p:cNvPr id="3" name="矩形 2"/>
+          <p:cNvSpPr/>
+          <p:nvPr/>
+        </p:nvSpPr>
+        <p:spPr>
+          <a:xfrm>
+            <a:off x="1647765" y="2915671"/>
+            <a:ext cx="5847715" cy="1337945"/>
+          </a:xfrm>
+          <a:prstGeom prst="rect">
+            <a:avLst/>
+          </a:prstGeom>
+          <a:solidFill>
+            <a:srgbClr val="FFC000"/>
+          </a:solidFill>
+          <a:ln>
+            <a:noFill/>
+          </a:ln>
+        </p:spPr>
+        <p:style>
+          <a:lnRef idx="3">
+            <a:schemeClr val="lt1"/>
+          </a:lnRef>
+          <a:fillRef idx="1">
+            <a:schemeClr val="accent5"/>
+          </a:fillRef>
+          <a:effectRef idx="1">
+            <a:schemeClr val="accent5"/>
+          </a:effectRef>
+          <a:fontRef idx="minor">
+            <a:schemeClr val="lt1"/>
+          </a:fontRef>
+        </p:style>
+        <p:txBody>
+          <a:bodyPr wrap="none">
+            <a:spAutoFit/>
+          </a:bodyPr>
+          <a:lstStyle/>
+          <a:p>
+            <a:pPr algn="ctr"/>
+            <a:r>
+              <a:rPr kumimoji="1" lang="zh-CN" altLang="en-US" sz="4050" b="1" dirty="0">
+                <a:solidFill>
+                  <a:schemeClr val="bg1"/>
+                </a:solidFill>
+                <a:latin typeface="Microsoft YaHei" panose="020B0503020204020204" pitchFamily="34" charset="-122"/>
+                <a:ea typeface="Microsoft YaHei" panose="020B0503020204020204" pitchFamily="34" charset="-122"/>
+              </a:rPr>
+              <a:t>第</a:t>
+            </a:r>
+            <a:r>
+              <a:rPr kumimoji="1" lang="en-US" altLang="zh-CN" sz="4050" b="1" dirty="0">
+                <a:solidFill>
+                  <a:schemeClr val="bg1"/>
+                </a:solidFill>
+                <a:latin typeface="Microsoft YaHei" panose="020B0503020204020204" pitchFamily="34" charset="-122"/>
+                <a:ea typeface="Microsoft YaHei" panose="020B0503020204020204" pitchFamily="34" charset="-122"/>
+              </a:rPr>
+              <a:t>010</a:t>
+            </a:r>
+            <a:r>
+              <a:rPr kumimoji="1" lang="zh-CN" altLang="en-US" sz="4050" b="1" dirty="0">
+                <a:solidFill>
+                  <a:schemeClr val="bg1"/>
+                </a:solidFill>
+                <a:latin typeface="Microsoft YaHei" panose="020B0503020204020204" pitchFamily="34" charset="-122"/>
+                <a:ea typeface="Microsoft YaHei" panose="020B0503020204020204" pitchFamily="34" charset="-122"/>
+              </a:rPr>
+              <a:t>集 </a:t>
+            </a:r>
+            <a:endParaRPr kumimoji="1" lang="zh-CN" altLang="en-US" sz="4050" b="1" dirty="0">
+              <a:solidFill>
+                <a:schemeClr val="bg1"/>
+              </a:solidFill>
+              <a:latin typeface="Microsoft YaHei" panose="020B0503020204020204" pitchFamily="34" charset="-122"/>
+              <a:ea typeface="Microsoft YaHei" panose="020B0503020204020204" pitchFamily="34" charset="-122"/>
+            </a:endParaRPr>
+          </a:p>
+          <a:p>
+            <a:pPr algn="ctr"/>
+            <a:r>
+              <a:rPr kumimoji="1" lang="zh-CN" altLang="en-US" sz="4050" b="1" dirty="0">
+                <a:solidFill>
+                  <a:schemeClr val="bg1"/>
+                </a:solidFill>
+                <a:latin typeface="Microsoft YaHei" panose="020B0503020204020204" pitchFamily="34" charset="-122"/>
+                <a:ea typeface="Microsoft YaHei" panose="020B0503020204020204" pitchFamily="34" charset="-122"/>
+              </a:rPr>
+              <a:t>怎样对简单列表元素排序</a:t>
+            </a:r>
+            <a:endParaRPr kumimoji="1" lang="zh-CN" altLang="en-US" sz="4050" b="1" dirty="0">
+              <a:solidFill>
+                <a:schemeClr val="bg1"/>
+              </a:solidFill>
+              <a:latin typeface="Microsoft YaHei" panose="020B0503020204020204" pitchFamily="34" charset="-122"/>
+              <a:ea typeface="Microsoft YaHei" panose="020B0503020204020204" pitchFamily="34" charset="-122"/>
+            </a:endParaRPr>
+          </a:p>
+        </p:txBody>
+      </p:sp>
+    </p:spTree>
+  </p:cSld>
+  <p:clrMapOvr>
+    <a:masterClrMapping/>
+  </p:clrMapOvr>
+</p:sld>
+</file>
+
+<file path=ppt/slides/slide21.xml><?xml version="1.0" encoding="utf-8"?>
+<p:sld xmlns:a="http://schemas.openxmlformats.org/drawingml/2006/main" xmlns:r="http://schemas.openxmlformats.org/officeDocument/2006/relationships" xmlns:p="http://schemas.openxmlformats.org/presentationml/2006/main">
+  <p:cSld>
+    <p:spTree>
+      <p:nvGrpSpPr>
+        <p:cNvPr id="1" name=""/>
+        <p:cNvGrpSpPr/>
+        <p:nvPr/>
+      </p:nvGrpSpPr>
+      <p:grpSpPr>
+        <a:xfrm>
+          <a:off x="0" y="0"/>
+          <a:ext cx="0" cy="0"/>
+          <a:chOff x="0" y="0"/>
+          <a:chExt cx="0" cy="0"/>
+        </a:xfrm>
+      </p:grpSpPr>
+      <p:sp>
+        <p:nvSpPr>
+          <p:cNvPr id="3" name="内容占位符 2"/>
+          <p:cNvSpPr>
+            <a:spLocks noGrp="1"/>
+          </p:cNvSpPr>
+          <p:nvPr>
+            <p:ph idx="1"/>
+          </p:nvPr>
+        </p:nvSpPr>
+        <p:spPr>
+          <a:xfrm>
+            <a:off x="567690" y="1701800"/>
+            <a:ext cx="8074025" cy="3121025"/>
+          </a:xfrm>
+        </p:spPr>
+        <p:txBody>
+          <a:bodyPr>
+            <a:noAutofit/>
+          </a:bodyPr>
+          <a:lstStyle/>
+          <a:p>
+            <a:r>
+              <a:rPr kumimoji="1" lang="zh-CN" altLang="en-US" sz="2700" dirty="0">
+                <a:latin typeface="Microsoft YaHei" panose="020B0503020204020204" pitchFamily="34" charset="-122"/>
+                <a:ea typeface="Microsoft YaHei" panose="020B0503020204020204" pitchFamily="34" charset="-122"/>
+              </a:rPr>
+              <a:t>怎样对简单列表排序？</a:t>
+            </a:r>
+            <a:endParaRPr kumimoji="1" lang="zh-CN" altLang="en-US" sz="2700" dirty="0">
+              <a:latin typeface="Microsoft YaHei" panose="020B0503020204020204" pitchFamily="34" charset="-122"/>
+              <a:ea typeface="Microsoft YaHei" panose="020B0503020204020204" pitchFamily="34" charset="-122"/>
+            </a:endParaRPr>
+          </a:p>
+          <a:p>
+            <a:pPr lvl="1"/>
+            <a:r>
+              <a:rPr kumimoji="1" lang="zh-CN" altLang="en-US" sz="2400" dirty="0">
+                <a:latin typeface="Microsoft YaHei" panose="020B0503020204020204" pitchFamily="34" charset="-122"/>
+                <a:ea typeface="Microsoft YaHei" panose="020B0503020204020204" pitchFamily="34" charset="-122"/>
+              </a:rPr>
+              <a:t>简单列表：元素类型不是复合类型（列表</a:t>
+            </a:r>
+            <a:r>
+              <a:rPr kumimoji="1" lang="en-US" altLang="zh-CN" sz="2400" dirty="0">
+                <a:latin typeface="Microsoft YaHei" panose="020B0503020204020204" pitchFamily="34" charset="-122"/>
+                <a:ea typeface="Microsoft YaHei" panose="020B0503020204020204" pitchFamily="34" charset="-122"/>
+              </a:rPr>
+              <a:t>/</a:t>
+            </a:r>
+            <a:r>
+              <a:rPr kumimoji="1" lang="zh-CN" altLang="en-US" sz="2400" dirty="0">
+                <a:latin typeface="Microsoft YaHei" panose="020B0503020204020204" pitchFamily="34" charset="-122"/>
+                <a:ea typeface="Microsoft YaHei" panose="020B0503020204020204" pitchFamily="34" charset="-122"/>
+              </a:rPr>
+              <a:t>元组</a:t>
+            </a:r>
+            <a:r>
+              <a:rPr kumimoji="1" lang="en-US" altLang="zh-CN" sz="2400" dirty="0">
+                <a:latin typeface="Microsoft YaHei" panose="020B0503020204020204" pitchFamily="34" charset="-122"/>
+                <a:ea typeface="Microsoft YaHei" panose="020B0503020204020204" pitchFamily="34" charset="-122"/>
+              </a:rPr>
+              <a:t>/</a:t>
+            </a:r>
+            <a:r>
+              <a:rPr kumimoji="1" lang="zh-CN" altLang="en-US" sz="2400" dirty="0">
+                <a:latin typeface="Microsoft YaHei" panose="020B0503020204020204" pitchFamily="34" charset="-122"/>
+                <a:ea typeface="Microsoft YaHei" panose="020B0503020204020204" pitchFamily="34" charset="-122"/>
+              </a:rPr>
+              <a:t>字典）</a:t>
+            </a:r>
+            <a:endParaRPr kumimoji="1" lang="zh-CN" altLang="en-US" sz="2400" dirty="0">
+              <a:latin typeface="Microsoft YaHei" panose="020B0503020204020204" pitchFamily="34" charset="-122"/>
+              <a:ea typeface="Microsoft YaHei" panose="020B0503020204020204" pitchFamily="34" charset="-122"/>
+            </a:endParaRPr>
+          </a:p>
+          <a:p>
+            <a:pPr lvl="1"/>
+            <a:r>
+              <a:rPr kumimoji="1" lang="zh-CN" altLang="en-US" sz="2400" dirty="0">
+                <a:latin typeface="Microsoft YaHei" panose="020B0503020204020204" pitchFamily="34" charset="-122"/>
+                <a:ea typeface="Microsoft YaHei" panose="020B0503020204020204" pitchFamily="34" charset="-122"/>
+              </a:rPr>
+              <a:t>形式</a:t>
+            </a:r>
+            <a:r>
+              <a:rPr kumimoji="1" lang="en-US" altLang="zh-CN" sz="2400" dirty="0">
+                <a:latin typeface="Microsoft YaHei" panose="020B0503020204020204" pitchFamily="34" charset="-122"/>
+                <a:ea typeface="Microsoft YaHei" panose="020B0503020204020204" pitchFamily="34" charset="-122"/>
+              </a:rPr>
+              <a:t>1</a:t>
+            </a:r>
+            <a:r>
+              <a:rPr kumimoji="1" lang="zh-CN" altLang="en-US" sz="2400" dirty="0">
+                <a:latin typeface="Microsoft YaHei" panose="020B0503020204020204" pitchFamily="34" charset="-122"/>
+                <a:ea typeface="Microsoft YaHei" panose="020B0503020204020204" pitchFamily="34" charset="-122"/>
+              </a:rPr>
+              <a:t>：</a:t>
+            </a:r>
+            <a:r>
+              <a:rPr kumimoji="1" lang="en-US" altLang="zh-CN" sz="2400" dirty="0">
+                <a:latin typeface="Microsoft YaHei" panose="020B0503020204020204" pitchFamily="34" charset="-122"/>
+                <a:ea typeface="Microsoft YaHei" panose="020B0503020204020204" pitchFamily="34" charset="-122"/>
+              </a:rPr>
+              <a:t>[20, 50, 10, 40, 30]</a:t>
+            </a:r>
+            <a:endParaRPr kumimoji="1" lang="en-US" altLang="zh-CN" sz="2400" dirty="0">
+              <a:latin typeface="Microsoft YaHei" panose="020B0503020204020204" pitchFamily="34" charset="-122"/>
+              <a:ea typeface="Microsoft YaHei" panose="020B0503020204020204" pitchFamily="34" charset="-122"/>
+            </a:endParaRPr>
+          </a:p>
+          <a:p>
+            <a:pPr lvl="1"/>
+            <a:r>
+              <a:rPr kumimoji="1" lang="zh-CN" altLang="en-US" sz="2400" dirty="0">
+                <a:latin typeface="Microsoft YaHei" panose="020B0503020204020204" pitchFamily="34" charset="-122"/>
+                <a:ea typeface="Microsoft YaHei" panose="020B0503020204020204" pitchFamily="34" charset="-122"/>
+              </a:rPr>
+              <a:t>形式</a:t>
+            </a:r>
+            <a:r>
+              <a:rPr kumimoji="1" lang="en-US" altLang="zh-CN" sz="2400" dirty="0">
+                <a:latin typeface="Microsoft YaHei" panose="020B0503020204020204" pitchFamily="34" charset="-122"/>
+                <a:ea typeface="Microsoft YaHei" panose="020B0503020204020204" pitchFamily="34" charset="-122"/>
+              </a:rPr>
+              <a:t>2</a:t>
+            </a:r>
+            <a:r>
+              <a:rPr kumimoji="1" lang="zh-CN" altLang="en-US" sz="2400" dirty="0">
+                <a:latin typeface="Microsoft YaHei" panose="020B0503020204020204" pitchFamily="34" charset="-122"/>
+                <a:ea typeface="Microsoft YaHei" panose="020B0503020204020204" pitchFamily="34" charset="-122"/>
+              </a:rPr>
+              <a:t>：</a:t>
+            </a:r>
+            <a:r>
+              <a:rPr kumimoji="1" lang="en-US" altLang="zh-CN" sz="2400" dirty="0">
+                <a:latin typeface="Microsoft YaHei" panose="020B0503020204020204" pitchFamily="34" charset="-122"/>
+                <a:ea typeface="Microsoft YaHei" panose="020B0503020204020204" pitchFamily="34" charset="-122"/>
+              </a:rPr>
+              <a:t>['bb', 'ee', 'aa', 'dd', 'cc']</a:t>
+            </a:r>
+            <a:endParaRPr kumimoji="1" lang="en-US" altLang="zh-CN" sz="2400" dirty="0">
+              <a:latin typeface="Microsoft YaHei" panose="020B0503020204020204" pitchFamily="34" charset="-122"/>
+              <a:ea typeface="Microsoft YaHei" panose="020B0503020204020204" pitchFamily="34" charset="-122"/>
+            </a:endParaRPr>
+          </a:p>
+          <a:p>
+            <a:pPr lvl="0"/>
+            <a:r>
+              <a:rPr kumimoji="1" lang="zh-CN" altLang="en-US" sz="2355" dirty="0">
+                <a:latin typeface="Microsoft YaHei" panose="020B0503020204020204" pitchFamily="34" charset="-122"/>
+                <a:ea typeface="Microsoft YaHei" panose="020B0503020204020204" pitchFamily="34" charset="-122"/>
+              </a:rPr>
+              <a:t>知识点：</a:t>
+            </a:r>
+            <a:endParaRPr kumimoji="1" lang="zh-CN" altLang="en-US" sz="2355" dirty="0">
+              <a:latin typeface="Microsoft YaHei" panose="020B0503020204020204" pitchFamily="34" charset="-122"/>
+              <a:ea typeface="Microsoft YaHei" panose="020B0503020204020204" pitchFamily="34" charset="-122"/>
+            </a:endParaRPr>
+          </a:p>
+          <a:p>
+            <a:pPr lvl="1"/>
+            <a:r>
+              <a:rPr kumimoji="1" lang="zh-CN" altLang="en-US" sz="2095" dirty="0">
+                <a:latin typeface="Microsoft YaHei" panose="020B0503020204020204" pitchFamily="34" charset="-122"/>
+                <a:ea typeface="Microsoft YaHei" panose="020B0503020204020204" pitchFamily="34" charset="-122"/>
+              </a:rPr>
+              <a:t>怎样原地排序？怎样不改变原列表排序？</a:t>
+            </a:r>
+            <a:endParaRPr kumimoji="1" lang="zh-CN" altLang="en-US" sz="2095" dirty="0">
+              <a:latin typeface="Microsoft YaHei" panose="020B0503020204020204" pitchFamily="34" charset="-122"/>
+              <a:ea typeface="Microsoft YaHei" panose="020B0503020204020204" pitchFamily="34" charset="-122"/>
+            </a:endParaRPr>
+          </a:p>
+          <a:p>
+            <a:pPr lvl="1"/>
+            <a:r>
+              <a:rPr kumimoji="1" lang="zh-CN" altLang="en-US" sz="2095" dirty="0">
+                <a:latin typeface="Microsoft YaHei" panose="020B0503020204020204" pitchFamily="34" charset="-122"/>
+                <a:ea typeface="Microsoft YaHei" panose="020B0503020204020204" pitchFamily="34" charset="-122"/>
+              </a:rPr>
+              <a:t>怎样指定是升序还是降序排序？</a:t>
+            </a:r>
+            <a:endParaRPr kumimoji="1" lang="zh-CN" altLang="en-US" sz="2095" dirty="0">
+              <a:latin typeface="Microsoft YaHei" panose="020B0503020204020204" pitchFamily="34" charset="-122"/>
+              <a:ea typeface="Microsoft YaHei" panose="020B0503020204020204" pitchFamily="34" charset="-122"/>
+            </a:endParaRPr>
+          </a:p>
+        </p:txBody>
+      </p:sp>
+      <p:sp>
+        <p:nvSpPr>
+          <p:cNvPr id="5" name="矩形 4"/>
+          <p:cNvSpPr/>
+          <p:nvPr/>
+        </p:nvSpPr>
+        <p:spPr>
+          <a:xfrm>
+            <a:off x="567373" y="799544"/>
+            <a:ext cx="8009255" cy="714375"/>
+          </a:xfrm>
+          <a:prstGeom prst="rect">
+            <a:avLst/>
+          </a:prstGeom>
+        </p:spPr>
+        <p:txBody>
+          <a:bodyPr wrap="none">
+            <a:spAutoFit/>
+          </a:bodyPr>
+          <a:lstStyle/>
+          <a:p>
+            <a:pPr algn="ctr"/>
+            <a:r>
+              <a:rPr kumimoji="1" lang="zh-CN" altLang="en-US" sz="4050" b="1" dirty="0">
+                <a:solidFill>
+                  <a:schemeClr val="tx1"/>
+                </a:solidFill>
+                <a:latin typeface="Microsoft YaHei" panose="020B0503020204020204" pitchFamily="34" charset="-122"/>
+                <a:ea typeface="Microsoft YaHei" panose="020B0503020204020204" pitchFamily="34" charset="-122"/>
+                <a:sym typeface="+mn-ea"/>
+              </a:rPr>
+              <a:t>第</a:t>
+            </a:r>
+            <a:r>
+              <a:rPr kumimoji="1" lang="en-US" altLang="zh-CN" sz="4050" b="1" dirty="0">
+                <a:solidFill>
+                  <a:schemeClr val="tx1"/>
+                </a:solidFill>
+                <a:latin typeface="Microsoft YaHei" panose="020B0503020204020204" pitchFamily="34" charset="-122"/>
+                <a:ea typeface="Microsoft YaHei" panose="020B0503020204020204" pitchFamily="34" charset="-122"/>
+                <a:sym typeface="+mn-ea"/>
+              </a:rPr>
+              <a:t>010</a:t>
+            </a:r>
+            <a:r>
+              <a:rPr kumimoji="1" lang="zh-CN" altLang="en-US" sz="4050" b="1" dirty="0">
+                <a:solidFill>
+                  <a:schemeClr val="tx1"/>
+                </a:solidFill>
+                <a:latin typeface="Microsoft YaHei" panose="020B0503020204020204" pitchFamily="34" charset="-122"/>
+                <a:ea typeface="Microsoft YaHei" panose="020B0503020204020204" pitchFamily="34" charset="-122"/>
+                <a:sym typeface="+mn-ea"/>
+              </a:rPr>
+              <a:t>集 怎样对简单列表元素排序</a:t>
+            </a:r>
+            <a:endParaRPr kumimoji="1" lang="zh-CN" altLang="en-US" sz="4050" b="1" dirty="0">
+              <a:solidFill>
+                <a:schemeClr val="tx1"/>
+              </a:solidFill>
+              <a:latin typeface="Microsoft YaHei" panose="020B0503020204020204" pitchFamily="34" charset="-122"/>
+              <a:ea typeface="Microsoft YaHei" panose="020B0503020204020204" pitchFamily="34" charset="-122"/>
+              <a:sym typeface="+mn-ea"/>
+            </a:endParaRPr>
           </a:p>
         </p:txBody>
       </p:sp>

--- a/docs/Python入门编程100例.pptx
+++ b/docs/Python入门编程100例.pptx
@@ -5,32 +5,38 @@
     <p:sldMasterId id="2147483648" r:id="rId1"/>
   </p:sldMasterIdLst>
   <p:notesMasterIdLst>
-    <p:notesMasterId r:id="rId6"/>
+    <p:notesMasterId r:id="rId29"/>
   </p:notesMasterIdLst>
   <p:sldIdLst>
-    <p:sldId id="256" r:id="rId3"/>
-    <p:sldId id="257" r:id="rId4"/>
-    <p:sldId id="258" r:id="rId5"/>
-    <p:sldId id="261" r:id="rId7"/>
-    <p:sldId id="259" r:id="rId8"/>
-    <p:sldId id="262" r:id="rId9"/>
-    <p:sldId id="260" r:id="rId10"/>
-    <p:sldId id="263" r:id="rId11"/>
-    <p:sldId id="264" r:id="rId12"/>
-    <p:sldId id="265" r:id="rId13"/>
-    <p:sldId id="266" r:id="rId14"/>
-    <p:sldId id="267" r:id="rId15"/>
-    <p:sldId id="268" r:id="rId16"/>
-    <p:sldId id="271" r:id="rId17"/>
-    <p:sldId id="272" r:id="rId18"/>
-    <p:sldId id="273" r:id="rId19"/>
-    <p:sldId id="274" r:id="rId20"/>
-    <p:sldId id="275" r:id="rId21"/>
-    <p:sldId id="276" r:id="rId22"/>
-    <p:sldId id="277" r:id="rId23"/>
-    <p:sldId id="278" r:id="rId24"/>
+    <p:sldId id="256" r:id="rId2"/>
+    <p:sldId id="257" r:id="rId3"/>
+    <p:sldId id="258" r:id="rId4"/>
+    <p:sldId id="261" r:id="rId5"/>
+    <p:sldId id="259" r:id="rId6"/>
+    <p:sldId id="262" r:id="rId7"/>
+    <p:sldId id="260" r:id="rId8"/>
+    <p:sldId id="263" r:id="rId9"/>
+    <p:sldId id="264" r:id="rId10"/>
+    <p:sldId id="265" r:id="rId11"/>
+    <p:sldId id="266" r:id="rId12"/>
+    <p:sldId id="267" r:id="rId13"/>
+    <p:sldId id="268" r:id="rId14"/>
+    <p:sldId id="271" r:id="rId15"/>
+    <p:sldId id="272" r:id="rId16"/>
+    <p:sldId id="273" r:id="rId17"/>
+    <p:sldId id="274" r:id="rId18"/>
+    <p:sldId id="275" r:id="rId19"/>
+    <p:sldId id="276" r:id="rId20"/>
+    <p:sldId id="277" r:id="rId21"/>
+    <p:sldId id="278" r:id="rId22"/>
+    <p:sldId id="279" r:id="rId23"/>
+    <p:sldId id="280" r:id="rId24"/>
+    <p:sldId id="281" r:id="rId25"/>
+    <p:sldId id="282" r:id="rId26"/>
+    <p:sldId id="283" r:id="rId27"/>
+    <p:sldId id="284" r:id="rId28"/>
   </p:sldIdLst>
-  <p:sldSz cx="9144000" cy="5720080" type="screen16x10"/>
+  <p:sldSz cx="9144000" cy="5719763"/>
   <p:notesSz cx="6858000" cy="9144000"/>
   <p:defaultTextStyle>
     <a:defPPr>
@@ -127,6 +133,11 @@
       </a:defRPr>
     </a:lvl9pPr>
   </p:defaultTextStyle>
+  <p:extLst>
+    <p:ext uri="{EFAFB233-063F-42B5-8137-9DF3F51BA10A}">
+      <p15:sldGuideLst xmlns:p15="http://schemas.microsoft.com/office/powerpoint/2012/main"/>
+    </p:ext>
+  </p:extLst>
 </p:presentation>
 </file>
 
@@ -212,6 +223,7 @@
           <a:p>
             <a:fld id="{27B4EF14-D706-E540-9C85-6AD8A04B773D}" type="datetimeFigureOut">
               <a:rPr kumimoji="1" lang="zh-CN" altLang="en-US" smtClean="0"/>
+              <a:t>2021/4/1</a:t>
             </a:fld>
             <a:endParaRPr kumimoji="1" lang="zh-CN" altLang="en-US"/>
           </a:p>
@@ -278,7 +290,6 @@
               <a:rPr kumimoji="1" lang="zh-CN" altLang="en-US"/>
               <a:t>单击此处编辑母版文本样式</a:t>
             </a:r>
-            <a:endParaRPr kumimoji="1" lang="zh-CN" altLang="en-US"/>
           </a:p>
           <a:p>
             <a:pPr lvl="1"/>
@@ -286,7 +297,6 @@
               <a:rPr kumimoji="1" lang="zh-CN" altLang="en-US"/>
               <a:t>二级</a:t>
             </a:r>
-            <a:endParaRPr kumimoji="1" lang="zh-CN" altLang="en-US"/>
           </a:p>
           <a:p>
             <a:pPr lvl="2"/>
@@ -294,7 +304,6 @@
               <a:rPr kumimoji="1" lang="zh-CN" altLang="en-US"/>
               <a:t>三级</a:t>
             </a:r>
-            <a:endParaRPr kumimoji="1" lang="zh-CN" altLang="en-US"/>
           </a:p>
           <a:p>
             <a:pPr lvl="3"/>
@@ -302,7 +311,6 @@
               <a:rPr kumimoji="1" lang="zh-CN" altLang="en-US"/>
               <a:t>四级</a:t>
             </a:r>
-            <a:endParaRPr kumimoji="1" lang="zh-CN" altLang="en-US"/>
           </a:p>
           <a:p>
             <a:pPr lvl="4"/>
@@ -310,7 +318,6 @@
               <a:rPr kumimoji="1" lang="zh-CN" altLang="en-US"/>
               <a:t>五级</a:t>
             </a:r>
-            <a:endParaRPr kumimoji="1" lang="zh-CN" altLang="en-US"/>
           </a:p>
         </p:txBody>
       </p:sp>
@@ -374,6 +381,7 @@
           <a:p>
             <a:fld id="{2B2F4EC2-494F-A64C-8801-750069A7A6FB}" type="slidenum">
               <a:rPr kumimoji="1" lang="zh-CN" altLang="en-US" smtClean="0"/>
+              <a:t>‹#›</a:t>
             </a:fld>
             <a:endParaRPr kumimoji="1" lang="zh-CN" altLang="en-US"/>
           </a:p>
@@ -533,7 +541,6 @@
               <a:rPr kumimoji="1" lang="en-GB" altLang="zh-CN" dirty="0"/>
               <a:t>/python-program-to-add-two-numbers/</a:t>
             </a:r>
-            <a:endParaRPr kumimoji="1" lang="en-GB" altLang="zh-CN" dirty="0"/>
           </a:p>
           <a:p>
             <a:endParaRPr kumimoji="1" lang="zh-CN" altLang="en-US" dirty="0"/>
@@ -557,6 +564,7 @@
           <a:p>
             <a:fld id="{2B2F4EC2-494F-A64C-8801-750069A7A6FB}" type="slidenum">
               <a:rPr kumimoji="1" lang="zh-CN" altLang="en-US" smtClean="0"/>
+              <a:t>3</a:t>
             </a:fld>
             <a:endParaRPr kumimoji="1" lang="zh-CN" altLang="en-US"/>
           </a:p>
@@ -647,12 +655,316 @@
           <a:p>
             <a:fld id="{2B2F4EC2-494F-A64C-8801-750069A7A6FB}" type="slidenum">
               <a:rPr kumimoji="1" lang="zh-CN" altLang="en-US" smtClean="0"/>
+              <a:t>21</a:t>
             </a:fld>
             <a:endParaRPr kumimoji="1" lang="zh-CN" altLang="en-US"/>
           </a:p>
         </p:txBody>
       </p:sp>
     </p:spTree>
+  </p:cSld>
+  <p:clrMapOvr>
+    <a:masterClrMapping/>
+  </p:clrMapOvr>
+</p:notes>
+</file>
+
+<file path=ppt/notesSlides/notesSlide11.xml><?xml version="1.0" encoding="utf-8"?>
+<p:notes xmlns:a="http://schemas.openxmlformats.org/drawingml/2006/main" xmlns:r="http://schemas.openxmlformats.org/officeDocument/2006/relationships" xmlns:p="http://schemas.openxmlformats.org/presentationml/2006/main">
+  <p:cSld>
+    <p:spTree>
+      <p:nvGrpSpPr>
+        <p:cNvPr id="1" name=""/>
+        <p:cNvGrpSpPr/>
+        <p:nvPr/>
+      </p:nvGrpSpPr>
+      <p:grpSpPr>
+        <a:xfrm>
+          <a:off x="0" y="0"/>
+          <a:ext cx="0" cy="0"/>
+          <a:chOff x="0" y="0"/>
+          <a:chExt cx="0" cy="0"/>
+        </a:xfrm>
+      </p:grpSpPr>
+      <p:sp>
+        <p:nvSpPr>
+          <p:cNvPr id="2" name="幻灯片图像占位符 1"/>
+          <p:cNvSpPr>
+            <a:spLocks noGrp="1" noRot="1" noChangeAspect="1"/>
+          </p:cNvSpPr>
+          <p:nvPr>
+            <p:ph type="sldImg"/>
+          </p:nvPr>
+        </p:nvSpPr>
+        <p:spPr>
+          <a:xfrm>
+            <a:off x="962025" y="1143000"/>
+            <a:ext cx="4933950" cy="3086100"/>
+          </a:xfrm>
+        </p:spPr>
+      </p:sp>
+      <p:sp>
+        <p:nvSpPr>
+          <p:cNvPr id="3" name="备注占位符 2"/>
+          <p:cNvSpPr>
+            <a:spLocks noGrp="1"/>
+          </p:cNvSpPr>
+          <p:nvPr>
+            <p:ph type="body" idx="1"/>
+          </p:nvPr>
+        </p:nvSpPr>
+        <p:spPr/>
+        <p:txBody>
+          <a:bodyPr/>
+          <a:lstStyle/>
+          <a:p>
+            <a:r>
+              <a:rPr kumimoji="1" lang="en-GB" altLang="zh-CN" dirty="0"/>
+              <a:t>https://</a:t>
+            </a:r>
+            <a:r>
+              <a:rPr kumimoji="1" lang="en-GB" altLang="zh-CN" dirty="0" err="1"/>
+              <a:t>www.geeksforgeeks.org</a:t>
+            </a:r>
+            <a:r>
+              <a:rPr kumimoji="1" lang="en-GB" altLang="zh-CN"/>
+              <a:t>/python-program-for-program-to-find-area-of-a-circle/</a:t>
+            </a:r>
+            <a:endParaRPr kumimoji="1" lang="zh-CN" altLang="en-US" dirty="0"/>
+          </a:p>
+        </p:txBody>
+      </p:sp>
+      <p:sp>
+        <p:nvSpPr>
+          <p:cNvPr id="4" name="灯片编号占位符 3"/>
+          <p:cNvSpPr>
+            <a:spLocks noGrp="1"/>
+          </p:cNvSpPr>
+          <p:nvPr>
+            <p:ph type="sldNum" sz="quarter" idx="5"/>
+          </p:nvPr>
+        </p:nvSpPr>
+        <p:spPr/>
+        <p:txBody>
+          <a:bodyPr/>
+          <a:lstStyle/>
+          <a:p>
+            <a:fld id="{2B2F4EC2-494F-A64C-8801-750069A7A6FB}" type="slidenum">
+              <a:rPr kumimoji="1" lang="zh-CN" altLang="en-US" smtClean="0"/>
+              <a:t>23</a:t>
+            </a:fld>
+            <a:endParaRPr kumimoji="1" lang="zh-CN" altLang="en-US"/>
+          </a:p>
+        </p:txBody>
+      </p:sp>
+    </p:spTree>
+    <p:extLst>
+      <p:ext uri="{BB962C8B-B14F-4D97-AF65-F5344CB8AC3E}">
+        <p14:creationId xmlns:p14="http://schemas.microsoft.com/office/powerpoint/2010/main" val="1585247797"/>
+      </p:ext>
+    </p:extLst>
+  </p:cSld>
+  <p:clrMapOvr>
+    <a:masterClrMapping/>
+  </p:clrMapOvr>
+</p:notes>
+</file>
+
+<file path=ppt/notesSlides/notesSlide12.xml><?xml version="1.0" encoding="utf-8"?>
+<p:notes xmlns:a="http://schemas.openxmlformats.org/drawingml/2006/main" xmlns:r="http://schemas.openxmlformats.org/officeDocument/2006/relationships" xmlns:p="http://schemas.openxmlformats.org/presentationml/2006/main">
+  <p:cSld>
+    <p:spTree>
+      <p:nvGrpSpPr>
+        <p:cNvPr id="1" name=""/>
+        <p:cNvGrpSpPr/>
+        <p:nvPr/>
+      </p:nvGrpSpPr>
+      <p:grpSpPr>
+        <a:xfrm>
+          <a:off x="0" y="0"/>
+          <a:ext cx="0" cy="0"/>
+          <a:chOff x="0" y="0"/>
+          <a:chExt cx="0" cy="0"/>
+        </a:xfrm>
+      </p:grpSpPr>
+      <p:sp>
+        <p:nvSpPr>
+          <p:cNvPr id="2" name="幻灯片图像占位符 1"/>
+          <p:cNvSpPr>
+            <a:spLocks noGrp="1" noRot="1" noChangeAspect="1"/>
+          </p:cNvSpPr>
+          <p:nvPr>
+            <p:ph type="sldImg"/>
+          </p:nvPr>
+        </p:nvSpPr>
+        <p:spPr>
+          <a:xfrm>
+            <a:off x="962025" y="1143000"/>
+            <a:ext cx="4933950" cy="3086100"/>
+          </a:xfrm>
+        </p:spPr>
+      </p:sp>
+      <p:sp>
+        <p:nvSpPr>
+          <p:cNvPr id="3" name="备注占位符 2"/>
+          <p:cNvSpPr>
+            <a:spLocks noGrp="1"/>
+          </p:cNvSpPr>
+          <p:nvPr>
+            <p:ph type="body" idx="1"/>
+          </p:nvPr>
+        </p:nvSpPr>
+        <p:spPr/>
+        <p:txBody>
+          <a:bodyPr/>
+          <a:lstStyle/>
+          <a:p>
+            <a:r>
+              <a:rPr kumimoji="1" lang="en-GB" altLang="zh-CN" dirty="0"/>
+              <a:t>https://</a:t>
+            </a:r>
+            <a:r>
+              <a:rPr kumimoji="1" lang="en-GB" altLang="zh-CN" dirty="0" err="1"/>
+              <a:t>www.geeksforgeeks.org</a:t>
+            </a:r>
+            <a:r>
+              <a:rPr kumimoji="1" lang="en-GB" altLang="zh-CN"/>
+              <a:t>/python-program-for-program-to-find-area-of-a-circle/</a:t>
+            </a:r>
+            <a:endParaRPr kumimoji="1" lang="zh-CN" altLang="en-US" dirty="0"/>
+          </a:p>
+        </p:txBody>
+      </p:sp>
+      <p:sp>
+        <p:nvSpPr>
+          <p:cNvPr id="4" name="灯片编号占位符 3"/>
+          <p:cNvSpPr>
+            <a:spLocks noGrp="1"/>
+          </p:cNvSpPr>
+          <p:nvPr>
+            <p:ph type="sldNum" sz="quarter" idx="5"/>
+          </p:nvPr>
+        </p:nvSpPr>
+        <p:spPr/>
+        <p:txBody>
+          <a:bodyPr/>
+          <a:lstStyle/>
+          <a:p>
+            <a:fld id="{2B2F4EC2-494F-A64C-8801-750069A7A6FB}" type="slidenum">
+              <a:rPr kumimoji="1" lang="zh-CN" altLang="en-US" smtClean="0"/>
+              <a:t>25</a:t>
+            </a:fld>
+            <a:endParaRPr kumimoji="1" lang="zh-CN" altLang="en-US"/>
+          </a:p>
+        </p:txBody>
+      </p:sp>
+    </p:spTree>
+    <p:extLst>
+      <p:ext uri="{BB962C8B-B14F-4D97-AF65-F5344CB8AC3E}">
+        <p14:creationId xmlns:p14="http://schemas.microsoft.com/office/powerpoint/2010/main" val="799499239"/>
+      </p:ext>
+    </p:extLst>
+  </p:cSld>
+  <p:clrMapOvr>
+    <a:masterClrMapping/>
+  </p:clrMapOvr>
+</p:notes>
+</file>
+
+<file path=ppt/notesSlides/notesSlide13.xml><?xml version="1.0" encoding="utf-8"?>
+<p:notes xmlns:a="http://schemas.openxmlformats.org/drawingml/2006/main" xmlns:r="http://schemas.openxmlformats.org/officeDocument/2006/relationships" xmlns:p="http://schemas.openxmlformats.org/presentationml/2006/main">
+  <p:cSld>
+    <p:spTree>
+      <p:nvGrpSpPr>
+        <p:cNvPr id="1" name=""/>
+        <p:cNvGrpSpPr/>
+        <p:nvPr/>
+      </p:nvGrpSpPr>
+      <p:grpSpPr>
+        <a:xfrm>
+          <a:off x="0" y="0"/>
+          <a:ext cx="0" cy="0"/>
+          <a:chOff x="0" y="0"/>
+          <a:chExt cx="0" cy="0"/>
+        </a:xfrm>
+      </p:grpSpPr>
+      <p:sp>
+        <p:nvSpPr>
+          <p:cNvPr id="2" name="幻灯片图像占位符 1"/>
+          <p:cNvSpPr>
+            <a:spLocks noGrp="1" noRot="1" noChangeAspect="1"/>
+          </p:cNvSpPr>
+          <p:nvPr>
+            <p:ph type="sldImg"/>
+          </p:nvPr>
+        </p:nvSpPr>
+        <p:spPr>
+          <a:xfrm>
+            <a:off x="962025" y="1143000"/>
+            <a:ext cx="4933950" cy="3086100"/>
+          </a:xfrm>
+        </p:spPr>
+      </p:sp>
+      <p:sp>
+        <p:nvSpPr>
+          <p:cNvPr id="3" name="备注占位符 2"/>
+          <p:cNvSpPr>
+            <a:spLocks noGrp="1"/>
+          </p:cNvSpPr>
+          <p:nvPr>
+            <p:ph type="body" idx="1"/>
+          </p:nvPr>
+        </p:nvSpPr>
+        <p:spPr/>
+        <p:txBody>
+          <a:bodyPr/>
+          <a:lstStyle/>
+          <a:p>
+            <a:r>
+              <a:rPr kumimoji="1" lang="en-GB" altLang="zh-CN" dirty="0"/>
+              <a:t>https://</a:t>
+            </a:r>
+            <a:r>
+              <a:rPr kumimoji="1" lang="en-GB" altLang="zh-CN" dirty="0" err="1"/>
+              <a:t>www.geeksforgeeks.org</a:t>
+            </a:r>
+            <a:r>
+              <a:rPr kumimoji="1" lang="en-GB" altLang="zh-CN"/>
+              <a:t>/python-program-for-program-to-find-area-of-a-circle/</a:t>
+            </a:r>
+            <a:endParaRPr kumimoji="1" lang="zh-CN" altLang="en-US" dirty="0"/>
+          </a:p>
+        </p:txBody>
+      </p:sp>
+      <p:sp>
+        <p:nvSpPr>
+          <p:cNvPr id="4" name="灯片编号占位符 3"/>
+          <p:cNvSpPr>
+            <a:spLocks noGrp="1"/>
+          </p:cNvSpPr>
+          <p:nvPr>
+            <p:ph type="sldNum" sz="quarter" idx="5"/>
+          </p:nvPr>
+        </p:nvSpPr>
+        <p:spPr/>
+        <p:txBody>
+          <a:bodyPr/>
+          <a:lstStyle/>
+          <a:p>
+            <a:fld id="{2B2F4EC2-494F-A64C-8801-750069A7A6FB}" type="slidenum">
+              <a:rPr kumimoji="1" lang="zh-CN" altLang="en-US" smtClean="0"/>
+              <a:t>27</a:t>
+            </a:fld>
+            <a:endParaRPr kumimoji="1" lang="zh-CN" altLang="en-US"/>
+          </a:p>
+        </p:txBody>
+      </p:sp>
+    </p:spTree>
+    <p:extLst>
+      <p:ext uri="{BB962C8B-B14F-4D97-AF65-F5344CB8AC3E}">
+        <p14:creationId xmlns:p14="http://schemas.microsoft.com/office/powerpoint/2010/main" val="1669946139"/>
+      </p:ext>
+    </p:extLst>
   </p:cSld>
   <p:clrMapOvr>
     <a:masterClrMapping/>
@@ -737,6 +1049,7 @@
           <a:p>
             <a:fld id="{2B2F4EC2-494F-A64C-8801-750069A7A6FB}" type="slidenum">
               <a:rPr kumimoji="1" lang="zh-CN" altLang="en-US" smtClean="0"/>
+              <a:t>5</a:t>
             </a:fld>
             <a:endParaRPr kumimoji="1" lang="zh-CN" altLang="en-US"/>
           </a:p>
@@ -827,6 +1140,7 @@
           <a:p>
             <a:fld id="{2B2F4EC2-494F-A64C-8801-750069A7A6FB}" type="slidenum">
               <a:rPr kumimoji="1" lang="zh-CN" altLang="en-US" smtClean="0"/>
+              <a:t>7</a:t>
             </a:fld>
             <a:endParaRPr kumimoji="1" lang="zh-CN" altLang="en-US"/>
           </a:p>
@@ -917,6 +1231,7 @@
           <a:p>
             <a:fld id="{2B2F4EC2-494F-A64C-8801-750069A7A6FB}" type="slidenum">
               <a:rPr kumimoji="1" lang="zh-CN" altLang="en-US" smtClean="0"/>
+              <a:t>9</a:t>
             </a:fld>
             <a:endParaRPr kumimoji="1" lang="zh-CN" altLang="en-US"/>
           </a:p>
@@ -1007,6 +1322,7 @@
           <a:p>
             <a:fld id="{2B2F4EC2-494F-A64C-8801-750069A7A6FB}" type="slidenum">
               <a:rPr kumimoji="1" lang="zh-CN" altLang="en-US" smtClean="0"/>
+              <a:t>11</a:t>
             </a:fld>
             <a:endParaRPr kumimoji="1" lang="zh-CN" altLang="en-US"/>
           </a:p>
@@ -1097,6 +1413,7 @@
           <a:p>
             <a:fld id="{2B2F4EC2-494F-A64C-8801-750069A7A6FB}" type="slidenum">
               <a:rPr kumimoji="1" lang="zh-CN" altLang="en-US" smtClean="0"/>
+              <a:t>13</a:t>
             </a:fld>
             <a:endParaRPr kumimoji="1" lang="zh-CN" altLang="en-US"/>
           </a:p>
@@ -1187,6 +1504,7 @@
           <a:p>
             <a:fld id="{2B2F4EC2-494F-A64C-8801-750069A7A6FB}" type="slidenum">
               <a:rPr kumimoji="1" lang="zh-CN" altLang="en-US" smtClean="0"/>
+              <a:t>15</a:t>
             </a:fld>
             <a:endParaRPr kumimoji="1" lang="zh-CN" altLang="en-US"/>
           </a:p>
@@ -1277,6 +1595,7 @@
           <a:p>
             <a:fld id="{2B2F4EC2-494F-A64C-8801-750069A7A6FB}" type="slidenum">
               <a:rPr kumimoji="1" lang="zh-CN" altLang="en-US" smtClean="0"/>
+              <a:t>17</a:t>
             </a:fld>
             <a:endParaRPr kumimoji="1" lang="zh-CN" altLang="en-US"/>
           </a:p>
@@ -1367,6 +1686,7 @@
           <a:p>
             <a:fld id="{2B2F4EC2-494F-A64C-8801-750069A7A6FB}" type="slidenum">
               <a:rPr kumimoji="1" lang="zh-CN" altLang="en-US" smtClean="0"/>
+              <a:t>19</a:t>
             </a:fld>
             <a:endParaRPr kumimoji="1" lang="zh-CN" altLang="en-US"/>
           </a:p>
@@ -1609,6 +1929,7 @@
           <a:p>
             <a:fld id="{B61BEF0D-F0BB-DE4B-95CE-6DB70DBA9567}" type="datetimeFigureOut">
               <a:rPr lang="en-US" dirty="0"/>
+              <a:t>4/1/21</a:t>
             </a:fld>
             <a:endParaRPr lang="en-US" dirty="0"/>
           </a:p>
@@ -1660,6 +1981,7 @@
           <a:p>
             <a:fld id="{D57F1E4F-1CFF-5643-939E-217C01CDF565}" type="slidenum">
               <a:rPr lang="en-US" dirty="0"/>
+              <a:t>‹#›</a:t>
             </a:fld>
             <a:endParaRPr lang="en-US" dirty="0"/>
           </a:p>
@@ -1916,7 +2238,6 @@
               <a:rPr lang="zh-CN" altLang="en-US"/>
               <a:t>单击此处编辑母版文本样式</a:t>
             </a:r>
-            <a:endParaRPr lang="zh-CN" altLang="en-US"/>
           </a:p>
         </p:txBody>
       </p:sp>
@@ -1937,6 +2258,7 @@
           <a:p>
             <a:fld id="{B61BEF0D-F0BB-DE4B-95CE-6DB70DBA9567}" type="datetimeFigureOut">
               <a:rPr lang="en-US" dirty="0"/>
+              <a:t>4/1/21</a:t>
             </a:fld>
             <a:endParaRPr lang="en-US" dirty="0"/>
           </a:p>
@@ -1978,6 +2300,7 @@
           <a:p>
             <a:fld id="{D57F1E4F-1CFF-5643-939E-217C01CDF565}" type="slidenum">
               <a:rPr lang="en-US" dirty="0"/>
+              <a:t>‹#›</a:t>
             </a:fld>
             <a:endParaRPr lang="en-US" dirty="0"/>
           </a:p>
@@ -2188,7 +2511,6 @@
               <a:rPr lang="zh-CN" altLang="en-US"/>
               <a:t>单击此处编辑母版文本样式</a:t>
             </a:r>
-            <a:endParaRPr lang="zh-CN" altLang="en-US"/>
           </a:p>
         </p:txBody>
       </p:sp>
@@ -2209,6 +2531,7 @@
           <a:p>
             <a:fld id="{B61BEF0D-F0BB-DE4B-95CE-6DB70DBA9567}" type="datetimeFigureOut">
               <a:rPr lang="en-US" dirty="0"/>
+              <a:t>4/1/21</a:t>
             </a:fld>
             <a:endParaRPr lang="en-US" dirty="0"/>
           </a:p>
@@ -2250,6 +2573,7 @@
           <a:p>
             <a:fld id="{D57F1E4F-1CFF-5643-939E-217C01CDF565}" type="slidenum">
               <a:rPr lang="en-US" dirty="0"/>
+              <a:t>‹#›</a:t>
             </a:fld>
             <a:endParaRPr lang="en-US" dirty="0"/>
           </a:p>
@@ -2423,12 +2747,6 @@
               </a:rPr>
               <a:t>”</a:t>
             </a:r>
-            <a:endParaRPr lang="en-US" sz="6000" dirty="0">
-              <a:solidFill>
-                <a:schemeClr val="tx1"/>
-              </a:solidFill>
-              <a:effectLst/>
-            </a:endParaRPr>
           </a:p>
         </p:txBody>
       </p:sp>
@@ -2545,12 +2863,6 @@
               </a:rPr>
               <a:t>“</a:t>
             </a:r>
-            <a:endParaRPr lang="en-US" sz="6000" dirty="0">
-              <a:solidFill>
-                <a:schemeClr val="tx1"/>
-              </a:solidFill>
-              <a:effectLst/>
-            </a:endParaRPr>
           </a:p>
         </p:txBody>
       </p:sp>
@@ -2643,7 +2955,6 @@
               <a:rPr lang="zh-CN" altLang="en-US"/>
               <a:t>单击此处编辑母版文本样式</a:t>
             </a:r>
-            <a:endParaRPr lang="zh-CN" altLang="en-US"/>
           </a:p>
         </p:txBody>
       </p:sp>
@@ -2763,7 +3074,6 @@
               <a:rPr lang="zh-CN" altLang="en-US"/>
               <a:t>单击此处编辑母版文本样式</a:t>
             </a:r>
-            <a:endParaRPr lang="zh-CN" altLang="en-US"/>
           </a:p>
         </p:txBody>
       </p:sp>
@@ -2784,6 +3094,7 @@
           <a:p>
             <a:fld id="{B61BEF0D-F0BB-DE4B-95CE-6DB70DBA9567}" type="datetimeFigureOut">
               <a:rPr lang="en-US" dirty="0"/>
+              <a:t>4/1/21</a:t>
             </a:fld>
             <a:endParaRPr lang="en-US" dirty="0"/>
           </a:p>
@@ -2825,6 +3136,7 @@
           <a:p>
             <a:fld id="{D57F1E4F-1CFF-5643-939E-217C01CDF565}" type="slidenum">
               <a:rPr lang="en-US" dirty="0"/>
+              <a:t>‹#›</a:t>
             </a:fld>
             <a:endParaRPr lang="en-US" dirty="0"/>
           </a:p>
@@ -3035,7 +3347,6 @@
               <a:rPr lang="zh-CN" altLang="en-US"/>
               <a:t>单击此处编辑母版文本样式</a:t>
             </a:r>
-            <a:endParaRPr lang="zh-CN" altLang="en-US"/>
           </a:p>
         </p:txBody>
       </p:sp>
@@ -3056,6 +3367,7 @@
           <a:p>
             <a:fld id="{B61BEF0D-F0BB-DE4B-95CE-6DB70DBA9567}" type="datetimeFigureOut">
               <a:rPr lang="en-US" dirty="0"/>
+              <a:t>4/1/21</a:t>
             </a:fld>
             <a:endParaRPr lang="en-US" dirty="0"/>
           </a:p>
@@ -3097,6 +3409,7 @@
           <a:p>
             <a:fld id="{D57F1E4F-1CFF-5643-939E-217C01CDF565}" type="slidenum">
               <a:rPr lang="en-US" dirty="0"/>
+              <a:t>‹#›</a:t>
             </a:fld>
             <a:endParaRPr lang="en-US" dirty="0"/>
           </a:p>
@@ -3270,12 +3583,6 @@
               </a:rPr>
               <a:t>”</a:t>
             </a:r>
-            <a:endParaRPr lang="en-US" sz="6000" dirty="0">
-              <a:solidFill>
-                <a:schemeClr val="tx1"/>
-              </a:solidFill>
-              <a:effectLst/>
-            </a:endParaRPr>
           </a:p>
         </p:txBody>
       </p:sp>
@@ -3392,12 +3699,6 @@
               </a:rPr>
               <a:t>“</a:t>
             </a:r>
-            <a:endParaRPr lang="en-US" sz="6000" dirty="0">
-              <a:solidFill>
-                <a:schemeClr val="tx1"/>
-              </a:solidFill>
-              <a:effectLst/>
-            </a:endParaRPr>
           </a:p>
         </p:txBody>
       </p:sp>
@@ -3484,7 +3785,6 @@
               <a:rPr lang="zh-CN" altLang="en-US"/>
               <a:t>单击此处编辑母版文本样式</a:t>
             </a:r>
-            <a:endParaRPr lang="zh-CN" altLang="en-US"/>
           </a:p>
         </p:txBody>
       </p:sp>
@@ -3604,7 +3904,6 @@
               <a:rPr lang="zh-CN" altLang="en-US"/>
               <a:t>单击此处编辑母版文本样式</a:t>
             </a:r>
-            <a:endParaRPr lang="zh-CN" altLang="en-US"/>
           </a:p>
         </p:txBody>
       </p:sp>
@@ -3625,6 +3924,7 @@
           <a:p>
             <a:fld id="{B61BEF0D-F0BB-DE4B-95CE-6DB70DBA9567}" type="datetimeFigureOut">
               <a:rPr lang="en-US" dirty="0"/>
+              <a:t>4/1/21</a:t>
             </a:fld>
             <a:endParaRPr lang="en-US" dirty="0"/>
           </a:p>
@@ -3666,6 +3966,7 @@
           <a:p>
             <a:fld id="{D57F1E4F-1CFF-5643-939E-217C01CDF565}" type="slidenum">
               <a:rPr lang="en-US" dirty="0"/>
+              <a:t>‹#›</a:t>
             </a:fld>
             <a:endParaRPr lang="en-US" dirty="0"/>
           </a:p>
@@ -3806,7 +4107,6 @@
               <a:rPr lang="zh-CN" altLang="en-US"/>
               <a:t>单击此处编辑母版文本样式</a:t>
             </a:r>
-            <a:endParaRPr lang="zh-CN" altLang="en-US"/>
           </a:p>
         </p:txBody>
       </p:sp>
@@ -3926,7 +4226,6 @@
               <a:rPr lang="zh-CN" altLang="en-US"/>
               <a:t>单击此处编辑母版文本样式</a:t>
             </a:r>
-            <a:endParaRPr lang="zh-CN" altLang="en-US"/>
           </a:p>
         </p:txBody>
       </p:sp>
@@ -3947,6 +4246,7 @@
           <a:p>
             <a:fld id="{B61BEF0D-F0BB-DE4B-95CE-6DB70DBA9567}" type="datetimeFigureOut">
               <a:rPr lang="en-US" dirty="0"/>
+              <a:t>4/1/21</a:t>
             </a:fld>
             <a:endParaRPr lang="en-US" dirty="0"/>
           </a:p>
@@ -3988,6 +4288,7 @@
           <a:p>
             <a:fld id="{D57F1E4F-1CFF-5643-939E-217C01CDF565}" type="slidenum">
               <a:rPr lang="en-US" dirty="0"/>
+              <a:t>‹#›</a:t>
             </a:fld>
             <a:endParaRPr lang="en-US" dirty="0"/>
           </a:p>
@@ -4068,7 +4369,6 @@
               <a:rPr lang="zh-CN" altLang="en-US"/>
               <a:t>单击此处编辑母版文本样式</a:t>
             </a:r>
-            <a:endParaRPr lang="zh-CN" altLang="en-US"/>
           </a:p>
           <a:p>
             <a:pPr lvl="1"/>
@@ -4076,7 +4376,6 @@
               <a:rPr lang="zh-CN" altLang="en-US"/>
               <a:t>二级</a:t>
             </a:r>
-            <a:endParaRPr lang="zh-CN" altLang="en-US"/>
           </a:p>
           <a:p>
             <a:pPr lvl="2"/>
@@ -4084,7 +4383,6 @@
               <a:rPr lang="zh-CN" altLang="en-US"/>
               <a:t>三级</a:t>
             </a:r>
-            <a:endParaRPr lang="zh-CN" altLang="en-US"/>
           </a:p>
           <a:p>
             <a:pPr lvl="3"/>
@@ -4092,7 +4390,6 @@
               <a:rPr lang="zh-CN" altLang="en-US"/>
               <a:t>四级</a:t>
             </a:r>
-            <a:endParaRPr lang="zh-CN" altLang="en-US"/>
           </a:p>
           <a:p>
             <a:pPr lvl="4"/>
@@ -4121,6 +4418,7 @@
           <a:p>
             <a:fld id="{B61BEF0D-F0BB-DE4B-95CE-6DB70DBA9567}" type="datetimeFigureOut">
               <a:rPr lang="en-US" dirty="0"/>
+              <a:t>4/1/21</a:t>
             </a:fld>
             <a:endParaRPr lang="en-US" dirty="0"/>
           </a:p>
@@ -4162,6 +4460,7 @@
           <a:p>
             <a:fld id="{D57F1E4F-1CFF-5643-939E-217C01CDF565}" type="slidenum">
               <a:rPr lang="en-US" dirty="0"/>
+              <a:t>‹#›</a:t>
             </a:fld>
             <a:endParaRPr lang="en-US" dirty="0"/>
           </a:p>
@@ -4303,7 +4602,6 @@
               <a:rPr lang="zh-CN" altLang="en-US"/>
               <a:t>单击此处编辑母版文本样式</a:t>
             </a:r>
-            <a:endParaRPr lang="zh-CN" altLang="en-US"/>
           </a:p>
           <a:p>
             <a:pPr lvl="1"/>
@@ -4311,7 +4609,6 @@
               <a:rPr lang="zh-CN" altLang="en-US"/>
               <a:t>二级</a:t>
             </a:r>
-            <a:endParaRPr lang="zh-CN" altLang="en-US"/>
           </a:p>
           <a:p>
             <a:pPr lvl="2"/>
@@ -4319,7 +4616,6 @@
               <a:rPr lang="zh-CN" altLang="en-US"/>
               <a:t>三级</a:t>
             </a:r>
-            <a:endParaRPr lang="zh-CN" altLang="en-US"/>
           </a:p>
           <a:p>
             <a:pPr lvl="3"/>
@@ -4327,7 +4623,6 @@
               <a:rPr lang="zh-CN" altLang="en-US"/>
               <a:t>四级</a:t>
             </a:r>
-            <a:endParaRPr lang="zh-CN" altLang="en-US"/>
           </a:p>
           <a:p>
             <a:pPr lvl="4"/>
@@ -4356,6 +4651,7 @@
           <a:p>
             <a:fld id="{B61BEF0D-F0BB-DE4B-95CE-6DB70DBA9567}" type="datetimeFigureOut">
               <a:rPr lang="en-US" dirty="0"/>
+              <a:t>4/1/21</a:t>
             </a:fld>
             <a:endParaRPr lang="en-US" dirty="0"/>
           </a:p>
@@ -4397,6 +4693,7 @@
           <a:p>
             <a:fld id="{D57F1E4F-1CFF-5643-939E-217C01CDF565}" type="slidenum">
               <a:rPr lang="en-US" dirty="0"/>
+              <a:t>‹#›</a:t>
             </a:fld>
             <a:endParaRPr lang="en-US" dirty="0"/>
           </a:p>
@@ -4500,7 +4797,6 @@
               <a:rPr lang="zh-CN" altLang="en-US"/>
               <a:t>单击此处编辑母版文本样式</a:t>
             </a:r>
-            <a:endParaRPr lang="zh-CN" altLang="en-US"/>
           </a:p>
           <a:p>
             <a:pPr lvl="1"/>
@@ -4508,7 +4804,6 @@
               <a:rPr lang="zh-CN" altLang="en-US"/>
               <a:t>二级</a:t>
             </a:r>
-            <a:endParaRPr lang="zh-CN" altLang="en-US"/>
           </a:p>
           <a:p>
             <a:pPr lvl="2"/>
@@ -4516,7 +4811,6 @@
               <a:rPr lang="zh-CN" altLang="en-US"/>
               <a:t>三级</a:t>
             </a:r>
-            <a:endParaRPr lang="zh-CN" altLang="en-US"/>
           </a:p>
           <a:p>
             <a:pPr lvl="3"/>
@@ -4524,7 +4818,6 @@
               <a:rPr lang="zh-CN" altLang="en-US"/>
               <a:t>四级</a:t>
             </a:r>
-            <a:endParaRPr lang="zh-CN" altLang="en-US"/>
           </a:p>
           <a:p>
             <a:pPr lvl="4"/>
@@ -4553,6 +4846,7 @@
           <a:p>
             <a:fld id="{B61BEF0D-F0BB-DE4B-95CE-6DB70DBA9567}" type="datetimeFigureOut">
               <a:rPr lang="en-US" dirty="0"/>
+              <a:t>4/1/21</a:t>
             </a:fld>
             <a:endParaRPr lang="en-US" dirty="0"/>
           </a:p>
@@ -4594,6 +4888,7 @@
           <a:p>
             <a:fld id="{D57F1E4F-1CFF-5643-939E-217C01CDF565}" type="slidenum">
               <a:rPr lang="en-US" dirty="0"/>
+              <a:t>‹#›</a:t>
             </a:fld>
             <a:endParaRPr lang="en-US" dirty="0"/>
           </a:p>
@@ -4802,7 +5097,6 @@
               <a:rPr lang="zh-CN" altLang="en-US"/>
               <a:t>单击此处编辑母版文本样式</a:t>
             </a:r>
-            <a:endParaRPr lang="zh-CN" altLang="en-US"/>
           </a:p>
         </p:txBody>
       </p:sp>
@@ -4823,6 +5117,7 @@
           <a:p>
             <a:fld id="{B61BEF0D-F0BB-DE4B-95CE-6DB70DBA9567}" type="datetimeFigureOut">
               <a:rPr lang="en-US" dirty="0"/>
+              <a:t>4/1/21</a:t>
             </a:fld>
             <a:endParaRPr lang="en-US" dirty="0"/>
           </a:p>
@@ -4864,6 +5159,7 @@
           <a:p>
             <a:fld id="{D57F1E4F-1CFF-5643-939E-217C01CDF565}" type="slidenum">
               <a:rPr lang="en-US" dirty="0"/>
+              <a:t>‹#›</a:t>
             </a:fld>
             <a:endParaRPr lang="en-US" dirty="0"/>
           </a:p>
@@ -4974,7 +5270,6 @@
               <a:rPr lang="zh-CN" altLang="en-US"/>
               <a:t>单击此处编辑母版文本样式</a:t>
             </a:r>
-            <a:endParaRPr lang="zh-CN" altLang="en-US"/>
           </a:p>
           <a:p>
             <a:pPr lvl="1"/>
@@ -4982,7 +5277,6 @@
               <a:rPr lang="zh-CN" altLang="en-US"/>
               <a:t>二级</a:t>
             </a:r>
-            <a:endParaRPr lang="zh-CN" altLang="en-US"/>
           </a:p>
           <a:p>
             <a:pPr lvl="2"/>
@@ -4990,7 +5284,6 @@
               <a:rPr lang="zh-CN" altLang="en-US"/>
               <a:t>三级</a:t>
             </a:r>
-            <a:endParaRPr lang="zh-CN" altLang="en-US"/>
           </a:p>
           <a:p>
             <a:pPr lvl="3"/>
@@ -4998,7 +5291,6 @@
               <a:rPr lang="zh-CN" altLang="en-US"/>
               <a:t>四级</a:t>
             </a:r>
-            <a:endParaRPr lang="zh-CN" altLang="en-US"/>
           </a:p>
           <a:p>
             <a:pPr lvl="4"/>
@@ -5037,7 +5329,6 @@
               <a:rPr lang="zh-CN" altLang="en-US"/>
               <a:t>单击此处编辑母版文本样式</a:t>
             </a:r>
-            <a:endParaRPr lang="zh-CN" altLang="en-US"/>
           </a:p>
           <a:p>
             <a:pPr lvl="1"/>
@@ -5045,7 +5336,6 @@
               <a:rPr lang="zh-CN" altLang="en-US"/>
               <a:t>二级</a:t>
             </a:r>
-            <a:endParaRPr lang="zh-CN" altLang="en-US"/>
           </a:p>
           <a:p>
             <a:pPr lvl="2"/>
@@ -5053,7 +5343,6 @@
               <a:rPr lang="zh-CN" altLang="en-US"/>
               <a:t>三级</a:t>
             </a:r>
-            <a:endParaRPr lang="zh-CN" altLang="en-US"/>
           </a:p>
           <a:p>
             <a:pPr lvl="3"/>
@@ -5061,7 +5350,6 @@
               <a:rPr lang="zh-CN" altLang="en-US"/>
               <a:t>四级</a:t>
             </a:r>
-            <a:endParaRPr lang="zh-CN" altLang="en-US"/>
           </a:p>
           <a:p>
             <a:pPr lvl="4"/>
@@ -5090,6 +5378,7 @@
           <a:p>
             <a:fld id="{B61BEF0D-F0BB-DE4B-95CE-6DB70DBA9567}" type="datetimeFigureOut">
               <a:rPr lang="en-US" dirty="0"/>
+              <a:t>4/1/21</a:t>
             </a:fld>
             <a:endParaRPr lang="en-US" dirty="0"/>
           </a:p>
@@ -5131,6 +5420,7 @@
           <a:p>
             <a:fld id="{D57F1E4F-1CFF-5643-939E-217C01CDF565}" type="slidenum">
               <a:rPr lang="en-US" dirty="0"/>
+              <a:t>‹#›</a:t>
             </a:fld>
             <a:endParaRPr lang="en-US" dirty="0"/>
           </a:p>
@@ -5252,7 +5542,6 @@
               <a:rPr lang="zh-CN" altLang="en-US"/>
               <a:t>单击此处编辑母版文本样式</a:t>
             </a:r>
-            <a:endParaRPr lang="zh-CN" altLang="en-US"/>
           </a:p>
         </p:txBody>
       </p:sp>
@@ -5283,7 +5572,6 @@
               <a:rPr lang="zh-CN" altLang="en-US"/>
               <a:t>单击此处编辑母版文本样式</a:t>
             </a:r>
-            <a:endParaRPr lang="zh-CN" altLang="en-US"/>
           </a:p>
           <a:p>
             <a:pPr lvl="1"/>
@@ -5291,7 +5579,6 @@
               <a:rPr lang="zh-CN" altLang="en-US"/>
               <a:t>二级</a:t>
             </a:r>
-            <a:endParaRPr lang="zh-CN" altLang="en-US"/>
           </a:p>
           <a:p>
             <a:pPr lvl="2"/>
@@ -5299,7 +5586,6 @@
               <a:rPr lang="zh-CN" altLang="en-US"/>
               <a:t>三级</a:t>
             </a:r>
-            <a:endParaRPr lang="zh-CN" altLang="en-US"/>
           </a:p>
           <a:p>
             <a:pPr lvl="3"/>
@@ -5307,7 +5593,6 @@
               <a:rPr lang="zh-CN" altLang="en-US"/>
               <a:t>四级</a:t>
             </a:r>
-            <a:endParaRPr lang="zh-CN" altLang="en-US"/>
           </a:p>
           <a:p>
             <a:pPr lvl="4"/>
@@ -5383,7 +5668,6 @@
               <a:rPr lang="zh-CN" altLang="en-US"/>
               <a:t>单击此处编辑母版文本样式</a:t>
             </a:r>
-            <a:endParaRPr lang="zh-CN" altLang="en-US"/>
           </a:p>
         </p:txBody>
       </p:sp>
@@ -5414,7 +5698,6 @@
               <a:rPr lang="zh-CN" altLang="en-US"/>
               <a:t>单击此处编辑母版文本样式</a:t>
             </a:r>
-            <a:endParaRPr lang="zh-CN" altLang="en-US"/>
           </a:p>
           <a:p>
             <a:pPr lvl="1"/>
@@ -5422,7 +5705,6 @@
               <a:rPr lang="zh-CN" altLang="en-US"/>
               <a:t>二级</a:t>
             </a:r>
-            <a:endParaRPr lang="zh-CN" altLang="en-US"/>
           </a:p>
           <a:p>
             <a:pPr lvl="2"/>
@@ -5430,7 +5712,6 @@
               <a:rPr lang="zh-CN" altLang="en-US"/>
               <a:t>三级</a:t>
             </a:r>
-            <a:endParaRPr lang="zh-CN" altLang="en-US"/>
           </a:p>
           <a:p>
             <a:pPr lvl="3"/>
@@ -5438,7 +5719,6 @@
               <a:rPr lang="zh-CN" altLang="en-US"/>
               <a:t>四级</a:t>
             </a:r>
-            <a:endParaRPr lang="zh-CN" altLang="en-US"/>
           </a:p>
           <a:p>
             <a:pPr lvl="4"/>
@@ -5467,6 +5747,7 @@
           <a:p>
             <a:fld id="{B61BEF0D-F0BB-DE4B-95CE-6DB70DBA9567}" type="datetimeFigureOut">
               <a:rPr lang="en-US" dirty="0"/>
+              <a:t>4/1/21</a:t>
             </a:fld>
             <a:endParaRPr lang="en-US" dirty="0"/>
           </a:p>
@@ -5508,6 +5789,7 @@
           <a:p>
             <a:fld id="{D57F1E4F-1CFF-5643-939E-217C01CDF565}" type="slidenum">
               <a:rPr lang="en-US" dirty="0"/>
+              <a:t>‹#›</a:t>
             </a:fld>
             <a:endParaRPr lang="en-US" dirty="0"/>
           </a:p>
@@ -5608,6 +5890,7 @@
           <a:p>
             <a:fld id="{B61BEF0D-F0BB-DE4B-95CE-6DB70DBA9567}" type="datetimeFigureOut">
               <a:rPr lang="en-US" dirty="0"/>
+              <a:t>4/1/21</a:t>
             </a:fld>
             <a:endParaRPr lang="en-US" dirty="0"/>
           </a:p>
@@ -5649,6 +5932,7 @@
           <a:p>
             <a:fld id="{D57F1E4F-1CFF-5643-939E-217C01CDF565}" type="slidenum">
               <a:rPr lang="en-US" dirty="0"/>
+              <a:t>‹#›</a:t>
             </a:fld>
             <a:endParaRPr lang="en-US" dirty="0"/>
           </a:p>
@@ -5726,6 +6010,7 @@
           <a:p>
             <a:fld id="{B61BEF0D-F0BB-DE4B-95CE-6DB70DBA9567}" type="datetimeFigureOut">
               <a:rPr lang="en-US" dirty="0"/>
+              <a:t>4/1/21</a:t>
             </a:fld>
             <a:endParaRPr lang="en-US" dirty="0"/>
           </a:p>
@@ -5767,6 +6052,7 @@
           <a:p>
             <a:fld id="{D57F1E4F-1CFF-5643-939E-217C01CDF565}" type="slidenum">
               <a:rPr lang="en-US" dirty="0"/>
+              <a:t>‹#›</a:t>
             </a:fld>
             <a:endParaRPr lang="en-US" dirty="0"/>
           </a:p>
@@ -5888,7 +6174,6 @@
               <a:rPr lang="zh-CN" altLang="en-US"/>
               <a:t>单击此处编辑母版文本样式</a:t>
             </a:r>
-            <a:endParaRPr lang="zh-CN" altLang="en-US"/>
           </a:p>
           <a:p>
             <a:pPr lvl="1"/>
@@ -5896,7 +6181,6 @@
               <a:rPr lang="zh-CN" altLang="en-US"/>
               <a:t>二级</a:t>
             </a:r>
-            <a:endParaRPr lang="zh-CN" altLang="en-US"/>
           </a:p>
           <a:p>
             <a:pPr lvl="2"/>
@@ -5904,7 +6188,6 @@
               <a:rPr lang="zh-CN" altLang="en-US"/>
               <a:t>三级</a:t>
             </a:r>
-            <a:endParaRPr lang="zh-CN" altLang="en-US"/>
           </a:p>
           <a:p>
             <a:pPr lvl="3"/>
@@ -5912,7 +6195,6 @@
               <a:rPr lang="zh-CN" altLang="en-US"/>
               <a:t>四级</a:t>
             </a:r>
-            <a:endParaRPr lang="zh-CN" altLang="en-US"/>
           </a:p>
           <a:p>
             <a:pPr lvl="4"/>
@@ -5988,7 +6270,6 @@
               <a:rPr lang="zh-CN" altLang="en-US"/>
               <a:t>单击此处编辑母版文本样式</a:t>
             </a:r>
-            <a:endParaRPr lang="zh-CN" altLang="en-US"/>
           </a:p>
         </p:txBody>
       </p:sp>
@@ -6009,6 +6290,7 @@
           <a:p>
             <a:fld id="{B61BEF0D-F0BB-DE4B-95CE-6DB70DBA9567}" type="datetimeFigureOut">
               <a:rPr lang="en-US" dirty="0"/>
+              <a:t>4/1/21</a:t>
             </a:fld>
             <a:endParaRPr lang="en-US" dirty="0"/>
           </a:p>
@@ -6050,6 +6332,7 @@
           <a:p>
             <a:fld id="{D57F1E4F-1CFF-5643-939E-217C01CDF565}" type="slidenum">
               <a:rPr lang="en-US" dirty="0"/>
+              <a:t>‹#›</a:t>
             </a:fld>
             <a:endParaRPr lang="en-US" dirty="0"/>
           </a:p>
@@ -6306,7 +6589,6 @@
               <a:rPr lang="zh-CN" altLang="en-US"/>
               <a:t>单击此处编辑母版文本样式</a:t>
             </a:r>
-            <a:endParaRPr lang="zh-CN" altLang="en-US"/>
           </a:p>
         </p:txBody>
       </p:sp>
@@ -6327,6 +6609,7 @@
           <a:p>
             <a:fld id="{B61BEF0D-F0BB-DE4B-95CE-6DB70DBA9567}" type="datetimeFigureOut">
               <a:rPr lang="en-US" dirty="0"/>
+              <a:t>4/1/21</a:t>
             </a:fld>
             <a:endParaRPr lang="en-US" dirty="0"/>
           </a:p>
@@ -6368,6 +6651,7 @@
           <a:p>
             <a:fld id="{D57F1E4F-1CFF-5643-939E-217C01CDF565}" type="slidenum">
               <a:rPr lang="en-US" dirty="0"/>
+              <a:t>‹#›</a:t>
             </a:fld>
             <a:endParaRPr lang="en-US" dirty="0"/>
           </a:p>
@@ -6467,7 +6751,6 @@
               <a:rPr lang="zh-CN" altLang="en-US"/>
               <a:t>单击此处编辑母版文本样式</a:t>
             </a:r>
-            <a:endParaRPr lang="zh-CN" altLang="en-US"/>
           </a:p>
           <a:p>
             <a:pPr lvl="1"/>
@@ -6475,7 +6758,6 @@
               <a:rPr lang="zh-CN" altLang="en-US"/>
               <a:t>二级</a:t>
             </a:r>
-            <a:endParaRPr lang="zh-CN" altLang="en-US"/>
           </a:p>
           <a:p>
             <a:pPr lvl="2"/>
@@ -6483,7 +6765,6 @@
               <a:rPr lang="zh-CN" altLang="en-US"/>
               <a:t>三级</a:t>
             </a:r>
-            <a:endParaRPr lang="zh-CN" altLang="en-US"/>
           </a:p>
           <a:p>
             <a:pPr lvl="3"/>
@@ -6491,7 +6772,6 @@
               <a:rPr lang="zh-CN" altLang="en-US"/>
               <a:t>四级</a:t>
             </a:r>
-            <a:endParaRPr lang="zh-CN" altLang="en-US"/>
           </a:p>
           <a:p>
             <a:pPr lvl="4"/>
@@ -6538,6 +6818,7 @@
           <a:p>
             <a:fld id="{B61BEF0D-F0BB-DE4B-95CE-6DB70DBA9567}" type="datetimeFigureOut">
               <a:rPr lang="en-US" dirty="0"/>
+              <a:t>4/1/21</a:t>
             </a:fld>
             <a:endParaRPr lang="en-US" dirty="0"/>
           </a:p>
@@ -6615,6 +6896,7 @@
           <a:p>
             <a:fld id="{D57F1E4F-1CFF-5643-939E-217C01CDF565}" type="slidenum">
               <a:rPr lang="en-US" dirty="0"/>
+              <a:t>‹#›</a:t>
             </a:fld>
             <a:endParaRPr lang="en-US" dirty="0"/>
           </a:p>
@@ -7072,10 +7354,6 @@
               </a:rPr>
               <a:t>Python</a:t>
             </a:r>
-            <a:endParaRPr kumimoji="1" lang="en-US" altLang="zh-CN" sz="7200" dirty="0">
-              <a:latin typeface="Microsoft YaHei" panose="020B0503020204020204" pitchFamily="34" charset="-122"/>
-              <a:ea typeface="Microsoft YaHei" panose="020B0503020204020204" pitchFamily="34" charset="-122"/>
-            </a:endParaRPr>
           </a:p>
           <a:p>
             <a:r>
@@ -7314,10 +7592,6 @@
               </a:rPr>
               <a:t>N</a:t>
             </a:r>
-            <a:endParaRPr kumimoji="1" lang="en-US" altLang="zh-CN" sz="3000" dirty="0">
-              <a:latin typeface="Microsoft YaHei" panose="020B0503020204020204" pitchFamily="34" charset="-122"/>
-              <a:ea typeface="Microsoft YaHei" panose="020B0503020204020204" pitchFamily="34" charset="-122"/>
-            </a:endParaRPr>
           </a:p>
           <a:p>
             <a:r>
@@ -7587,10 +7861,6 @@
               </a:rPr>
               <a:t>计算列表数字的和</a:t>
             </a:r>
-            <a:endParaRPr lang="zh-CN" altLang="en-US" sz="4050" dirty="0">
-              <a:latin typeface="Microsoft YaHei" panose="020B0503020204020204" pitchFamily="34" charset="-122"/>
-              <a:ea typeface="Microsoft YaHei" panose="020B0503020204020204" pitchFamily="34" charset="-122"/>
-            </a:endParaRPr>
           </a:p>
         </p:txBody>
       </p:sp>
@@ -7775,10 +8045,6 @@
               </a:rPr>
               <a:t>计算列表数字的和</a:t>
             </a:r>
-            <a:endParaRPr lang="zh-CN" altLang="en-US" sz="4050" dirty="0">
-              <a:latin typeface="Microsoft YaHei" panose="020B0503020204020204" pitchFamily="34" charset="-122"/>
-              <a:ea typeface="Microsoft YaHei" panose="020B0503020204020204" pitchFamily="34" charset="-122"/>
-            </a:endParaRPr>
           </a:p>
         </p:txBody>
       </p:sp>
@@ -7836,10 +8102,6 @@
               </a:rPr>
               <a:t>Python</a:t>
             </a:r>
-            <a:endParaRPr kumimoji="1" lang="en-US" altLang="zh-CN" sz="6000" dirty="0">
-              <a:latin typeface="Microsoft YaHei" panose="020B0503020204020204" pitchFamily="34" charset="-122"/>
-              <a:ea typeface="Microsoft YaHei" panose="020B0503020204020204" pitchFamily="34" charset="-122"/>
-            </a:endParaRPr>
           </a:p>
           <a:p>
             <a:pPr algn="ctr"/>
@@ -7864,10 +8126,6 @@
               </a:rPr>
               <a:t>例</a:t>
             </a:r>
-            <a:endParaRPr kumimoji="1" lang="zh-CN" altLang="en-US" sz="5400" dirty="0">
-              <a:latin typeface="Microsoft YaHei" panose="020B0503020204020204" pitchFamily="34" charset="-122"/>
-              <a:ea typeface="Microsoft YaHei" panose="020B0503020204020204" pitchFamily="34" charset="-122"/>
-            </a:endParaRPr>
           </a:p>
         </p:txBody>
       </p:sp>
@@ -7943,13 +8201,6 @@
               </a:rPr>
               <a:t>集 </a:t>
             </a:r>
-            <a:endParaRPr kumimoji="1" lang="zh-CN" altLang="en-US" sz="4050" b="1" dirty="0">
-              <a:solidFill>
-                <a:schemeClr val="bg1"/>
-              </a:solidFill>
-              <a:latin typeface="Microsoft YaHei" panose="020B0503020204020204" pitchFamily="34" charset="-122"/>
-              <a:ea typeface="Microsoft YaHei" panose="020B0503020204020204" pitchFamily="34" charset="-122"/>
-            </a:endParaRPr>
           </a:p>
           <a:p>
             <a:pPr algn="ctr"/>
@@ -7973,13 +8224,6 @@
               </a:rPr>
               <a:t>所有的偶数</a:t>
             </a:r>
-            <a:endParaRPr lang="zh-CN" altLang="en-US" sz="4050" b="1" dirty="0">
-              <a:solidFill>
-                <a:schemeClr val="bg1"/>
-              </a:solidFill>
-              <a:latin typeface="Microsoft YaHei" panose="020B0503020204020204" pitchFamily="34" charset="-122"/>
-              <a:ea typeface="Microsoft YaHei" panose="020B0503020204020204" pitchFamily="34" charset="-122"/>
-            </a:endParaRPr>
           </a:p>
         </p:txBody>
       </p:sp>
@@ -8068,10 +8312,6 @@
               </a:rPr>
               <a:t>，得到所有偶数</a:t>
             </a:r>
-            <a:endParaRPr kumimoji="1" lang="zh-CN" altLang="en-US" sz="2700" dirty="0">
-              <a:latin typeface="Microsoft YaHei" panose="020B0503020204020204" pitchFamily="34" charset="-122"/>
-              <a:ea typeface="Microsoft YaHei" panose="020B0503020204020204" pitchFamily="34" charset="-122"/>
-            </a:endParaRPr>
           </a:p>
           <a:p>
             <a:pPr marL="0" indent="0">
@@ -8105,10 +8345,6 @@
               </a:rPr>
               <a:t>是2的倍数</a:t>
             </a:r>
-            <a:endParaRPr kumimoji="1" sz="2700" dirty="0">
-              <a:latin typeface="Microsoft YaHei" panose="020B0503020204020204" pitchFamily="34" charset="-122"/>
-              <a:ea typeface="Microsoft YaHei" panose="020B0503020204020204" pitchFamily="34" charset="-122"/>
-            </a:endParaRPr>
           </a:p>
           <a:p>
             <a:pPr marL="0" indent="0">
@@ -8151,10 +8387,6 @@
               </a:rPr>
               <a:t>end=15</a:t>
             </a:r>
-            <a:endParaRPr kumimoji="1" lang="en-US" altLang="zh-CN" sz="2700" dirty="0">
-              <a:latin typeface="Microsoft YaHei" panose="020B0503020204020204" pitchFamily="34" charset="-122"/>
-              <a:ea typeface="Microsoft YaHei" panose="020B0503020204020204" pitchFamily="34" charset="-122"/>
-            </a:endParaRPr>
           </a:p>
           <a:p>
             <a:pPr marL="0" indent="0">
@@ -8188,10 +8420,6 @@
               </a:rPr>
               <a:t>]</a:t>
             </a:r>
-            <a:endParaRPr kumimoji="1" lang="en-US" altLang="zh-CN" sz="2700" dirty="0">
-              <a:latin typeface="Microsoft YaHei" panose="020B0503020204020204" pitchFamily="34" charset="-122"/>
-              <a:ea typeface="Microsoft YaHei" panose="020B0503020204020204" pitchFamily="34" charset="-122"/>
-            </a:endParaRPr>
           </a:p>
         </p:txBody>
       </p:sp>
@@ -8261,14 +8489,6 @@
               </a:rPr>
               <a:t>所有的偶数</a:t>
             </a:r>
-            <a:endParaRPr lang="zh-CN" altLang="en-US" sz="4050" b="1" dirty="0">
-              <a:solidFill>
-                <a:schemeClr val="tx1"/>
-              </a:solidFill>
-              <a:latin typeface="Microsoft YaHei" panose="020B0503020204020204" pitchFamily="34" charset="-122"/>
-              <a:ea typeface="Microsoft YaHei" panose="020B0503020204020204" pitchFamily="34" charset="-122"/>
-              <a:sym typeface="+mn-ea"/>
-            </a:endParaRPr>
           </a:p>
         </p:txBody>
       </p:sp>
@@ -8326,10 +8546,6 @@
               </a:rPr>
               <a:t>Python</a:t>
             </a:r>
-            <a:endParaRPr kumimoji="1" lang="en-US" altLang="zh-CN" sz="6000" dirty="0">
-              <a:latin typeface="Microsoft YaHei" panose="020B0503020204020204" pitchFamily="34" charset="-122"/>
-              <a:ea typeface="Microsoft YaHei" panose="020B0503020204020204" pitchFamily="34" charset="-122"/>
-            </a:endParaRPr>
           </a:p>
           <a:p>
             <a:pPr algn="ctr"/>
@@ -8354,10 +8570,6 @@
               </a:rPr>
               <a:t>例</a:t>
             </a:r>
-            <a:endParaRPr kumimoji="1" lang="zh-CN" altLang="en-US" sz="5400" dirty="0">
-              <a:latin typeface="Microsoft YaHei" panose="020B0503020204020204" pitchFamily="34" charset="-122"/>
-              <a:ea typeface="Microsoft YaHei" panose="020B0503020204020204" pitchFamily="34" charset="-122"/>
-            </a:endParaRPr>
           </a:p>
         </p:txBody>
       </p:sp>
@@ -8433,13 +8645,6 @@
               </a:rPr>
               <a:t>集 </a:t>
             </a:r>
-            <a:endParaRPr kumimoji="1" lang="zh-CN" altLang="en-US" sz="4050" b="1" dirty="0">
-              <a:solidFill>
-                <a:schemeClr val="bg1"/>
-              </a:solidFill>
-              <a:latin typeface="Microsoft YaHei" panose="020B0503020204020204" pitchFamily="34" charset="-122"/>
-              <a:ea typeface="Microsoft YaHei" panose="020B0503020204020204" pitchFamily="34" charset="-122"/>
-            </a:endParaRPr>
           </a:p>
           <a:p>
             <a:pPr algn="ctr"/>
@@ -8453,13 +8658,6 @@
               </a:rPr>
               <a:t>移除列表中的多个元素</a:t>
             </a:r>
-            <a:endParaRPr kumimoji="1" lang="zh-CN" altLang="en-US" sz="4050" b="1" dirty="0">
-              <a:solidFill>
-                <a:schemeClr val="bg1"/>
-              </a:solidFill>
-              <a:latin typeface="Microsoft YaHei" panose="020B0503020204020204" pitchFamily="34" charset="-122"/>
-              <a:ea typeface="Microsoft YaHei" panose="020B0503020204020204" pitchFamily="34" charset="-122"/>
-            </a:endParaRPr>
           </a:p>
         </p:txBody>
       </p:sp>
@@ -8520,10 +8718,6 @@
               </a:rPr>
               <a:t>输入：</a:t>
             </a:r>
-            <a:endParaRPr kumimoji="1" lang="zh-CN" altLang="en-US" sz="2700" dirty="0">
-              <a:latin typeface="Microsoft YaHei" panose="020B0503020204020204" pitchFamily="34" charset="-122"/>
-              <a:ea typeface="Microsoft YaHei" panose="020B0503020204020204" pitchFamily="34" charset="-122"/>
-            </a:endParaRPr>
           </a:p>
           <a:p>
             <a:pPr lvl="1"/>
@@ -8541,10 +8735,6 @@
               </a:rPr>
               <a:t>[3, 5, 7, 9, 11, 13]</a:t>
             </a:r>
-            <a:endParaRPr kumimoji="1" lang="en-US" altLang="zh-CN" sz="2400" dirty="0">
-              <a:latin typeface="Microsoft YaHei" panose="020B0503020204020204" pitchFamily="34" charset="-122"/>
-              <a:ea typeface="Microsoft YaHei" panose="020B0503020204020204" pitchFamily="34" charset="-122"/>
-            </a:endParaRPr>
           </a:p>
           <a:p>
             <a:pPr lvl="1"/>
@@ -8562,10 +8752,6 @@
               </a:rPr>
               <a:t>[7, 11]</a:t>
             </a:r>
-            <a:endParaRPr kumimoji="1" lang="en-US" altLang="zh-CN" sz="2400" dirty="0">
-              <a:latin typeface="Microsoft YaHei" panose="020B0503020204020204" pitchFamily="34" charset="-122"/>
-              <a:ea typeface="Microsoft YaHei" panose="020B0503020204020204" pitchFamily="34" charset="-122"/>
-            </a:endParaRPr>
           </a:p>
           <a:p>
             <a:pPr lvl="0"/>
@@ -8576,10 +8762,6 @@
               </a:rPr>
               <a:t>返回：</a:t>
             </a:r>
-            <a:endParaRPr kumimoji="1" lang="zh-CN" altLang="en-US" sz="2695" dirty="0">
-              <a:latin typeface="Microsoft YaHei" panose="020B0503020204020204" pitchFamily="34" charset="-122"/>
-              <a:ea typeface="Microsoft YaHei" panose="020B0503020204020204" pitchFamily="34" charset="-122"/>
-            </a:endParaRPr>
           </a:p>
           <a:p>
             <a:pPr lvl="1"/>
@@ -8590,10 +8772,6 @@
               </a:rPr>
               <a:t>[3, 5, 9, 13]</a:t>
             </a:r>
-            <a:endParaRPr kumimoji="1" lang="en-US" altLang="zh-CN" sz="2395" dirty="0">
-              <a:latin typeface="Microsoft YaHei" panose="020B0503020204020204" pitchFamily="34" charset="-122"/>
-              <a:ea typeface="Microsoft YaHei" panose="020B0503020204020204" pitchFamily="34" charset="-122"/>
-            </a:endParaRPr>
           </a:p>
         </p:txBody>
       </p:sp>
@@ -8652,14 +8830,6 @@
               </a:rPr>
               <a:t>集 移除列表中的多个元素</a:t>
             </a:r>
-            <a:endParaRPr kumimoji="1" lang="zh-CN" altLang="en-US" sz="4050" b="1" dirty="0">
-              <a:solidFill>
-                <a:schemeClr val="tx1"/>
-              </a:solidFill>
-              <a:latin typeface="Microsoft YaHei" panose="020B0503020204020204" pitchFamily="34" charset="-122"/>
-              <a:ea typeface="Microsoft YaHei" panose="020B0503020204020204" pitchFamily="34" charset="-122"/>
-              <a:sym typeface="+mn-ea"/>
-            </a:endParaRPr>
           </a:p>
         </p:txBody>
       </p:sp>
@@ -8717,10 +8887,6 @@
               </a:rPr>
               <a:t>Python</a:t>
             </a:r>
-            <a:endParaRPr kumimoji="1" lang="en-US" altLang="zh-CN" sz="6000" dirty="0">
-              <a:latin typeface="Microsoft YaHei" panose="020B0503020204020204" pitchFamily="34" charset="-122"/>
-              <a:ea typeface="Microsoft YaHei" panose="020B0503020204020204" pitchFamily="34" charset="-122"/>
-            </a:endParaRPr>
           </a:p>
           <a:p>
             <a:pPr algn="ctr"/>
@@ -8745,10 +8911,6 @@
               </a:rPr>
               <a:t>例</a:t>
             </a:r>
-            <a:endParaRPr kumimoji="1" lang="zh-CN" altLang="en-US" sz="5400" dirty="0">
-              <a:latin typeface="Microsoft YaHei" panose="020B0503020204020204" pitchFamily="34" charset="-122"/>
-              <a:ea typeface="Microsoft YaHei" panose="020B0503020204020204" pitchFamily="34" charset="-122"/>
-            </a:endParaRPr>
           </a:p>
         </p:txBody>
       </p:sp>
@@ -8824,13 +8986,6 @@
               </a:rPr>
               <a:t>集 </a:t>
             </a:r>
-            <a:endParaRPr kumimoji="1" lang="zh-CN" altLang="en-US" sz="4050" b="1" dirty="0">
-              <a:solidFill>
-                <a:schemeClr val="bg1"/>
-              </a:solidFill>
-              <a:latin typeface="Microsoft YaHei" panose="020B0503020204020204" pitchFamily="34" charset="-122"/>
-              <a:ea typeface="Microsoft YaHei" panose="020B0503020204020204" pitchFamily="34" charset="-122"/>
-            </a:endParaRPr>
           </a:p>
           <a:p>
             <a:pPr algn="ctr"/>
@@ -8844,13 +8999,6 @@
               </a:rPr>
               <a:t>怎样对列表元素去重</a:t>
             </a:r>
-            <a:endParaRPr kumimoji="1" lang="zh-CN" altLang="en-US" sz="4050" b="1" dirty="0">
-              <a:solidFill>
-                <a:schemeClr val="bg1"/>
-              </a:solidFill>
-              <a:latin typeface="Microsoft YaHei" panose="020B0503020204020204" pitchFamily="34" charset="-122"/>
-              <a:ea typeface="Microsoft YaHei" panose="020B0503020204020204" pitchFamily="34" charset="-122"/>
-            </a:endParaRPr>
           </a:p>
         </p:txBody>
       </p:sp>
@@ -8915,10 +9063,6 @@
               </a:rPr>
               <a:t>原始列表：</a:t>
             </a:r>
-            <a:endParaRPr kumimoji="1" lang="zh-CN" altLang="en-US" sz="2400" dirty="0">
-              <a:latin typeface="Microsoft YaHei" panose="020B0503020204020204" pitchFamily="34" charset="-122"/>
-              <a:ea typeface="Microsoft YaHei" panose="020B0503020204020204" pitchFamily="34" charset="-122"/>
-            </a:endParaRPr>
           </a:p>
           <a:p>
             <a:pPr marL="0" indent="0">
@@ -8987,10 +9131,6 @@
               </a:rPr>
               <a:t>20]</a:t>
             </a:r>
-            <a:endParaRPr kumimoji="1" lang="en-US" altLang="zh-CN" sz="2400" dirty="0">
-              <a:latin typeface="Microsoft YaHei" panose="020B0503020204020204" pitchFamily="34" charset="-122"/>
-              <a:ea typeface="Microsoft YaHei" panose="020B0503020204020204" pitchFamily="34" charset="-122"/>
-            </a:endParaRPr>
           </a:p>
           <a:p>
             <a:pPr lvl="0"/>
@@ -9001,10 +9141,6 @@
               </a:rPr>
               <a:t>返回：</a:t>
             </a:r>
-            <a:endParaRPr kumimoji="1" lang="zh-CN" altLang="en-US" sz="2695" dirty="0">
-              <a:latin typeface="Microsoft YaHei" panose="020B0503020204020204" pitchFamily="34" charset="-122"/>
-              <a:ea typeface="Microsoft YaHei" panose="020B0503020204020204" pitchFamily="34" charset="-122"/>
-            </a:endParaRPr>
           </a:p>
           <a:p>
             <a:pPr lvl="1"/>
@@ -9043,10 +9179,6 @@
               </a:rPr>
               <a:t>30]</a:t>
             </a:r>
-            <a:endParaRPr kumimoji="1" lang="en-US" altLang="zh-CN" sz="2395" dirty="0">
-              <a:latin typeface="Microsoft YaHei" panose="020B0503020204020204" pitchFamily="34" charset="-122"/>
-              <a:ea typeface="Microsoft YaHei" panose="020B0503020204020204" pitchFamily="34" charset="-122"/>
-            </a:endParaRPr>
           </a:p>
         </p:txBody>
       </p:sp>
@@ -9105,14 +9237,6 @@
               </a:rPr>
               <a:t>集 怎样对列表元素去重</a:t>
             </a:r>
-            <a:endParaRPr kumimoji="1" lang="zh-CN" altLang="en-US" sz="4050" b="1" dirty="0">
-              <a:solidFill>
-                <a:schemeClr val="tx1"/>
-              </a:solidFill>
-              <a:latin typeface="Microsoft YaHei" panose="020B0503020204020204" pitchFamily="34" charset="-122"/>
-              <a:ea typeface="Microsoft YaHei" panose="020B0503020204020204" pitchFamily="34" charset="-122"/>
-              <a:sym typeface="+mn-ea"/>
-            </a:endParaRPr>
           </a:p>
         </p:txBody>
       </p:sp>
@@ -9160,7 +9284,6 @@
               <a:rPr kumimoji="1" lang="zh-CN" altLang="en-US" dirty="0"/>
               <a:t>视频系列介绍</a:t>
             </a:r>
-            <a:endParaRPr kumimoji="1" lang="zh-CN" altLang="en-US" dirty="0"/>
           </a:p>
         </p:txBody>
       </p:sp>
@@ -9307,10 +9430,6 @@
               </a:rPr>
               <a:t>Python</a:t>
             </a:r>
-            <a:endParaRPr kumimoji="1" lang="en-US" altLang="zh-CN" sz="6000" dirty="0">
-              <a:latin typeface="Microsoft YaHei" panose="020B0503020204020204" pitchFamily="34" charset="-122"/>
-              <a:ea typeface="Microsoft YaHei" panose="020B0503020204020204" pitchFamily="34" charset="-122"/>
-            </a:endParaRPr>
           </a:p>
           <a:p>
             <a:pPr algn="ctr"/>
@@ -9335,10 +9454,6 @@
               </a:rPr>
               <a:t>例</a:t>
             </a:r>
-            <a:endParaRPr kumimoji="1" lang="zh-CN" altLang="en-US" sz="5400" dirty="0">
-              <a:latin typeface="Microsoft YaHei" panose="020B0503020204020204" pitchFamily="34" charset="-122"/>
-              <a:ea typeface="Microsoft YaHei" panose="020B0503020204020204" pitchFamily="34" charset="-122"/>
-            </a:endParaRPr>
           </a:p>
         </p:txBody>
       </p:sp>
@@ -9414,13 +9529,6 @@
               </a:rPr>
               <a:t>集 </a:t>
             </a:r>
-            <a:endParaRPr kumimoji="1" lang="zh-CN" altLang="en-US" sz="4050" b="1" dirty="0">
-              <a:solidFill>
-                <a:schemeClr val="bg1"/>
-              </a:solidFill>
-              <a:latin typeface="Microsoft YaHei" panose="020B0503020204020204" pitchFamily="34" charset="-122"/>
-              <a:ea typeface="Microsoft YaHei" panose="020B0503020204020204" pitchFamily="34" charset="-122"/>
-            </a:endParaRPr>
           </a:p>
           <a:p>
             <a:pPr algn="ctr"/>
@@ -9434,13 +9542,6 @@
               </a:rPr>
               <a:t>怎样对简单列表元素排序</a:t>
             </a:r>
-            <a:endParaRPr kumimoji="1" lang="zh-CN" altLang="en-US" sz="4050" b="1" dirty="0">
-              <a:solidFill>
-                <a:schemeClr val="bg1"/>
-              </a:solidFill>
-              <a:latin typeface="Microsoft YaHei" panose="020B0503020204020204" pitchFamily="34" charset="-122"/>
-              <a:ea typeface="Microsoft YaHei" panose="020B0503020204020204" pitchFamily="34" charset="-122"/>
-            </a:endParaRPr>
           </a:p>
         </p:txBody>
       </p:sp>
@@ -9498,10 +9599,6 @@
               </a:rPr>
               <a:t>怎样对简单列表排序？</a:t>
             </a:r>
-            <a:endParaRPr kumimoji="1" lang="zh-CN" altLang="en-US" sz="2700" dirty="0">
-              <a:latin typeface="Microsoft YaHei" panose="020B0503020204020204" pitchFamily="34" charset="-122"/>
-              <a:ea typeface="Microsoft YaHei" panose="020B0503020204020204" pitchFamily="34" charset="-122"/>
-            </a:endParaRPr>
           </a:p>
           <a:p>
             <a:pPr lvl="1"/>
@@ -9540,10 +9637,6 @@
               </a:rPr>
               <a:t>字典）</a:t>
             </a:r>
-            <a:endParaRPr kumimoji="1" lang="zh-CN" altLang="en-US" sz="2400" dirty="0">
-              <a:latin typeface="Microsoft YaHei" panose="020B0503020204020204" pitchFamily="34" charset="-122"/>
-              <a:ea typeface="Microsoft YaHei" panose="020B0503020204020204" pitchFamily="34" charset="-122"/>
-            </a:endParaRPr>
           </a:p>
           <a:p>
             <a:pPr lvl="1"/>
@@ -9575,10 +9668,6 @@
               </a:rPr>
               <a:t>[20, 50, 10, 40, 30]</a:t>
             </a:r>
-            <a:endParaRPr kumimoji="1" lang="en-US" altLang="zh-CN" sz="2400" dirty="0">
-              <a:latin typeface="Microsoft YaHei" panose="020B0503020204020204" pitchFamily="34" charset="-122"/>
-              <a:ea typeface="Microsoft YaHei" panose="020B0503020204020204" pitchFamily="34" charset="-122"/>
-            </a:endParaRPr>
           </a:p>
           <a:p>
             <a:pPr lvl="1"/>
@@ -9610,10 +9699,6 @@
               </a:rPr>
               <a:t>['bb', 'ee', 'aa', 'dd', 'cc']</a:t>
             </a:r>
-            <a:endParaRPr kumimoji="1" lang="en-US" altLang="zh-CN" sz="2400" dirty="0">
-              <a:latin typeface="Microsoft YaHei" panose="020B0503020204020204" pitchFamily="34" charset="-122"/>
-              <a:ea typeface="Microsoft YaHei" panose="020B0503020204020204" pitchFamily="34" charset="-122"/>
-            </a:endParaRPr>
           </a:p>
           <a:p>
             <a:pPr lvl="0"/>
@@ -9624,10 +9709,6 @@
               </a:rPr>
               <a:t>知识点：</a:t>
             </a:r>
-            <a:endParaRPr kumimoji="1" lang="zh-CN" altLang="en-US" sz="2355" dirty="0">
-              <a:latin typeface="Microsoft YaHei" panose="020B0503020204020204" pitchFamily="34" charset="-122"/>
-              <a:ea typeface="Microsoft YaHei" panose="020B0503020204020204" pitchFamily="34" charset="-122"/>
-            </a:endParaRPr>
           </a:p>
           <a:p>
             <a:pPr lvl="1"/>
@@ -9638,10 +9719,6 @@
               </a:rPr>
               <a:t>怎样原地排序？怎样不改变原列表排序？</a:t>
             </a:r>
-            <a:endParaRPr kumimoji="1" lang="zh-CN" altLang="en-US" sz="2095" dirty="0">
-              <a:latin typeface="Microsoft YaHei" panose="020B0503020204020204" pitchFamily="34" charset="-122"/>
-              <a:ea typeface="Microsoft YaHei" panose="020B0503020204020204" pitchFamily="34" charset="-122"/>
-            </a:endParaRPr>
           </a:p>
           <a:p>
             <a:pPr lvl="1"/>
@@ -9652,10 +9729,6 @@
               </a:rPr>
               <a:t>怎样指定是升序还是降序排序？</a:t>
             </a:r>
-            <a:endParaRPr kumimoji="1" lang="zh-CN" altLang="en-US" sz="2095" dirty="0">
-              <a:latin typeface="Microsoft YaHei" panose="020B0503020204020204" pitchFamily="34" charset="-122"/>
-              <a:ea typeface="Microsoft YaHei" panose="020B0503020204020204" pitchFamily="34" charset="-122"/>
-            </a:endParaRPr>
           </a:p>
         </p:txBody>
       </p:sp>
@@ -9714,7 +9787,1596 @@
               </a:rPr>
               <a:t>集 怎样对简单列表元素排序</a:t>
             </a:r>
-            <a:endParaRPr kumimoji="1" lang="zh-CN" altLang="en-US" sz="4050" b="1" dirty="0">
+          </a:p>
+        </p:txBody>
+      </p:sp>
+    </p:spTree>
+  </p:cSld>
+  <p:clrMapOvr>
+    <a:masterClrMapping/>
+  </p:clrMapOvr>
+</p:sld>
+</file>
+
+<file path=ppt/slides/slide22.xml><?xml version="1.0" encoding="utf-8"?>
+<p:sld xmlns:a="http://schemas.openxmlformats.org/drawingml/2006/main" xmlns:r="http://schemas.openxmlformats.org/officeDocument/2006/relationships" xmlns:p="http://schemas.openxmlformats.org/presentationml/2006/main">
+  <p:cSld>
+    <p:spTree>
+      <p:nvGrpSpPr>
+        <p:cNvPr id="1" name=""/>
+        <p:cNvGrpSpPr/>
+        <p:nvPr/>
+      </p:nvGrpSpPr>
+      <p:grpSpPr>
+        <a:xfrm>
+          <a:off x="0" y="0"/>
+          <a:ext cx="0" cy="0"/>
+          <a:chOff x="0" y="0"/>
+          <a:chExt cx="0" cy="0"/>
+        </a:xfrm>
+      </p:grpSpPr>
+      <p:sp>
+        <p:nvSpPr>
+          <p:cNvPr id="6" name="矩形 5"/>
+          <p:cNvSpPr/>
+          <p:nvPr/>
+        </p:nvSpPr>
+        <p:spPr>
+          <a:xfrm>
+            <a:off x="2123514" y="966484"/>
+            <a:ext cx="4895850" cy="1845310"/>
+          </a:xfrm>
+          <a:prstGeom prst="rect">
+            <a:avLst/>
+          </a:prstGeom>
+        </p:spPr>
+        <p:txBody>
+          <a:bodyPr wrap="none">
+            <a:spAutoFit/>
+          </a:bodyPr>
+          <a:lstStyle/>
+          <a:p>
+            <a:pPr algn="ctr"/>
+            <a:r>
+              <a:rPr kumimoji="1" lang="en-US" altLang="zh-CN" sz="6000" dirty="0">
+                <a:latin typeface="Microsoft YaHei" panose="020B0503020204020204" pitchFamily="34" charset="-122"/>
+                <a:ea typeface="Microsoft YaHei" panose="020B0503020204020204" pitchFamily="34" charset="-122"/>
+              </a:rPr>
+              <a:t>Python</a:t>
+            </a:r>
+          </a:p>
+          <a:p>
+            <a:pPr algn="ctr"/>
+            <a:r>
+              <a:rPr kumimoji="1" lang="zh-CN" altLang="en-US" sz="5400" dirty="0">
+                <a:latin typeface="Microsoft YaHei" panose="020B0503020204020204" pitchFamily="34" charset="-122"/>
+                <a:ea typeface="Microsoft YaHei" panose="020B0503020204020204" pitchFamily="34" charset="-122"/>
+              </a:rPr>
+              <a:t>入门编程</a:t>
+            </a:r>
+            <a:r>
+              <a:rPr kumimoji="1" lang="en-US" altLang="zh-CN" sz="5400" dirty="0">
+                <a:latin typeface="Microsoft YaHei" panose="020B0503020204020204" pitchFamily="34" charset="-122"/>
+                <a:ea typeface="Microsoft YaHei" panose="020B0503020204020204" pitchFamily="34" charset="-122"/>
+              </a:rPr>
+              <a:t>100</a:t>
+            </a:r>
+            <a:r>
+              <a:rPr kumimoji="1" lang="zh-CN" altLang="en-US" sz="5400" dirty="0">
+                <a:latin typeface="Microsoft YaHei" panose="020B0503020204020204" pitchFamily="34" charset="-122"/>
+                <a:ea typeface="Microsoft YaHei" panose="020B0503020204020204" pitchFamily="34" charset="-122"/>
+              </a:rPr>
+              <a:t>例</a:t>
+            </a:r>
+          </a:p>
+        </p:txBody>
+      </p:sp>
+      <p:sp>
+        <p:nvSpPr>
+          <p:cNvPr id="3" name="矩形 2"/>
+          <p:cNvSpPr/>
+          <p:nvPr/>
+        </p:nvSpPr>
+        <p:spPr>
+          <a:xfrm>
+            <a:off x="1882431" y="2915671"/>
+            <a:ext cx="5378395" cy="1338828"/>
+          </a:xfrm>
+          <a:prstGeom prst="rect">
+            <a:avLst/>
+          </a:prstGeom>
+          <a:solidFill>
+            <a:srgbClr val="FFC000"/>
+          </a:solidFill>
+          <a:ln>
+            <a:noFill/>
+          </a:ln>
+        </p:spPr>
+        <p:style>
+          <a:lnRef idx="3">
+            <a:schemeClr val="lt1"/>
+          </a:lnRef>
+          <a:fillRef idx="1">
+            <a:schemeClr val="accent5"/>
+          </a:fillRef>
+          <a:effectRef idx="1">
+            <a:schemeClr val="accent5"/>
+          </a:effectRef>
+          <a:fontRef idx="minor">
+            <a:schemeClr val="lt1"/>
+          </a:fontRef>
+        </p:style>
+        <p:txBody>
+          <a:bodyPr wrap="none">
+            <a:spAutoFit/>
+          </a:bodyPr>
+          <a:lstStyle/>
+          <a:p>
+            <a:pPr algn="ctr"/>
+            <a:r>
+              <a:rPr kumimoji="1" lang="zh-CN" altLang="en-US" sz="4050" b="1" dirty="0">
+                <a:solidFill>
+                  <a:schemeClr val="bg1"/>
+                </a:solidFill>
+                <a:latin typeface="Microsoft YaHei" panose="020B0503020204020204" pitchFamily="34" charset="-122"/>
+                <a:ea typeface="Microsoft YaHei" panose="020B0503020204020204" pitchFamily="34" charset="-122"/>
+              </a:rPr>
+              <a:t>第</a:t>
+            </a:r>
+            <a:r>
+              <a:rPr kumimoji="1" lang="en-US" altLang="zh-CN" sz="4050" b="1" dirty="0">
+                <a:solidFill>
+                  <a:schemeClr val="bg1"/>
+                </a:solidFill>
+                <a:latin typeface="Microsoft YaHei" panose="020B0503020204020204" pitchFamily="34" charset="-122"/>
+                <a:ea typeface="Microsoft YaHei" panose="020B0503020204020204" pitchFamily="34" charset="-122"/>
+              </a:rPr>
+              <a:t>011</a:t>
+            </a:r>
+            <a:r>
+              <a:rPr kumimoji="1" lang="zh-CN" altLang="en-US" sz="4050" b="1" dirty="0">
+                <a:solidFill>
+                  <a:schemeClr val="bg1"/>
+                </a:solidFill>
+                <a:latin typeface="Microsoft YaHei" panose="020B0503020204020204" pitchFamily="34" charset="-122"/>
+                <a:ea typeface="Microsoft YaHei" panose="020B0503020204020204" pitchFamily="34" charset="-122"/>
+              </a:rPr>
+              <a:t>集 </a:t>
+            </a:r>
+          </a:p>
+          <a:p>
+            <a:pPr algn="ctr"/>
+            <a:r>
+              <a:rPr kumimoji="1" lang="zh-CN" altLang="en-US" sz="4050" b="1" dirty="0">
+                <a:solidFill>
+                  <a:schemeClr val="bg1"/>
+                </a:solidFill>
+                <a:latin typeface="Microsoft YaHei" panose="020B0503020204020204" pitchFamily="34" charset="-122"/>
+                <a:ea typeface="Microsoft YaHei" panose="020B0503020204020204" pitchFamily="34" charset="-122"/>
+              </a:rPr>
+              <a:t>怎样实现学生成绩排序</a:t>
+            </a:r>
+          </a:p>
+        </p:txBody>
+      </p:sp>
+    </p:spTree>
+    <p:extLst>
+      <p:ext uri="{BB962C8B-B14F-4D97-AF65-F5344CB8AC3E}">
+        <p14:creationId xmlns:p14="http://schemas.microsoft.com/office/powerpoint/2010/main" val="1029409097"/>
+      </p:ext>
+    </p:extLst>
+  </p:cSld>
+  <p:clrMapOvr>
+    <a:masterClrMapping/>
+  </p:clrMapOvr>
+</p:sld>
+</file>
+
+<file path=ppt/slides/slide23.xml><?xml version="1.0" encoding="utf-8"?>
+<p:sld xmlns:a="http://schemas.openxmlformats.org/drawingml/2006/main" xmlns:r="http://schemas.openxmlformats.org/officeDocument/2006/relationships" xmlns:p="http://schemas.openxmlformats.org/presentationml/2006/main">
+  <p:cSld>
+    <p:spTree>
+      <p:nvGrpSpPr>
+        <p:cNvPr id="1" name=""/>
+        <p:cNvGrpSpPr/>
+        <p:nvPr/>
+      </p:nvGrpSpPr>
+      <p:grpSpPr>
+        <a:xfrm>
+          <a:off x="0" y="0"/>
+          <a:ext cx="0" cy="0"/>
+          <a:chOff x="0" y="0"/>
+          <a:chExt cx="0" cy="0"/>
+        </a:xfrm>
+      </p:grpSpPr>
+      <p:sp>
+        <p:nvSpPr>
+          <p:cNvPr id="3" name="内容占位符 2"/>
+          <p:cNvSpPr>
+            <a:spLocks noGrp="1"/>
+          </p:cNvSpPr>
+          <p:nvPr>
+            <p:ph idx="1"/>
+          </p:nvPr>
+        </p:nvSpPr>
+        <p:spPr>
+          <a:xfrm>
+            <a:off x="567690" y="1701800"/>
+            <a:ext cx="8074025" cy="3340980"/>
+          </a:xfrm>
+        </p:spPr>
+        <p:txBody>
+          <a:bodyPr>
+            <a:noAutofit/>
+          </a:bodyPr>
+          <a:lstStyle/>
+          <a:p>
+            <a:r>
+              <a:rPr kumimoji="1" lang="zh-CN" altLang="en-US" sz="2095" dirty="0">
+                <a:latin typeface="Courier" pitchFamily="2" charset="0"/>
+                <a:ea typeface="Microsoft YaHei" panose="020B0503020204020204" pitchFamily="34" charset="-122"/>
+              </a:rPr>
+              <a:t>学生成绩数据格式：</a:t>
+            </a:r>
+            <a:endParaRPr kumimoji="1" lang="en-US" altLang="zh-CN" sz="2095" dirty="0">
+              <a:latin typeface="Courier" pitchFamily="2" charset="0"/>
+              <a:ea typeface="Microsoft YaHei" panose="020B0503020204020204" pitchFamily="34" charset="-122"/>
+            </a:endParaRPr>
+          </a:p>
+          <a:p>
+            <a:pPr lvl="1"/>
+            <a:r>
+              <a:rPr kumimoji="1" lang="zh-CN" altLang="en-US" sz="1930" dirty="0">
+                <a:latin typeface="Courier" pitchFamily="2" charset="0"/>
+                <a:ea typeface="Microsoft YaHei" panose="020B0503020204020204" pitchFamily="34" charset="-122"/>
+              </a:rPr>
+              <a:t>复杂列表，元素是字典或者元组</a:t>
+            </a:r>
+            <a:endParaRPr kumimoji="1" lang="en-US" altLang="zh-CN" sz="1930" dirty="0">
+              <a:latin typeface="Courier" pitchFamily="2" charset="0"/>
+              <a:ea typeface="Microsoft YaHei" panose="020B0503020204020204" pitchFamily="34" charset="-122"/>
+            </a:endParaRPr>
+          </a:p>
+          <a:p>
+            <a:pPr lvl="1"/>
+            <a:r>
+              <a:rPr kumimoji="1" lang="en-US" altLang="zh-CN" sz="1930" dirty="0">
+                <a:latin typeface="Courier" pitchFamily="2" charset="0"/>
+                <a:ea typeface="Microsoft YaHei" panose="020B0503020204020204" pitchFamily="34" charset="-122"/>
+              </a:rPr>
+              <a:t>[</a:t>
+            </a:r>
+          </a:p>
+          <a:p>
+            <a:pPr lvl="2"/>
+            <a:r>
+              <a:rPr kumimoji="1" lang="en-US" altLang="zh-CN" sz="1765" dirty="0">
+                <a:latin typeface="Courier" pitchFamily="2" charset="0"/>
+                <a:ea typeface="Microsoft YaHei" panose="020B0503020204020204" pitchFamily="34" charset="-122"/>
+              </a:rPr>
+              <a:t>{’</a:t>
+            </a:r>
+            <a:r>
+              <a:rPr kumimoji="1" lang="en-US" altLang="zh-CN" sz="1765" dirty="0" err="1">
+                <a:latin typeface="Courier" pitchFamily="2" charset="0"/>
+                <a:ea typeface="Microsoft YaHei" panose="020B0503020204020204" pitchFamily="34" charset="-122"/>
+              </a:rPr>
+              <a:t>sno</a:t>
+            </a:r>
+            <a:r>
+              <a:rPr kumimoji="1" lang="en-US" altLang="zh-CN" sz="1765" dirty="0">
+                <a:latin typeface="Courier" pitchFamily="2" charset="0"/>
+                <a:ea typeface="Microsoft YaHei" panose="020B0503020204020204" pitchFamily="34" charset="-122"/>
+              </a:rPr>
+              <a:t>’:</a:t>
+            </a:r>
+            <a:r>
+              <a:rPr kumimoji="1" lang="zh-CN" altLang="en-US" sz="1765" dirty="0">
+                <a:latin typeface="Courier" pitchFamily="2" charset="0"/>
+                <a:ea typeface="Microsoft YaHei" panose="020B0503020204020204" pitchFamily="34" charset="-122"/>
+              </a:rPr>
+              <a:t> </a:t>
+            </a:r>
+            <a:r>
+              <a:rPr kumimoji="1" lang="en-US" altLang="zh-CN" sz="1765" dirty="0">
+                <a:latin typeface="Courier" pitchFamily="2" charset="0"/>
+                <a:ea typeface="Microsoft YaHei" panose="020B0503020204020204" pitchFamily="34" charset="-122"/>
+              </a:rPr>
+              <a:t>101,</a:t>
+            </a:r>
+            <a:r>
+              <a:rPr kumimoji="1" lang="zh-CN" altLang="en-US" sz="1765" dirty="0">
+                <a:latin typeface="Courier" pitchFamily="2" charset="0"/>
+                <a:ea typeface="Microsoft YaHei" panose="020B0503020204020204" pitchFamily="34" charset="-122"/>
+              </a:rPr>
+              <a:t> </a:t>
+            </a:r>
+            <a:r>
+              <a:rPr kumimoji="1" lang="en-US" altLang="zh-CN" sz="1765" dirty="0">
+                <a:latin typeface="Courier" pitchFamily="2" charset="0"/>
+                <a:ea typeface="Microsoft YaHei" panose="020B0503020204020204" pitchFamily="34" charset="-122"/>
+              </a:rPr>
+              <a:t>’</a:t>
+            </a:r>
+            <a:r>
+              <a:rPr kumimoji="1" lang="en-US" altLang="zh-CN" sz="1765" dirty="0" err="1">
+                <a:latin typeface="Courier" pitchFamily="2" charset="0"/>
+                <a:ea typeface="Microsoft YaHei" panose="020B0503020204020204" pitchFamily="34" charset="-122"/>
+              </a:rPr>
+              <a:t>sname</a:t>
+            </a:r>
+            <a:r>
+              <a:rPr kumimoji="1" lang="en-US" altLang="zh-CN" sz="1765" dirty="0">
+                <a:latin typeface="Courier" pitchFamily="2" charset="0"/>
+                <a:ea typeface="Microsoft YaHei" panose="020B0503020204020204" pitchFamily="34" charset="-122"/>
+              </a:rPr>
+              <a:t>’:</a:t>
+            </a:r>
+            <a:r>
+              <a:rPr kumimoji="1" lang="zh-CN" altLang="en-US" sz="1765" dirty="0">
+                <a:latin typeface="Courier" pitchFamily="2" charset="0"/>
+                <a:ea typeface="Microsoft YaHei" panose="020B0503020204020204" pitchFamily="34" charset="-122"/>
+              </a:rPr>
+              <a:t> </a:t>
+            </a:r>
+            <a:r>
+              <a:rPr kumimoji="1" lang="en-US" altLang="zh-CN" sz="1765" dirty="0">
+                <a:latin typeface="Courier" pitchFamily="2" charset="0"/>
+                <a:ea typeface="Microsoft YaHei" panose="020B0503020204020204" pitchFamily="34" charset="-122"/>
+              </a:rPr>
+              <a:t>“</a:t>
+            </a:r>
+            <a:r>
+              <a:rPr kumimoji="1" lang="zh-CN" altLang="en-US" sz="1765" dirty="0">
+                <a:latin typeface="Courier" pitchFamily="2" charset="0"/>
+                <a:ea typeface="Microsoft YaHei" panose="020B0503020204020204" pitchFamily="34" charset="-122"/>
+              </a:rPr>
+              <a:t>小张</a:t>
+            </a:r>
+            <a:r>
+              <a:rPr kumimoji="1" lang="en-US" altLang="zh-CN" sz="1765" dirty="0">
+                <a:latin typeface="Courier" pitchFamily="2" charset="0"/>
+                <a:ea typeface="Microsoft YaHei" panose="020B0503020204020204" pitchFamily="34" charset="-122"/>
+              </a:rPr>
+              <a:t>”,</a:t>
+            </a:r>
+            <a:r>
+              <a:rPr kumimoji="1" lang="zh-CN" altLang="en-US" sz="1765" dirty="0">
+                <a:latin typeface="Courier" pitchFamily="2" charset="0"/>
+                <a:ea typeface="Microsoft YaHei" panose="020B0503020204020204" pitchFamily="34" charset="-122"/>
+              </a:rPr>
+              <a:t> </a:t>
+            </a:r>
+            <a:r>
+              <a:rPr kumimoji="1" lang="en-US" altLang="zh-CN" sz="1765" dirty="0">
+                <a:latin typeface="Courier" pitchFamily="2" charset="0"/>
+                <a:ea typeface="Microsoft YaHei" panose="020B0503020204020204" pitchFamily="34" charset="-122"/>
+              </a:rPr>
+              <a:t>‘sgrade’:88},</a:t>
+            </a:r>
+          </a:p>
+          <a:p>
+            <a:pPr lvl="2"/>
+            <a:r>
+              <a:rPr kumimoji="1" lang="en-US" altLang="zh-CN" sz="1765" dirty="0">
+                <a:latin typeface="Courier" pitchFamily="2" charset="0"/>
+                <a:ea typeface="Microsoft YaHei" panose="020B0503020204020204" pitchFamily="34" charset="-122"/>
+              </a:rPr>
+              <a:t>{’</a:t>
+            </a:r>
+            <a:r>
+              <a:rPr kumimoji="1" lang="en-US" altLang="zh-CN" sz="1765" dirty="0" err="1">
+                <a:latin typeface="Courier" pitchFamily="2" charset="0"/>
+                <a:ea typeface="Microsoft YaHei" panose="020B0503020204020204" pitchFamily="34" charset="-122"/>
+              </a:rPr>
+              <a:t>sno</a:t>
+            </a:r>
+            <a:r>
+              <a:rPr kumimoji="1" lang="en-US" altLang="zh-CN" sz="1765" dirty="0">
+                <a:latin typeface="Courier" pitchFamily="2" charset="0"/>
+                <a:ea typeface="Microsoft YaHei" panose="020B0503020204020204" pitchFamily="34" charset="-122"/>
+              </a:rPr>
+              <a:t>’:</a:t>
+            </a:r>
+            <a:r>
+              <a:rPr kumimoji="1" lang="zh-CN" altLang="en-US" sz="1765" dirty="0">
+                <a:latin typeface="Courier" pitchFamily="2" charset="0"/>
+                <a:ea typeface="Microsoft YaHei" panose="020B0503020204020204" pitchFamily="34" charset="-122"/>
+              </a:rPr>
+              <a:t> </a:t>
+            </a:r>
+            <a:r>
+              <a:rPr kumimoji="1" lang="en-US" altLang="zh-CN" sz="1765" dirty="0">
+                <a:latin typeface="Courier" pitchFamily="2" charset="0"/>
+                <a:ea typeface="Microsoft YaHei" panose="020B0503020204020204" pitchFamily="34" charset="-122"/>
+              </a:rPr>
+              <a:t>102,</a:t>
+            </a:r>
+            <a:r>
+              <a:rPr kumimoji="1" lang="zh-CN" altLang="en-US" sz="1765" dirty="0">
+                <a:latin typeface="Courier" pitchFamily="2" charset="0"/>
+                <a:ea typeface="Microsoft YaHei" panose="020B0503020204020204" pitchFamily="34" charset="-122"/>
+              </a:rPr>
+              <a:t> </a:t>
+            </a:r>
+            <a:r>
+              <a:rPr kumimoji="1" lang="en-US" altLang="zh-CN" sz="1765" dirty="0">
+                <a:latin typeface="Courier" pitchFamily="2" charset="0"/>
+                <a:ea typeface="Microsoft YaHei" panose="020B0503020204020204" pitchFamily="34" charset="-122"/>
+              </a:rPr>
+              <a:t>’</a:t>
+            </a:r>
+            <a:r>
+              <a:rPr kumimoji="1" lang="en-US" altLang="zh-CN" sz="1765" dirty="0" err="1">
+                <a:latin typeface="Courier" pitchFamily="2" charset="0"/>
+                <a:ea typeface="Microsoft YaHei" panose="020B0503020204020204" pitchFamily="34" charset="-122"/>
+              </a:rPr>
+              <a:t>sname</a:t>
+            </a:r>
+            <a:r>
+              <a:rPr kumimoji="1" lang="en-US" altLang="zh-CN" sz="1765" dirty="0">
+                <a:latin typeface="Courier" pitchFamily="2" charset="0"/>
+                <a:ea typeface="Microsoft YaHei" panose="020B0503020204020204" pitchFamily="34" charset="-122"/>
+              </a:rPr>
+              <a:t>’:</a:t>
+            </a:r>
+            <a:r>
+              <a:rPr kumimoji="1" lang="zh-CN" altLang="en-US" sz="1765" dirty="0">
+                <a:latin typeface="Courier" pitchFamily="2" charset="0"/>
+                <a:ea typeface="Microsoft YaHei" panose="020B0503020204020204" pitchFamily="34" charset="-122"/>
+              </a:rPr>
+              <a:t> </a:t>
+            </a:r>
+            <a:r>
+              <a:rPr kumimoji="1" lang="en-US" altLang="zh-CN" sz="1765" dirty="0">
+                <a:latin typeface="Courier" pitchFamily="2" charset="0"/>
+                <a:ea typeface="Microsoft YaHei" panose="020B0503020204020204" pitchFamily="34" charset="-122"/>
+              </a:rPr>
+              <a:t>“</a:t>
+            </a:r>
+            <a:r>
+              <a:rPr kumimoji="1" lang="zh-CN" altLang="en-US" sz="1765" dirty="0">
+                <a:latin typeface="Courier" pitchFamily="2" charset="0"/>
+                <a:ea typeface="Microsoft YaHei" panose="020B0503020204020204" pitchFamily="34" charset="-122"/>
+              </a:rPr>
+              <a:t>小王</a:t>
+            </a:r>
+            <a:r>
+              <a:rPr kumimoji="1" lang="en-US" altLang="zh-CN" sz="1765" dirty="0">
+                <a:latin typeface="Courier" pitchFamily="2" charset="0"/>
+                <a:ea typeface="Microsoft YaHei" panose="020B0503020204020204" pitchFamily="34" charset="-122"/>
+              </a:rPr>
+              <a:t>”,</a:t>
+            </a:r>
+            <a:r>
+              <a:rPr kumimoji="1" lang="zh-CN" altLang="en-US" sz="1765" dirty="0">
+                <a:latin typeface="Courier" pitchFamily="2" charset="0"/>
+                <a:ea typeface="Microsoft YaHei" panose="020B0503020204020204" pitchFamily="34" charset="-122"/>
+              </a:rPr>
+              <a:t> </a:t>
+            </a:r>
+            <a:r>
+              <a:rPr kumimoji="1" lang="en-US" altLang="zh-CN" sz="1765" dirty="0">
+                <a:latin typeface="Courier" pitchFamily="2" charset="0"/>
+                <a:ea typeface="Microsoft YaHei" panose="020B0503020204020204" pitchFamily="34" charset="-122"/>
+              </a:rPr>
+              <a:t>‘sgrade’:77}</a:t>
+            </a:r>
+          </a:p>
+          <a:p>
+            <a:pPr lvl="2"/>
+            <a:r>
+              <a:rPr kumimoji="1" lang="en-US" altLang="zh-CN" sz="1765" dirty="0">
+                <a:latin typeface="Courier" pitchFamily="2" charset="0"/>
+                <a:ea typeface="Microsoft YaHei" panose="020B0503020204020204" pitchFamily="34" charset="-122"/>
+              </a:rPr>
+              <a:t>{’</a:t>
+            </a:r>
+            <a:r>
+              <a:rPr kumimoji="1" lang="en-US" altLang="zh-CN" sz="1765" dirty="0" err="1">
+                <a:latin typeface="Courier" pitchFamily="2" charset="0"/>
+                <a:ea typeface="Microsoft YaHei" panose="020B0503020204020204" pitchFamily="34" charset="-122"/>
+              </a:rPr>
+              <a:t>sno</a:t>
+            </a:r>
+            <a:r>
+              <a:rPr kumimoji="1" lang="en-US" altLang="zh-CN" sz="1765" dirty="0">
+                <a:latin typeface="Courier" pitchFamily="2" charset="0"/>
+                <a:ea typeface="Microsoft YaHei" panose="020B0503020204020204" pitchFamily="34" charset="-122"/>
+              </a:rPr>
+              <a:t>’:</a:t>
+            </a:r>
+            <a:r>
+              <a:rPr kumimoji="1" lang="zh-CN" altLang="en-US" sz="1765" dirty="0">
+                <a:latin typeface="Courier" pitchFamily="2" charset="0"/>
+                <a:ea typeface="Microsoft YaHei" panose="020B0503020204020204" pitchFamily="34" charset="-122"/>
+              </a:rPr>
+              <a:t> </a:t>
+            </a:r>
+            <a:r>
+              <a:rPr kumimoji="1" lang="en-US" altLang="zh-CN" sz="1765" dirty="0">
+                <a:latin typeface="Courier" pitchFamily="2" charset="0"/>
+                <a:ea typeface="Microsoft YaHei" panose="020B0503020204020204" pitchFamily="34" charset="-122"/>
+              </a:rPr>
+              <a:t>103,</a:t>
+            </a:r>
+            <a:r>
+              <a:rPr kumimoji="1" lang="zh-CN" altLang="en-US" sz="1765" dirty="0">
+                <a:latin typeface="Courier" pitchFamily="2" charset="0"/>
+                <a:ea typeface="Microsoft YaHei" panose="020B0503020204020204" pitchFamily="34" charset="-122"/>
+              </a:rPr>
+              <a:t> </a:t>
+            </a:r>
+            <a:r>
+              <a:rPr kumimoji="1" lang="en-US" altLang="zh-CN" sz="1765" dirty="0">
+                <a:latin typeface="Courier" pitchFamily="2" charset="0"/>
+                <a:ea typeface="Microsoft YaHei" panose="020B0503020204020204" pitchFamily="34" charset="-122"/>
+              </a:rPr>
+              <a:t>’</a:t>
+            </a:r>
+            <a:r>
+              <a:rPr kumimoji="1" lang="en-US" altLang="zh-CN" sz="1765" dirty="0" err="1">
+                <a:latin typeface="Courier" pitchFamily="2" charset="0"/>
+                <a:ea typeface="Microsoft YaHei" panose="020B0503020204020204" pitchFamily="34" charset="-122"/>
+              </a:rPr>
+              <a:t>sname</a:t>
+            </a:r>
+            <a:r>
+              <a:rPr kumimoji="1" lang="en-US" altLang="zh-CN" sz="1765" dirty="0">
+                <a:latin typeface="Courier" pitchFamily="2" charset="0"/>
+                <a:ea typeface="Microsoft YaHei" panose="020B0503020204020204" pitchFamily="34" charset="-122"/>
+              </a:rPr>
+              <a:t>’:</a:t>
+            </a:r>
+            <a:r>
+              <a:rPr kumimoji="1" lang="zh-CN" altLang="en-US" sz="1765" dirty="0">
+                <a:latin typeface="Courier" pitchFamily="2" charset="0"/>
+                <a:ea typeface="Microsoft YaHei" panose="020B0503020204020204" pitchFamily="34" charset="-122"/>
+              </a:rPr>
+              <a:t> </a:t>
+            </a:r>
+            <a:r>
+              <a:rPr kumimoji="1" lang="en-US" altLang="zh-CN" sz="1765" dirty="0">
+                <a:latin typeface="Courier" pitchFamily="2" charset="0"/>
+                <a:ea typeface="Microsoft YaHei" panose="020B0503020204020204" pitchFamily="34" charset="-122"/>
+              </a:rPr>
+              <a:t>“</a:t>
+            </a:r>
+            <a:r>
+              <a:rPr kumimoji="1" lang="zh-CN" altLang="en-US" sz="1765" dirty="0">
+                <a:latin typeface="Courier" pitchFamily="2" charset="0"/>
+                <a:ea typeface="Microsoft YaHei" panose="020B0503020204020204" pitchFamily="34" charset="-122"/>
+              </a:rPr>
+              <a:t>小李</a:t>
+            </a:r>
+            <a:r>
+              <a:rPr kumimoji="1" lang="en-US" altLang="zh-CN" sz="1765" dirty="0">
+                <a:latin typeface="Courier" pitchFamily="2" charset="0"/>
+                <a:ea typeface="Microsoft YaHei" panose="020B0503020204020204" pitchFamily="34" charset="-122"/>
+              </a:rPr>
+              <a:t>”,</a:t>
+            </a:r>
+            <a:r>
+              <a:rPr kumimoji="1" lang="zh-CN" altLang="en-US" sz="1765" dirty="0">
+                <a:latin typeface="Courier" pitchFamily="2" charset="0"/>
+                <a:ea typeface="Microsoft YaHei" panose="020B0503020204020204" pitchFamily="34" charset="-122"/>
+              </a:rPr>
+              <a:t> </a:t>
+            </a:r>
+            <a:r>
+              <a:rPr kumimoji="1" lang="en-US" altLang="zh-CN" sz="1765" dirty="0">
+                <a:latin typeface="Courier" pitchFamily="2" charset="0"/>
+                <a:ea typeface="Microsoft YaHei" panose="020B0503020204020204" pitchFamily="34" charset="-122"/>
+              </a:rPr>
+              <a:t>‘sgrade’:99}</a:t>
+            </a:r>
+          </a:p>
+          <a:p>
+            <a:pPr lvl="2"/>
+            <a:r>
+              <a:rPr kumimoji="1" lang="en-US" altLang="zh-CN" sz="1765" dirty="0">
+                <a:latin typeface="Courier" pitchFamily="2" charset="0"/>
+                <a:ea typeface="Microsoft YaHei" panose="020B0503020204020204" pitchFamily="34" charset="-122"/>
+              </a:rPr>
+              <a:t>{’</a:t>
+            </a:r>
+            <a:r>
+              <a:rPr kumimoji="1" lang="en-US" altLang="zh-CN" sz="1765" dirty="0" err="1">
+                <a:latin typeface="Courier" pitchFamily="2" charset="0"/>
+                <a:ea typeface="Microsoft YaHei" panose="020B0503020204020204" pitchFamily="34" charset="-122"/>
+              </a:rPr>
+              <a:t>sno</a:t>
+            </a:r>
+            <a:r>
+              <a:rPr kumimoji="1" lang="en-US" altLang="zh-CN" sz="1765" dirty="0">
+                <a:latin typeface="Courier" pitchFamily="2" charset="0"/>
+                <a:ea typeface="Microsoft YaHei" panose="020B0503020204020204" pitchFamily="34" charset="-122"/>
+              </a:rPr>
+              <a:t>’:</a:t>
+            </a:r>
+            <a:r>
+              <a:rPr kumimoji="1" lang="zh-CN" altLang="en-US" sz="1765" dirty="0">
+                <a:latin typeface="Courier" pitchFamily="2" charset="0"/>
+                <a:ea typeface="Microsoft YaHei" panose="020B0503020204020204" pitchFamily="34" charset="-122"/>
+              </a:rPr>
+              <a:t> </a:t>
+            </a:r>
+            <a:r>
+              <a:rPr kumimoji="1" lang="en-US" altLang="zh-CN" sz="1765" dirty="0">
+                <a:latin typeface="Courier" pitchFamily="2" charset="0"/>
+                <a:ea typeface="Microsoft YaHei" panose="020B0503020204020204" pitchFamily="34" charset="-122"/>
+              </a:rPr>
+              <a:t>104,</a:t>
+            </a:r>
+            <a:r>
+              <a:rPr kumimoji="1" lang="zh-CN" altLang="en-US" sz="1765" dirty="0">
+                <a:latin typeface="Courier" pitchFamily="2" charset="0"/>
+                <a:ea typeface="Microsoft YaHei" panose="020B0503020204020204" pitchFamily="34" charset="-122"/>
+              </a:rPr>
+              <a:t> </a:t>
+            </a:r>
+            <a:r>
+              <a:rPr kumimoji="1" lang="en-US" altLang="zh-CN" sz="1765" dirty="0">
+                <a:latin typeface="Courier" pitchFamily="2" charset="0"/>
+                <a:ea typeface="Microsoft YaHei" panose="020B0503020204020204" pitchFamily="34" charset="-122"/>
+              </a:rPr>
+              <a:t>’</a:t>
+            </a:r>
+            <a:r>
+              <a:rPr kumimoji="1" lang="en-US" altLang="zh-CN" sz="1765" dirty="0" err="1">
+                <a:latin typeface="Courier" pitchFamily="2" charset="0"/>
+                <a:ea typeface="Microsoft YaHei" panose="020B0503020204020204" pitchFamily="34" charset="-122"/>
+              </a:rPr>
+              <a:t>sname</a:t>
+            </a:r>
+            <a:r>
+              <a:rPr kumimoji="1" lang="en-US" altLang="zh-CN" sz="1765" dirty="0">
+                <a:latin typeface="Courier" pitchFamily="2" charset="0"/>
+                <a:ea typeface="Microsoft YaHei" panose="020B0503020204020204" pitchFamily="34" charset="-122"/>
+              </a:rPr>
+              <a:t>’:</a:t>
+            </a:r>
+            <a:r>
+              <a:rPr kumimoji="1" lang="zh-CN" altLang="en-US" sz="1765" dirty="0">
+                <a:latin typeface="Courier" pitchFamily="2" charset="0"/>
+                <a:ea typeface="Microsoft YaHei" panose="020B0503020204020204" pitchFamily="34" charset="-122"/>
+              </a:rPr>
+              <a:t> </a:t>
+            </a:r>
+            <a:r>
+              <a:rPr kumimoji="1" lang="en-US" altLang="zh-CN" sz="1765" dirty="0">
+                <a:latin typeface="Courier" pitchFamily="2" charset="0"/>
+                <a:ea typeface="Microsoft YaHei" panose="020B0503020204020204" pitchFamily="34" charset="-122"/>
+              </a:rPr>
+              <a:t>“</a:t>
+            </a:r>
+            <a:r>
+              <a:rPr kumimoji="1" lang="zh-CN" altLang="en-US" sz="1765" dirty="0">
+                <a:latin typeface="Courier" pitchFamily="2" charset="0"/>
+                <a:ea typeface="Microsoft YaHei" panose="020B0503020204020204" pitchFamily="34" charset="-122"/>
+              </a:rPr>
+              <a:t>小赵</a:t>
+            </a:r>
+            <a:r>
+              <a:rPr kumimoji="1" lang="en-US" altLang="zh-CN" sz="1765" dirty="0">
+                <a:latin typeface="Courier" pitchFamily="2" charset="0"/>
+                <a:ea typeface="Microsoft YaHei" panose="020B0503020204020204" pitchFamily="34" charset="-122"/>
+              </a:rPr>
+              <a:t>,</a:t>
+            </a:r>
+            <a:r>
+              <a:rPr kumimoji="1" lang="zh-CN" altLang="en-US" sz="1765" dirty="0">
+                <a:latin typeface="Courier" pitchFamily="2" charset="0"/>
+                <a:ea typeface="Microsoft YaHei" panose="020B0503020204020204" pitchFamily="34" charset="-122"/>
+              </a:rPr>
+              <a:t> </a:t>
+            </a:r>
+            <a:r>
+              <a:rPr kumimoji="1" lang="en-US" altLang="zh-CN" sz="1765" dirty="0">
+                <a:latin typeface="Courier" pitchFamily="2" charset="0"/>
+                <a:ea typeface="Microsoft YaHei" panose="020B0503020204020204" pitchFamily="34" charset="-122"/>
+              </a:rPr>
+              <a:t>‘sgrade’:66}</a:t>
+            </a:r>
+          </a:p>
+          <a:p>
+            <a:pPr lvl="1"/>
+            <a:r>
+              <a:rPr kumimoji="1" lang="en-US" altLang="zh-CN" sz="1930" dirty="0">
+                <a:latin typeface="Courier" pitchFamily="2" charset="0"/>
+                <a:ea typeface="Microsoft YaHei" panose="020B0503020204020204" pitchFamily="34" charset="-122"/>
+              </a:rPr>
+              <a:t>]</a:t>
+            </a:r>
+            <a:endParaRPr kumimoji="1" lang="zh-CN" altLang="en-US" sz="1930" dirty="0">
+              <a:latin typeface="Courier" pitchFamily="2" charset="0"/>
+              <a:ea typeface="Microsoft YaHei" panose="020B0503020204020204" pitchFamily="34" charset="-122"/>
+            </a:endParaRPr>
+          </a:p>
+        </p:txBody>
+      </p:sp>
+      <p:sp>
+        <p:nvSpPr>
+          <p:cNvPr id="5" name="矩形 4"/>
+          <p:cNvSpPr/>
+          <p:nvPr/>
+        </p:nvSpPr>
+        <p:spPr>
+          <a:xfrm>
+            <a:off x="804790" y="799544"/>
+            <a:ext cx="7534435" cy="715581"/>
+          </a:xfrm>
+          <a:prstGeom prst="rect">
+            <a:avLst/>
+          </a:prstGeom>
+        </p:spPr>
+        <p:txBody>
+          <a:bodyPr wrap="none">
+            <a:spAutoFit/>
+          </a:bodyPr>
+          <a:lstStyle/>
+          <a:p>
+            <a:pPr algn="ctr"/>
+            <a:r>
+              <a:rPr kumimoji="1" lang="zh-CN" altLang="en-US" sz="4050" b="1" dirty="0">
+                <a:solidFill>
+                  <a:schemeClr val="tx1"/>
+                </a:solidFill>
+                <a:latin typeface="Microsoft YaHei" panose="020B0503020204020204" pitchFamily="34" charset="-122"/>
+                <a:ea typeface="Microsoft YaHei" panose="020B0503020204020204" pitchFamily="34" charset="-122"/>
+                <a:sym typeface="+mn-ea"/>
+              </a:rPr>
+              <a:t>第</a:t>
+            </a:r>
+            <a:r>
+              <a:rPr kumimoji="1" lang="en-US" altLang="zh-CN" sz="4050" b="1" dirty="0">
+                <a:solidFill>
+                  <a:schemeClr val="tx1"/>
+                </a:solidFill>
+                <a:latin typeface="Microsoft YaHei" panose="020B0503020204020204" pitchFamily="34" charset="-122"/>
+                <a:ea typeface="Microsoft YaHei" panose="020B0503020204020204" pitchFamily="34" charset="-122"/>
+                <a:sym typeface="+mn-ea"/>
+              </a:rPr>
+              <a:t>011</a:t>
+            </a:r>
+            <a:r>
+              <a:rPr kumimoji="1" lang="zh-CN" altLang="en-US" sz="4050" b="1" dirty="0">
+                <a:solidFill>
+                  <a:schemeClr val="tx1"/>
+                </a:solidFill>
+                <a:latin typeface="Microsoft YaHei" panose="020B0503020204020204" pitchFamily="34" charset="-122"/>
+                <a:ea typeface="Microsoft YaHei" panose="020B0503020204020204" pitchFamily="34" charset="-122"/>
+                <a:sym typeface="+mn-ea"/>
+              </a:rPr>
+              <a:t>集 怎样实现学生成绩排序</a:t>
+            </a:r>
+          </a:p>
+        </p:txBody>
+      </p:sp>
+    </p:spTree>
+    <p:extLst>
+      <p:ext uri="{BB962C8B-B14F-4D97-AF65-F5344CB8AC3E}">
+        <p14:creationId xmlns:p14="http://schemas.microsoft.com/office/powerpoint/2010/main" val="2138059504"/>
+      </p:ext>
+    </p:extLst>
+  </p:cSld>
+  <p:clrMapOvr>
+    <a:masterClrMapping/>
+  </p:clrMapOvr>
+</p:sld>
+</file>
+
+<file path=ppt/slides/slide24.xml><?xml version="1.0" encoding="utf-8"?>
+<p:sld xmlns:a="http://schemas.openxmlformats.org/drawingml/2006/main" xmlns:r="http://schemas.openxmlformats.org/officeDocument/2006/relationships" xmlns:p="http://schemas.openxmlformats.org/presentationml/2006/main">
+  <p:cSld>
+    <p:spTree>
+      <p:nvGrpSpPr>
+        <p:cNvPr id="1" name=""/>
+        <p:cNvGrpSpPr/>
+        <p:nvPr/>
+      </p:nvGrpSpPr>
+      <p:grpSpPr>
+        <a:xfrm>
+          <a:off x="0" y="0"/>
+          <a:ext cx="0" cy="0"/>
+          <a:chOff x="0" y="0"/>
+          <a:chExt cx="0" cy="0"/>
+        </a:xfrm>
+      </p:grpSpPr>
+      <p:sp>
+        <p:nvSpPr>
+          <p:cNvPr id="6" name="矩形 5"/>
+          <p:cNvSpPr/>
+          <p:nvPr/>
+        </p:nvSpPr>
+        <p:spPr>
+          <a:xfrm>
+            <a:off x="2123514" y="966484"/>
+            <a:ext cx="4895850" cy="1845310"/>
+          </a:xfrm>
+          <a:prstGeom prst="rect">
+            <a:avLst/>
+          </a:prstGeom>
+        </p:spPr>
+        <p:txBody>
+          <a:bodyPr wrap="none">
+            <a:spAutoFit/>
+          </a:bodyPr>
+          <a:lstStyle/>
+          <a:p>
+            <a:pPr algn="ctr"/>
+            <a:r>
+              <a:rPr kumimoji="1" lang="en-US" altLang="zh-CN" sz="6000" dirty="0">
+                <a:latin typeface="Microsoft YaHei" panose="020B0503020204020204" pitchFamily="34" charset="-122"/>
+                <a:ea typeface="Microsoft YaHei" panose="020B0503020204020204" pitchFamily="34" charset="-122"/>
+              </a:rPr>
+              <a:t>Python</a:t>
+            </a:r>
+          </a:p>
+          <a:p>
+            <a:pPr algn="ctr"/>
+            <a:r>
+              <a:rPr kumimoji="1" lang="zh-CN" altLang="en-US" sz="5400" dirty="0">
+                <a:latin typeface="Microsoft YaHei" panose="020B0503020204020204" pitchFamily="34" charset="-122"/>
+                <a:ea typeface="Microsoft YaHei" panose="020B0503020204020204" pitchFamily="34" charset="-122"/>
+              </a:rPr>
+              <a:t>入门编程</a:t>
+            </a:r>
+            <a:r>
+              <a:rPr kumimoji="1" lang="en-US" altLang="zh-CN" sz="5400" dirty="0">
+                <a:latin typeface="Microsoft YaHei" panose="020B0503020204020204" pitchFamily="34" charset="-122"/>
+                <a:ea typeface="Microsoft YaHei" panose="020B0503020204020204" pitchFamily="34" charset="-122"/>
+              </a:rPr>
+              <a:t>100</a:t>
+            </a:r>
+            <a:r>
+              <a:rPr kumimoji="1" lang="zh-CN" altLang="en-US" sz="5400" dirty="0">
+                <a:latin typeface="Microsoft YaHei" panose="020B0503020204020204" pitchFamily="34" charset="-122"/>
+                <a:ea typeface="Microsoft YaHei" panose="020B0503020204020204" pitchFamily="34" charset="-122"/>
+              </a:rPr>
+              <a:t>例</a:t>
+            </a:r>
+          </a:p>
+        </p:txBody>
+      </p:sp>
+      <p:sp>
+        <p:nvSpPr>
+          <p:cNvPr id="3" name="矩形 2"/>
+          <p:cNvSpPr/>
+          <p:nvPr/>
+        </p:nvSpPr>
+        <p:spPr>
+          <a:xfrm>
+            <a:off x="1882436" y="2915671"/>
+            <a:ext cx="5378395" cy="1338828"/>
+          </a:xfrm>
+          <a:prstGeom prst="rect">
+            <a:avLst/>
+          </a:prstGeom>
+          <a:solidFill>
+            <a:srgbClr val="FFC000"/>
+          </a:solidFill>
+          <a:ln>
+            <a:noFill/>
+          </a:ln>
+        </p:spPr>
+        <p:style>
+          <a:lnRef idx="3">
+            <a:schemeClr val="lt1"/>
+          </a:lnRef>
+          <a:fillRef idx="1">
+            <a:schemeClr val="accent5"/>
+          </a:fillRef>
+          <a:effectRef idx="1">
+            <a:schemeClr val="accent5"/>
+          </a:effectRef>
+          <a:fontRef idx="minor">
+            <a:schemeClr val="lt1"/>
+          </a:fontRef>
+        </p:style>
+        <p:txBody>
+          <a:bodyPr wrap="none">
+            <a:spAutoFit/>
+          </a:bodyPr>
+          <a:lstStyle/>
+          <a:p>
+            <a:pPr algn="ctr"/>
+            <a:r>
+              <a:rPr kumimoji="1" lang="zh-CN" altLang="en-US" sz="4050" b="1" dirty="0">
+                <a:solidFill>
+                  <a:schemeClr val="bg1"/>
+                </a:solidFill>
+                <a:latin typeface="Microsoft YaHei" panose="020B0503020204020204" pitchFamily="34" charset="-122"/>
+                <a:ea typeface="Microsoft YaHei" panose="020B0503020204020204" pitchFamily="34" charset="-122"/>
+              </a:rPr>
+              <a:t>第</a:t>
+            </a:r>
+            <a:r>
+              <a:rPr kumimoji="1" lang="en-US" altLang="zh-CN" sz="4050" b="1" dirty="0">
+                <a:solidFill>
+                  <a:schemeClr val="bg1"/>
+                </a:solidFill>
+                <a:latin typeface="Microsoft YaHei" panose="020B0503020204020204" pitchFamily="34" charset="-122"/>
+                <a:ea typeface="Microsoft YaHei" panose="020B0503020204020204" pitchFamily="34" charset="-122"/>
+              </a:rPr>
+              <a:t>012</a:t>
+            </a:r>
+            <a:r>
+              <a:rPr kumimoji="1" lang="zh-CN" altLang="en-US" sz="4050" b="1" dirty="0">
+                <a:solidFill>
+                  <a:schemeClr val="bg1"/>
+                </a:solidFill>
+                <a:latin typeface="Microsoft YaHei" panose="020B0503020204020204" pitchFamily="34" charset="-122"/>
+                <a:ea typeface="Microsoft YaHei" panose="020B0503020204020204" pitchFamily="34" charset="-122"/>
+              </a:rPr>
+              <a:t>集 </a:t>
+            </a:r>
+          </a:p>
+          <a:p>
+            <a:pPr algn="ctr"/>
+            <a:r>
+              <a:rPr kumimoji="1" lang="zh-CN" altLang="en-US" sz="4050" b="1" dirty="0">
+                <a:solidFill>
+                  <a:schemeClr val="bg1"/>
+                </a:solidFill>
+                <a:latin typeface="Microsoft YaHei" panose="020B0503020204020204" pitchFamily="34" charset="-122"/>
+                <a:ea typeface="Microsoft YaHei" panose="020B0503020204020204" pitchFamily="34" charset="-122"/>
+              </a:rPr>
+              <a:t>读取成绩文件排序数据</a:t>
+            </a:r>
+          </a:p>
+        </p:txBody>
+      </p:sp>
+    </p:spTree>
+    <p:extLst>
+      <p:ext uri="{BB962C8B-B14F-4D97-AF65-F5344CB8AC3E}">
+        <p14:creationId xmlns:p14="http://schemas.microsoft.com/office/powerpoint/2010/main" val="3082989283"/>
+      </p:ext>
+    </p:extLst>
+  </p:cSld>
+  <p:clrMapOvr>
+    <a:masterClrMapping/>
+  </p:clrMapOvr>
+</p:sld>
+</file>
+
+<file path=ppt/slides/slide25.xml><?xml version="1.0" encoding="utf-8"?>
+<p:sld xmlns:a="http://schemas.openxmlformats.org/drawingml/2006/main" xmlns:r="http://schemas.openxmlformats.org/officeDocument/2006/relationships" xmlns:p="http://schemas.openxmlformats.org/presentationml/2006/main">
+  <p:cSld>
+    <p:spTree>
+      <p:nvGrpSpPr>
+        <p:cNvPr id="1" name=""/>
+        <p:cNvGrpSpPr/>
+        <p:nvPr/>
+      </p:nvGrpSpPr>
+      <p:grpSpPr>
+        <a:xfrm>
+          <a:off x="0" y="0"/>
+          <a:ext cx="0" cy="0"/>
+          <a:chOff x="0" y="0"/>
+          <a:chExt cx="0" cy="0"/>
+        </a:xfrm>
+      </p:grpSpPr>
+      <p:sp>
+        <p:nvSpPr>
+          <p:cNvPr id="3" name="内容占位符 2"/>
+          <p:cNvSpPr>
+            <a:spLocks noGrp="1"/>
+          </p:cNvSpPr>
+          <p:nvPr>
+            <p:ph idx="1"/>
+          </p:nvPr>
+        </p:nvSpPr>
+        <p:spPr>
+          <a:xfrm>
+            <a:off x="567690" y="1701800"/>
+            <a:ext cx="8074025" cy="3549210"/>
+          </a:xfrm>
+        </p:spPr>
+        <p:txBody>
+          <a:bodyPr>
+            <a:noAutofit/>
+          </a:bodyPr>
+          <a:lstStyle/>
+          <a:p>
+            <a:r>
+              <a:rPr kumimoji="1" lang="zh-CN" altLang="en-US" sz="2095" dirty="0">
+                <a:latin typeface="Courier" pitchFamily="2" charset="0"/>
+                <a:ea typeface="Microsoft YaHei" panose="020B0503020204020204" pitchFamily="34" charset="-122"/>
+              </a:rPr>
+              <a:t>输入文件：</a:t>
+            </a:r>
+            <a:endParaRPr kumimoji="1" lang="en-US" altLang="zh-CN" sz="2095" dirty="0">
+              <a:latin typeface="Courier" pitchFamily="2" charset="0"/>
+              <a:ea typeface="Microsoft YaHei" panose="020B0503020204020204" pitchFamily="34" charset="-122"/>
+            </a:endParaRPr>
+          </a:p>
+          <a:p>
+            <a:pPr lvl="1"/>
+            <a:r>
+              <a:rPr kumimoji="1" lang="zh-CN" altLang="en-US" sz="1930" dirty="0">
+                <a:latin typeface="Courier" pitchFamily="2" charset="0"/>
+                <a:ea typeface="Microsoft YaHei" panose="020B0503020204020204" pitchFamily="34" charset="-122"/>
+              </a:rPr>
+              <a:t>三列：学号、姓名、成绩</a:t>
+            </a:r>
+            <a:endParaRPr kumimoji="1" lang="en-US" altLang="zh-CN" sz="1930" dirty="0">
+              <a:latin typeface="Courier" pitchFamily="2" charset="0"/>
+              <a:ea typeface="Microsoft YaHei" panose="020B0503020204020204" pitchFamily="34" charset="-122"/>
+            </a:endParaRPr>
+          </a:p>
+          <a:p>
+            <a:pPr lvl="1"/>
+            <a:r>
+              <a:rPr kumimoji="1" lang="zh-CN" altLang="en-US" sz="1930" dirty="0">
+                <a:latin typeface="Courier" pitchFamily="2" charset="0"/>
+                <a:ea typeface="Microsoft YaHei" panose="020B0503020204020204" pitchFamily="34" charset="-122"/>
+              </a:rPr>
+              <a:t>列之间用逗号分割，比如</a:t>
+            </a:r>
+            <a:r>
+              <a:rPr kumimoji="1" lang="en-US" altLang="zh-CN" sz="1930" dirty="0">
+                <a:latin typeface="Courier" pitchFamily="2" charset="0"/>
+                <a:ea typeface="Microsoft YaHei" panose="020B0503020204020204" pitchFamily="34" charset="-122"/>
+              </a:rPr>
+              <a:t>”101,</a:t>
+            </a:r>
+            <a:r>
+              <a:rPr kumimoji="1" lang="zh-CN" altLang="en-US" sz="1930" dirty="0">
+                <a:latin typeface="Courier" pitchFamily="2" charset="0"/>
+                <a:ea typeface="Microsoft YaHei" panose="020B0503020204020204" pitchFamily="34" charset="-122"/>
+              </a:rPr>
+              <a:t>小张</a:t>
+            </a:r>
+            <a:r>
+              <a:rPr kumimoji="1" lang="en-US" altLang="zh-CN" sz="1930" dirty="0">
+                <a:latin typeface="Courier" pitchFamily="2" charset="0"/>
+                <a:ea typeface="Microsoft YaHei" panose="020B0503020204020204" pitchFamily="34" charset="-122"/>
+              </a:rPr>
+              <a:t>,88”</a:t>
+            </a:r>
+          </a:p>
+          <a:p>
+            <a:pPr lvl="1"/>
+            <a:r>
+              <a:rPr kumimoji="1" lang="zh-CN" altLang="en-US" sz="1930" dirty="0">
+                <a:latin typeface="Courier" pitchFamily="2" charset="0"/>
+                <a:ea typeface="Microsoft YaHei" panose="020B0503020204020204" pitchFamily="34" charset="-122"/>
+              </a:rPr>
+              <a:t>行之间用</a:t>
+            </a:r>
+            <a:r>
+              <a:rPr kumimoji="1" lang="en-US" altLang="zh-CN" sz="1930" dirty="0">
+                <a:latin typeface="Courier" pitchFamily="2" charset="0"/>
+                <a:ea typeface="Microsoft YaHei" panose="020B0503020204020204" pitchFamily="34" charset="-122"/>
+              </a:rPr>
+              <a:t>\n</a:t>
+            </a:r>
+            <a:r>
+              <a:rPr kumimoji="1" lang="zh-CN" altLang="en-US" sz="1930" dirty="0">
+                <a:latin typeface="Courier" pitchFamily="2" charset="0"/>
+                <a:ea typeface="Microsoft YaHei" panose="020B0503020204020204" pitchFamily="34" charset="-122"/>
+              </a:rPr>
+              <a:t>换行分割</a:t>
+            </a:r>
+            <a:endParaRPr kumimoji="1" lang="en-US" altLang="zh-CN" sz="1930" dirty="0">
+              <a:latin typeface="Courier" pitchFamily="2" charset="0"/>
+              <a:ea typeface="Microsoft YaHei" panose="020B0503020204020204" pitchFamily="34" charset="-122"/>
+            </a:endParaRPr>
+          </a:p>
+          <a:p>
+            <a:r>
+              <a:rPr kumimoji="1" lang="zh-CN" altLang="en-US" sz="2095" dirty="0">
+                <a:latin typeface="Courier" pitchFamily="2" charset="0"/>
+                <a:ea typeface="Microsoft YaHei" panose="020B0503020204020204" pitchFamily="34" charset="-122"/>
+              </a:rPr>
+              <a:t>处理：</a:t>
+            </a:r>
+            <a:endParaRPr kumimoji="1" lang="en-US" altLang="zh-CN" sz="2095" dirty="0">
+              <a:latin typeface="Courier" pitchFamily="2" charset="0"/>
+              <a:ea typeface="Microsoft YaHei" panose="020B0503020204020204" pitchFamily="34" charset="-122"/>
+            </a:endParaRPr>
+          </a:p>
+          <a:p>
+            <a:pPr lvl="1"/>
+            <a:r>
+              <a:rPr kumimoji="1" lang="zh-CN" altLang="en-US" sz="1930" dirty="0">
+                <a:latin typeface="Courier" pitchFamily="2" charset="0"/>
+                <a:ea typeface="Microsoft YaHei" panose="020B0503020204020204" pitchFamily="34" charset="-122"/>
+              </a:rPr>
+              <a:t>读取文件，按成绩倒序排列</a:t>
+            </a:r>
+            <a:endParaRPr kumimoji="1" lang="en-US" altLang="zh-CN" sz="1930" dirty="0">
+              <a:latin typeface="Courier" pitchFamily="2" charset="0"/>
+              <a:ea typeface="Microsoft YaHei" panose="020B0503020204020204" pitchFamily="34" charset="-122"/>
+            </a:endParaRPr>
+          </a:p>
+          <a:p>
+            <a:r>
+              <a:rPr kumimoji="1" lang="zh-CN" altLang="en-US" sz="2095" dirty="0">
+                <a:latin typeface="Courier" pitchFamily="2" charset="0"/>
+                <a:ea typeface="Microsoft YaHei" panose="020B0503020204020204" pitchFamily="34" charset="-122"/>
+              </a:rPr>
+              <a:t>输出：</a:t>
+            </a:r>
+            <a:endParaRPr kumimoji="1" lang="en-US" altLang="zh-CN" sz="2095" dirty="0">
+              <a:latin typeface="Courier" pitchFamily="2" charset="0"/>
+              <a:ea typeface="Microsoft YaHei" panose="020B0503020204020204" pitchFamily="34" charset="-122"/>
+            </a:endParaRPr>
+          </a:p>
+          <a:p>
+            <a:pPr lvl="1"/>
+            <a:r>
+              <a:rPr kumimoji="1" lang="zh-CN" altLang="en-US" sz="1930" dirty="0">
+                <a:latin typeface="Courier" pitchFamily="2" charset="0"/>
+                <a:ea typeface="Microsoft YaHei" panose="020B0503020204020204" pitchFamily="34" charset="-122"/>
+              </a:rPr>
+              <a:t>排序后的三列数据</a:t>
+            </a:r>
+            <a:endParaRPr kumimoji="1" lang="en-US" altLang="zh-CN" sz="1930" dirty="0">
+              <a:latin typeface="Courier" pitchFamily="2" charset="0"/>
+              <a:ea typeface="Microsoft YaHei" panose="020B0503020204020204" pitchFamily="34" charset="-122"/>
+            </a:endParaRPr>
+          </a:p>
+        </p:txBody>
+      </p:sp>
+      <p:sp>
+        <p:nvSpPr>
+          <p:cNvPr id="5" name="矩形 4"/>
+          <p:cNvSpPr/>
+          <p:nvPr/>
+        </p:nvSpPr>
+        <p:spPr>
+          <a:xfrm>
+            <a:off x="804798" y="799544"/>
+            <a:ext cx="7534434" cy="715581"/>
+          </a:xfrm>
+          <a:prstGeom prst="rect">
+            <a:avLst/>
+          </a:prstGeom>
+        </p:spPr>
+        <p:txBody>
+          <a:bodyPr wrap="none">
+            <a:spAutoFit/>
+          </a:bodyPr>
+          <a:lstStyle/>
+          <a:p>
+            <a:pPr algn="ctr"/>
+            <a:r>
+              <a:rPr kumimoji="1" lang="zh-CN" altLang="en-US" sz="4050" b="1" dirty="0">
+                <a:solidFill>
+                  <a:schemeClr val="tx1"/>
+                </a:solidFill>
+                <a:latin typeface="Microsoft YaHei" panose="020B0503020204020204" pitchFamily="34" charset="-122"/>
+                <a:ea typeface="Microsoft YaHei" panose="020B0503020204020204" pitchFamily="34" charset="-122"/>
+                <a:sym typeface="+mn-ea"/>
+              </a:rPr>
+              <a:t>第</a:t>
+            </a:r>
+            <a:r>
+              <a:rPr kumimoji="1" lang="en-US" altLang="zh-CN" sz="4050" b="1" dirty="0">
+                <a:solidFill>
+                  <a:schemeClr val="tx1"/>
+                </a:solidFill>
+                <a:latin typeface="Microsoft YaHei" panose="020B0503020204020204" pitchFamily="34" charset="-122"/>
+                <a:ea typeface="Microsoft YaHei" panose="020B0503020204020204" pitchFamily="34" charset="-122"/>
+                <a:sym typeface="+mn-ea"/>
+              </a:rPr>
+              <a:t>012</a:t>
+            </a:r>
+            <a:r>
+              <a:rPr kumimoji="1" lang="zh-CN" altLang="en-US" sz="4050" b="1" dirty="0">
+                <a:solidFill>
+                  <a:schemeClr val="tx1"/>
+                </a:solidFill>
+                <a:latin typeface="Microsoft YaHei" panose="020B0503020204020204" pitchFamily="34" charset="-122"/>
+                <a:ea typeface="Microsoft YaHei" panose="020B0503020204020204" pitchFamily="34" charset="-122"/>
+                <a:sym typeface="+mn-ea"/>
+              </a:rPr>
+              <a:t>集 读取成绩文件排序数据</a:t>
+            </a:r>
+          </a:p>
+        </p:txBody>
+      </p:sp>
+    </p:spTree>
+    <p:extLst>
+      <p:ext uri="{BB962C8B-B14F-4D97-AF65-F5344CB8AC3E}">
+        <p14:creationId xmlns:p14="http://schemas.microsoft.com/office/powerpoint/2010/main" val="1922507686"/>
+      </p:ext>
+    </p:extLst>
+  </p:cSld>
+  <p:clrMapOvr>
+    <a:masterClrMapping/>
+  </p:clrMapOvr>
+</p:sld>
+</file>
+
+<file path=ppt/slides/slide26.xml><?xml version="1.0" encoding="utf-8"?>
+<p:sld xmlns:a="http://schemas.openxmlformats.org/drawingml/2006/main" xmlns:r="http://schemas.openxmlformats.org/officeDocument/2006/relationships" xmlns:p="http://schemas.openxmlformats.org/presentationml/2006/main">
+  <p:cSld>
+    <p:spTree>
+      <p:nvGrpSpPr>
+        <p:cNvPr id="1" name=""/>
+        <p:cNvGrpSpPr/>
+        <p:nvPr/>
+      </p:nvGrpSpPr>
+      <p:grpSpPr>
+        <a:xfrm>
+          <a:off x="0" y="0"/>
+          <a:ext cx="0" cy="0"/>
+          <a:chOff x="0" y="0"/>
+          <a:chExt cx="0" cy="0"/>
+        </a:xfrm>
+      </p:grpSpPr>
+      <p:sp>
+        <p:nvSpPr>
+          <p:cNvPr id="6" name="矩形 5"/>
+          <p:cNvSpPr/>
+          <p:nvPr/>
+        </p:nvSpPr>
+        <p:spPr>
+          <a:xfrm>
+            <a:off x="2123514" y="966484"/>
+            <a:ext cx="4895850" cy="1845310"/>
+          </a:xfrm>
+          <a:prstGeom prst="rect">
+            <a:avLst/>
+          </a:prstGeom>
+        </p:spPr>
+        <p:txBody>
+          <a:bodyPr wrap="none">
+            <a:spAutoFit/>
+          </a:bodyPr>
+          <a:lstStyle/>
+          <a:p>
+            <a:pPr algn="ctr"/>
+            <a:r>
+              <a:rPr kumimoji="1" lang="en-US" altLang="zh-CN" sz="6000" dirty="0">
+                <a:latin typeface="Microsoft YaHei" panose="020B0503020204020204" pitchFamily="34" charset="-122"/>
+                <a:ea typeface="Microsoft YaHei" panose="020B0503020204020204" pitchFamily="34" charset="-122"/>
+              </a:rPr>
+              <a:t>Python</a:t>
+            </a:r>
+          </a:p>
+          <a:p>
+            <a:pPr algn="ctr"/>
+            <a:r>
+              <a:rPr kumimoji="1" lang="zh-CN" altLang="en-US" sz="5400" dirty="0">
+                <a:latin typeface="Microsoft YaHei" panose="020B0503020204020204" pitchFamily="34" charset="-122"/>
+                <a:ea typeface="Microsoft YaHei" panose="020B0503020204020204" pitchFamily="34" charset="-122"/>
+              </a:rPr>
+              <a:t>入门编程</a:t>
+            </a:r>
+            <a:r>
+              <a:rPr kumimoji="1" lang="en-US" altLang="zh-CN" sz="5400" dirty="0">
+                <a:latin typeface="Microsoft YaHei" panose="020B0503020204020204" pitchFamily="34" charset="-122"/>
+                <a:ea typeface="Microsoft YaHei" panose="020B0503020204020204" pitchFamily="34" charset="-122"/>
+              </a:rPr>
+              <a:t>100</a:t>
+            </a:r>
+            <a:r>
+              <a:rPr kumimoji="1" lang="zh-CN" altLang="en-US" sz="5400" dirty="0">
+                <a:latin typeface="Microsoft YaHei" panose="020B0503020204020204" pitchFamily="34" charset="-122"/>
+                <a:ea typeface="Microsoft YaHei" panose="020B0503020204020204" pitchFamily="34" charset="-122"/>
+              </a:rPr>
+              <a:t>例</a:t>
+            </a:r>
+          </a:p>
+        </p:txBody>
+      </p:sp>
+      <p:sp>
+        <p:nvSpPr>
+          <p:cNvPr id="3" name="矩形 2"/>
+          <p:cNvSpPr/>
+          <p:nvPr/>
+        </p:nvSpPr>
+        <p:spPr>
+          <a:xfrm>
+            <a:off x="2142131" y="2915671"/>
+            <a:ext cx="4859023" cy="1962076"/>
+          </a:xfrm>
+          <a:prstGeom prst="rect">
+            <a:avLst/>
+          </a:prstGeom>
+          <a:solidFill>
+            <a:srgbClr val="FFC000"/>
+          </a:solidFill>
+          <a:ln>
+            <a:noFill/>
+          </a:ln>
+        </p:spPr>
+        <p:style>
+          <a:lnRef idx="3">
+            <a:schemeClr val="lt1"/>
+          </a:lnRef>
+          <a:fillRef idx="1">
+            <a:schemeClr val="accent5"/>
+          </a:fillRef>
+          <a:effectRef idx="1">
+            <a:schemeClr val="accent5"/>
+          </a:effectRef>
+          <a:fontRef idx="minor">
+            <a:schemeClr val="lt1"/>
+          </a:fontRef>
+        </p:style>
+        <p:txBody>
+          <a:bodyPr wrap="none">
+            <a:spAutoFit/>
+          </a:bodyPr>
+          <a:lstStyle/>
+          <a:p>
+            <a:pPr algn="ctr"/>
+            <a:r>
+              <a:rPr kumimoji="1" lang="zh-CN" altLang="en-US" sz="4050" b="1" dirty="0">
+                <a:solidFill>
+                  <a:schemeClr val="bg1"/>
+                </a:solidFill>
+                <a:latin typeface="Microsoft YaHei" panose="020B0503020204020204" pitchFamily="34" charset="-122"/>
+                <a:ea typeface="Microsoft YaHei" panose="020B0503020204020204" pitchFamily="34" charset="-122"/>
+              </a:rPr>
+              <a:t>第</a:t>
+            </a:r>
+            <a:r>
+              <a:rPr kumimoji="1" lang="en-US" altLang="zh-CN" sz="4050" b="1" dirty="0">
+                <a:solidFill>
+                  <a:schemeClr val="bg1"/>
+                </a:solidFill>
+                <a:latin typeface="Microsoft YaHei" panose="020B0503020204020204" pitchFamily="34" charset="-122"/>
+                <a:ea typeface="Microsoft YaHei" panose="020B0503020204020204" pitchFamily="34" charset="-122"/>
+              </a:rPr>
+              <a:t>013</a:t>
+            </a:r>
+            <a:r>
+              <a:rPr kumimoji="1" lang="zh-CN" altLang="en-US" sz="4050" b="1" dirty="0">
+                <a:solidFill>
+                  <a:schemeClr val="bg1"/>
+                </a:solidFill>
+                <a:latin typeface="Microsoft YaHei" panose="020B0503020204020204" pitchFamily="34" charset="-122"/>
+                <a:ea typeface="Microsoft YaHei" panose="020B0503020204020204" pitchFamily="34" charset="-122"/>
+              </a:rPr>
+              <a:t>集 </a:t>
+            </a:r>
+          </a:p>
+          <a:p>
+            <a:pPr algn="ctr"/>
+            <a:r>
+              <a:rPr kumimoji="1" lang="zh-CN" altLang="en-US" sz="4050" b="1" dirty="0">
+                <a:solidFill>
+                  <a:schemeClr val="bg1"/>
+                </a:solidFill>
+                <a:latin typeface="Microsoft YaHei" panose="020B0503020204020204" pitchFamily="34" charset="-122"/>
+                <a:ea typeface="Microsoft YaHei" panose="020B0503020204020204" pitchFamily="34" charset="-122"/>
+              </a:rPr>
+              <a:t>统计学生成绩文件</a:t>
+            </a:r>
+            <a:endParaRPr kumimoji="1" lang="en-US" altLang="zh-CN" sz="4050" b="1" dirty="0">
+              <a:solidFill>
+                <a:schemeClr val="bg1"/>
+              </a:solidFill>
+              <a:latin typeface="Microsoft YaHei" panose="020B0503020204020204" pitchFamily="34" charset="-122"/>
+              <a:ea typeface="Microsoft YaHei" panose="020B0503020204020204" pitchFamily="34" charset="-122"/>
+            </a:endParaRPr>
+          </a:p>
+          <a:p>
+            <a:pPr algn="ctr"/>
+            <a:r>
+              <a:rPr kumimoji="1" lang="zh-CN" altLang="en-US" sz="4050" b="1" dirty="0">
+                <a:solidFill>
+                  <a:schemeClr val="bg1"/>
+                </a:solidFill>
+                <a:latin typeface="Microsoft YaHei" panose="020B0503020204020204" pitchFamily="34" charset="-122"/>
+                <a:ea typeface="Microsoft YaHei" panose="020B0503020204020204" pitchFamily="34" charset="-122"/>
+              </a:rPr>
+              <a:t>最高分最低分平均分</a:t>
+            </a:r>
+          </a:p>
+        </p:txBody>
+      </p:sp>
+    </p:spTree>
+    <p:extLst>
+      <p:ext uri="{BB962C8B-B14F-4D97-AF65-F5344CB8AC3E}">
+        <p14:creationId xmlns:p14="http://schemas.microsoft.com/office/powerpoint/2010/main" val="3910678160"/>
+      </p:ext>
+    </p:extLst>
+  </p:cSld>
+  <p:clrMapOvr>
+    <a:masterClrMapping/>
+  </p:clrMapOvr>
+</p:sld>
+</file>
+
+<file path=ppt/slides/slide27.xml><?xml version="1.0" encoding="utf-8"?>
+<p:sld xmlns:a="http://schemas.openxmlformats.org/drawingml/2006/main" xmlns:r="http://schemas.openxmlformats.org/officeDocument/2006/relationships" xmlns:p="http://schemas.openxmlformats.org/presentationml/2006/main">
+  <p:cSld>
+    <p:spTree>
+      <p:nvGrpSpPr>
+        <p:cNvPr id="1" name=""/>
+        <p:cNvGrpSpPr/>
+        <p:nvPr/>
+      </p:nvGrpSpPr>
+      <p:grpSpPr>
+        <a:xfrm>
+          <a:off x="0" y="0"/>
+          <a:ext cx="0" cy="0"/>
+          <a:chOff x="0" y="0"/>
+          <a:chExt cx="0" cy="0"/>
+        </a:xfrm>
+      </p:grpSpPr>
+      <p:sp>
+        <p:nvSpPr>
+          <p:cNvPr id="3" name="内容占位符 2"/>
+          <p:cNvSpPr>
+            <a:spLocks noGrp="1"/>
+          </p:cNvSpPr>
+          <p:nvPr>
+            <p:ph idx="1"/>
+          </p:nvPr>
+        </p:nvSpPr>
+        <p:spPr>
+          <a:xfrm>
+            <a:off x="534987" y="1403036"/>
+            <a:ext cx="8074025" cy="3549210"/>
+          </a:xfrm>
+        </p:spPr>
+        <p:txBody>
+          <a:bodyPr>
+            <a:noAutofit/>
+          </a:bodyPr>
+          <a:lstStyle/>
+          <a:p>
+            <a:r>
+              <a:rPr kumimoji="1" lang="zh-CN" altLang="en-US" sz="2400" dirty="0">
+                <a:latin typeface="Courier" pitchFamily="2" charset="0"/>
+                <a:ea typeface="Microsoft YaHei" panose="020B0503020204020204" pitchFamily="34" charset="-122"/>
+              </a:rPr>
+              <a:t>输入文件：</a:t>
+            </a:r>
+            <a:endParaRPr kumimoji="1" lang="en-US" altLang="zh-CN" sz="2400" dirty="0">
+              <a:latin typeface="Courier" pitchFamily="2" charset="0"/>
+              <a:ea typeface="Microsoft YaHei" panose="020B0503020204020204" pitchFamily="34" charset="-122"/>
+            </a:endParaRPr>
+          </a:p>
+          <a:p>
+            <a:pPr lvl="1"/>
+            <a:r>
+              <a:rPr kumimoji="1" lang="zh-CN" altLang="en-US" sz="1930" dirty="0">
+                <a:latin typeface="Courier" pitchFamily="2" charset="0"/>
+                <a:ea typeface="Microsoft YaHei" panose="020B0503020204020204" pitchFamily="34" charset="-122"/>
+              </a:rPr>
+              <a:t>三列：学号、姓名、成绩</a:t>
+            </a:r>
+            <a:endParaRPr kumimoji="1" lang="en-US" altLang="zh-CN" sz="1930" dirty="0">
+              <a:latin typeface="Courier" pitchFamily="2" charset="0"/>
+              <a:ea typeface="Microsoft YaHei" panose="020B0503020204020204" pitchFamily="34" charset="-122"/>
+            </a:endParaRPr>
+          </a:p>
+          <a:p>
+            <a:pPr lvl="1"/>
+            <a:r>
+              <a:rPr kumimoji="1" lang="zh-CN" altLang="en-US" sz="1930" dirty="0">
+                <a:latin typeface="Courier" pitchFamily="2" charset="0"/>
+                <a:ea typeface="Microsoft YaHei" panose="020B0503020204020204" pitchFamily="34" charset="-122"/>
+              </a:rPr>
+              <a:t>列之间用逗号分割，比如</a:t>
+            </a:r>
+            <a:r>
+              <a:rPr kumimoji="1" lang="en-US" altLang="zh-CN" sz="1930" dirty="0">
+                <a:latin typeface="Courier" pitchFamily="2" charset="0"/>
+                <a:ea typeface="Microsoft YaHei" panose="020B0503020204020204" pitchFamily="34" charset="-122"/>
+              </a:rPr>
+              <a:t>”101,</a:t>
+            </a:r>
+            <a:r>
+              <a:rPr kumimoji="1" lang="zh-CN" altLang="en-US" sz="1930" dirty="0">
+                <a:latin typeface="Courier" pitchFamily="2" charset="0"/>
+                <a:ea typeface="Microsoft YaHei" panose="020B0503020204020204" pitchFamily="34" charset="-122"/>
+              </a:rPr>
+              <a:t>小张</a:t>
+            </a:r>
+            <a:r>
+              <a:rPr kumimoji="1" lang="en-US" altLang="zh-CN" sz="1930" dirty="0">
+                <a:latin typeface="Courier" pitchFamily="2" charset="0"/>
+                <a:ea typeface="Microsoft YaHei" panose="020B0503020204020204" pitchFamily="34" charset="-122"/>
+              </a:rPr>
+              <a:t>,88”</a:t>
+            </a:r>
+          </a:p>
+          <a:p>
+            <a:pPr lvl="1"/>
+            <a:r>
+              <a:rPr kumimoji="1" lang="zh-CN" altLang="en-US" sz="1930" dirty="0">
+                <a:latin typeface="Courier" pitchFamily="2" charset="0"/>
+                <a:ea typeface="Microsoft YaHei" panose="020B0503020204020204" pitchFamily="34" charset="-122"/>
+              </a:rPr>
+              <a:t>行之间用</a:t>
+            </a:r>
+            <a:r>
+              <a:rPr kumimoji="1" lang="en-US" altLang="zh-CN" sz="1930" dirty="0">
+                <a:latin typeface="Courier" pitchFamily="2" charset="0"/>
+                <a:ea typeface="Microsoft YaHei" panose="020B0503020204020204" pitchFamily="34" charset="-122"/>
+              </a:rPr>
+              <a:t>\n</a:t>
+            </a:r>
+            <a:r>
+              <a:rPr kumimoji="1" lang="zh-CN" altLang="en-US" sz="1930" dirty="0">
+                <a:latin typeface="Courier" pitchFamily="2" charset="0"/>
+                <a:ea typeface="Microsoft YaHei" panose="020B0503020204020204" pitchFamily="34" charset="-122"/>
+              </a:rPr>
+              <a:t>换行分割</a:t>
+            </a:r>
+            <a:endParaRPr kumimoji="1" lang="en-US" altLang="zh-CN" sz="1930" dirty="0">
+              <a:latin typeface="Courier" pitchFamily="2" charset="0"/>
+              <a:ea typeface="Microsoft YaHei" panose="020B0503020204020204" pitchFamily="34" charset="-122"/>
+            </a:endParaRPr>
+          </a:p>
+          <a:p>
+            <a:r>
+              <a:rPr kumimoji="1" lang="zh-CN" altLang="en-US" sz="2400" dirty="0">
+                <a:latin typeface="Courier" pitchFamily="2" charset="0"/>
+                <a:ea typeface="Microsoft YaHei" panose="020B0503020204020204" pitchFamily="34" charset="-122"/>
+              </a:rPr>
+              <a:t>输出：最高分、最低分、平均分</a:t>
+            </a:r>
+            <a:endParaRPr kumimoji="1" lang="en-US" altLang="zh-CN" sz="2400" dirty="0">
+              <a:latin typeface="Courier" pitchFamily="2" charset="0"/>
+              <a:ea typeface="Microsoft YaHei" panose="020B0503020204020204" pitchFamily="34" charset="-122"/>
+            </a:endParaRPr>
+          </a:p>
+        </p:txBody>
+      </p:sp>
+      <p:sp>
+        <p:nvSpPr>
+          <p:cNvPr id="5" name="矩形 4"/>
+          <p:cNvSpPr/>
+          <p:nvPr/>
+        </p:nvSpPr>
+        <p:spPr>
+          <a:xfrm>
+            <a:off x="904310" y="618475"/>
+            <a:ext cx="7100021" cy="584775"/>
+          </a:xfrm>
+          <a:prstGeom prst="rect">
+            <a:avLst/>
+          </a:prstGeom>
+        </p:spPr>
+        <p:txBody>
+          <a:bodyPr wrap="none">
+            <a:spAutoFit/>
+          </a:bodyPr>
+          <a:lstStyle/>
+          <a:p>
+            <a:pPr algn="ctr"/>
+            <a:r>
+              <a:rPr kumimoji="1" lang="zh-CN" altLang="en-US" sz="3200" b="1" dirty="0">
+                <a:solidFill>
+                  <a:schemeClr val="tx1"/>
+                </a:solidFill>
+                <a:latin typeface="Microsoft YaHei" panose="020B0503020204020204" pitchFamily="34" charset="-122"/>
+                <a:ea typeface="Microsoft YaHei" panose="020B0503020204020204" pitchFamily="34" charset="-122"/>
+                <a:sym typeface="+mn-ea"/>
+              </a:rPr>
+              <a:t>第</a:t>
+            </a:r>
+            <a:r>
+              <a:rPr kumimoji="1" lang="en-US" altLang="zh-CN" sz="3200" b="1" dirty="0">
+                <a:solidFill>
+                  <a:schemeClr val="tx1"/>
+                </a:solidFill>
+                <a:latin typeface="Microsoft YaHei" panose="020B0503020204020204" pitchFamily="34" charset="-122"/>
+                <a:ea typeface="Microsoft YaHei" panose="020B0503020204020204" pitchFamily="34" charset="-122"/>
+                <a:sym typeface="+mn-ea"/>
+              </a:rPr>
+              <a:t>013</a:t>
+            </a:r>
+            <a:r>
+              <a:rPr kumimoji="1" lang="zh-CN" altLang="en-US" sz="3200" b="1" dirty="0">
+                <a:latin typeface="Microsoft YaHei" panose="020B0503020204020204" pitchFamily="34" charset="-122"/>
+                <a:ea typeface="Microsoft YaHei" panose="020B0503020204020204" pitchFamily="34" charset="-122"/>
+                <a:sym typeface="+mn-ea"/>
+              </a:rPr>
+              <a:t>集统计学生成绩高分低分平均分</a:t>
+            </a:r>
+            <a:endParaRPr kumimoji="1" lang="zh-CN" altLang="en-US" sz="3200" b="1" dirty="0">
               <a:solidFill>
                 <a:schemeClr val="tx1"/>
               </a:solidFill>
@@ -9726,6 +11388,11 @@
         </p:txBody>
       </p:sp>
     </p:spTree>
+    <p:extLst>
+      <p:ext uri="{BB962C8B-B14F-4D97-AF65-F5344CB8AC3E}">
+        <p14:creationId xmlns:p14="http://schemas.microsoft.com/office/powerpoint/2010/main" val="1646107229"/>
+      </p:ext>
+    </p:extLst>
   </p:cSld>
   <p:clrMapOvr>
     <a:masterClrMapping/>
@@ -9777,7 +11444,6 @@
               <a:rPr kumimoji="1" lang="zh-CN" altLang="en-US" dirty="0"/>
               <a:t>：两数之和</a:t>
             </a:r>
-            <a:endParaRPr kumimoji="1" lang="zh-CN" altLang="en-US" dirty="0"/>
           </a:p>
         </p:txBody>
       </p:sp>
@@ -9807,7 +11473,6 @@
               <a:rPr kumimoji="1" lang="zh-CN" altLang="en-US" dirty="0"/>
               <a:t>输入两个数字，打印数字之和</a:t>
             </a:r>
-            <a:endParaRPr kumimoji="1" lang="zh-CN" altLang="en-US" dirty="0"/>
           </a:p>
         </p:txBody>
       </p:sp>
@@ -10059,10 +11724,6 @@
               </a:rPr>
               <a:t>6*5*4*3*2*1</a:t>
             </a:r>
-            <a:endParaRPr lang="en-GB" altLang="zh-CN" sz="2700" dirty="0">
-              <a:latin typeface="Microsoft YaHei" panose="020B0503020204020204" pitchFamily="34" charset="-122"/>
-              <a:ea typeface="Microsoft YaHei" panose="020B0503020204020204" pitchFamily="34" charset="-122"/>
-            </a:endParaRPr>
           </a:p>
           <a:p>
             <a:pPr lvl="1"/>
@@ -10313,7 +11974,6 @@
               <a:rPr kumimoji="1" lang="zh-CN" altLang="en-US" dirty="0"/>
               <a:t>：计算圆的面积</a:t>
             </a:r>
-            <a:endParaRPr kumimoji="1" lang="zh-CN" altLang="en-US" dirty="0"/>
           </a:p>
         </p:txBody>
       </p:sp>
@@ -10343,7 +12003,6 @@
               <a:rPr kumimoji="1" lang="zh-CN" altLang="en-US" sz="2100" dirty="0"/>
               <a:t>输入半径，返回圆的面积</a:t>
             </a:r>
-            <a:endParaRPr kumimoji="1" lang="zh-CN" altLang="en-US" sz="2100" dirty="0"/>
           </a:p>
         </p:txBody>
       </p:sp>
@@ -10356,7 +12015,7 @@
           <p:nvPr/>
         </p:nvPicPr>
         <p:blipFill>
-          <a:blip r:embed="rId1">
+          <a:blip r:embed="rId3">
             <a:extLst>
               <a:ext uri="{28A0092B-C50C-407E-A947-70E740481C1C}">
                 <a14:useLocalDpi xmlns:a14="http://schemas.microsoft.com/office/drawing/2010/main" val="0"/>
@@ -10608,7 +12267,6 @@
               <a:rPr kumimoji="1" lang="en-US" altLang="zh-CN" sz="1950" dirty="0"/>
               <a:t>25</a:t>
             </a:r>
-            <a:endParaRPr kumimoji="1" lang="en-US" altLang="zh-CN" sz="1950" dirty="0"/>
           </a:p>
           <a:p>
             <a:pPr marL="457200" lvl="1" indent="0">
@@ -10653,7 +12311,6 @@
               <a:rPr kumimoji="1" lang="zh-CN" altLang="en-US" sz="1950" dirty="0"/>
               <a:t>不是素数</a:t>
             </a:r>
-            <a:endParaRPr kumimoji="1" lang="zh-CN" altLang="en-US" sz="1950" dirty="0"/>
           </a:p>
         </p:txBody>
       </p:sp>
@@ -10713,7 +12370,7 @@
 </file>
 
 <file path=ppt/tags/tag1.xml><?xml version="1.0" encoding="utf-8"?>
-<p:tagLst xmlns:p="http://schemas.openxmlformats.org/presentationml/2006/main">
+<p:tagLst xmlns:a="http://schemas.openxmlformats.org/drawingml/2006/main" xmlns:r="http://schemas.openxmlformats.org/officeDocument/2006/relationships" xmlns:p="http://schemas.openxmlformats.org/presentationml/2006/main">
   <p:tag name="KSO_WM_SLIDE_MODEL_TYPE" val="cover"/>
 </p:tagLst>
 </file>
@@ -10959,6 +12616,8 @@
       </a:bgFillStyleLst>
     </a:fmtScheme>
   </a:themeElements>
+  <a:objectDefaults/>
+  <a:extraClrSchemeLst/>
   <a:extLst>
     <a:ext uri="{05A4C25C-085E-4340-85A3-A5531E510DB2}">
       <thm15:themeFamily xmlns:thm15="http://schemas.microsoft.com/office/thememl/2012/main" name="Office Theme" id="{62F939B6-93AF-4DB8-9C6B-D6C7DFDC589F}" vid="{4A3C46E8-61CC-4603-A589-7422A47A8E4A}"/>
@@ -11218,6 +12877,8 @@
       </a:bgFillStyleLst>
     </a:fmtScheme>
   </a:themeElements>
+  <a:objectDefaults/>
+  <a:extraClrSchemeLst/>
   <a:extLst>
     <a:ext uri="{05A4C25C-085E-4340-85A3-A5531E510DB2}">
       <thm15:themeFamily xmlns:thm15="http://schemas.microsoft.com/office/thememl/2012/main" name="Office Theme" id="{62F939B6-93AF-4DB8-9C6B-D6C7DFDC589F}" vid="{4A3C46E8-61CC-4603-A589-7422A47A8E4A}"/>

--- a/docs/Python入门编程100例.pptx
+++ b/docs/Python入门编程100例.pptx
@@ -5,7 +5,7 @@
     <p:sldMasterId id="2147483648" r:id="rId1"/>
   </p:sldMasterIdLst>
   <p:notesMasterIdLst>
-    <p:notesMasterId r:id="rId29"/>
+    <p:notesMasterId r:id="rId31"/>
   </p:notesMasterIdLst>
   <p:sldIdLst>
     <p:sldId id="256" r:id="rId2"/>
@@ -35,6 +35,8 @@
     <p:sldId id="282" r:id="rId26"/>
     <p:sldId id="283" r:id="rId27"/>
     <p:sldId id="284" r:id="rId28"/>
+    <p:sldId id="285" r:id="rId29"/>
+    <p:sldId id="286" r:id="rId30"/>
   </p:sldIdLst>
   <p:sldSz cx="9144000" cy="5719763"/>
   <p:notesSz cx="6858000" cy="9144000"/>
@@ -223,7 +225,7 @@
           <a:p>
             <a:fld id="{27B4EF14-D706-E540-9C85-6AD8A04B773D}" type="datetimeFigureOut">
               <a:rPr kumimoji="1" lang="zh-CN" altLang="en-US" smtClean="0"/>
-              <a:t>2021/4/1</a:t>
+              <a:t>2021/4/4</a:t>
             </a:fld>
             <a:endParaRPr kumimoji="1" lang="zh-CN" altLang="en-US"/>
           </a:p>
@@ -1929,7 +1931,7 @@
           <a:p>
             <a:fld id="{B61BEF0D-F0BB-DE4B-95CE-6DB70DBA9567}" type="datetimeFigureOut">
               <a:rPr lang="en-US" dirty="0"/>
-              <a:t>4/1/21</a:t>
+              <a:t>4/4/21</a:t>
             </a:fld>
             <a:endParaRPr lang="en-US" dirty="0"/>
           </a:p>
@@ -2258,7 +2260,7 @@
           <a:p>
             <a:fld id="{B61BEF0D-F0BB-DE4B-95CE-6DB70DBA9567}" type="datetimeFigureOut">
               <a:rPr lang="en-US" dirty="0"/>
-              <a:t>4/1/21</a:t>
+              <a:t>4/4/21</a:t>
             </a:fld>
             <a:endParaRPr lang="en-US" dirty="0"/>
           </a:p>
@@ -2531,7 +2533,7 @@
           <a:p>
             <a:fld id="{B61BEF0D-F0BB-DE4B-95CE-6DB70DBA9567}" type="datetimeFigureOut">
               <a:rPr lang="en-US" dirty="0"/>
-              <a:t>4/1/21</a:t>
+              <a:t>4/4/21</a:t>
             </a:fld>
             <a:endParaRPr lang="en-US" dirty="0"/>
           </a:p>
@@ -3094,7 +3096,7 @@
           <a:p>
             <a:fld id="{B61BEF0D-F0BB-DE4B-95CE-6DB70DBA9567}" type="datetimeFigureOut">
               <a:rPr lang="en-US" dirty="0"/>
-              <a:t>4/1/21</a:t>
+              <a:t>4/4/21</a:t>
             </a:fld>
             <a:endParaRPr lang="en-US" dirty="0"/>
           </a:p>
@@ -3367,7 +3369,7 @@
           <a:p>
             <a:fld id="{B61BEF0D-F0BB-DE4B-95CE-6DB70DBA9567}" type="datetimeFigureOut">
               <a:rPr lang="en-US" dirty="0"/>
-              <a:t>4/1/21</a:t>
+              <a:t>4/4/21</a:t>
             </a:fld>
             <a:endParaRPr lang="en-US" dirty="0"/>
           </a:p>
@@ -3924,7 +3926,7 @@
           <a:p>
             <a:fld id="{B61BEF0D-F0BB-DE4B-95CE-6DB70DBA9567}" type="datetimeFigureOut">
               <a:rPr lang="en-US" dirty="0"/>
-              <a:t>4/1/21</a:t>
+              <a:t>4/4/21</a:t>
             </a:fld>
             <a:endParaRPr lang="en-US" dirty="0"/>
           </a:p>
@@ -4246,7 +4248,7 @@
           <a:p>
             <a:fld id="{B61BEF0D-F0BB-DE4B-95CE-6DB70DBA9567}" type="datetimeFigureOut">
               <a:rPr lang="en-US" dirty="0"/>
-              <a:t>4/1/21</a:t>
+              <a:t>4/4/21</a:t>
             </a:fld>
             <a:endParaRPr lang="en-US" dirty="0"/>
           </a:p>
@@ -4418,7 +4420,7 @@
           <a:p>
             <a:fld id="{B61BEF0D-F0BB-DE4B-95CE-6DB70DBA9567}" type="datetimeFigureOut">
               <a:rPr lang="en-US" dirty="0"/>
-              <a:t>4/1/21</a:t>
+              <a:t>4/4/21</a:t>
             </a:fld>
             <a:endParaRPr lang="en-US" dirty="0"/>
           </a:p>
@@ -4651,7 +4653,7 @@
           <a:p>
             <a:fld id="{B61BEF0D-F0BB-DE4B-95CE-6DB70DBA9567}" type="datetimeFigureOut">
               <a:rPr lang="en-US" dirty="0"/>
-              <a:t>4/1/21</a:t>
+              <a:t>4/4/21</a:t>
             </a:fld>
             <a:endParaRPr lang="en-US" dirty="0"/>
           </a:p>
@@ -4846,7 +4848,7 @@
           <a:p>
             <a:fld id="{B61BEF0D-F0BB-DE4B-95CE-6DB70DBA9567}" type="datetimeFigureOut">
               <a:rPr lang="en-US" dirty="0"/>
-              <a:t>4/1/21</a:t>
+              <a:t>4/4/21</a:t>
             </a:fld>
             <a:endParaRPr lang="en-US" dirty="0"/>
           </a:p>
@@ -5117,7 +5119,7 @@
           <a:p>
             <a:fld id="{B61BEF0D-F0BB-DE4B-95CE-6DB70DBA9567}" type="datetimeFigureOut">
               <a:rPr lang="en-US" dirty="0"/>
-              <a:t>4/1/21</a:t>
+              <a:t>4/4/21</a:t>
             </a:fld>
             <a:endParaRPr lang="en-US" dirty="0"/>
           </a:p>
@@ -5378,7 +5380,7 @@
           <a:p>
             <a:fld id="{B61BEF0D-F0BB-DE4B-95CE-6DB70DBA9567}" type="datetimeFigureOut">
               <a:rPr lang="en-US" dirty="0"/>
-              <a:t>4/1/21</a:t>
+              <a:t>4/4/21</a:t>
             </a:fld>
             <a:endParaRPr lang="en-US" dirty="0"/>
           </a:p>
@@ -5747,7 +5749,7 @@
           <a:p>
             <a:fld id="{B61BEF0D-F0BB-DE4B-95CE-6DB70DBA9567}" type="datetimeFigureOut">
               <a:rPr lang="en-US" dirty="0"/>
-              <a:t>4/1/21</a:t>
+              <a:t>4/4/21</a:t>
             </a:fld>
             <a:endParaRPr lang="en-US" dirty="0"/>
           </a:p>
@@ -5890,7 +5892,7 @@
           <a:p>
             <a:fld id="{B61BEF0D-F0BB-DE4B-95CE-6DB70DBA9567}" type="datetimeFigureOut">
               <a:rPr lang="en-US" dirty="0"/>
-              <a:t>4/1/21</a:t>
+              <a:t>4/4/21</a:t>
             </a:fld>
             <a:endParaRPr lang="en-US" dirty="0"/>
           </a:p>
@@ -6010,7 +6012,7 @@
           <a:p>
             <a:fld id="{B61BEF0D-F0BB-DE4B-95CE-6DB70DBA9567}" type="datetimeFigureOut">
               <a:rPr lang="en-US" dirty="0"/>
-              <a:t>4/1/21</a:t>
+              <a:t>4/4/21</a:t>
             </a:fld>
             <a:endParaRPr lang="en-US" dirty="0"/>
           </a:p>
@@ -6290,7 +6292,7 @@
           <a:p>
             <a:fld id="{B61BEF0D-F0BB-DE4B-95CE-6DB70DBA9567}" type="datetimeFigureOut">
               <a:rPr lang="en-US" dirty="0"/>
-              <a:t>4/1/21</a:t>
+              <a:t>4/4/21</a:t>
             </a:fld>
             <a:endParaRPr lang="en-US" dirty="0"/>
           </a:p>
@@ -6609,7 +6611,7 @@
           <a:p>
             <a:fld id="{B61BEF0D-F0BB-DE4B-95CE-6DB70DBA9567}" type="datetimeFigureOut">
               <a:rPr lang="en-US" dirty="0"/>
-              <a:t>4/1/21</a:t>
+              <a:t>4/4/21</a:t>
             </a:fld>
             <a:endParaRPr lang="en-US" dirty="0"/>
           </a:p>
@@ -6818,7 +6820,7 @@
           <a:p>
             <a:fld id="{B61BEF0D-F0BB-DE4B-95CE-6DB70DBA9567}" type="datetimeFigureOut">
               <a:rPr lang="en-US" dirty="0"/>
-              <a:t>4/1/21</a:t>
+              <a:t>4/4/21</a:t>
             </a:fld>
             <a:endParaRPr lang="en-US" dirty="0"/>
           </a:p>
@@ -11391,6 +11393,381 @@
     <p:extLst>
       <p:ext uri="{BB962C8B-B14F-4D97-AF65-F5344CB8AC3E}">
         <p14:creationId xmlns:p14="http://schemas.microsoft.com/office/powerpoint/2010/main" val="1646107229"/>
+      </p:ext>
+    </p:extLst>
+  </p:cSld>
+  <p:clrMapOvr>
+    <a:masterClrMapping/>
+  </p:clrMapOvr>
+</p:sld>
+</file>
+
+<file path=ppt/slides/slide28.xml><?xml version="1.0" encoding="utf-8"?>
+<p:sld xmlns:a="http://schemas.openxmlformats.org/drawingml/2006/main" xmlns:r="http://schemas.openxmlformats.org/officeDocument/2006/relationships" xmlns:p="http://schemas.openxmlformats.org/presentationml/2006/main">
+  <p:cSld>
+    <p:spTree>
+      <p:nvGrpSpPr>
+        <p:cNvPr id="1" name=""/>
+        <p:cNvGrpSpPr/>
+        <p:nvPr/>
+      </p:nvGrpSpPr>
+      <p:grpSpPr>
+        <a:xfrm>
+          <a:off x="0" y="0"/>
+          <a:ext cx="0" cy="0"/>
+          <a:chOff x="0" y="0"/>
+          <a:chExt cx="0" cy="0"/>
+        </a:xfrm>
+      </p:grpSpPr>
+      <p:sp>
+        <p:nvSpPr>
+          <p:cNvPr id="6" name="矩形 5"/>
+          <p:cNvSpPr/>
+          <p:nvPr/>
+        </p:nvSpPr>
+        <p:spPr>
+          <a:xfrm>
+            <a:off x="2123514" y="966484"/>
+            <a:ext cx="4895850" cy="1845310"/>
+          </a:xfrm>
+          <a:prstGeom prst="rect">
+            <a:avLst/>
+          </a:prstGeom>
+        </p:spPr>
+        <p:txBody>
+          <a:bodyPr wrap="none">
+            <a:spAutoFit/>
+          </a:bodyPr>
+          <a:lstStyle/>
+          <a:p>
+            <a:pPr algn="ctr"/>
+            <a:r>
+              <a:rPr kumimoji="1" lang="en-US" altLang="zh-CN" sz="6000" dirty="0">
+                <a:latin typeface="Microsoft YaHei" panose="020B0503020204020204" pitchFamily="34" charset="-122"/>
+                <a:ea typeface="Microsoft YaHei" panose="020B0503020204020204" pitchFamily="34" charset="-122"/>
+              </a:rPr>
+              <a:t>Python</a:t>
+            </a:r>
+          </a:p>
+          <a:p>
+            <a:pPr algn="ctr"/>
+            <a:r>
+              <a:rPr kumimoji="1" lang="zh-CN" altLang="en-US" sz="5400" dirty="0">
+                <a:latin typeface="Microsoft YaHei" panose="020B0503020204020204" pitchFamily="34" charset="-122"/>
+                <a:ea typeface="Microsoft YaHei" panose="020B0503020204020204" pitchFamily="34" charset="-122"/>
+              </a:rPr>
+              <a:t>入门编程</a:t>
+            </a:r>
+            <a:r>
+              <a:rPr kumimoji="1" lang="en-US" altLang="zh-CN" sz="5400" dirty="0">
+                <a:latin typeface="Microsoft YaHei" panose="020B0503020204020204" pitchFamily="34" charset="-122"/>
+                <a:ea typeface="Microsoft YaHei" panose="020B0503020204020204" pitchFamily="34" charset="-122"/>
+              </a:rPr>
+              <a:t>100</a:t>
+            </a:r>
+            <a:r>
+              <a:rPr kumimoji="1" lang="zh-CN" altLang="en-US" sz="5400" dirty="0">
+                <a:latin typeface="Microsoft YaHei" panose="020B0503020204020204" pitchFamily="34" charset="-122"/>
+                <a:ea typeface="Microsoft YaHei" panose="020B0503020204020204" pitchFamily="34" charset="-122"/>
+              </a:rPr>
+              <a:t>例</a:t>
+            </a:r>
+          </a:p>
+        </p:txBody>
+      </p:sp>
+      <p:sp>
+        <p:nvSpPr>
+          <p:cNvPr id="3" name="矩形 2"/>
+          <p:cNvSpPr/>
+          <p:nvPr/>
+        </p:nvSpPr>
+        <p:spPr>
+          <a:xfrm>
+            <a:off x="2142145" y="2915671"/>
+            <a:ext cx="4859022" cy="1962076"/>
+          </a:xfrm>
+          <a:prstGeom prst="rect">
+            <a:avLst/>
+          </a:prstGeom>
+          <a:solidFill>
+            <a:srgbClr val="FFC000"/>
+          </a:solidFill>
+          <a:ln>
+            <a:noFill/>
+          </a:ln>
+        </p:spPr>
+        <p:style>
+          <a:lnRef idx="3">
+            <a:schemeClr val="lt1"/>
+          </a:lnRef>
+          <a:fillRef idx="1">
+            <a:schemeClr val="accent5"/>
+          </a:fillRef>
+          <a:effectRef idx="1">
+            <a:schemeClr val="accent5"/>
+          </a:effectRef>
+          <a:fontRef idx="minor">
+            <a:schemeClr val="lt1"/>
+          </a:fontRef>
+        </p:style>
+        <p:txBody>
+          <a:bodyPr wrap="none">
+            <a:spAutoFit/>
+          </a:bodyPr>
+          <a:lstStyle/>
+          <a:p>
+            <a:pPr algn="ctr"/>
+            <a:r>
+              <a:rPr kumimoji="1" lang="zh-CN" altLang="en-US" sz="4050" b="1" dirty="0">
+                <a:solidFill>
+                  <a:schemeClr val="bg1"/>
+                </a:solidFill>
+                <a:latin typeface="Microsoft YaHei" panose="020B0503020204020204" pitchFamily="34" charset="-122"/>
+                <a:ea typeface="Microsoft YaHei" panose="020B0503020204020204" pitchFamily="34" charset="-122"/>
+              </a:rPr>
+              <a:t>第</a:t>
+            </a:r>
+            <a:r>
+              <a:rPr kumimoji="1" lang="en-US" altLang="zh-CN" sz="4050" b="1" dirty="0">
+                <a:solidFill>
+                  <a:schemeClr val="bg1"/>
+                </a:solidFill>
+                <a:latin typeface="Microsoft YaHei" panose="020B0503020204020204" pitchFamily="34" charset="-122"/>
+                <a:ea typeface="Microsoft YaHei" panose="020B0503020204020204" pitchFamily="34" charset="-122"/>
+              </a:rPr>
+              <a:t>014</a:t>
+            </a:r>
+            <a:r>
+              <a:rPr kumimoji="1" lang="zh-CN" altLang="en-US" sz="4050" b="1" dirty="0">
+                <a:solidFill>
+                  <a:schemeClr val="bg1"/>
+                </a:solidFill>
+                <a:latin typeface="Microsoft YaHei" panose="020B0503020204020204" pitchFamily="34" charset="-122"/>
+                <a:ea typeface="Microsoft YaHei" panose="020B0503020204020204" pitchFamily="34" charset="-122"/>
+              </a:rPr>
+              <a:t>集 </a:t>
+            </a:r>
+          </a:p>
+          <a:p>
+            <a:pPr algn="ctr"/>
+            <a:r>
+              <a:rPr kumimoji="1" lang="zh-CN" altLang="en-US" sz="4050" b="1" dirty="0">
+                <a:solidFill>
+                  <a:schemeClr val="bg1"/>
+                </a:solidFill>
+                <a:latin typeface="Microsoft YaHei" panose="020B0503020204020204" pitchFamily="34" charset="-122"/>
+                <a:ea typeface="Microsoft YaHei" panose="020B0503020204020204" pitchFamily="34" charset="-122"/>
+              </a:rPr>
+              <a:t>统计英语文章</a:t>
+            </a:r>
+            <a:endParaRPr kumimoji="1" lang="en-US" altLang="zh-CN" sz="4050" b="1" dirty="0">
+              <a:solidFill>
+                <a:schemeClr val="bg1"/>
+              </a:solidFill>
+              <a:latin typeface="Microsoft YaHei" panose="020B0503020204020204" pitchFamily="34" charset="-122"/>
+              <a:ea typeface="Microsoft YaHei" panose="020B0503020204020204" pitchFamily="34" charset="-122"/>
+            </a:endParaRPr>
+          </a:p>
+          <a:p>
+            <a:pPr algn="ctr"/>
+            <a:r>
+              <a:rPr kumimoji="1" lang="zh-CN" altLang="en-US" sz="4050" b="1" dirty="0">
+                <a:solidFill>
+                  <a:schemeClr val="bg1"/>
+                </a:solidFill>
+                <a:latin typeface="Microsoft YaHei" panose="020B0503020204020204" pitchFamily="34" charset="-122"/>
+                <a:ea typeface="Microsoft YaHei" panose="020B0503020204020204" pitchFamily="34" charset="-122"/>
+              </a:rPr>
+              <a:t>每个单词的出现次数</a:t>
+            </a:r>
+          </a:p>
+        </p:txBody>
+      </p:sp>
+    </p:spTree>
+    <p:extLst>
+      <p:ext uri="{BB962C8B-B14F-4D97-AF65-F5344CB8AC3E}">
+        <p14:creationId xmlns:p14="http://schemas.microsoft.com/office/powerpoint/2010/main" val="1777157850"/>
+      </p:ext>
+    </p:extLst>
+  </p:cSld>
+  <p:clrMapOvr>
+    <a:masterClrMapping/>
+  </p:clrMapOvr>
+</p:sld>
+</file>
+
+<file path=ppt/slides/slide29.xml><?xml version="1.0" encoding="utf-8"?>
+<p:sld xmlns:a="http://schemas.openxmlformats.org/drawingml/2006/main" xmlns:r="http://schemas.openxmlformats.org/officeDocument/2006/relationships" xmlns:p="http://schemas.openxmlformats.org/presentationml/2006/main">
+  <p:cSld>
+    <p:spTree>
+      <p:nvGrpSpPr>
+        <p:cNvPr id="1" name=""/>
+        <p:cNvGrpSpPr/>
+        <p:nvPr/>
+      </p:nvGrpSpPr>
+      <p:grpSpPr>
+        <a:xfrm>
+          <a:off x="0" y="0"/>
+          <a:ext cx="0" cy="0"/>
+          <a:chOff x="0" y="0"/>
+          <a:chExt cx="0" cy="0"/>
+        </a:xfrm>
+      </p:grpSpPr>
+      <p:sp>
+        <p:nvSpPr>
+          <p:cNvPr id="6" name="矩形 5"/>
+          <p:cNvSpPr/>
+          <p:nvPr/>
+        </p:nvSpPr>
+        <p:spPr>
+          <a:xfrm>
+            <a:off x="2123514" y="966484"/>
+            <a:ext cx="4895850" cy="1845310"/>
+          </a:xfrm>
+          <a:prstGeom prst="rect">
+            <a:avLst/>
+          </a:prstGeom>
+        </p:spPr>
+        <p:txBody>
+          <a:bodyPr wrap="none">
+            <a:spAutoFit/>
+          </a:bodyPr>
+          <a:lstStyle/>
+          <a:p>
+            <a:pPr algn="ctr"/>
+            <a:r>
+              <a:rPr kumimoji="1" lang="en-US" altLang="zh-CN" sz="6000" dirty="0">
+                <a:latin typeface="Microsoft YaHei" panose="020B0503020204020204" pitchFamily="34" charset="-122"/>
+                <a:ea typeface="Microsoft YaHei" panose="020B0503020204020204" pitchFamily="34" charset="-122"/>
+              </a:rPr>
+              <a:t>Python</a:t>
+            </a:r>
+          </a:p>
+          <a:p>
+            <a:pPr algn="ctr"/>
+            <a:r>
+              <a:rPr kumimoji="1" lang="zh-CN" altLang="en-US" sz="5400" dirty="0">
+                <a:latin typeface="Microsoft YaHei" panose="020B0503020204020204" pitchFamily="34" charset="-122"/>
+                <a:ea typeface="Microsoft YaHei" panose="020B0503020204020204" pitchFamily="34" charset="-122"/>
+              </a:rPr>
+              <a:t>入门编程</a:t>
+            </a:r>
+            <a:r>
+              <a:rPr kumimoji="1" lang="en-US" altLang="zh-CN" sz="5400" dirty="0">
+                <a:latin typeface="Microsoft YaHei" panose="020B0503020204020204" pitchFamily="34" charset="-122"/>
+                <a:ea typeface="Microsoft YaHei" panose="020B0503020204020204" pitchFamily="34" charset="-122"/>
+              </a:rPr>
+              <a:t>100</a:t>
+            </a:r>
+            <a:r>
+              <a:rPr kumimoji="1" lang="zh-CN" altLang="en-US" sz="5400" dirty="0">
+                <a:latin typeface="Microsoft YaHei" panose="020B0503020204020204" pitchFamily="34" charset="-122"/>
+                <a:ea typeface="Microsoft YaHei" panose="020B0503020204020204" pitchFamily="34" charset="-122"/>
+              </a:rPr>
+              <a:t>例</a:t>
+            </a:r>
+          </a:p>
+        </p:txBody>
+      </p:sp>
+      <p:sp>
+        <p:nvSpPr>
+          <p:cNvPr id="3" name="矩形 2"/>
+          <p:cNvSpPr/>
+          <p:nvPr/>
+        </p:nvSpPr>
+        <p:spPr>
+          <a:xfrm>
+            <a:off x="1622776" y="2915671"/>
+            <a:ext cx="5897768" cy="1338828"/>
+          </a:xfrm>
+          <a:prstGeom prst="rect">
+            <a:avLst/>
+          </a:prstGeom>
+          <a:solidFill>
+            <a:srgbClr val="FFC000"/>
+          </a:solidFill>
+          <a:ln>
+            <a:noFill/>
+          </a:ln>
+        </p:spPr>
+        <p:style>
+          <a:lnRef idx="3">
+            <a:schemeClr val="lt1"/>
+          </a:lnRef>
+          <a:fillRef idx="1">
+            <a:schemeClr val="accent5"/>
+          </a:fillRef>
+          <a:effectRef idx="1">
+            <a:schemeClr val="accent5"/>
+          </a:effectRef>
+          <a:fontRef idx="minor">
+            <a:schemeClr val="lt1"/>
+          </a:fontRef>
+        </p:style>
+        <p:txBody>
+          <a:bodyPr wrap="none">
+            <a:spAutoFit/>
+          </a:bodyPr>
+          <a:lstStyle/>
+          <a:p>
+            <a:pPr algn="ctr"/>
+            <a:r>
+              <a:rPr kumimoji="1" lang="zh-CN" altLang="en-US" sz="4050" b="1" dirty="0">
+                <a:solidFill>
+                  <a:schemeClr val="bg1"/>
+                </a:solidFill>
+                <a:latin typeface="Microsoft YaHei" panose="020B0503020204020204" pitchFamily="34" charset="-122"/>
+                <a:ea typeface="Microsoft YaHei" panose="020B0503020204020204" pitchFamily="34" charset="-122"/>
+              </a:rPr>
+              <a:t>第</a:t>
+            </a:r>
+            <a:r>
+              <a:rPr kumimoji="1" lang="en-US" altLang="zh-CN" sz="4050" b="1" dirty="0">
+                <a:solidFill>
+                  <a:schemeClr val="bg1"/>
+                </a:solidFill>
+                <a:latin typeface="Microsoft YaHei" panose="020B0503020204020204" pitchFamily="34" charset="-122"/>
+                <a:ea typeface="Microsoft YaHei" panose="020B0503020204020204" pitchFamily="34" charset="-122"/>
+              </a:rPr>
+              <a:t>015</a:t>
+            </a:r>
+            <a:r>
+              <a:rPr kumimoji="1" lang="zh-CN" altLang="en-US" sz="4050" b="1" dirty="0">
+                <a:solidFill>
+                  <a:schemeClr val="bg1"/>
+                </a:solidFill>
+                <a:latin typeface="Microsoft YaHei" panose="020B0503020204020204" pitchFamily="34" charset="-122"/>
+                <a:ea typeface="Microsoft YaHei" panose="020B0503020204020204" pitchFamily="34" charset="-122"/>
+              </a:rPr>
+              <a:t>集</a:t>
+            </a:r>
+            <a:endParaRPr kumimoji="1" lang="en-US" altLang="zh-CN" sz="4050" b="1" dirty="0">
+              <a:solidFill>
+                <a:schemeClr val="bg1"/>
+              </a:solidFill>
+              <a:latin typeface="Microsoft YaHei" panose="020B0503020204020204" pitchFamily="34" charset="-122"/>
+              <a:ea typeface="Microsoft YaHei" panose="020B0503020204020204" pitchFamily="34" charset="-122"/>
+            </a:endParaRPr>
+          </a:p>
+          <a:p>
+            <a:pPr algn="ctr"/>
+            <a:r>
+              <a:rPr kumimoji="1" lang="zh-CN" altLang="en-US" sz="4050" b="1" dirty="0">
+                <a:solidFill>
+                  <a:schemeClr val="bg1"/>
+                </a:solidFill>
+                <a:latin typeface="Microsoft YaHei" panose="020B0503020204020204" pitchFamily="34" charset="-122"/>
+                <a:ea typeface="Microsoft YaHei" panose="020B0503020204020204" pitchFamily="34" charset="-122"/>
+              </a:rPr>
+              <a:t>统计目录下所有文件大小</a:t>
+            </a:r>
+          </a:p>
+        </p:txBody>
+      </p:sp>
+    </p:spTree>
+    <p:extLst>
+      <p:ext uri="{BB962C8B-B14F-4D97-AF65-F5344CB8AC3E}">
+        <p14:creationId xmlns:p14="http://schemas.microsoft.com/office/powerpoint/2010/main" val="1247231138"/>
       </p:ext>
     </p:extLst>
   </p:cSld>

--- a/docs/Python入门编程100例.pptx
+++ b/docs/Python入门编程100例.pptx
@@ -5,7 +5,7 @@
     <p:sldMasterId id="2147483648" r:id="rId1"/>
   </p:sldMasterIdLst>
   <p:notesMasterIdLst>
-    <p:notesMasterId r:id="rId31"/>
+    <p:notesMasterId r:id="rId33"/>
   </p:notesMasterIdLst>
   <p:sldIdLst>
     <p:sldId id="256" r:id="rId2"/>
@@ -37,6 +37,8 @@
     <p:sldId id="284" r:id="rId28"/>
     <p:sldId id="285" r:id="rId29"/>
     <p:sldId id="286" r:id="rId30"/>
+    <p:sldId id="287" r:id="rId31"/>
+    <p:sldId id="288" r:id="rId32"/>
   </p:sldIdLst>
   <p:sldSz cx="9144000" cy="5719763"/>
   <p:notesSz cx="6858000" cy="9144000"/>
@@ -225,7 +227,7 @@
           <a:p>
             <a:fld id="{27B4EF14-D706-E540-9C85-6AD8A04B773D}" type="datetimeFigureOut">
               <a:rPr kumimoji="1" lang="zh-CN" altLang="en-US" smtClean="0"/>
-              <a:t>2021/4/4</a:t>
+              <a:t>2021/4/6</a:t>
             </a:fld>
             <a:endParaRPr kumimoji="1" lang="zh-CN" altLang="en-US"/>
           </a:p>
@@ -974,6 +976,107 @@
 </p:notes>
 </file>
 
+<file path=ppt/notesSlides/notesSlide14.xml><?xml version="1.0" encoding="utf-8"?>
+<p:notes xmlns:a="http://schemas.openxmlformats.org/drawingml/2006/main" xmlns:r="http://schemas.openxmlformats.org/officeDocument/2006/relationships" xmlns:p="http://schemas.openxmlformats.org/presentationml/2006/main">
+  <p:cSld>
+    <p:spTree>
+      <p:nvGrpSpPr>
+        <p:cNvPr id="1" name=""/>
+        <p:cNvGrpSpPr/>
+        <p:nvPr/>
+      </p:nvGrpSpPr>
+      <p:grpSpPr>
+        <a:xfrm>
+          <a:off x="0" y="0"/>
+          <a:ext cx="0" cy="0"/>
+          <a:chOff x="0" y="0"/>
+          <a:chExt cx="0" cy="0"/>
+        </a:xfrm>
+      </p:grpSpPr>
+      <p:sp>
+        <p:nvSpPr>
+          <p:cNvPr id="2" name="幻灯片图像占位符 1"/>
+          <p:cNvSpPr>
+            <a:spLocks noGrp="1" noRot="1" noChangeAspect="1"/>
+          </p:cNvSpPr>
+          <p:nvPr>
+            <p:ph type="sldImg"/>
+          </p:nvPr>
+        </p:nvSpPr>
+        <p:spPr>
+          <a:xfrm>
+            <a:off x="962025" y="1143000"/>
+            <a:ext cx="4933950" cy="3086100"/>
+          </a:xfrm>
+        </p:spPr>
+      </p:sp>
+      <p:sp>
+        <p:nvSpPr>
+          <p:cNvPr id="3" name="备注占位符 2"/>
+          <p:cNvSpPr>
+            <a:spLocks noGrp="1"/>
+          </p:cNvSpPr>
+          <p:nvPr>
+            <p:ph type="body" idx="1"/>
+          </p:nvPr>
+        </p:nvSpPr>
+        <p:spPr/>
+        <p:txBody>
+          <a:bodyPr/>
+          <a:lstStyle/>
+          <a:p>
+            <a:r>
+              <a:rPr kumimoji="1" lang="en-GB" altLang="zh-CN" dirty="0"/>
+              <a:t>https://</a:t>
+            </a:r>
+            <a:r>
+              <a:rPr kumimoji="1" lang="en-GB" altLang="zh-CN" dirty="0" err="1"/>
+              <a:t>www.geeksforgeeks.org</a:t>
+            </a:r>
+            <a:r>
+              <a:rPr kumimoji="1" lang="en-GB" altLang="zh-CN"/>
+              <a:t>/python-program-for-program-to-find-area-of-a-circle/</a:t>
+            </a:r>
+            <a:endParaRPr kumimoji="1" lang="zh-CN" altLang="en-US" dirty="0"/>
+          </a:p>
+        </p:txBody>
+      </p:sp>
+      <p:sp>
+        <p:nvSpPr>
+          <p:cNvPr id="4" name="灯片编号占位符 3"/>
+          <p:cNvSpPr>
+            <a:spLocks noGrp="1"/>
+          </p:cNvSpPr>
+          <p:nvPr>
+            <p:ph type="sldNum" sz="quarter" idx="5"/>
+          </p:nvPr>
+        </p:nvSpPr>
+        <p:spPr/>
+        <p:txBody>
+          <a:bodyPr/>
+          <a:lstStyle/>
+          <a:p>
+            <a:fld id="{2B2F4EC2-494F-A64C-8801-750069A7A6FB}" type="slidenum">
+              <a:rPr kumimoji="1" lang="zh-CN" altLang="en-US" smtClean="0"/>
+              <a:t>31</a:t>
+            </a:fld>
+            <a:endParaRPr kumimoji="1" lang="zh-CN" altLang="en-US"/>
+          </a:p>
+        </p:txBody>
+      </p:sp>
+    </p:spTree>
+    <p:extLst>
+      <p:ext uri="{BB962C8B-B14F-4D97-AF65-F5344CB8AC3E}">
+        <p14:creationId xmlns:p14="http://schemas.microsoft.com/office/powerpoint/2010/main" val="3456737025"/>
+      </p:ext>
+    </p:extLst>
+  </p:cSld>
+  <p:clrMapOvr>
+    <a:masterClrMapping/>
+  </p:clrMapOvr>
+</p:notes>
+</file>
+
 <file path=ppt/notesSlides/notesSlide2.xml><?xml version="1.0" encoding="utf-8"?>
 <p:notes xmlns:a="http://schemas.openxmlformats.org/drawingml/2006/main" xmlns:r="http://schemas.openxmlformats.org/officeDocument/2006/relationships" xmlns:p="http://schemas.openxmlformats.org/presentationml/2006/main">
   <p:cSld>
@@ -1931,7 +2034,7 @@
           <a:p>
             <a:fld id="{B61BEF0D-F0BB-DE4B-95CE-6DB70DBA9567}" type="datetimeFigureOut">
               <a:rPr lang="en-US" dirty="0"/>
-              <a:t>4/4/21</a:t>
+              <a:t>4/6/21</a:t>
             </a:fld>
             <a:endParaRPr lang="en-US" dirty="0"/>
           </a:p>
@@ -2260,7 +2363,7 @@
           <a:p>
             <a:fld id="{B61BEF0D-F0BB-DE4B-95CE-6DB70DBA9567}" type="datetimeFigureOut">
               <a:rPr lang="en-US" dirty="0"/>
-              <a:t>4/4/21</a:t>
+              <a:t>4/6/21</a:t>
             </a:fld>
             <a:endParaRPr lang="en-US" dirty="0"/>
           </a:p>
@@ -2533,7 +2636,7 @@
           <a:p>
             <a:fld id="{B61BEF0D-F0BB-DE4B-95CE-6DB70DBA9567}" type="datetimeFigureOut">
               <a:rPr lang="en-US" dirty="0"/>
-              <a:t>4/4/21</a:t>
+              <a:t>4/6/21</a:t>
             </a:fld>
             <a:endParaRPr lang="en-US" dirty="0"/>
           </a:p>
@@ -3096,7 +3199,7 @@
           <a:p>
             <a:fld id="{B61BEF0D-F0BB-DE4B-95CE-6DB70DBA9567}" type="datetimeFigureOut">
               <a:rPr lang="en-US" dirty="0"/>
-              <a:t>4/4/21</a:t>
+              <a:t>4/6/21</a:t>
             </a:fld>
             <a:endParaRPr lang="en-US" dirty="0"/>
           </a:p>
@@ -3369,7 +3472,7 @@
           <a:p>
             <a:fld id="{B61BEF0D-F0BB-DE4B-95CE-6DB70DBA9567}" type="datetimeFigureOut">
               <a:rPr lang="en-US" dirty="0"/>
-              <a:t>4/4/21</a:t>
+              <a:t>4/6/21</a:t>
             </a:fld>
             <a:endParaRPr lang="en-US" dirty="0"/>
           </a:p>
@@ -3926,7 +4029,7 @@
           <a:p>
             <a:fld id="{B61BEF0D-F0BB-DE4B-95CE-6DB70DBA9567}" type="datetimeFigureOut">
               <a:rPr lang="en-US" dirty="0"/>
-              <a:t>4/4/21</a:t>
+              <a:t>4/6/21</a:t>
             </a:fld>
             <a:endParaRPr lang="en-US" dirty="0"/>
           </a:p>
@@ -4248,7 +4351,7 @@
           <a:p>
             <a:fld id="{B61BEF0D-F0BB-DE4B-95CE-6DB70DBA9567}" type="datetimeFigureOut">
               <a:rPr lang="en-US" dirty="0"/>
-              <a:t>4/4/21</a:t>
+              <a:t>4/6/21</a:t>
             </a:fld>
             <a:endParaRPr lang="en-US" dirty="0"/>
           </a:p>
@@ -4420,7 +4523,7 @@
           <a:p>
             <a:fld id="{B61BEF0D-F0BB-DE4B-95CE-6DB70DBA9567}" type="datetimeFigureOut">
               <a:rPr lang="en-US" dirty="0"/>
-              <a:t>4/4/21</a:t>
+              <a:t>4/6/21</a:t>
             </a:fld>
             <a:endParaRPr lang="en-US" dirty="0"/>
           </a:p>
@@ -4653,7 +4756,7 @@
           <a:p>
             <a:fld id="{B61BEF0D-F0BB-DE4B-95CE-6DB70DBA9567}" type="datetimeFigureOut">
               <a:rPr lang="en-US" dirty="0"/>
-              <a:t>4/4/21</a:t>
+              <a:t>4/6/21</a:t>
             </a:fld>
             <a:endParaRPr lang="en-US" dirty="0"/>
           </a:p>
@@ -4848,7 +4951,7 @@
           <a:p>
             <a:fld id="{B61BEF0D-F0BB-DE4B-95CE-6DB70DBA9567}" type="datetimeFigureOut">
               <a:rPr lang="en-US" dirty="0"/>
-              <a:t>4/4/21</a:t>
+              <a:t>4/6/21</a:t>
             </a:fld>
             <a:endParaRPr lang="en-US" dirty="0"/>
           </a:p>
@@ -5119,7 +5222,7 @@
           <a:p>
             <a:fld id="{B61BEF0D-F0BB-DE4B-95CE-6DB70DBA9567}" type="datetimeFigureOut">
               <a:rPr lang="en-US" dirty="0"/>
-              <a:t>4/4/21</a:t>
+              <a:t>4/6/21</a:t>
             </a:fld>
             <a:endParaRPr lang="en-US" dirty="0"/>
           </a:p>
@@ -5380,7 +5483,7 @@
           <a:p>
             <a:fld id="{B61BEF0D-F0BB-DE4B-95CE-6DB70DBA9567}" type="datetimeFigureOut">
               <a:rPr lang="en-US" dirty="0"/>
-              <a:t>4/4/21</a:t>
+              <a:t>4/6/21</a:t>
             </a:fld>
             <a:endParaRPr lang="en-US" dirty="0"/>
           </a:p>
@@ -5749,7 +5852,7 @@
           <a:p>
             <a:fld id="{B61BEF0D-F0BB-DE4B-95CE-6DB70DBA9567}" type="datetimeFigureOut">
               <a:rPr lang="en-US" dirty="0"/>
-              <a:t>4/4/21</a:t>
+              <a:t>4/6/21</a:t>
             </a:fld>
             <a:endParaRPr lang="en-US" dirty="0"/>
           </a:p>
@@ -5892,7 +5995,7 @@
           <a:p>
             <a:fld id="{B61BEF0D-F0BB-DE4B-95CE-6DB70DBA9567}" type="datetimeFigureOut">
               <a:rPr lang="en-US" dirty="0"/>
-              <a:t>4/4/21</a:t>
+              <a:t>4/6/21</a:t>
             </a:fld>
             <a:endParaRPr lang="en-US" dirty="0"/>
           </a:p>
@@ -6012,7 +6115,7 @@
           <a:p>
             <a:fld id="{B61BEF0D-F0BB-DE4B-95CE-6DB70DBA9567}" type="datetimeFigureOut">
               <a:rPr lang="en-US" dirty="0"/>
-              <a:t>4/4/21</a:t>
+              <a:t>4/6/21</a:t>
             </a:fld>
             <a:endParaRPr lang="en-US" dirty="0"/>
           </a:p>
@@ -6292,7 +6395,7 @@
           <a:p>
             <a:fld id="{B61BEF0D-F0BB-DE4B-95CE-6DB70DBA9567}" type="datetimeFigureOut">
               <a:rPr lang="en-US" dirty="0"/>
-              <a:t>4/4/21</a:t>
+              <a:t>4/6/21</a:t>
             </a:fld>
             <a:endParaRPr lang="en-US" dirty="0"/>
           </a:p>
@@ -6611,7 +6714,7 @@
           <a:p>
             <a:fld id="{B61BEF0D-F0BB-DE4B-95CE-6DB70DBA9567}" type="datetimeFigureOut">
               <a:rPr lang="en-US" dirty="0"/>
-              <a:t>4/4/21</a:t>
+              <a:t>4/6/21</a:t>
             </a:fld>
             <a:endParaRPr lang="en-US" dirty="0"/>
           </a:p>
@@ -6820,7 +6923,7 @@
           <a:p>
             <a:fld id="{B61BEF0D-F0BB-DE4B-95CE-6DB70DBA9567}" type="datetimeFigureOut">
               <a:rPr lang="en-US" dirty="0"/>
-              <a:t>4/4/21</a:t>
+              <a:t>4/6/21</a:t>
             </a:fld>
             <a:endParaRPr lang="en-US" dirty="0"/>
           </a:p>
@@ -11854,6 +11957,422 @@
         </p:txBody>
       </p:sp>
     </p:spTree>
+  </p:cSld>
+  <p:clrMapOvr>
+    <a:masterClrMapping/>
+  </p:clrMapOvr>
+</p:sld>
+</file>
+
+<file path=ppt/slides/slide30.xml><?xml version="1.0" encoding="utf-8"?>
+<p:sld xmlns:a="http://schemas.openxmlformats.org/drawingml/2006/main" xmlns:r="http://schemas.openxmlformats.org/officeDocument/2006/relationships" xmlns:p="http://schemas.openxmlformats.org/presentationml/2006/main">
+  <p:cSld>
+    <p:spTree>
+      <p:nvGrpSpPr>
+        <p:cNvPr id="1" name=""/>
+        <p:cNvGrpSpPr/>
+        <p:nvPr/>
+      </p:nvGrpSpPr>
+      <p:grpSpPr>
+        <a:xfrm>
+          <a:off x="0" y="0"/>
+          <a:ext cx="0" cy="0"/>
+          <a:chOff x="0" y="0"/>
+          <a:chExt cx="0" cy="0"/>
+        </a:xfrm>
+      </p:grpSpPr>
+      <p:sp>
+        <p:nvSpPr>
+          <p:cNvPr id="6" name="矩形 5"/>
+          <p:cNvSpPr/>
+          <p:nvPr/>
+        </p:nvSpPr>
+        <p:spPr>
+          <a:xfrm>
+            <a:off x="2123514" y="966484"/>
+            <a:ext cx="4895850" cy="1845310"/>
+          </a:xfrm>
+          <a:prstGeom prst="rect">
+            <a:avLst/>
+          </a:prstGeom>
+        </p:spPr>
+        <p:txBody>
+          <a:bodyPr wrap="none">
+            <a:spAutoFit/>
+          </a:bodyPr>
+          <a:lstStyle/>
+          <a:p>
+            <a:pPr algn="ctr"/>
+            <a:r>
+              <a:rPr kumimoji="1" lang="en-US" altLang="zh-CN" sz="6000" dirty="0">
+                <a:latin typeface="Microsoft YaHei" panose="020B0503020204020204" pitchFamily="34" charset="-122"/>
+                <a:ea typeface="Microsoft YaHei" panose="020B0503020204020204" pitchFamily="34" charset="-122"/>
+              </a:rPr>
+              <a:t>Python</a:t>
+            </a:r>
+          </a:p>
+          <a:p>
+            <a:pPr algn="ctr"/>
+            <a:r>
+              <a:rPr kumimoji="1" lang="zh-CN" altLang="en-US" sz="5400" dirty="0">
+                <a:latin typeface="Microsoft YaHei" panose="020B0503020204020204" pitchFamily="34" charset="-122"/>
+                <a:ea typeface="Microsoft YaHei" panose="020B0503020204020204" pitchFamily="34" charset="-122"/>
+              </a:rPr>
+              <a:t>入门编程</a:t>
+            </a:r>
+            <a:r>
+              <a:rPr kumimoji="1" lang="en-US" altLang="zh-CN" sz="5400" dirty="0">
+                <a:latin typeface="Microsoft YaHei" panose="020B0503020204020204" pitchFamily="34" charset="-122"/>
+                <a:ea typeface="Microsoft YaHei" panose="020B0503020204020204" pitchFamily="34" charset="-122"/>
+              </a:rPr>
+              <a:t>100</a:t>
+            </a:r>
+            <a:r>
+              <a:rPr kumimoji="1" lang="zh-CN" altLang="en-US" sz="5400" dirty="0">
+                <a:latin typeface="Microsoft YaHei" panose="020B0503020204020204" pitchFamily="34" charset="-122"/>
+                <a:ea typeface="Microsoft YaHei" panose="020B0503020204020204" pitchFamily="34" charset="-122"/>
+              </a:rPr>
+              <a:t>例</a:t>
+            </a:r>
+          </a:p>
+        </p:txBody>
+      </p:sp>
+      <p:sp>
+        <p:nvSpPr>
+          <p:cNvPr id="3" name="矩形 2"/>
+          <p:cNvSpPr/>
+          <p:nvPr/>
+        </p:nvSpPr>
+        <p:spPr>
+          <a:xfrm>
+            <a:off x="1622783" y="2915671"/>
+            <a:ext cx="5897768" cy="1338828"/>
+          </a:xfrm>
+          <a:prstGeom prst="rect">
+            <a:avLst/>
+          </a:prstGeom>
+          <a:solidFill>
+            <a:srgbClr val="FFC000"/>
+          </a:solidFill>
+          <a:ln>
+            <a:noFill/>
+          </a:ln>
+        </p:spPr>
+        <p:style>
+          <a:lnRef idx="3">
+            <a:schemeClr val="lt1"/>
+          </a:lnRef>
+          <a:fillRef idx="1">
+            <a:schemeClr val="accent5"/>
+          </a:fillRef>
+          <a:effectRef idx="1">
+            <a:schemeClr val="accent5"/>
+          </a:effectRef>
+          <a:fontRef idx="minor">
+            <a:schemeClr val="lt1"/>
+          </a:fontRef>
+        </p:style>
+        <p:txBody>
+          <a:bodyPr wrap="none">
+            <a:spAutoFit/>
+          </a:bodyPr>
+          <a:lstStyle/>
+          <a:p>
+            <a:pPr algn="ctr"/>
+            <a:r>
+              <a:rPr kumimoji="1" lang="zh-CN" altLang="en-US" sz="4050" b="1" dirty="0">
+                <a:solidFill>
+                  <a:schemeClr val="bg1"/>
+                </a:solidFill>
+                <a:latin typeface="Microsoft YaHei" panose="020B0503020204020204" pitchFamily="34" charset="-122"/>
+                <a:ea typeface="Microsoft YaHei" panose="020B0503020204020204" pitchFamily="34" charset="-122"/>
+              </a:rPr>
+              <a:t>第</a:t>
+            </a:r>
+            <a:r>
+              <a:rPr kumimoji="1" lang="en-US" altLang="zh-CN" sz="4050" b="1" dirty="0">
+                <a:solidFill>
+                  <a:schemeClr val="bg1"/>
+                </a:solidFill>
+                <a:latin typeface="Microsoft YaHei" panose="020B0503020204020204" pitchFamily="34" charset="-122"/>
+                <a:ea typeface="Microsoft YaHei" panose="020B0503020204020204" pitchFamily="34" charset="-122"/>
+              </a:rPr>
+              <a:t>016</a:t>
+            </a:r>
+            <a:r>
+              <a:rPr kumimoji="1" lang="zh-CN" altLang="en-US" sz="4050" b="1" dirty="0">
+                <a:solidFill>
+                  <a:schemeClr val="bg1"/>
+                </a:solidFill>
+                <a:latin typeface="Microsoft YaHei" panose="020B0503020204020204" pitchFamily="34" charset="-122"/>
+                <a:ea typeface="Microsoft YaHei" panose="020B0503020204020204" pitchFamily="34" charset="-122"/>
+              </a:rPr>
+              <a:t>集</a:t>
+            </a:r>
+            <a:endParaRPr kumimoji="1" lang="en-US" altLang="zh-CN" sz="4050" b="1" dirty="0">
+              <a:solidFill>
+                <a:schemeClr val="bg1"/>
+              </a:solidFill>
+              <a:latin typeface="Microsoft YaHei" panose="020B0503020204020204" pitchFamily="34" charset="-122"/>
+              <a:ea typeface="Microsoft YaHei" panose="020B0503020204020204" pitchFamily="34" charset="-122"/>
+            </a:endParaRPr>
+          </a:p>
+          <a:p>
+            <a:pPr algn="ctr"/>
+            <a:r>
+              <a:rPr kumimoji="1" lang="zh-CN" altLang="en-US" sz="4050" b="1" dirty="0">
+                <a:solidFill>
+                  <a:schemeClr val="bg1"/>
+                </a:solidFill>
+                <a:latin typeface="Microsoft YaHei" panose="020B0503020204020204" pitchFamily="34" charset="-122"/>
+                <a:ea typeface="Microsoft YaHei" panose="020B0503020204020204" pitchFamily="34" charset="-122"/>
+              </a:rPr>
+              <a:t>按文件后缀名整理文件夹</a:t>
+            </a:r>
+          </a:p>
+        </p:txBody>
+      </p:sp>
+    </p:spTree>
+    <p:extLst>
+      <p:ext uri="{BB962C8B-B14F-4D97-AF65-F5344CB8AC3E}">
+        <p14:creationId xmlns:p14="http://schemas.microsoft.com/office/powerpoint/2010/main" val="802673809"/>
+      </p:ext>
+    </p:extLst>
+  </p:cSld>
+  <p:clrMapOvr>
+    <a:masterClrMapping/>
+  </p:clrMapOvr>
+</p:sld>
+</file>
+
+<file path=ppt/slides/slide31.xml><?xml version="1.0" encoding="utf-8"?>
+<p:sld xmlns:a="http://schemas.openxmlformats.org/drawingml/2006/main" xmlns:r="http://schemas.openxmlformats.org/officeDocument/2006/relationships" xmlns:p="http://schemas.openxmlformats.org/presentationml/2006/main">
+  <p:cSld>
+    <p:spTree>
+      <p:nvGrpSpPr>
+        <p:cNvPr id="1" name=""/>
+        <p:cNvGrpSpPr/>
+        <p:nvPr/>
+      </p:nvGrpSpPr>
+      <p:grpSpPr>
+        <a:xfrm>
+          <a:off x="0" y="0"/>
+          <a:ext cx="0" cy="0"/>
+          <a:chOff x="0" y="0"/>
+          <a:chExt cx="0" cy="0"/>
+        </a:xfrm>
+      </p:grpSpPr>
+      <p:sp>
+        <p:nvSpPr>
+          <p:cNvPr id="3" name="内容占位符 2"/>
+          <p:cNvSpPr>
+            <a:spLocks noGrp="1"/>
+          </p:cNvSpPr>
+          <p:nvPr>
+            <p:ph idx="1"/>
+          </p:nvPr>
+        </p:nvSpPr>
+        <p:spPr>
+          <a:xfrm>
+            <a:off x="534987" y="1403036"/>
+            <a:ext cx="8074025" cy="3549210"/>
+          </a:xfrm>
+        </p:spPr>
+        <p:txBody>
+          <a:bodyPr>
+            <a:noAutofit/>
+          </a:bodyPr>
+          <a:lstStyle/>
+          <a:p>
+            <a:r>
+              <a:rPr kumimoji="1" lang="zh-CN" altLang="en-US" sz="2400" dirty="0">
+                <a:latin typeface="Courier" pitchFamily="2" charset="0"/>
+                <a:ea typeface="Microsoft YaHei" panose="020B0503020204020204" pitchFamily="34" charset="-122"/>
+              </a:rPr>
+              <a:t>小知识：怎样获取文件的后缀名？</a:t>
+            </a:r>
+            <a:endParaRPr kumimoji="1" lang="en-US" altLang="zh-CN" sz="2400" dirty="0">
+              <a:latin typeface="Courier" pitchFamily="2" charset="0"/>
+              <a:ea typeface="Microsoft YaHei" panose="020B0503020204020204" pitchFamily="34" charset="-122"/>
+            </a:endParaRPr>
+          </a:p>
+          <a:p>
+            <a:pPr lvl="1"/>
+            <a:r>
+              <a:rPr kumimoji="1" lang="en-US" altLang="zh-CN" sz="2235" dirty="0">
+                <a:latin typeface="Courier" pitchFamily="2" charset="0"/>
+                <a:ea typeface="Microsoft YaHei" panose="020B0503020204020204" pitchFamily="34" charset="-122"/>
+              </a:rPr>
+              <a:t>import </a:t>
+            </a:r>
+            <a:r>
+              <a:rPr kumimoji="1" lang="en-US" altLang="zh-CN" sz="2235" dirty="0" err="1">
+                <a:latin typeface="Courier" pitchFamily="2" charset="0"/>
+                <a:ea typeface="Microsoft YaHei" panose="020B0503020204020204" pitchFamily="34" charset="-122"/>
+              </a:rPr>
+              <a:t>os</a:t>
+            </a:r>
+            <a:endParaRPr kumimoji="1" lang="en-US" altLang="zh-CN" sz="2235" dirty="0">
+              <a:latin typeface="Courier" pitchFamily="2" charset="0"/>
+              <a:ea typeface="Microsoft YaHei" panose="020B0503020204020204" pitchFamily="34" charset="-122"/>
+            </a:endParaRPr>
+          </a:p>
+          <a:p>
+            <a:pPr lvl="1"/>
+            <a:r>
+              <a:rPr kumimoji="1" lang="en-US" altLang="zh-CN" sz="2235" dirty="0" err="1">
+                <a:latin typeface="Courier" pitchFamily="2" charset="0"/>
+                <a:ea typeface="Microsoft YaHei" panose="020B0503020204020204" pitchFamily="34" charset="-122"/>
+              </a:rPr>
+              <a:t>os.path.splitext</a:t>
+            </a:r>
+            <a:r>
+              <a:rPr kumimoji="1" lang="en-US" altLang="zh-CN" sz="2235" dirty="0">
+                <a:latin typeface="Courier" pitchFamily="2" charset="0"/>
+                <a:ea typeface="Microsoft YaHei" panose="020B0503020204020204" pitchFamily="34" charset="-122"/>
+              </a:rPr>
+              <a:t>('/path/to/aaa.mp3’)</a:t>
+            </a:r>
+          </a:p>
+          <a:p>
+            <a:pPr lvl="2"/>
+            <a:r>
+              <a:rPr kumimoji="1" lang="zh-CN" altLang="en-US" sz="2070" dirty="0">
+                <a:latin typeface="Courier" pitchFamily="2" charset="0"/>
+                <a:ea typeface="Microsoft YaHei" panose="020B0503020204020204" pitchFamily="34" charset="-122"/>
+              </a:rPr>
+              <a:t>输出：</a:t>
+            </a:r>
+            <a:r>
+              <a:rPr kumimoji="1" lang="en-US" altLang="zh-CN" sz="2070" dirty="0">
+                <a:latin typeface="Courier" pitchFamily="2" charset="0"/>
+                <a:ea typeface="Microsoft YaHei" panose="020B0503020204020204" pitchFamily="34" charset="-122"/>
+              </a:rPr>
+              <a:t>('/path/to/</a:t>
+            </a:r>
+            <a:r>
+              <a:rPr kumimoji="1" lang="en-US" altLang="zh-CN" sz="2070" dirty="0" err="1">
+                <a:latin typeface="Courier" pitchFamily="2" charset="0"/>
+                <a:ea typeface="Microsoft YaHei" panose="020B0503020204020204" pitchFamily="34" charset="-122"/>
+              </a:rPr>
+              <a:t>aaa</a:t>
+            </a:r>
+            <a:r>
+              <a:rPr kumimoji="1" lang="en-US" altLang="zh-CN" sz="2070" dirty="0">
+                <a:latin typeface="Courier" pitchFamily="2" charset="0"/>
+                <a:ea typeface="Microsoft YaHei" panose="020B0503020204020204" pitchFamily="34" charset="-122"/>
+              </a:rPr>
+              <a:t>', '.mp3’)</a:t>
+            </a:r>
+          </a:p>
+          <a:p>
+            <a:r>
+              <a:rPr kumimoji="1" lang="zh-CN" altLang="en-US" sz="2400" dirty="0">
+                <a:latin typeface="Courier" pitchFamily="2" charset="0"/>
+                <a:ea typeface="Microsoft YaHei" panose="020B0503020204020204" pitchFamily="34" charset="-122"/>
+              </a:rPr>
+              <a:t>小知识：怎样移动文件</a:t>
+            </a:r>
+            <a:endParaRPr kumimoji="1" lang="en-US" altLang="zh-CN" sz="2400" dirty="0">
+              <a:latin typeface="Courier" pitchFamily="2" charset="0"/>
+              <a:ea typeface="Microsoft YaHei" panose="020B0503020204020204" pitchFamily="34" charset="-122"/>
+            </a:endParaRPr>
+          </a:p>
+          <a:p>
+            <a:pPr lvl="1"/>
+            <a:r>
+              <a:rPr kumimoji="1" lang="en-US" altLang="zh-CN" sz="2235" dirty="0">
+                <a:latin typeface="Courier" pitchFamily="2" charset="0"/>
+                <a:ea typeface="Microsoft YaHei" panose="020B0503020204020204" pitchFamily="34" charset="-122"/>
+              </a:rPr>
+              <a:t>import </a:t>
+            </a:r>
+            <a:r>
+              <a:rPr kumimoji="1" lang="en-US" altLang="zh-CN" sz="2235" dirty="0" err="1">
+                <a:latin typeface="Courier" pitchFamily="2" charset="0"/>
+                <a:ea typeface="Microsoft YaHei" panose="020B0503020204020204" pitchFamily="34" charset="-122"/>
+              </a:rPr>
+              <a:t>shutil</a:t>
+            </a:r>
+            <a:endParaRPr kumimoji="1" lang="en-US" altLang="zh-CN" sz="2235" dirty="0">
+              <a:latin typeface="Courier" pitchFamily="2" charset="0"/>
+              <a:ea typeface="Microsoft YaHei" panose="020B0503020204020204" pitchFamily="34" charset="-122"/>
+            </a:endParaRPr>
+          </a:p>
+          <a:p>
+            <a:pPr lvl="1"/>
+            <a:r>
+              <a:rPr kumimoji="1" lang="en-US" altLang="zh-CN" sz="2235" dirty="0" err="1">
+                <a:latin typeface="Courier" pitchFamily="2" charset="0"/>
+                <a:ea typeface="Microsoft YaHei" panose="020B0503020204020204" pitchFamily="34" charset="-122"/>
+              </a:rPr>
+              <a:t>shutil.move</a:t>
+            </a:r>
+            <a:r>
+              <a:rPr kumimoji="1" lang="en-US" altLang="zh-CN" sz="2235" dirty="0">
+                <a:latin typeface="Courier" pitchFamily="2" charset="0"/>
+                <a:ea typeface="Microsoft YaHei" panose="020B0503020204020204" pitchFamily="34" charset="-122"/>
+              </a:rPr>
+              <a:t>("</a:t>
+            </a:r>
+            <a:r>
+              <a:rPr kumimoji="1" lang="en-US" altLang="zh-CN" sz="2235" dirty="0" err="1">
+                <a:latin typeface="Courier" pitchFamily="2" charset="0"/>
+                <a:ea typeface="Microsoft YaHei" panose="020B0503020204020204" pitchFamily="34" charset="-122"/>
+              </a:rPr>
+              <a:t>aaa.txt</a:t>
+            </a:r>
+            <a:r>
+              <a:rPr kumimoji="1" lang="en-US" altLang="zh-CN" sz="2235" dirty="0">
+                <a:latin typeface="Courier" pitchFamily="2" charset="0"/>
+                <a:ea typeface="Microsoft YaHei" panose="020B0503020204020204" pitchFamily="34" charset="-122"/>
+              </a:rPr>
+              <a:t>", "</a:t>
+            </a:r>
+            <a:r>
+              <a:rPr kumimoji="1" lang="en-US" altLang="zh-CN" sz="2235" dirty="0" err="1">
+                <a:latin typeface="Courier" pitchFamily="2" charset="0"/>
+                <a:ea typeface="Microsoft YaHei" panose="020B0503020204020204" pitchFamily="34" charset="-122"/>
+              </a:rPr>
+              <a:t>dir</a:t>
+            </a:r>
+            <a:r>
+              <a:rPr kumimoji="1" lang="en-US" altLang="zh-CN" sz="2235" dirty="0">
+                <a:latin typeface="Courier" pitchFamily="2" charset="0"/>
+                <a:ea typeface="Microsoft YaHei" panose="020B0503020204020204" pitchFamily="34" charset="-122"/>
+              </a:rPr>
+              <a:t>/</a:t>
+            </a:r>
+            <a:r>
+              <a:rPr kumimoji="1" lang="en-US" altLang="zh-CN" sz="2235" dirty="0" err="1">
+                <a:latin typeface="Courier" pitchFamily="2" charset="0"/>
+                <a:ea typeface="Microsoft YaHei" panose="020B0503020204020204" pitchFamily="34" charset="-122"/>
+              </a:rPr>
+              <a:t>bbb.foo</a:t>
+            </a:r>
+            <a:r>
+              <a:rPr kumimoji="1" lang="en-US" altLang="zh-CN" sz="2235" dirty="0">
+                <a:latin typeface="Courier" pitchFamily="2" charset="0"/>
+                <a:ea typeface="Microsoft YaHei" panose="020B0503020204020204" pitchFamily="34" charset="-122"/>
+              </a:rPr>
+              <a:t>")</a:t>
+            </a:r>
+          </a:p>
+          <a:p>
+            <a:pPr lvl="1"/>
+            <a:endParaRPr kumimoji="1" lang="en-US" altLang="zh-CN" sz="2235" dirty="0">
+              <a:latin typeface="Courier" pitchFamily="2" charset="0"/>
+              <a:ea typeface="Microsoft YaHei" panose="020B0503020204020204" pitchFamily="34" charset="-122"/>
+            </a:endParaRPr>
+          </a:p>
+        </p:txBody>
+      </p:sp>
+    </p:spTree>
+    <p:extLst>
+      <p:ext uri="{BB962C8B-B14F-4D97-AF65-F5344CB8AC3E}">
+        <p14:creationId xmlns:p14="http://schemas.microsoft.com/office/powerpoint/2010/main" val="3437054254"/>
+      </p:ext>
+    </p:extLst>
   </p:cSld>
   <p:clrMapOvr>
     <a:masterClrMapping/>

--- a/docs/Python入门编程100例.pptx
+++ b/docs/Python入门编程100例.pptx
@@ -5,7 +5,7 @@
     <p:sldMasterId id="2147483648" r:id="rId1"/>
   </p:sldMasterIdLst>
   <p:notesMasterIdLst>
-    <p:notesMasterId r:id="rId33"/>
+    <p:notesMasterId r:id="rId35"/>
   </p:notesMasterIdLst>
   <p:sldIdLst>
     <p:sldId id="256" r:id="rId2"/>
@@ -39,6 +39,8 @@
     <p:sldId id="286" r:id="rId30"/>
     <p:sldId id="287" r:id="rId31"/>
     <p:sldId id="288" r:id="rId32"/>
+    <p:sldId id="289" r:id="rId33"/>
+    <p:sldId id="290" r:id="rId34"/>
   </p:sldIdLst>
   <p:sldSz cx="9144000" cy="5719763"/>
   <p:notesSz cx="6858000" cy="9144000"/>
@@ -227,7 +229,7 @@
           <a:p>
             <a:fld id="{27B4EF14-D706-E540-9C85-6AD8A04B773D}" type="datetimeFigureOut">
               <a:rPr kumimoji="1" lang="zh-CN" altLang="en-US" smtClean="0"/>
-              <a:t>2021/4/6</a:t>
+              <a:t>2021/4/7</a:t>
             </a:fld>
             <a:endParaRPr kumimoji="1" lang="zh-CN" altLang="en-US"/>
           </a:p>
@@ -1077,6 +1079,107 @@
 </p:notes>
 </file>
 
+<file path=ppt/notesSlides/notesSlide15.xml><?xml version="1.0" encoding="utf-8"?>
+<p:notes xmlns:a="http://schemas.openxmlformats.org/drawingml/2006/main" xmlns:r="http://schemas.openxmlformats.org/officeDocument/2006/relationships" xmlns:p="http://schemas.openxmlformats.org/presentationml/2006/main">
+  <p:cSld>
+    <p:spTree>
+      <p:nvGrpSpPr>
+        <p:cNvPr id="1" name=""/>
+        <p:cNvGrpSpPr/>
+        <p:nvPr/>
+      </p:nvGrpSpPr>
+      <p:grpSpPr>
+        <a:xfrm>
+          <a:off x="0" y="0"/>
+          <a:ext cx="0" cy="0"/>
+          <a:chOff x="0" y="0"/>
+          <a:chExt cx="0" cy="0"/>
+        </a:xfrm>
+      </p:grpSpPr>
+      <p:sp>
+        <p:nvSpPr>
+          <p:cNvPr id="2" name="幻灯片图像占位符 1"/>
+          <p:cNvSpPr>
+            <a:spLocks noGrp="1" noRot="1" noChangeAspect="1"/>
+          </p:cNvSpPr>
+          <p:nvPr>
+            <p:ph type="sldImg"/>
+          </p:nvPr>
+        </p:nvSpPr>
+        <p:spPr>
+          <a:xfrm>
+            <a:off x="962025" y="1143000"/>
+            <a:ext cx="4933950" cy="3086100"/>
+          </a:xfrm>
+        </p:spPr>
+      </p:sp>
+      <p:sp>
+        <p:nvSpPr>
+          <p:cNvPr id="3" name="备注占位符 2"/>
+          <p:cNvSpPr>
+            <a:spLocks noGrp="1"/>
+          </p:cNvSpPr>
+          <p:nvPr>
+            <p:ph type="body" idx="1"/>
+          </p:nvPr>
+        </p:nvSpPr>
+        <p:spPr/>
+        <p:txBody>
+          <a:bodyPr/>
+          <a:lstStyle/>
+          <a:p>
+            <a:r>
+              <a:rPr kumimoji="1" lang="en-GB" altLang="zh-CN" dirty="0"/>
+              <a:t>https://</a:t>
+            </a:r>
+            <a:r>
+              <a:rPr kumimoji="1" lang="en-GB" altLang="zh-CN" dirty="0" err="1"/>
+              <a:t>www.geeksforgeeks.org</a:t>
+            </a:r>
+            <a:r>
+              <a:rPr kumimoji="1" lang="en-GB" altLang="zh-CN"/>
+              <a:t>/python-program-for-program-to-find-area-of-a-circle/</a:t>
+            </a:r>
+            <a:endParaRPr kumimoji="1" lang="zh-CN" altLang="en-US" dirty="0"/>
+          </a:p>
+        </p:txBody>
+      </p:sp>
+      <p:sp>
+        <p:nvSpPr>
+          <p:cNvPr id="4" name="灯片编号占位符 3"/>
+          <p:cNvSpPr>
+            <a:spLocks noGrp="1"/>
+          </p:cNvSpPr>
+          <p:nvPr>
+            <p:ph type="sldNum" sz="quarter" idx="5"/>
+          </p:nvPr>
+        </p:nvSpPr>
+        <p:spPr/>
+        <p:txBody>
+          <a:bodyPr/>
+          <a:lstStyle/>
+          <a:p>
+            <a:fld id="{2B2F4EC2-494F-A64C-8801-750069A7A6FB}" type="slidenum">
+              <a:rPr kumimoji="1" lang="zh-CN" altLang="en-US" smtClean="0"/>
+              <a:t>33</a:t>
+            </a:fld>
+            <a:endParaRPr kumimoji="1" lang="zh-CN" altLang="en-US"/>
+          </a:p>
+        </p:txBody>
+      </p:sp>
+    </p:spTree>
+    <p:extLst>
+      <p:ext uri="{BB962C8B-B14F-4D97-AF65-F5344CB8AC3E}">
+        <p14:creationId xmlns:p14="http://schemas.microsoft.com/office/powerpoint/2010/main" val="2234932321"/>
+      </p:ext>
+    </p:extLst>
+  </p:cSld>
+  <p:clrMapOvr>
+    <a:masterClrMapping/>
+  </p:clrMapOvr>
+</p:notes>
+</file>
+
 <file path=ppt/notesSlides/notesSlide2.xml><?xml version="1.0" encoding="utf-8"?>
 <p:notes xmlns:a="http://schemas.openxmlformats.org/drawingml/2006/main" xmlns:r="http://schemas.openxmlformats.org/officeDocument/2006/relationships" xmlns:p="http://schemas.openxmlformats.org/presentationml/2006/main">
   <p:cSld>
@@ -2034,7 +2137,7 @@
           <a:p>
             <a:fld id="{B61BEF0D-F0BB-DE4B-95CE-6DB70DBA9567}" type="datetimeFigureOut">
               <a:rPr lang="en-US" dirty="0"/>
-              <a:t>4/6/21</a:t>
+              <a:t>4/7/21</a:t>
             </a:fld>
             <a:endParaRPr lang="en-US" dirty="0"/>
           </a:p>
@@ -2363,7 +2466,7 @@
           <a:p>
             <a:fld id="{B61BEF0D-F0BB-DE4B-95CE-6DB70DBA9567}" type="datetimeFigureOut">
               <a:rPr lang="en-US" dirty="0"/>
-              <a:t>4/6/21</a:t>
+              <a:t>4/7/21</a:t>
             </a:fld>
             <a:endParaRPr lang="en-US" dirty="0"/>
           </a:p>
@@ -2636,7 +2739,7 @@
           <a:p>
             <a:fld id="{B61BEF0D-F0BB-DE4B-95CE-6DB70DBA9567}" type="datetimeFigureOut">
               <a:rPr lang="en-US" dirty="0"/>
-              <a:t>4/6/21</a:t>
+              <a:t>4/7/21</a:t>
             </a:fld>
             <a:endParaRPr lang="en-US" dirty="0"/>
           </a:p>
@@ -3199,7 +3302,7 @@
           <a:p>
             <a:fld id="{B61BEF0D-F0BB-DE4B-95CE-6DB70DBA9567}" type="datetimeFigureOut">
               <a:rPr lang="en-US" dirty="0"/>
-              <a:t>4/6/21</a:t>
+              <a:t>4/7/21</a:t>
             </a:fld>
             <a:endParaRPr lang="en-US" dirty="0"/>
           </a:p>
@@ -3472,7 +3575,7 @@
           <a:p>
             <a:fld id="{B61BEF0D-F0BB-DE4B-95CE-6DB70DBA9567}" type="datetimeFigureOut">
               <a:rPr lang="en-US" dirty="0"/>
-              <a:t>4/6/21</a:t>
+              <a:t>4/7/21</a:t>
             </a:fld>
             <a:endParaRPr lang="en-US" dirty="0"/>
           </a:p>
@@ -4029,7 +4132,7 @@
           <a:p>
             <a:fld id="{B61BEF0D-F0BB-DE4B-95CE-6DB70DBA9567}" type="datetimeFigureOut">
               <a:rPr lang="en-US" dirty="0"/>
-              <a:t>4/6/21</a:t>
+              <a:t>4/7/21</a:t>
             </a:fld>
             <a:endParaRPr lang="en-US" dirty="0"/>
           </a:p>
@@ -4351,7 +4454,7 @@
           <a:p>
             <a:fld id="{B61BEF0D-F0BB-DE4B-95CE-6DB70DBA9567}" type="datetimeFigureOut">
               <a:rPr lang="en-US" dirty="0"/>
-              <a:t>4/6/21</a:t>
+              <a:t>4/7/21</a:t>
             </a:fld>
             <a:endParaRPr lang="en-US" dirty="0"/>
           </a:p>
@@ -4523,7 +4626,7 @@
           <a:p>
             <a:fld id="{B61BEF0D-F0BB-DE4B-95CE-6DB70DBA9567}" type="datetimeFigureOut">
               <a:rPr lang="en-US" dirty="0"/>
-              <a:t>4/6/21</a:t>
+              <a:t>4/7/21</a:t>
             </a:fld>
             <a:endParaRPr lang="en-US" dirty="0"/>
           </a:p>
@@ -4756,7 +4859,7 @@
           <a:p>
             <a:fld id="{B61BEF0D-F0BB-DE4B-95CE-6DB70DBA9567}" type="datetimeFigureOut">
               <a:rPr lang="en-US" dirty="0"/>
-              <a:t>4/6/21</a:t>
+              <a:t>4/7/21</a:t>
             </a:fld>
             <a:endParaRPr lang="en-US" dirty="0"/>
           </a:p>
@@ -4951,7 +5054,7 @@
           <a:p>
             <a:fld id="{B61BEF0D-F0BB-DE4B-95CE-6DB70DBA9567}" type="datetimeFigureOut">
               <a:rPr lang="en-US" dirty="0"/>
-              <a:t>4/6/21</a:t>
+              <a:t>4/7/21</a:t>
             </a:fld>
             <a:endParaRPr lang="en-US" dirty="0"/>
           </a:p>
@@ -5222,7 +5325,7 @@
           <a:p>
             <a:fld id="{B61BEF0D-F0BB-DE4B-95CE-6DB70DBA9567}" type="datetimeFigureOut">
               <a:rPr lang="en-US" dirty="0"/>
-              <a:t>4/6/21</a:t>
+              <a:t>4/7/21</a:t>
             </a:fld>
             <a:endParaRPr lang="en-US" dirty="0"/>
           </a:p>
@@ -5483,7 +5586,7 @@
           <a:p>
             <a:fld id="{B61BEF0D-F0BB-DE4B-95CE-6DB70DBA9567}" type="datetimeFigureOut">
               <a:rPr lang="en-US" dirty="0"/>
-              <a:t>4/6/21</a:t>
+              <a:t>4/7/21</a:t>
             </a:fld>
             <a:endParaRPr lang="en-US" dirty="0"/>
           </a:p>
@@ -5852,7 +5955,7 @@
           <a:p>
             <a:fld id="{B61BEF0D-F0BB-DE4B-95CE-6DB70DBA9567}" type="datetimeFigureOut">
               <a:rPr lang="en-US" dirty="0"/>
-              <a:t>4/6/21</a:t>
+              <a:t>4/7/21</a:t>
             </a:fld>
             <a:endParaRPr lang="en-US" dirty="0"/>
           </a:p>
@@ -5995,7 +6098,7 @@
           <a:p>
             <a:fld id="{B61BEF0D-F0BB-DE4B-95CE-6DB70DBA9567}" type="datetimeFigureOut">
               <a:rPr lang="en-US" dirty="0"/>
-              <a:t>4/6/21</a:t>
+              <a:t>4/7/21</a:t>
             </a:fld>
             <a:endParaRPr lang="en-US" dirty="0"/>
           </a:p>
@@ -6115,7 +6218,7 @@
           <a:p>
             <a:fld id="{B61BEF0D-F0BB-DE4B-95CE-6DB70DBA9567}" type="datetimeFigureOut">
               <a:rPr lang="en-US" dirty="0"/>
-              <a:t>4/6/21</a:t>
+              <a:t>4/7/21</a:t>
             </a:fld>
             <a:endParaRPr lang="en-US" dirty="0"/>
           </a:p>
@@ -6395,7 +6498,7 @@
           <a:p>
             <a:fld id="{B61BEF0D-F0BB-DE4B-95CE-6DB70DBA9567}" type="datetimeFigureOut">
               <a:rPr lang="en-US" dirty="0"/>
-              <a:t>4/6/21</a:t>
+              <a:t>4/7/21</a:t>
             </a:fld>
             <a:endParaRPr lang="en-US" dirty="0"/>
           </a:p>
@@ -6714,7 +6817,7 @@
           <a:p>
             <a:fld id="{B61BEF0D-F0BB-DE4B-95CE-6DB70DBA9567}" type="datetimeFigureOut">
               <a:rPr lang="en-US" dirty="0"/>
-              <a:t>4/6/21</a:t>
+              <a:t>4/7/21</a:t>
             </a:fld>
             <a:endParaRPr lang="en-US" dirty="0"/>
           </a:p>
@@ -6923,7 +7026,7 @@
           <a:p>
             <a:fld id="{B61BEF0D-F0BB-DE4B-95CE-6DB70DBA9567}" type="datetimeFigureOut">
               <a:rPr lang="en-US" dirty="0"/>
-              <a:t>4/6/21</a:t>
+              <a:t>4/7/21</a:t>
             </a:fld>
             <a:endParaRPr lang="en-US" dirty="0"/>
           </a:p>
@@ -12371,6 +12474,633 @@
     <p:extLst>
       <p:ext uri="{BB962C8B-B14F-4D97-AF65-F5344CB8AC3E}">
         <p14:creationId xmlns:p14="http://schemas.microsoft.com/office/powerpoint/2010/main" val="3437054254"/>
+      </p:ext>
+    </p:extLst>
+  </p:cSld>
+  <p:clrMapOvr>
+    <a:masterClrMapping/>
+  </p:clrMapOvr>
+</p:sld>
+</file>
+
+<file path=ppt/slides/slide32.xml><?xml version="1.0" encoding="utf-8"?>
+<p:sld xmlns:a="http://schemas.openxmlformats.org/drawingml/2006/main" xmlns:r="http://schemas.openxmlformats.org/officeDocument/2006/relationships" xmlns:p="http://schemas.openxmlformats.org/presentationml/2006/main">
+  <p:cSld>
+    <p:spTree>
+      <p:nvGrpSpPr>
+        <p:cNvPr id="1" name=""/>
+        <p:cNvGrpSpPr/>
+        <p:nvPr/>
+      </p:nvGrpSpPr>
+      <p:grpSpPr>
+        <a:xfrm>
+          <a:off x="0" y="0"/>
+          <a:ext cx="0" cy="0"/>
+          <a:chOff x="0" y="0"/>
+          <a:chExt cx="0" cy="0"/>
+        </a:xfrm>
+      </p:grpSpPr>
+      <p:sp>
+        <p:nvSpPr>
+          <p:cNvPr id="6" name="矩形 5"/>
+          <p:cNvSpPr/>
+          <p:nvPr/>
+        </p:nvSpPr>
+        <p:spPr>
+          <a:xfrm>
+            <a:off x="2123514" y="966484"/>
+            <a:ext cx="4895850" cy="1845310"/>
+          </a:xfrm>
+          <a:prstGeom prst="rect">
+            <a:avLst/>
+          </a:prstGeom>
+        </p:spPr>
+        <p:txBody>
+          <a:bodyPr wrap="none">
+            <a:spAutoFit/>
+          </a:bodyPr>
+          <a:lstStyle/>
+          <a:p>
+            <a:pPr algn="ctr"/>
+            <a:r>
+              <a:rPr kumimoji="1" lang="en-US" altLang="zh-CN" sz="6000" dirty="0">
+                <a:latin typeface="Microsoft YaHei" panose="020B0503020204020204" pitchFamily="34" charset="-122"/>
+                <a:ea typeface="Microsoft YaHei" panose="020B0503020204020204" pitchFamily="34" charset="-122"/>
+              </a:rPr>
+              <a:t>Python</a:t>
+            </a:r>
+          </a:p>
+          <a:p>
+            <a:pPr algn="ctr"/>
+            <a:r>
+              <a:rPr kumimoji="1" lang="zh-CN" altLang="en-US" sz="5400" dirty="0">
+                <a:latin typeface="Microsoft YaHei" panose="020B0503020204020204" pitchFamily="34" charset="-122"/>
+                <a:ea typeface="Microsoft YaHei" panose="020B0503020204020204" pitchFamily="34" charset="-122"/>
+              </a:rPr>
+              <a:t>入门编程</a:t>
+            </a:r>
+            <a:r>
+              <a:rPr kumimoji="1" lang="en-US" altLang="zh-CN" sz="5400" dirty="0">
+                <a:latin typeface="Microsoft YaHei" panose="020B0503020204020204" pitchFamily="34" charset="-122"/>
+                <a:ea typeface="Microsoft YaHei" panose="020B0503020204020204" pitchFamily="34" charset="-122"/>
+              </a:rPr>
+              <a:t>100</a:t>
+            </a:r>
+            <a:r>
+              <a:rPr kumimoji="1" lang="zh-CN" altLang="en-US" sz="5400" dirty="0">
+                <a:latin typeface="Microsoft YaHei" panose="020B0503020204020204" pitchFamily="34" charset="-122"/>
+                <a:ea typeface="Microsoft YaHei" panose="020B0503020204020204" pitchFamily="34" charset="-122"/>
+              </a:rPr>
+              <a:t>例</a:t>
+            </a:r>
+          </a:p>
+        </p:txBody>
+      </p:sp>
+      <p:sp>
+        <p:nvSpPr>
+          <p:cNvPr id="3" name="矩形 2"/>
+          <p:cNvSpPr/>
+          <p:nvPr/>
+        </p:nvSpPr>
+        <p:spPr>
+          <a:xfrm>
+            <a:off x="1103419" y="2915671"/>
+            <a:ext cx="6936514" cy="1338828"/>
+          </a:xfrm>
+          <a:prstGeom prst="rect">
+            <a:avLst/>
+          </a:prstGeom>
+          <a:solidFill>
+            <a:srgbClr val="FFC000"/>
+          </a:solidFill>
+          <a:ln>
+            <a:noFill/>
+          </a:ln>
+        </p:spPr>
+        <p:style>
+          <a:lnRef idx="3">
+            <a:schemeClr val="lt1"/>
+          </a:lnRef>
+          <a:fillRef idx="1">
+            <a:schemeClr val="accent5"/>
+          </a:fillRef>
+          <a:effectRef idx="1">
+            <a:schemeClr val="accent5"/>
+          </a:effectRef>
+          <a:fontRef idx="minor">
+            <a:schemeClr val="lt1"/>
+          </a:fontRef>
+        </p:style>
+        <p:txBody>
+          <a:bodyPr wrap="none">
+            <a:spAutoFit/>
+          </a:bodyPr>
+          <a:lstStyle/>
+          <a:p>
+            <a:pPr algn="ctr"/>
+            <a:r>
+              <a:rPr kumimoji="1" lang="zh-CN" altLang="en-US" sz="4050" b="1" dirty="0">
+                <a:solidFill>
+                  <a:schemeClr val="bg1"/>
+                </a:solidFill>
+                <a:latin typeface="Microsoft YaHei" panose="020B0503020204020204" pitchFamily="34" charset="-122"/>
+                <a:ea typeface="Microsoft YaHei" panose="020B0503020204020204" pitchFamily="34" charset="-122"/>
+              </a:rPr>
+              <a:t>第</a:t>
+            </a:r>
+            <a:r>
+              <a:rPr kumimoji="1" lang="en-US" altLang="zh-CN" sz="4050" b="1" dirty="0">
+                <a:solidFill>
+                  <a:schemeClr val="bg1"/>
+                </a:solidFill>
+                <a:latin typeface="Microsoft YaHei" panose="020B0503020204020204" pitchFamily="34" charset="-122"/>
+                <a:ea typeface="Microsoft YaHei" panose="020B0503020204020204" pitchFamily="34" charset="-122"/>
+              </a:rPr>
+              <a:t>017</a:t>
+            </a:r>
+            <a:r>
+              <a:rPr kumimoji="1" lang="zh-CN" altLang="en-US" sz="4050" b="1" dirty="0">
+                <a:solidFill>
+                  <a:schemeClr val="bg1"/>
+                </a:solidFill>
+                <a:latin typeface="Microsoft YaHei" panose="020B0503020204020204" pitchFamily="34" charset="-122"/>
+                <a:ea typeface="Microsoft YaHei" panose="020B0503020204020204" pitchFamily="34" charset="-122"/>
+              </a:rPr>
+              <a:t>集</a:t>
+            </a:r>
+            <a:endParaRPr kumimoji="1" lang="en-US" altLang="zh-CN" sz="4050" b="1" dirty="0">
+              <a:solidFill>
+                <a:schemeClr val="bg1"/>
+              </a:solidFill>
+              <a:latin typeface="Microsoft YaHei" panose="020B0503020204020204" pitchFamily="34" charset="-122"/>
+              <a:ea typeface="Microsoft YaHei" panose="020B0503020204020204" pitchFamily="34" charset="-122"/>
+            </a:endParaRPr>
+          </a:p>
+          <a:p>
+            <a:pPr algn="ctr"/>
+            <a:r>
+              <a:rPr kumimoji="1" lang="zh-CN" altLang="en-US" sz="4050" b="1" dirty="0">
+                <a:solidFill>
+                  <a:schemeClr val="bg1"/>
+                </a:solidFill>
+                <a:latin typeface="Microsoft YaHei" panose="020B0503020204020204" pitchFamily="34" charset="-122"/>
+                <a:ea typeface="Microsoft YaHei" panose="020B0503020204020204" pitchFamily="34" charset="-122"/>
+              </a:rPr>
+              <a:t>递归搜索目录找出最大的文件</a:t>
+            </a:r>
+          </a:p>
+        </p:txBody>
+      </p:sp>
+    </p:spTree>
+    <p:extLst>
+      <p:ext uri="{BB962C8B-B14F-4D97-AF65-F5344CB8AC3E}">
+        <p14:creationId xmlns:p14="http://schemas.microsoft.com/office/powerpoint/2010/main" val="2378825278"/>
+      </p:ext>
+    </p:extLst>
+  </p:cSld>
+  <p:clrMapOvr>
+    <a:masterClrMapping/>
+  </p:clrMapOvr>
+</p:sld>
+</file>
+
+<file path=ppt/slides/slide33.xml><?xml version="1.0" encoding="utf-8"?>
+<p:sld xmlns:a="http://schemas.openxmlformats.org/drawingml/2006/main" xmlns:r="http://schemas.openxmlformats.org/officeDocument/2006/relationships" xmlns:p="http://schemas.openxmlformats.org/presentationml/2006/main">
+  <p:cSld>
+    <p:spTree>
+      <p:nvGrpSpPr>
+        <p:cNvPr id="1" name=""/>
+        <p:cNvGrpSpPr/>
+        <p:nvPr/>
+      </p:nvGrpSpPr>
+      <p:grpSpPr>
+        <a:xfrm>
+          <a:off x="0" y="0"/>
+          <a:ext cx="0" cy="0"/>
+          <a:chOff x="0" y="0"/>
+          <a:chExt cx="0" cy="0"/>
+        </a:xfrm>
+      </p:grpSpPr>
+      <p:sp>
+        <p:nvSpPr>
+          <p:cNvPr id="3" name="内容占位符 2"/>
+          <p:cNvSpPr>
+            <a:spLocks noGrp="1"/>
+          </p:cNvSpPr>
+          <p:nvPr>
+            <p:ph idx="1"/>
+          </p:nvPr>
+        </p:nvSpPr>
+        <p:spPr>
+          <a:xfrm>
+            <a:off x="670789" y="761174"/>
+            <a:ext cx="8074025" cy="643047"/>
+          </a:xfrm>
+        </p:spPr>
+        <p:txBody>
+          <a:bodyPr>
+            <a:noAutofit/>
+          </a:bodyPr>
+          <a:lstStyle/>
+          <a:p>
+            <a:r>
+              <a:rPr kumimoji="1" lang="zh-CN" altLang="en-US" sz="2400" dirty="0">
+                <a:latin typeface="Courier" pitchFamily="2" charset="0"/>
+                <a:ea typeface="Microsoft YaHei" panose="020B0503020204020204" pitchFamily="34" charset="-122"/>
+              </a:rPr>
+              <a:t>小知识：</a:t>
+            </a:r>
+            <a:r>
+              <a:rPr kumimoji="1" lang="en-US" altLang="zh-CN" sz="2400" dirty="0">
+                <a:latin typeface="Courier" pitchFamily="2" charset="0"/>
+                <a:ea typeface="Microsoft YaHei" panose="020B0503020204020204" pitchFamily="34" charset="-122"/>
+              </a:rPr>
+              <a:t>Python</a:t>
+            </a:r>
+            <a:r>
+              <a:rPr kumimoji="1" lang="zh-CN" altLang="en-US" sz="2400" dirty="0">
+                <a:latin typeface="Courier" pitchFamily="2" charset="0"/>
+                <a:ea typeface="Microsoft YaHei" panose="020B0503020204020204" pitchFamily="34" charset="-122"/>
+              </a:rPr>
+              <a:t>怎样递归搜索目录？</a:t>
+            </a:r>
+            <a:endParaRPr kumimoji="1" lang="en-US" altLang="zh-CN" sz="2400" dirty="0">
+              <a:latin typeface="Courier" pitchFamily="2" charset="0"/>
+              <a:ea typeface="Microsoft YaHei" panose="020B0503020204020204" pitchFamily="34" charset="-122"/>
+            </a:endParaRPr>
+          </a:p>
+        </p:txBody>
+      </p:sp>
+      <p:sp>
+        <p:nvSpPr>
+          <p:cNvPr id="2" name="文本框 1">
+            <a:extLst>
+              <a:ext uri="{FF2B5EF4-FFF2-40B4-BE49-F238E27FC236}">
+                <a16:creationId xmlns:a16="http://schemas.microsoft.com/office/drawing/2014/main" id="{62BD8E87-9DBF-9B49-9AEC-BDE2E88F7B8C}"/>
+              </a:ext>
+            </a:extLst>
+          </p:cNvPr>
+          <p:cNvSpPr txBox="1"/>
+          <p:nvPr/>
+        </p:nvSpPr>
+        <p:spPr>
+          <a:xfrm>
+            <a:off x="742385" y="1801640"/>
+            <a:ext cx="7491153" cy="2785506"/>
+          </a:xfrm>
+          <a:prstGeom prst="rect">
+            <a:avLst/>
+          </a:prstGeom>
+          <a:solidFill>
+            <a:schemeClr val="tx1"/>
+          </a:solidFill>
+        </p:spPr>
+        <p:txBody>
+          <a:bodyPr wrap="none" rtlCol="0">
+            <a:spAutoFit/>
+          </a:bodyPr>
+          <a:lstStyle/>
+          <a:p>
+            <a:pPr>
+              <a:lnSpc>
+                <a:spcPct val="200000"/>
+              </a:lnSpc>
+            </a:pPr>
+            <a:r>
+              <a:rPr lang="en" altLang="zh-CN" i="1" dirty="0">
+                <a:solidFill>
+                  <a:schemeClr val="bg1">
+                    <a:lumMod val="95000"/>
+                    <a:lumOff val="5000"/>
+                  </a:schemeClr>
+                </a:solidFill>
+                <a:latin typeface="Courier" pitchFamily="2" charset="0"/>
+              </a:rPr>
+              <a:t>import </a:t>
+            </a:r>
+            <a:r>
+              <a:rPr lang="en" altLang="zh-CN" i="1" dirty="0" err="1">
+                <a:solidFill>
+                  <a:schemeClr val="bg1">
+                    <a:lumMod val="95000"/>
+                    <a:lumOff val="5000"/>
+                  </a:schemeClr>
+                </a:solidFill>
+                <a:latin typeface="Courier" pitchFamily="2" charset="0"/>
+              </a:rPr>
+              <a:t>os</a:t>
+            </a:r>
+            <a:endParaRPr lang="en" altLang="zh-CN" i="1" dirty="0">
+              <a:solidFill>
+                <a:schemeClr val="bg1">
+                  <a:lumMod val="95000"/>
+                  <a:lumOff val="5000"/>
+                </a:schemeClr>
+              </a:solidFill>
+              <a:latin typeface="Courier" pitchFamily="2" charset="0"/>
+            </a:endParaRPr>
+          </a:p>
+          <a:p>
+            <a:pPr>
+              <a:lnSpc>
+                <a:spcPct val="200000"/>
+              </a:lnSpc>
+            </a:pPr>
+            <a:r>
+              <a:rPr lang="en" altLang="zh-CN" i="1" dirty="0">
+                <a:solidFill>
+                  <a:schemeClr val="bg1">
+                    <a:lumMod val="95000"/>
+                    <a:lumOff val="5000"/>
+                  </a:schemeClr>
+                </a:solidFill>
+                <a:latin typeface="Courier" pitchFamily="2" charset="0"/>
+              </a:rPr>
+              <a:t>for root, </a:t>
+            </a:r>
+            <a:r>
+              <a:rPr lang="en" altLang="zh-CN" i="1" dirty="0" err="1">
+                <a:solidFill>
+                  <a:schemeClr val="bg1">
+                    <a:lumMod val="95000"/>
+                    <a:lumOff val="5000"/>
+                  </a:schemeClr>
+                </a:solidFill>
+                <a:latin typeface="Courier" pitchFamily="2" charset="0"/>
+              </a:rPr>
+              <a:t>dirs</a:t>
+            </a:r>
+            <a:r>
+              <a:rPr lang="en" altLang="zh-CN" i="1" dirty="0">
+                <a:solidFill>
+                  <a:schemeClr val="bg1">
+                    <a:lumMod val="95000"/>
+                    <a:lumOff val="5000"/>
+                  </a:schemeClr>
+                </a:solidFill>
+                <a:latin typeface="Courier" pitchFamily="2" charset="0"/>
+              </a:rPr>
+              <a:t>, files in </a:t>
+            </a:r>
+            <a:r>
+              <a:rPr lang="en" altLang="zh-CN" i="1" dirty="0" err="1">
+                <a:solidFill>
+                  <a:schemeClr val="bg1">
+                    <a:lumMod val="95000"/>
+                    <a:lumOff val="5000"/>
+                  </a:schemeClr>
+                </a:solidFill>
+                <a:latin typeface="Courier" pitchFamily="2" charset="0"/>
+              </a:rPr>
+              <a:t>os.walk</a:t>
+            </a:r>
+            <a:r>
+              <a:rPr lang="en" altLang="zh-CN" i="1" dirty="0">
+                <a:solidFill>
+                  <a:schemeClr val="bg1">
+                    <a:lumMod val="95000"/>
+                    <a:lumOff val="5000"/>
+                  </a:schemeClr>
+                </a:solidFill>
+                <a:latin typeface="Courier" pitchFamily="2" charset="0"/>
+              </a:rPr>
+              <a:t>('python/Lib/email’):</a:t>
+            </a:r>
+          </a:p>
+          <a:p>
+            <a:pPr>
+              <a:lnSpc>
+                <a:spcPct val="200000"/>
+              </a:lnSpc>
+            </a:pPr>
+            <a:r>
+              <a:rPr kumimoji="1" lang="zh-CN" altLang="en-US" i="1" dirty="0">
+                <a:solidFill>
+                  <a:schemeClr val="bg1">
+                    <a:lumMod val="95000"/>
+                    <a:lumOff val="5000"/>
+                  </a:schemeClr>
+                </a:solidFill>
+                <a:latin typeface="Courier" pitchFamily="2" charset="0"/>
+              </a:rPr>
+              <a:t>    </a:t>
+            </a:r>
+            <a:r>
+              <a:rPr kumimoji="1" lang="en-US" altLang="zh-CN" i="1" dirty="0">
+                <a:solidFill>
+                  <a:schemeClr val="bg1">
+                    <a:lumMod val="95000"/>
+                    <a:lumOff val="5000"/>
+                  </a:schemeClr>
+                </a:solidFill>
+                <a:latin typeface="Courier" pitchFamily="2" charset="0"/>
+              </a:rPr>
+              <a:t>#</a:t>
+            </a:r>
+            <a:r>
+              <a:rPr kumimoji="1" lang="zh-CN" altLang="en-US" i="1" dirty="0">
+                <a:solidFill>
+                  <a:schemeClr val="bg1">
+                    <a:lumMod val="95000"/>
+                    <a:lumOff val="5000"/>
+                  </a:schemeClr>
+                </a:solidFill>
+                <a:latin typeface="Courier" pitchFamily="2" charset="0"/>
+              </a:rPr>
+              <a:t> </a:t>
+            </a:r>
+            <a:r>
+              <a:rPr kumimoji="1" lang="en-US" altLang="zh-CN" i="1" dirty="0">
+                <a:solidFill>
+                  <a:schemeClr val="bg1">
+                    <a:lumMod val="95000"/>
+                    <a:lumOff val="5000"/>
+                  </a:schemeClr>
+                </a:solidFill>
+                <a:latin typeface="Courier" pitchFamily="2" charset="0"/>
+              </a:rPr>
+              <a:t>root</a:t>
+            </a:r>
+            <a:r>
+              <a:rPr kumimoji="1" lang="zh-CN" altLang="en-US" i="1" dirty="0">
+                <a:solidFill>
+                  <a:schemeClr val="bg1">
+                    <a:lumMod val="95000"/>
+                    <a:lumOff val="5000"/>
+                  </a:schemeClr>
+                </a:solidFill>
+                <a:latin typeface="Courier" pitchFamily="2" charset="0"/>
+              </a:rPr>
+              <a:t>代表当前目录</a:t>
+            </a:r>
+            <a:endParaRPr kumimoji="1" lang="en-US" altLang="zh-CN" i="1" dirty="0">
+              <a:solidFill>
+                <a:schemeClr val="bg1">
+                  <a:lumMod val="95000"/>
+                  <a:lumOff val="5000"/>
+                </a:schemeClr>
+              </a:solidFill>
+              <a:latin typeface="Courier" pitchFamily="2" charset="0"/>
+            </a:endParaRPr>
+          </a:p>
+          <a:p>
+            <a:pPr>
+              <a:lnSpc>
+                <a:spcPct val="200000"/>
+              </a:lnSpc>
+            </a:pPr>
+            <a:r>
+              <a:rPr kumimoji="1" lang="zh-CN" altLang="en-US" i="1" dirty="0">
+                <a:solidFill>
+                  <a:schemeClr val="bg1">
+                    <a:lumMod val="95000"/>
+                    <a:lumOff val="5000"/>
+                  </a:schemeClr>
+                </a:solidFill>
+                <a:latin typeface="Courier" pitchFamily="2" charset="0"/>
+              </a:rPr>
+              <a:t>    </a:t>
+            </a:r>
+            <a:r>
+              <a:rPr kumimoji="1" lang="en-US" altLang="zh-CN" i="1" dirty="0">
+                <a:solidFill>
+                  <a:schemeClr val="bg1">
+                    <a:lumMod val="95000"/>
+                    <a:lumOff val="5000"/>
+                  </a:schemeClr>
+                </a:solidFill>
+                <a:latin typeface="Courier" pitchFamily="2" charset="0"/>
+              </a:rPr>
+              <a:t>#</a:t>
+            </a:r>
+            <a:r>
+              <a:rPr kumimoji="1" lang="zh-CN" altLang="en-US" i="1" dirty="0">
+                <a:solidFill>
+                  <a:schemeClr val="bg1">
+                    <a:lumMod val="95000"/>
+                    <a:lumOff val="5000"/>
+                  </a:schemeClr>
+                </a:solidFill>
+                <a:latin typeface="Courier" pitchFamily="2" charset="0"/>
+              </a:rPr>
+              <a:t> </a:t>
+            </a:r>
+            <a:r>
+              <a:rPr kumimoji="1" lang="en-US" altLang="zh-CN" i="1" dirty="0" err="1">
+                <a:solidFill>
+                  <a:schemeClr val="bg1">
+                    <a:lumMod val="95000"/>
+                    <a:lumOff val="5000"/>
+                  </a:schemeClr>
+                </a:solidFill>
+                <a:latin typeface="Courier" pitchFamily="2" charset="0"/>
+              </a:rPr>
+              <a:t>dirs</a:t>
+            </a:r>
+            <a:r>
+              <a:rPr kumimoji="1" lang="zh-CN" altLang="en-US" i="1" dirty="0">
+                <a:solidFill>
+                  <a:schemeClr val="bg1">
+                    <a:lumMod val="95000"/>
+                    <a:lumOff val="5000"/>
+                  </a:schemeClr>
+                </a:solidFill>
+                <a:latin typeface="Courier" pitchFamily="2" charset="0"/>
+              </a:rPr>
+              <a:t>代表当前目录下的子目录</a:t>
+            </a:r>
+            <a:endParaRPr kumimoji="1" lang="en-US" altLang="zh-CN" i="1" dirty="0">
+              <a:solidFill>
+                <a:schemeClr val="bg1">
+                  <a:lumMod val="95000"/>
+                  <a:lumOff val="5000"/>
+                </a:schemeClr>
+              </a:solidFill>
+              <a:latin typeface="Courier" pitchFamily="2" charset="0"/>
+            </a:endParaRPr>
+          </a:p>
+          <a:p>
+            <a:pPr>
+              <a:lnSpc>
+                <a:spcPct val="200000"/>
+              </a:lnSpc>
+            </a:pPr>
+            <a:r>
+              <a:rPr kumimoji="1" lang="zh-CN" altLang="en-US" i="1" dirty="0">
+                <a:solidFill>
+                  <a:schemeClr val="bg1">
+                    <a:lumMod val="95000"/>
+                    <a:lumOff val="5000"/>
+                  </a:schemeClr>
+                </a:solidFill>
+                <a:latin typeface="Courier" pitchFamily="2" charset="0"/>
+              </a:rPr>
+              <a:t>    </a:t>
+            </a:r>
+            <a:r>
+              <a:rPr kumimoji="1" lang="en-US" altLang="zh-CN" i="1" dirty="0">
+                <a:solidFill>
+                  <a:schemeClr val="bg1">
+                    <a:lumMod val="95000"/>
+                    <a:lumOff val="5000"/>
+                  </a:schemeClr>
+                </a:solidFill>
+                <a:latin typeface="Courier" pitchFamily="2" charset="0"/>
+              </a:rPr>
+              <a:t>#</a:t>
+            </a:r>
+            <a:r>
+              <a:rPr kumimoji="1" lang="zh-CN" altLang="en-US" i="1" dirty="0">
+                <a:solidFill>
+                  <a:schemeClr val="bg1">
+                    <a:lumMod val="95000"/>
+                    <a:lumOff val="5000"/>
+                  </a:schemeClr>
+                </a:solidFill>
+                <a:latin typeface="Courier" pitchFamily="2" charset="0"/>
+              </a:rPr>
+              <a:t> </a:t>
+            </a:r>
+            <a:r>
+              <a:rPr kumimoji="1" lang="en-US" altLang="zh-CN" i="1" dirty="0">
+                <a:solidFill>
+                  <a:schemeClr val="bg1">
+                    <a:lumMod val="95000"/>
+                    <a:lumOff val="5000"/>
+                  </a:schemeClr>
+                </a:solidFill>
+                <a:latin typeface="Courier" pitchFamily="2" charset="0"/>
+              </a:rPr>
+              <a:t>files</a:t>
+            </a:r>
+            <a:r>
+              <a:rPr kumimoji="1" lang="zh-CN" altLang="en-US" i="1" dirty="0">
+                <a:solidFill>
+                  <a:schemeClr val="bg1">
+                    <a:lumMod val="95000"/>
+                    <a:lumOff val="5000"/>
+                  </a:schemeClr>
+                </a:solidFill>
+                <a:latin typeface="Courier" pitchFamily="2" charset="0"/>
+              </a:rPr>
+              <a:t>代表当前目录下普通文件</a:t>
+            </a:r>
+            <a:endParaRPr kumimoji="1" lang="zh-CN" altLang="en-US" dirty="0">
+              <a:solidFill>
+                <a:schemeClr val="bg1">
+                  <a:lumMod val="95000"/>
+                  <a:lumOff val="5000"/>
+                </a:schemeClr>
+              </a:solidFill>
+              <a:latin typeface="Courier" pitchFamily="2" charset="0"/>
+            </a:endParaRPr>
+          </a:p>
+        </p:txBody>
+      </p:sp>
+    </p:spTree>
+    <p:extLst>
+      <p:ext uri="{BB962C8B-B14F-4D97-AF65-F5344CB8AC3E}">
+        <p14:creationId xmlns:p14="http://schemas.microsoft.com/office/powerpoint/2010/main" val="1841869176"/>
       </p:ext>
     </p:extLst>
   </p:cSld>

--- a/docs/Python入门编程100例.pptx
+++ b/docs/Python入门编程100例.pptx
@@ -5,7 +5,7 @@
     <p:sldMasterId id="2147483648" r:id="rId1"/>
   </p:sldMasterIdLst>
   <p:notesMasterIdLst>
-    <p:notesMasterId r:id="rId35"/>
+    <p:notesMasterId r:id="rId36"/>
   </p:notesMasterIdLst>
   <p:sldIdLst>
     <p:sldId id="256" r:id="rId2"/>
@@ -41,6 +41,7 @@
     <p:sldId id="288" r:id="rId32"/>
     <p:sldId id="289" r:id="rId33"/>
     <p:sldId id="290" r:id="rId34"/>
+    <p:sldId id="291" r:id="rId35"/>
   </p:sldIdLst>
   <p:sldSz cx="9144000" cy="5719763"/>
   <p:notesSz cx="6858000" cy="9144000"/>
@@ -229,7 +230,7 @@
           <a:p>
             <a:fld id="{27B4EF14-D706-E540-9C85-6AD8A04B773D}" type="datetimeFigureOut">
               <a:rPr kumimoji="1" lang="zh-CN" altLang="en-US" smtClean="0"/>
-              <a:t>2021/4/7</a:t>
+              <a:t>2021/4/8</a:t>
             </a:fld>
             <a:endParaRPr kumimoji="1" lang="zh-CN" altLang="en-US"/>
           </a:p>
@@ -2137,7 +2138,7 @@
           <a:p>
             <a:fld id="{B61BEF0D-F0BB-DE4B-95CE-6DB70DBA9567}" type="datetimeFigureOut">
               <a:rPr lang="en-US" dirty="0"/>
-              <a:t>4/7/21</a:t>
+              <a:t>4/8/21</a:t>
             </a:fld>
             <a:endParaRPr lang="en-US" dirty="0"/>
           </a:p>
@@ -2466,7 +2467,7 @@
           <a:p>
             <a:fld id="{B61BEF0D-F0BB-DE4B-95CE-6DB70DBA9567}" type="datetimeFigureOut">
               <a:rPr lang="en-US" dirty="0"/>
-              <a:t>4/7/21</a:t>
+              <a:t>4/8/21</a:t>
             </a:fld>
             <a:endParaRPr lang="en-US" dirty="0"/>
           </a:p>
@@ -2739,7 +2740,7 @@
           <a:p>
             <a:fld id="{B61BEF0D-F0BB-DE4B-95CE-6DB70DBA9567}" type="datetimeFigureOut">
               <a:rPr lang="en-US" dirty="0"/>
-              <a:t>4/7/21</a:t>
+              <a:t>4/8/21</a:t>
             </a:fld>
             <a:endParaRPr lang="en-US" dirty="0"/>
           </a:p>
@@ -3302,7 +3303,7 @@
           <a:p>
             <a:fld id="{B61BEF0D-F0BB-DE4B-95CE-6DB70DBA9567}" type="datetimeFigureOut">
               <a:rPr lang="en-US" dirty="0"/>
-              <a:t>4/7/21</a:t>
+              <a:t>4/8/21</a:t>
             </a:fld>
             <a:endParaRPr lang="en-US" dirty="0"/>
           </a:p>
@@ -3575,7 +3576,7 @@
           <a:p>
             <a:fld id="{B61BEF0D-F0BB-DE4B-95CE-6DB70DBA9567}" type="datetimeFigureOut">
               <a:rPr lang="en-US" dirty="0"/>
-              <a:t>4/7/21</a:t>
+              <a:t>4/8/21</a:t>
             </a:fld>
             <a:endParaRPr lang="en-US" dirty="0"/>
           </a:p>
@@ -4132,7 +4133,7 @@
           <a:p>
             <a:fld id="{B61BEF0D-F0BB-DE4B-95CE-6DB70DBA9567}" type="datetimeFigureOut">
               <a:rPr lang="en-US" dirty="0"/>
-              <a:t>4/7/21</a:t>
+              <a:t>4/8/21</a:t>
             </a:fld>
             <a:endParaRPr lang="en-US" dirty="0"/>
           </a:p>
@@ -4454,7 +4455,7 @@
           <a:p>
             <a:fld id="{B61BEF0D-F0BB-DE4B-95CE-6DB70DBA9567}" type="datetimeFigureOut">
               <a:rPr lang="en-US" dirty="0"/>
-              <a:t>4/7/21</a:t>
+              <a:t>4/8/21</a:t>
             </a:fld>
             <a:endParaRPr lang="en-US" dirty="0"/>
           </a:p>
@@ -4626,7 +4627,7 @@
           <a:p>
             <a:fld id="{B61BEF0D-F0BB-DE4B-95CE-6DB70DBA9567}" type="datetimeFigureOut">
               <a:rPr lang="en-US" dirty="0"/>
-              <a:t>4/7/21</a:t>
+              <a:t>4/8/21</a:t>
             </a:fld>
             <a:endParaRPr lang="en-US" dirty="0"/>
           </a:p>
@@ -4859,7 +4860,7 @@
           <a:p>
             <a:fld id="{B61BEF0D-F0BB-DE4B-95CE-6DB70DBA9567}" type="datetimeFigureOut">
               <a:rPr lang="en-US" dirty="0"/>
-              <a:t>4/7/21</a:t>
+              <a:t>4/8/21</a:t>
             </a:fld>
             <a:endParaRPr lang="en-US" dirty="0"/>
           </a:p>
@@ -5054,7 +5055,7 @@
           <a:p>
             <a:fld id="{B61BEF0D-F0BB-DE4B-95CE-6DB70DBA9567}" type="datetimeFigureOut">
               <a:rPr lang="en-US" dirty="0"/>
-              <a:t>4/7/21</a:t>
+              <a:t>4/8/21</a:t>
             </a:fld>
             <a:endParaRPr lang="en-US" dirty="0"/>
           </a:p>
@@ -5325,7 +5326,7 @@
           <a:p>
             <a:fld id="{B61BEF0D-F0BB-DE4B-95CE-6DB70DBA9567}" type="datetimeFigureOut">
               <a:rPr lang="en-US" dirty="0"/>
-              <a:t>4/7/21</a:t>
+              <a:t>4/8/21</a:t>
             </a:fld>
             <a:endParaRPr lang="en-US" dirty="0"/>
           </a:p>
@@ -5586,7 +5587,7 @@
           <a:p>
             <a:fld id="{B61BEF0D-F0BB-DE4B-95CE-6DB70DBA9567}" type="datetimeFigureOut">
               <a:rPr lang="en-US" dirty="0"/>
-              <a:t>4/7/21</a:t>
+              <a:t>4/8/21</a:t>
             </a:fld>
             <a:endParaRPr lang="en-US" dirty="0"/>
           </a:p>
@@ -5955,7 +5956,7 @@
           <a:p>
             <a:fld id="{B61BEF0D-F0BB-DE4B-95CE-6DB70DBA9567}" type="datetimeFigureOut">
               <a:rPr lang="en-US" dirty="0"/>
-              <a:t>4/7/21</a:t>
+              <a:t>4/8/21</a:t>
             </a:fld>
             <a:endParaRPr lang="en-US" dirty="0"/>
           </a:p>
@@ -6098,7 +6099,7 @@
           <a:p>
             <a:fld id="{B61BEF0D-F0BB-DE4B-95CE-6DB70DBA9567}" type="datetimeFigureOut">
               <a:rPr lang="en-US" dirty="0"/>
-              <a:t>4/7/21</a:t>
+              <a:t>4/8/21</a:t>
             </a:fld>
             <a:endParaRPr lang="en-US" dirty="0"/>
           </a:p>
@@ -6218,7 +6219,7 @@
           <a:p>
             <a:fld id="{B61BEF0D-F0BB-DE4B-95CE-6DB70DBA9567}" type="datetimeFigureOut">
               <a:rPr lang="en-US" dirty="0"/>
-              <a:t>4/7/21</a:t>
+              <a:t>4/8/21</a:t>
             </a:fld>
             <a:endParaRPr lang="en-US" dirty="0"/>
           </a:p>
@@ -6498,7 +6499,7 @@
           <a:p>
             <a:fld id="{B61BEF0D-F0BB-DE4B-95CE-6DB70DBA9567}" type="datetimeFigureOut">
               <a:rPr lang="en-US" dirty="0"/>
-              <a:t>4/7/21</a:t>
+              <a:t>4/8/21</a:t>
             </a:fld>
             <a:endParaRPr lang="en-US" dirty="0"/>
           </a:p>
@@ -6817,7 +6818,7 @@
           <a:p>
             <a:fld id="{B61BEF0D-F0BB-DE4B-95CE-6DB70DBA9567}" type="datetimeFigureOut">
               <a:rPr lang="en-US" dirty="0"/>
-              <a:t>4/7/21</a:t>
+              <a:t>4/8/21</a:t>
             </a:fld>
             <a:endParaRPr lang="en-US" dirty="0"/>
           </a:p>
@@ -7026,7 +7027,7 @@
           <a:p>
             <a:fld id="{B61BEF0D-F0BB-DE4B-95CE-6DB70DBA9567}" type="datetimeFigureOut">
               <a:rPr lang="en-US" dirty="0"/>
-              <a:t>4/7/21</a:t>
+              <a:t>4/8/21</a:t>
             </a:fld>
             <a:endParaRPr lang="en-US" dirty="0"/>
           </a:p>
@@ -13101,6 +13102,187 @@
     <p:extLst>
       <p:ext uri="{BB962C8B-B14F-4D97-AF65-F5344CB8AC3E}">
         <p14:creationId xmlns:p14="http://schemas.microsoft.com/office/powerpoint/2010/main" val="1841869176"/>
+      </p:ext>
+    </p:extLst>
+  </p:cSld>
+  <p:clrMapOvr>
+    <a:masterClrMapping/>
+  </p:clrMapOvr>
+</p:sld>
+</file>
+
+<file path=ppt/slides/slide34.xml><?xml version="1.0" encoding="utf-8"?>
+<p:sld xmlns:a="http://schemas.openxmlformats.org/drawingml/2006/main" xmlns:r="http://schemas.openxmlformats.org/officeDocument/2006/relationships" xmlns:p="http://schemas.openxmlformats.org/presentationml/2006/main">
+  <p:cSld>
+    <p:spTree>
+      <p:nvGrpSpPr>
+        <p:cNvPr id="1" name=""/>
+        <p:cNvGrpSpPr/>
+        <p:nvPr/>
+      </p:nvGrpSpPr>
+      <p:grpSpPr>
+        <a:xfrm>
+          <a:off x="0" y="0"/>
+          <a:ext cx="0" cy="0"/>
+          <a:chOff x="0" y="0"/>
+          <a:chExt cx="0" cy="0"/>
+        </a:xfrm>
+      </p:grpSpPr>
+      <p:sp>
+        <p:nvSpPr>
+          <p:cNvPr id="6" name="矩形 5"/>
+          <p:cNvSpPr/>
+          <p:nvPr/>
+        </p:nvSpPr>
+        <p:spPr>
+          <a:xfrm>
+            <a:off x="2123514" y="966484"/>
+            <a:ext cx="4895850" cy="1845310"/>
+          </a:xfrm>
+          <a:prstGeom prst="rect">
+            <a:avLst/>
+          </a:prstGeom>
+        </p:spPr>
+        <p:txBody>
+          <a:bodyPr wrap="none">
+            <a:spAutoFit/>
+          </a:bodyPr>
+          <a:lstStyle/>
+          <a:p>
+            <a:pPr algn="ctr"/>
+            <a:r>
+              <a:rPr kumimoji="1" lang="en-US" altLang="zh-CN" sz="6000" dirty="0">
+                <a:latin typeface="Microsoft YaHei" panose="020B0503020204020204" pitchFamily="34" charset="-122"/>
+                <a:ea typeface="Microsoft YaHei" panose="020B0503020204020204" pitchFamily="34" charset="-122"/>
+              </a:rPr>
+              <a:t>Python</a:t>
+            </a:r>
+          </a:p>
+          <a:p>
+            <a:pPr algn="ctr"/>
+            <a:r>
+              <a:rPr kumimoji="1" lang="zh-CN" altLang="en-US" sz="5400" dirty="0">
+                <a:latin typeface="Microsoft YaHei" panose="020B0503020204020204" pitchFamily="34" charset="-122"/>
+                <a:ea typeface="Microsoft YaHei" panose="020B0503020204020204" pitchFamily="34" charset="-122"/>
+              </a:rPr>
+              <a:t>入门编程</a:t>
+            </a:r>
+            <a:r>
+              <a:rPr kumimoji="1" lang="en-US" altLang="zh-CN" sz="5400" dirty="0">
+                <a:latin typeface="Microsoft YaHei" panose="020B0503020204020204" pitchFamily="34" charset="-122"/>
+                <a:ea typeface="Microsoft YaHei" panose="020B0503020204020204" pitchFamily="34" charset="-122"/>
+              </a:rPr>
+              <a:t>100</a:t>
+            </a:r>
+            <a:r>
+              <a:rPr kumimoji="1" lang="zh-CN" altLang="en-US" sz="5400" dirty="0">
+                <a:latin typeface="Microsoft YaHei" panose="020B0503020204020204" pitchFamily="34" charset="-122"/>
+                <a:ea typeface="Microsoft YaHei" panose="020B0503020204020204" pitchFamily="34" charset="-122"/>
+              </a:rPr>
+              <a:t>例</a:t>
+            </a:r>
+          </a:p>
+        </p:txBody>
+      </p:sp>
+      <p:sp>
+        <p:nvSpPr>
+          <p:cNvPr id="3" name="矩形 2"/>
+          <p:cNvSpPr/>
+          <p:nvPr/>
+        </p:nvSpPr>
+        <p:spPr>
+          <a:xfrm>
+            <a:off x="1363110" y="2915671"/>
+            <a:ext cx="6417141" cy="1338828"/>
+          </a:xfrm>
+          <a:prstGeom prst="rect">
+            <a:avLst/>
+          </a:prstGeom>
+          <a:solidFill>
+            <a:srgbClr val="FFC000"/>
+          </a:solidFill>
+          <a:ln>
+            <a:noFill/>
+          </a:ln>
+        </p:spPr>
+        <p:style>
+          <a:lnRef idx="3">
+            <a:schemeClr val="lt1"/>
+          </a:lnRef>
+          <a:fillRef idx="1">
+            <a:schemeClr val="accent5"/>
+          </a:fillRef>
+          <a:effectRef idx="1">
+            <a:schemeClr val="accent5"/>
+          </a:effectRef>
+          <a:fontRef idx="minor">
+            <a:schemeClr val="lt1"/>
+          </a:fontRef>
+        </p:style>
+        <p:txBody>
+          <a:bodyPr wrap="none">
+            <a:spAutoFit/>
+          </a:bodyPr>
+          <a:lstStyle/>
+          <a:p>
+            <a:pPr algn="ctr"/>
+            <a:r>
+              <a:rPr kumimoji="1" lang="zh-CN" altLang="en-US" sz="4050" b="1" dirty="0">
+                <a:solidFill>
+                  <a:schemeClr val="bg1"/>
+                </a:solidFill>
+                <a:latin typeface="Microsoft YaHei" panose="020B0503020204020204" pitchFamily="34" charset="-122"/>
+                <a:ea typeface="Microsoft YaHei" panose="020B0503020204020204" pitchFamily="34" charset="-122"/>
+              </a:rPr>
+              <a:t>第</a:t>
+            </a:r>
+            <a:r>
+              <a:rPr kumimoji="1" lang="en-US" altLang="zh-CN" sz="4050" b="1" dirty="0">
+                <a:solidFill>
+                  <a:schemeClr val="bg1"/>
+                </a:solidFill>
+                <a:latin typeface="Microsoft YaHei" panose="020B0503020204020204" pitchFamily="34" charset="-122"/>
+                <a:ea typeface="Microsoft YaHei" panose="020B0503020204020204" pitchFamily="34" charset="-122"/>
+              </a:rPr>
+              <a:t>018</a:t>
+            </a:r>
+            <a:r>
+              <a:rPr kumimoji="1" lang="zh-CN" altLang="en-US" sz="4050" b="1" dirty="0">
+                <a:solidFill>
+                  <a:schemeClr val="bg1"/>
+                </a:solidFill>
+                <a:latin typeface="Microsoft YaHei" panose="020B0503020204020204" pitchFamily="34" charset="-122"/>
+                <a:ea typeface="Microsoft YaHei" panose="020B0503020204020204" pitchFamily="34" charset="-122"/>
+              </a:rPr>
+              <a:t>集</a:t>
+            </a:r>
+            <a:endParaRPr kumimoji="1" lang="en-US" altLang="zh-CN" sz="4050" b="1" dirty="0">
+              <a:solidFill>
+                <a:schemeClr val="bg1"/>
+              </a:solidFill>
+              <a:latin typeface="Microsoft YaHei" panose="020B0503020204020204" pitchFamily="34" charset="-122"/>
+              <a:ea typeface="Microsoft YaHei" panose="020B0503020204020204" pitchFamily="34" charset="-122"/>
+            </a:endParaRPr>
+          </a:p>
+          <a:p>
+            <a:pPr algn="ctr"/>
+            <a:r>
+              <a:rPr kumimoji="1" lang="zh-CN" altLang="en-US" sz="4050" b="1" dirty="0">
+                <a:solidFill>
+                  <a:schemeClr val="bg1"/>
+                </a:solidFill>
+                <a:latin typeface="Microsoft YaHei" panose="020B0503020204020204" pitchFamily="34" charset="-122"/>
+                <a:ea typeface="Microsoft YaHei" panose="020B0503020204020204" pitchFamily="34" charset="-122"/>
+              </a:rPr>
+              <a:t>计算班级的高分低分平均分</a:t>
+            </a:r>
+          </a:p>
+        </p:txBody>
+      </p:sp>
+    </p:spTree>
+    <p:extLst>
+      <p:ext uri="{BB962C8B-B14F-4D97-AF65-F5344CB8AC3E}">
+        <p14:creationId xmlns:p14="http://schemas.microsoft.com/office/powerpoint/2010/main" val="2355654176"/>
       </p:ext>
     </p:extLst>
   </p:cSld>
